--- a/filename.pptx
+++ b/filename.pptx
@@ -13,6 +13,28 @@
     <p:sldId id="258" r:id="rId9"/>
     <p:sldId id="259" r:id="rId10"/>
     <p:sldId id="260" r:id="rId11"/>
+    <p:sldId id="261" r:id="rId12"/>
+    <p:sldId id="262" r:id="rId13"/>
+    <p:sldId id="263" r:id="rId14"/>
+    <p:sldId id="264" r:id="rId15"/>
+    <p:sldId id="265" r:id="rId16"/>
+    <p:sldId id="266" r:id="rId17"/>
+    <p:sldId id="267" r:id="rId18"/>
+    <p:sldId id="268" r:id="rId19"/>
+    <p:sldId id="269" r:id="rId20"/>
+    <p:sldId id="270" r:id="rId21"/>
+    <p:sldId id="271" r:id="rId22"/>
+    <p:sldId id="272" r:id="rId23"/>
+    <p:sldId id="273" r:id="rId24"/>
+    <p:sldId id="274" r:id="rId25"/>
+    <p:sldId id="275" r:id="rId26"/>
+    <p:sldId id="276" r:id="rId27"/>
+    <p:sldId id="277" r:id="rId28"/>
+    <p:sldId id="278" r:id="rId29"/>
+    <p:sldId id="279" r:id="rId30"/>
+    <p:sldId id="280" r:id="rId31"/>
+    <p:sldId id="281" r:id="rId32"/>
+    <p:sldId id="282" r:id="rId33"/>
   </p:sldIdLst>
   <p:sldSz cx="12192000" cy="6858000"/>
   <p:notesSz cx="6858000" cy="9144000"/>
@@ -204,7 +226,7 @@
           <a:p>
             <a:fld id="{E466020D-F810-4842-86C4-360402F8F4EC}" type="datetimeFigureOut">
               <a:rPr lang="en-CH" smtClean="0"/>
-              <a:t>18/07/2025</a:t>
+              <a:t>20/07/2025</a:t>
             </a:fld>
             <a:endParaRPr lang="en-CH"/>
           </a:p>
@@ -737,8 +759,8 @@
         </p:nvSpPr>
         <p:spPr>
           <a:xfrm>
-            <a:off x="838199" y="1631074"/>
-            <a:ext cx="10515599" cy="1588116"/>
+            <a:off x="838196" y="1324249"/>
+            <a:ext cx="10515599" cy="3141428"/>
           </a:xfrm>
           <a:solidFill>
             <a:schemeClr val="bg1">
@@ -752,8 +774,11 @@
           </a:bodyPr>
           <a:lstStyle>
             <a:lvl1pPr marL="0" indent="0">
+              <a:spcBef>
+                <a:spcPts val="0"/>
+              </a:spcBef>
               <a:buNone/>
-              <a:defRPr sz="1400"/>
+              <a:defRPr sz="1100"/>
             </a:lvl1pPr>
           </a:lstStyle>
           <a:p>
@@ -916,89 +941,6 @@
       </p:graphicFrame>
       <p:sp>
         <p:nvSpPr>
-          <p:cNvPr id="8" name="Date Placeholder 7">
-            <a:extLst>
-              <a:ext uri="{FF2B5EF4-FFF2-40B4-BE49-F238E27FC236}">
-                <a16:creationId xmlns:a16="http://schemas.microsoft.com/office/drawing/2014/main" id="{CCC251E4-6A30-586A-E0CE-60451D3EBC71}"/>
-              </a:ext>
-            </a:extLst>
-          </p:cNvPr>
-          <p:cNvSpPr>
-            <a:spLocks noGrp="1"/>
-          </p:cNvSpPr>
-          <p:nvPr>
-            <p:ph type="dt" sz="half" idx="10"/>
-          </p:nvPr>
-        </p:nvSpPr>
-        <p:spPr/>
-        <p:txBody>
-          <a:bodyPr/>
-          <a:lstStyle/>
-          <a:p>
-            <a:fld id="{95DC32B3-4CC6-41D5-9051-FAB97CCC264E}" type="datetimeFigureOut">
-              <a:rPr lang="en-CH" smtClean="0"/>
-              <a:t>18/07/2025</a:t>
-            </a:fld>
-            <a:endParaRPr lang="en-CH"/>
-          </a:p>
-        </p:txBody>
-      </p:sp>
-      <p:sp>
-        <p:nvSpPr>
-          <p:cNvPr id="9" name="Footer Placeholder 8">
-            <a:extLst>
-              <a:ext uri="{FF2B5EF4-FFF2-40B4-BE49-F238E27FC236}">
-                <a16:creationId xmlns:a16="http://schemas.microsoft.com/office/drawing/2014/main" id="{3A42BAE8-1696-CB49-2598-549BEEBDF066}"/>
-              </a:ext>
-            </a:extLst>
-          </p:cNvPr>
-          <p:cNvSpPr>
-            <a:spLocks noGrp="1"/>
-          </p:cNvSpPr>
-          <p:nvPr>
-            <p:ph type="ftr" sz="quarter" idx="11"/>
-          </p:nvPr>
-        </p:nvSpPr>
-        <p:spPr/>
-        <p:txBody>
-          <a:bodyPr/>
-          <a:lstStyle/>
-          <a:p>
-            <a:endParaRPr lang="en-CH"/>
-          </a:p>
-        </p:txBody>
-      </p:sp>
-      <p:sp>
-        <p:nvSpPr>
-          <p:cNvPr id="10" name="Slide Number Placeholder 9">
-            <a:extLst>
-              <a:ext uri="{FF2B5EF4-FFF2-40B4-BE49-F238E27FC236}">
-                <a16:creationId xmlns:a16="http://schemas.microsoft.com/office/drawing/2014/main" id="{9F142D48-121D-4DDF-B06C-2CDB4FE7ADF8}"/>
-              </a:ext>
-            </a:extLst>
-          </p:cNvPr>
-          <p:cNvSpPr>
-            <a:spLocks noGrp="1"/>
-          </p:cNvSpPr>
-          <p:nvPr>
-            <p:ph type="sldNum" sz="quarter" idx="12"/>
-          </p:nvPr>
-        </p:nvSpPr>
-        <p:spPr/>
-        <p:txBody>
-          <a:bodyPr/>
-          <a:lstStyle/>
-          <a:p>
-            <a:fld id="{779C2BE0-65D7-4D0B-8C4D-733698A5A055}" type="slidenum">
-              <a:rPr lang="en-CH" smtClean="0"/>
-              <a:t>‹#›</a:t>
-            </a:fld>
-            <a:endParaRPr lang="en-CH"/>
-          </a:p>
-        </p:txBody>
-      </p:sp>
-      <p:sp>
-        <p:nvSpPr>
           <p:cNvPr id="6" name="Rectangle 5">
             <a:extLst>
               <a:ext uri="{FF2B5EF4-FFF2-40B4-BE49-F238E27FC236}">
@@ -1011,8 +953,8 @@
         </p:nvSpPr>
         <p:spPr>
           <a:xfrm>
-            <a:off x="838200" y="1149191"/>
-            <a:ext cx="10515598" cy="365125"/>
+            <a:off x="838200" y="1039723"/>
+            <a:ext cx="10515598" cy="252000"/>
           </a:xfrm>
           <a:prstGeom prst="rect">
             <a:avLst/>
@@ -1046,10 +988,10 @@
           <a:p>
             <a:pPr algn="ctr"/>
             <a:r>
-              <a:rPr lang="en-US" dirty="0"/>
-              <a:t>Requirement</a:t>
-            </a:r>
-            <a:endParaRPr lang="en-CH" dirty="0"/>
+              <a:rPr lang="en-US" sz="1400" dirty="0"/>
+              <a:t>ENISA guidelines</a:t>
+            </a:r>
+            <a:endParaRPr lang="en-CH" sz="1400" dirty="0"/>
           </a:p>
         </p:txBody>
       </p:sp>
@@ -1071,8 +1013,8 @@
         </p:nvSpPr>
         <p:spPr>
           <a:xfrm>
-            <a:off x="838199" y="4135240"/>
-            <a:ext cx="10515599" cy="1901267"/>
+            <a:off x="838196" y="4898137"/>
+            <a:ext cx="10515599" cy="1594737"/>
           </a:xfrm>
           <a:solidFill>
             <a:schemeClr val="bg1">
@@ -1086,8 +1028,11 @@
           </a:bodyPr>
           <a:lstStyle>
             <a:lvl1pPr marL="0" indent="0">
+              <a:spcBef>
+                <a:spcPts val="0"/>
+              </a:spcBef>
               <a:buNone/>
-              <a:defRPr sz="1400"/>
+              <a:defRPr sz="1100"/>
             </a:lvl1pPr>
           </a:lstStyle>
           <a:p>
@@ -1110,8 +1055,8 @@
         </p:nvSpPr>
         <p:spPr>
           <a:xfrm>
-            <a:off x="838201" y="3663863"/>
-            <a:ext cx="10515598" cy="365125"/>
+            <a:off x="838197" y="4632387"/>
+            <a:ext cx="10515598" cy="252000"/>
           </a:xfrm>
           <a:prstGeom prst="rect">
             <a:avLst/>
@@ -1145,10 +1090,10 @@
           <a:p>
             <a:pPr algn="ctr"/>
             <a:r>
-              <a:rPr lang="en-US" dirty="0"/>
-              <a:t>Summary</a:t>
-            </a:r>
-            <a:endParaRPr lang="en-CH" dirty="0"/>
+              <a:rPr lang="en-US" sz="1400" dirty="0"/>
+              <a:t>Implementation summary</a:t>
+            </a:r>
+            <a:endParaRPr lang="en-CH" sz="1400" dirty="0"/>
           </a:p>
         </p:txBody>
       </p:sp>
@@ -1245,8 +1190,8 @@
         </p:nvSpPr>
         <p:spPr>
           <a:xfrm>
-            <a:off x="838200" y="1593495"/>
-            <a:ext cx="6251532" cy="4483260"/>
+            <a:off x="838200" y="1354920"/>
+            <a:ext cx="6251532" cy="4755433"/>
           </a:xfrm>
           <a:solidFill>
             <a:schemeClr val="bg1">
@@ -1260,8 +1205,11 @@
           </a:bodyPr>
           <a:lstStyle>
             <a:lvl1pPr marL="0" indent="0">
+              <a:spcBef>
+                <a:spcPts val="0"/>
+              </a:spcBef>
               <a:buNone/>
-              <a:defRPr sz="1400">
+              <a:defRPr sz="1100">
                 <a:latin typeface="Aptos" panose="020B0004020202020204" pitchFamily="34" charset="0"/>
               </a:defRPr>
             </a:lvl1pPr>
@@ -1295,7 +1243,7 @@
           <a:p>
             <a:fld id="{95DC32B3-4CC6-41D5-9051-FAB97CCC264E}" type="datetimeFigureOut">
               <a:rPr lang="en-CH" smtClean="0"/>
-              <a:t>18/07/2025</a:t>
+              <a:t>20/07/2025</a:t>
             </a:fld>
             <a:endParaRPr lang="en-CH"/>
           </a:p>
@@ -1369,8 +1317,8 @@
         </p:nvSpPr>
         <p:spPr>
           <a:xfrm>
-            <a:off x="838200" y="1149191"/>
-            <a:ext cx="6251532" cy="365125"/>
+            <a:off x="838200" y="1045586"/>
+            <a:ext cx="6251532" cy="252000"/>
           </a:xfrm>
           <a:prstGeom prst="rect">
             <a:avLst/>
@@ -1404,10 +1352,10 @@
           <a:p>
             <a:pPr algn="ctr"/>
             <a:r>
-              <a:rPr lang="en-US" dirty="0"/>
+              <a:rPr lang="en-US" sz="1400" dirty="0"/>
               <a:t>Observations</a:t>
             </a:r>
-            <a:endParaRPr lang="en-CH" dirty="0"/>
+            <a:endParaRPr lang="en-CH" sz="1400" dirty="0"/>
           </a:p>
         </p:txBody>
       </p:sp>
@@ -1425,8 +1373,8 @@
         </p:nvSpPr>
         <p:spPr>
           <a:xfrm>
-            <a:off x="7239000" y="1144646"/>
-            <a:ext cx="4114800" cy="365125"/>
+            <a:off x="7239000" y="1053206"/>
+            <a:ext cx="4114800" cy="252000"/>
           </a:xfrm>
           <a:prstGeom prst="rect">
             <a:avLst/>
@@ -1460,10 +1408,10 @@
           <a:p>
             <a:pPr algn="ctr"/>
             <a:r>
-              <a:rPr lang="en-US" dirty="0"/>
+              <a:rPr lang="en-US" sz="1400" dirty="0"/>
               <a:t>Risks</a:t>
             </a:r>
-            <a:endParaRPr lang="en-CH" dirty="0"/>
+            <a:endParaRPr lang="en-CH" sz="1400" dirty="0"/>
           </a:p>
         </p:txBody>
       </p:sp>
@@ -1480,13 +1428,13 @@
             <a:spLocks noGrp="1"/>
           </p:cNvSpPr>
           <p:nvPr>
-            <p:ph type="body" sz="quarter" idx="13" hasCustomPrompt="1"/>
+            <p:ph type="body" sz="quarter" idx="13"/>
           </p:nvPr>
         </p:nvSpPr>
         <p:spPr>
           <a:xfrm>
-            <a:off x="7239000" y="1588950"/>
-            <a:ext cx="4114800" cy="4487805"/>
+            <a:off x="7239000" y="1354921"/>
+            <a:ext cx="4114800" cy="4755432"/>
           </a:xfrm>
           <a:solidFill>
             <a:schemeClr val="bg1">
@@ -1500,18 +1448,17 @@
           </a:bodyPr>
           <a:lstStyle>
             <a:lvl1pPr marL="0" indent="0">
+              <a:spcBef>
+                <a:spcPts val="0"/>
+              </a:spcBef>
               <a:buNone/>
-              <a:defRPr sz="1400">
+              <a:defRPr sz="1100">
                 <a:latin typeface="Aptos" panose="020B0004020202020204" pitchFamily="34" charset="0"/>
               </a:defRPr>
             </a:lvl1pPr>
           </a:lstStyle>
           <a:p>
             <a:pPr lvl="0"/>
-            <a:r>
-              <a:rPr lang="en-US" dirty="0"/>
-              <a:t>Object</a:t>
-            </a:r>
             <a:endParaRPr lang="en-CH" dirty="0"/>
           </a:p>
         </p:txBody>
@@ -1860,7 +1807,7 @@
           <a:p>
             <a:fld id="{95DC32B3-4CC6-41D5-9051-FAB97CCC264E}" type="datetimeFigureOut">
               <a:rPr lang="en-CH" smtClean="0"/>
-              <a:t>18/07/2025</a:t>
+              <a:t>20/07/2025</a:t>
             </a:fld>
             <a:endParaRPr lang="en-CH"/>
           </a:p>
@@ -2278,7 +2225,7 @@
           <a:lstStyle/>
           <a:p>
             <a:r>
-              <a:t>assessment report</a:t>
+              <a:t>NIS2 asessment</a:t>
             </a:r>
           </a:p>
         </p:txBody>
@@ -2297,7 +2244,1080 @@
         <p:txBody>
           <a:bodyPr/>
           <a:lstStyle/>
+          <a:p>
+            <a:r>
+              <a:t>Draft report</a:t>
+            </a:r>
+          </a:p>
+        </p:txBody>
+      </p:sp>
+    </p:spTree>
+  </p:cSld>
+  <p:clrMapOvr>
+    <a:masterClrMapping/>
+  </p:clrMapOvr>
+</p:sld>
+</file>
+
+<file path=ppt/slides/slide10.xml><?xml version="1.0" encoding="utf-8"?>
+<p:sld xmlns:a="http://schemas.openxmlformats.org/drawingml/2006/main" xmlns:p="http://schemas.openxmlformats.org/presentationml/2006/main" xmlns:r="http://schemas.openxmlformats.org/officeDocument/2006/relationships">
+  <p:cSld>
+    <p:spTree>
+      <p:nvGrpSpPr>
+        <p:cNvPr id="1" name=""/>
+        <p:cNvGrpSpPr/>
+        <p:nvPr/>
+      </p:nvGrpSpPr>
+      <p:grpSpPr/>
+      <p:sp>
+        <p:nvSpPr>
+          <p:cNvPr id="2" name="Title 1"/>
+          <p:cNvSpPr>
+            <a:spLocks noGrp="1"/>
+          </p:cNvSpPr>
+          <p:nvPr>
+            <p:ph type="title"/>
+          </p:nvPr>
+        </p:nvSpPr>
+        <p:spPr/>
+        <p:txBody>
+          <a:bodyPr/>
+          <a:lstStyle/>
+          <a:p>
+            <a:pPr>
+              <a:defRPr sz="2600"/>
+            </a:pPr>
+            <a:r>
+              <a:t>5.1 SUPPLY CHAIN SECURITY POLICY</a:t>
+            </a:r>
+          </a:p>
+        </p:txBody>
+      </p:sp>
+      <p:sp>
+        <p:nvSpPr>
+          <p:cNvPr id="3" name="Content Placeholder 2"/>
+          <p:cNvSpPr>
+            <a:spLocks noGrp="1"/>
+          </p:cNvSpPr>
+          <p:nvPr>
+            <p:ph idx="1"/>
+          </p:nvPr>
+        </p:nvSpPr>
+        <p:spPr/>
+        <p:txBody>
+          <a:bodyPr/>
+          <a:lstStyle/>
+          <a:p>
+            <a:r>
+              <a:t>5.1.1. For the purpose of Article 21(2), point (d) of Directive (EU) 2022/2555, the relevant entities shall establish, implement and apply a supply chain security policy which governs the relations with their direct suppliers and service providers to mitigate the identified risks to the security of network and information systems. In the supply chain security policy, the relevant entities shall identify their role in the supply chain and communicate it to their direct suppliers and service providers. 5.1.2. As part of the supply chain security policy referred to in point 5.1.1, the relevant entities shall lay down criteria to select and contract suppliers and service providers. Those criteria shall include the following: (a) the cybersecurity practices of the suppliers and service providers, including their secure development procedures; (b) the ability of the suppliers and service providers to meet cybersecurity specifications set by the relevant entities; (c) the overall quality and resilience of ICT products and ICT services and the cybersecurity risk-management measures embedded in them, including the risks and classification level of the ICT products and ICT services; (d) the ability of the relevant entities to diversify sources of supply and limit vendor lock-in, where applicable. 5.1.3. When establishing their supply chain security policy, relevant entities shall take into account the results of the coordinated security risk assessments of critical supply chains carried out in accordance with Article 22(1) of Directive (EU) 2022/2555, where applicable. 5.1.4. Based on the supply chain security policy and taking into account the results of the risk assessment carried out in accordance with point 2.1. of this Annex, the relevant entities shall ensure that their contracts with the suppliers and service providers specify, where appropriate through service level agreements, the following, where appropriate: (a) cybersecurity requirements for the suppliers or service providers, including requirements as regards the security in acquisition of ICT services or ICT products set out in point 6.1.; (b) requirements regarding awareness, skills and training and where appropriate certifications, required from the suppliers’ or service providers’ employees; (c) requirements regarding the verification of the background of the suppliers’ and service providers’ employees; (d) an obligation on suppliers and service providers to notify, without undue delay, the relevant entities of incidents that present a risk to the security of the network and information systems of those entities; (e) the right to audit or right to receive audit reports; (f) an obligation on suppliers and service providers to handle vulnerabilities that present a risk to the security of the network and information systems of the relevant entities; (g) requirements regarding subcontracting and, where the relevant entities allow subcontracting, cybersecurity requirements for subcontractors in accordance with the cybersecurity requirements referred to in point (a); (h) obligations on the suppliers and service providers at the termination of the contract, such as retrieval and disposal of the information obtained by the suppliers and service providers in the exercise of their tasks. 5.1.5. The relevant entities shall take into account the elements referred to in point 5.1.2 and 5.1.3. as part of the selection process of new suppliers and service providers, as well as part of the procurement process referred to in point 6.1. 5.1.6. The relevant entities shall review the supply chain security policy and monitor, evaluate and, where necessary, act upon changes in the cybersecurity practices of suppliers and service providers, at planned intervals and when significant changes to operations or risks or significant incidents related to the provision of ICT services or having impact on the security of the ICT products from suppliers and service providers occur. 5.1.7. For the purpose of point 5.1.6., the relevant entities shall: (a) regularly monitor reports on the implementation of the service level agreements, where applicable; (b) review incidents related to ICT products and ICT services from suppliers and service providers; (c) assess the need for unscheduled reviews and document the findings in a comprehensible manner; (d) analyse the risks presented by changes related to ICT products and ICT services from suppliers and service providers and, where appropriate, take mitigating measures in a timely manner. </a:t>
+            </a:r>
+          </a:p>
+        </p:txBody>
+      </p:sp>
+      <p:sp>
+        <p:nvSpPr>
+          <p:cNvPr id="4" name="Content Placeholder 3"/>
+          <p:cNvSpPr>
+            <a:spLocks noGrp="1"/>
+          </p:cNvSpPr>
+          <p:nvPr>
+            <p:ph idx="13"/>
+          </p:nvPr>
+        </p:nvSpPr>
+        <p:spPr/>
+        <p:txBody>
+          <a:bodyPr/>
+          <a:lstStyle/>
+          <a:p>
+            <a:r>
+              <a:t>The entity has centralized cybersecurity governance at head office with site representation, a group-level risk management team conducting assessments and local teams implementing mitigations, split incident response responsibilities between group and local functions, group-managed IT infrastructure and centrally scheduled data backups without immutability, general access managed via Active Directory with privileged credentials stored in KeePass, no regular access reviews, event monitoring by the SOC team, vulnerability management by the Basel IT security team using Tenable Nessus scans performed every two weeks with CVSS-based rating and ServiceNow reporting, remediation timelines of five days for severe, ten for medium and thirty for low risks, monthly vulnerability status reports, internet-connected patch distribution, selected product penetration testing, SBOM maintained by the product development team and public disclosure of vulnerabilities with direct notifications for severe cases. Missing information: establishment and maintenance of a supply chain security policy, supplier selection and contracting criteria, detailed contractual cybersecurity requirements, subcontractor requirements, supplier incident notification and audit clauses, policy review and monitoring of supplier cybersecurity practices.</a:t>
+            </a:r>
+          </a:p>
+        </p:txBody>
+      </p:sp>
+    </p:spTree>
+  </p:cSld>
+  <p:clrMapOvr>
+    <a:masterClrMapping/>
+  </p:clrMapOvr>
+</p:sld>
+</file>
+
+<file path=ppt/slides/slide11.xml><?xml version="1.0" encoding="utf-8"?>
+<p:sld xmlns:a="http://schemas.openxmlformats.org/drawingml/2006/main" xmlns:p="http://schemas.openxmlformats.org/presentationml/2006/main" xmlns:r="http://schemas.openxmlformats.org/officeDocument/2006/relationships">
+  <p:cSld>
+    <p:spTree>
+      <p:nvGrpSpPr>
+        <p:cNvPr id="1" name=""/>
+        <p:cNvGrpSpPr/>
+        <p:nvPr/>
+      </p:nvGrpSpPr>
+      <p:grpSpPr/>
+      <p:sp>
+        <p:nvSpPr>
+          <p:cNvPr id="2" name="Title 1"/>
+          <p:cNvSpPr>
+            <a:spLocks noGrp="1"/>
+          </p:cNvSpPr>
+          <p:nvPr>
+            <p:ph type="title"/>
+          </p:nvPr>
+        </p:nvSpPr>
+        <p:spPr/>
+        <p:txBody>
+          <a:bodyPr/>
+          <a:lstStyle/>
+          <a:p>
+            <a:pPr>
+              <a:defRPr sz="2600"/>
+            </a:pPr>
+            <a:r>
+              <a:t>5.1 SUPPLY CHAIN SECURITY POLICY</a:t>
+            </a:r>
+          </a:p>
+        </p:txBody>
+      </p:sp>
+      <p:sp>
+        <p:nvSpPr>
+          <p:cNvPr id="3" name="Content Placeholder 2"/>
+          <p:cNvSpPr>
+            <a:spLocks noGrp="1"/>
+          </p:cNvSpPr>
+          <p:nvPr>
+            <p:ph idx="1"/>
+          </p:nvPr>
+        </p:nvSpPr>
+        <p:spPr/>
+        <p:txBody>
+          <a:bodyPr/>
+          <a:lstStyle/>
+          <a:p>
+            <a:r>
+              <a:t>Finding 1: More information needed to conclude  </a:t>
+            </a:r>
+          </a:p>
+          <a:p>
+            <a:r>
+              <a:t>Notes make no reference to a supply chain security policy, supplier selection criteria, contractual cybersecurity clauses or ongoing monitoring of supplier practices as per NIS2 Art. 21(2)(d) and Annex 5.1.  </a:t>
+            </a:r>
+          </a:p>
+          <a:p>
+            <a:r>
+              <a:t>Follow-up questions:  </a:t>
+            </a:r>
+          </a:p>
+          <a:p>
+            <a:r>
+              <a:t>• Do you have a documented supply chain security policy?  </a:t>
+            </a:r>
+          </a:p>
+          <a:p>
+            <a:r>
+              <a:t>• What criteria are used when selecting and contracting suppliers or service providers?  </a:t>
+            </a:r>
+          </a:p>
+          <a:p>
+            <a:r>
+              <a:t>• Are cybersecurity requirements, incident-notification and audit rights included in supplier contracts?  </a:t>
+            </a:r>
+          </a:p>
+          <a:p>
+            <a:r>
+              <a:t>• How do you monitor and review supplier cybersecurity performance over time?</a:t>
+            </a:r>
+          </a:p>
+        </p:txBody>
+      </p:sp>
+      <p:sp>
+        <p:nvSpPr>
+          <p:cNvPr id="4" name="Text Placeholder 3"/>
+          <p:cNvSpPr>
+            <a:spLocks noGrp="1"/>
+          </p:cNvSpPr>
+          <p:nvPr>
+            <p:ph type="body" idx="13" sz="quarter"/>
+          </p:nvPr>
+        </p:nvSpPr>
+        <p:spPr/>
+        <p:txBody>
+          <a:bodyPr/>
+          <a:lstStyle/>
+          <a:p>
+            <a:r>
+              <a:t>No specific risks - more infortmation needed</a:t>
+            </a:r>
+          </a:p>
+        </p:txBody>
+      </p:sp>
+    </p:spTree>
+  </p:cSld>
+  <p:clrMapOvr>
+    <a:masterClrMapping/>
+  </p:clrMapOvr>
+</p:sld>
+</file>
+
+<file path=ppt/slides/slide12.xml><?xml version="1.0" encoding="utf-8"?>
+<p:sld xmlns:a="http://schemas.openxmlformats.org/drawingml/2006/main" xmlns:p="http://schemas.openxmlformats.org/presentationml/2006/main" xmlns:r="http://schemas.openxmlformats.org/officeDocument/2006/relationships">
+  <p:cSld>
+    <p:spTree>
+      <p:nvGrpSpPr>
+        <p:cNvPr id="1" name=""/>
+        <p:cNvGrpSpPr/>
+        <p:nvPr/>
+      </p:nvGrpSpPr>
+      <p:grpSpPr/>
+      <p:sp>
+        <p:nvSpPr>
+          <p:cNvPr id="2" name="Title 1"/>
+          <p:cNvSpPr>
+            <a:spLocks noGrp="1"/>
+          </p:cNvSpPr>
+          <p:nvPr>
+            <p:ph type="title"/>
+          </p:nvPr>
+        </p:nvSpPr>
+        <p:spPr/>
+        <p:txBody>
+          <a:bodyPr/>
+          <a:lstStyle/>
+          <a:p>
+            <a:pPr>
+              <a:defRPr sz="2600"/>
+            </a:pPr>
+            <a:r>
+              <a:t>5.2 DIRECTORY OF SUPPLIERS AND SERVICE PROVIDERS</a:t>
+            </a:r>
+          </a:p>
+        </p:txBody>
+      </p:sp>
+      <p:sp>
+        <p:nvSpPr>
+          <p:cNvPr id="3" name="Content Placeholder 2"/>
+          <p:cNvSpPr>
+            <a:spLocks noGrp="1"/>
+          </p:cNvSpPr>
+          <p:nvPr>
+            <p:ph idx="1"/>
+          </p:nvPr>
+        </p:nvSpPr>
+        <p:spPr/>
+        <p:txBody>
+          <a:bodyPr/>
+          <a:lstStyle/>
+          <a:p>
+            <a:r>
+              <a:t>The relevant entities shall maintain and keep up to date a registry of their direct suppliers and service providers, including: (a) contact points for each direct supplier and service provider; (b) a list of ICT products, ICT services and ICT processes provided by the direct supplier or service provider to the relevant entities. </a:t>
+            </a:r>
+          </a:p>
+        </p:txBody>
+      </p:sp>
+      <p:sp>
+        <p:nvSpPr>
+          <p:cNvPr id="4" name="Content Placeholder 3"/>
+          <p:cNvSpPr>
+            <a:spLocks noGrp="1"/>
+          </p:cNvSpPr>
+          <p:nvPr>
+            <p:ph idx="13"/>
+          </p:nvPr>
+        </p:nvSpPr>
+        <p:spPr/>
+        <p:txBody>
+          <a:bodyPr/>
+          <a:lstStyle/>
+          <a:p>
+            <a:r>
+              <a:t>The provided notes do not address the maintenance or update of a registry of direct suppliers and service providers. Missing information: evidence of a registry listing each supplier and service provider, designated contact points for each supplier and service provider, and a detailed enumeration of the ICT products, services and processes supplied to the entity.</a:t>
+            </a:r>
+          </a:p>
+        </p:txBody>
+      </p:sp>
+    </p:spTree>
+  </p:cSld>
+  <p:clrMapOvr>
+    <a:masterClrMapping/>
+  </p:clrMapOvr>
+</p:sld>
+</file>
+
+<file path=ppt/slides/slide13.xml><?xml version="1.0" encoding="utf-8"?>
+<p:sld xmlns:a="http://schemas.openxmlformats.org/drawingml/2006/main" xmlns:p="http://schemas.openxmlformats.org/presentationml/2006/main" xmlns:r="http://schemas.openxmlformats.org/officeDocument/2006/relationships">
+  <p:cSld>
+    <p:spTree>
+      <p:nvGrpSpPr>
+        <p:cNvPr id="1" name=""/>
+        <p:cNvGrpSpPr/>
+        <p:nvPr/>
+      </p:nvGrpSpPr>
+      <p:grpSpPr/>
+      <p:sp>
+        <p:nvSpPr>
+          <p:cNvPr id="2" name="Title 1"/>
+          <p:cNvSpPr>
+            <a:spLocks noGrp="1"/>
+          </p:cNvSpPr>
+          <p:nvPr>
+            <p:ph type="title"/>
+          </p:nvPr>
+        </p:nvSpPr>
+        <p:spPr/>
+        <p:txBody>
+          <a:bodyPr/>
+          <a:lstStyle/>
+          <a:p>
+            <a:pPr>
+              <a:defRPr sz="2600"/>
+            </a:pPr>
+            <a:r>
+              <a:t>5.2 DIRECTORY OF SUPPLIERS AND SERVICE PROVIDERS</a:t>
+            </a:r>
+          </a:p>
+        </p:txBody>
+      </p:sp>
+      <p:sp>
+        <p:nvSpPr>
+          <p:cNvPr id="3" name="Content Placeholder 2"/>
+          <p:cNvSpPr>
+            <a:spLocks noGrp="1"/>
+          </p:cNvSpPr>
+          <p:nvPr>
+            <p:ph idx="1"/>
+          </p:nvPr>
+        </p:nvSpPr>
+        <p:spPr/>
+        <p:txBody>
+          <a:bodyPr/>
+          <a:lstStyle/>
+          <a:p>
+            <a:r>
+              <a:t>1. Observation: No information in the notes about a maintained registry of direct suppliers and service providers, including contact points or lists of ICT products/services/processes.  </a:t>
+            </a:r>
+          </a:p>
+          <a:p>
+            <a:r>
+              <a:t>   More information needed to conclude.  </a:t>
+            </a:r>
+          </a:p>
+          <a:p>
+            <a:r>
+              <a:t>   Follow-up question: Please provide evidence of your registry of direct suppliers and service providers, with contact points and their associated ICT products, services, and processes.</a:t>
+            </a:r>
+          </a:p>
+        </p:txBody>
+      </p:sp>
+      <p:sp>
+        <p:nvSpPr>
+          <p:cNvPr id="4" name="Text Placeholder 3"/>
+          <p:cNvSpPr>
+            <a:spLocks noGrp="1"/>
+          </p:cNvSpPr>
+          <p:nvPr>
+            <p:ph type="body" idx="13" sz="quarter"/>
+          </p:nvPr>
+        </p:nvSpPr>
+        <p:spPr/>
+        <p:txBody>
+          <a:bodyPr/>
+          <a:lstStyle/>
+          <a:p>
+            <a:r>
+              <a:t>No specific risks - more information needed</a:t>
+            </a:r>
+          </a:p>
+        </p:txBody>
+      </p:sp>
+    </p:spTree>
+  </p:cSld>
+  <p:clrMapOvr>
+    <a:masterClrMapping/>
+  </p:clrMapOvr>
+</p:sld>
+</file>
+
+<file path=ppt/slides/slide14.xml><?xml version="1.0" encoding="utf-8"?>
+<p:sld xmlns:a="http://schemas.openxmlformats.org/drawingml/2006/main" xmlns:p="http://schemas.openxmlformats.org/presentationml/2006/main" xmlns:r="http://schemas.openxmlformats.org/officeDocument/2006/relationships">
+  <p:cSld>
+    <p:spTree>
+      <p:nvGrpSpPr>
+        <p:cNvPr id="1" name=""/>
+        <p:cNvGrpSpPr/>
+        <p:nvPr/>
+      </p:nvGrpSpPr>
+      <p:grpSpPr/>
+      <p:sp>
+        <p:nvSpPr>
+          <p:cNvPr id="2" name="Title 1"/>
+          <p:cNvSpPr>
+            <a:spLocks noGrp="1"/>
+          </p:cNvSpPr>
+          <p:nvPr>
+            <p:ph type="title"/>
+          </p:nvPr>
+        </p:nvSpPr>
+        <p:spPr/>
+        <p:txBody>
+          <a:bodyPr/>
+          <a:lstStyle/>
+          <a:p>
+            <a:pPr>
+              <a:defRPr sz="2600"/>
+            </a:pPr>
+            <a:r>
+              <a:t>6.10 VULNERABILITY HANDLING AND DISCLOSURE</a:t>
+            </a:r>
+          </a:p>
+        </p:txBody>
+      </p:sp>
+      <p:sp>
+        <p:nvSpPr>
+          <p:cNvPr id="3" name="Content Placeholder 2"/>
+          <p:cNvSpPr>
+            <a:spLocks noGrp="1"/>
+          </p:cNvSpPr>
+          <p:nvPr>
+            <p:ph idx="1"/>
+          </p:nvPr>
+        </p:nvSpPr>
+        <p:spPr/>
+        <p:txBody>
+          <a:bodyPr/>
+          <a:lstStyle/>
+          <a:p>
+            <a:r>
+              <a:t>6.10.1. The relevant entities shall obtain information about technical vulnerabilities in their network and information systems, evaluate their exposure to such vulnerabilities and take appropriate measures to manage the vulnerabilities. 6.10.2. For the purpose of point 6.10.1., the relevant entities shall: (a) monitor information about vulnerabilities through appropriate channels, such as announcements of CSIRTs, competent authorities or information provided by suppliers or service providers; (b) perform, where appropriate, vulnerability scans and record evidence of the results of the scans, at planned intervals; (c) address, without undue delay, vulnerabilities identified by the relevant entities as critical to their operations; (d) ensure that their vulnerability handling is compatible with their change management, security patch management, risk management and incident management procedures; (e) lay down a procedure for disclosing vulnerabilities in accordance with the applicable national coordinated vulnerability disclosure policy. 6.10.3. When justified by the potential impact of the vulnerability, the relevant entities shall create and implement a plan to mitigate the vulnerability. In other cases, the relevant entities shall document and substantiate the reason why the vulnerability does not require remediation. 6.10.4. The relevant entities shall review and, where appropriate, update at planned intervals the channels they use for monitoring vulnerability information. </a:t>
+            </a:r>
+          </a:p>
+        </p:txBody>
+      </p:sp>
+      <p:sp>
+        <p:nvSpPr>
+          <p:cNvPr id="4" name="Content Placeholder 3"/>
+          <p:cNvSpPr>
+            <a:spLocks noGrp="1"/>
+          </p:cNvSpPr>
+          <p:nvPr>
+            <p:ph idx="13"/>
+          </p:nvPr>
+        </p:nvSpPr>
+        <p:spPr/>
+        <p:txBody>
+          <a:bodyPr/>
+          <a:lstStyle/>
+          <a:p>
+            <a:r>
+              <a:t>The IT security team located in Basel performs organization-wide vulnerability scanning every two weeks using Tenable Nessus and records the results in the ServiceNow platform, rating detected vulnerabilities based on CVSS scores and producing monthly status reports. Remediation SLAs require that severe vulnerabilities be addressed within five days, medium within ten days and low within thirty days, with patches distributed via periodic internet-connected product updates. Selected products undergo penetration testing rated under an internal methodology and a software bill of materials is maintained by the product development team. Public vulnerability disclosure is conducted on the company website and severe vulnerabilities are communicated directly to users via email. Missing information: monitoring channels such as CSIRTs or supplier advisories, compatibility of vulnerability handling with change management, security patch management, risk and incident management, formal mitigation plans for high-impact vulnerabilities or justification for exceptions, and periodic review of monitoring channels.</a:t>
+            </a:r>
+          </a:p>
+        </p:txBody>
+      </p:sp>
+    </p:spTree>
+  </p:cSld>
+  <p:clrMapOvr>
+    <a:masterClrMapping/>
+  </p:clrMapOvr>
+</p:sld>
+</file>
+
+<file path=ppt/slides/slide15.xml><?xml version="1.0" encoding="utf-8"?>
+<p:sld xmlns:a="http://schemas.openxmlformats.org/drawingml/2006/main" xmlns:p="http://schemas.openxmlformats.org/presentationml/2006/main" xmlns:r="http://schemas.openxmlformats.org/officeDocument/2006/relationships">
+  <p:cSld>
+    <p:spTree>
+      <p:nvGrpSpPr>
+        <p:cNvPr id="1" name=""/>
+        <p:cNvGrpSpPr/>
+        <p:nvPr/>
+      </p:nvGrpSpPr>
+      <p:grpSpPr/>
+      <p:sp>
+        <p:nvSpPr>
+          <p:cNvPr id="2" name="Title 1"/>
+          <p:cNvSpPr>
+            <a:spLocks noGrp="1"/>
+          </p:cNvSpPr>
+          <p:nvPr>
+            <p:ph type="title"/>
+          </p:nvPr>
+        </p:nvSpPr>
+        <p:spPr/>
+        <p:txBody>
+          <a:bodyPr/>
+          <a:lstStyle/>
+          <a:p>
+            <a:pPr>
+              <a:defRPr sz="2600"/>
+            </a:pPr>
+            <a:r>
+              <a:t>6.10 VULNERABILITY HANDLING AND DISCLOSURE</a:t>
+            </a:r>
+          </a:p>
+        </p:txBody>
+      </p:sp>
+      <p:sp>
+        <p:nvSpPr>
+          <p:cNvPr id="3" name="Content Placeholder 2"/>
+          <p:cNvSpPr>
+            <a:spLocks noGrp="1"/>
+          </p:cNvSpPr>
+          <p:nvPr>
+            <p:ph idx="1"/>
+          </p:nvPr>
+        </p:nvSpPr>
+        <p:spPr/>
+        <p:txBody>
+          <a:bodyPr/>
+          <a:lstStyle/>
+          <a:p>
+            <a:r>
+              <a:t>1. Vulnerability Information Sources (6.10.2 a)  </a:t>
+            </a:r>
+          </a:p>
+          <a:p>
+            <a:r>
+              <a:t>More information needed to conclude whether the entity monitors vulnerability announcements from CSIRTs, competent authorities or suppliers.</a:t>
+            </a:r>
+          </a:p>
           <a:p/>
+          <a:p>
+            <a:r>
+              <a:t>2. Integration with Management Processes (6.10.2 d)  </a:t>
+            </a:r>
+          </a:p>
+          <a:p>
+            <a:r>
+              <a:t>More information needed to conclude whether vulnerability handling is integrated with change management, patch management, risk management and incident management.</a:t>
+            </a:r>
+          </a:p>
+          <a:p/>
+          <a:p>
+            <a:r>
+              <a:t>3. Coordinated Disclosure Procedure (6.10.2 e)  </a:t>
+            </a:r>
+          </a:p>
+          <a:p>
+            <a:r>
+              <a:t>More information needed to conclude whether there is a documented procedure aligned with the applicable national coordinated vulnerability disclosure policy.</a:t>
+            </a:r>
+          </a:p>
+          <a:p/>
+          <a:p>
+            <a:r>
+              <a:t>4. Non-Remediation Justification (6.10.3)  </a:t>
+            </a:r>
+          </a:p>
+          <a:p>
+            <a:r>
+              <a:t>More information needed to conclude whether the entity documents and substantiates reasons for not remediating non-critical vulnerabilities.</a:t>
+            </a:r>
+          </a:p>
+          <a:p/>
+          <a:p>
+            <a:r>
+              <a:t>5. Review of Monitoring Channels (6.10.4)  </a:t>
+            </a:r>
+          </a:p>
+          <a:p>
+            <a:r>
+              <a:t>More information needed to conclude whether the channels used for vulnerability information are reviewed or updated at planned intervals.</a:t>
+            </a:r>
+          </a:p>
+        </p:txBody>
+      </p:sp>
+      <p:sp>
+        <p:nvSpPr>
+          <p:cNvPr id="4" name="Text Placeholder 3"/>
+          <p:cNvSpPr>
+            <a:spLocks noGrp="1"/>
+          </p:cNvSpPr>
+          <p:nvPr>
+            <p:ph type="body" idx="13" sz="quarter"/>
+          </p:nvPr>
+        </p:nvSpPr>
+        <p:spPr/>
+        <p:txBody>
+          <a:bodyPr/>
+          <a:lstStyle/>
+          <a:p>
+            <a:r>
+              <a:t>1. No specific risks – more information needed  </a:t>
+            </a:r>
+          </a:p>
+          <a:p>
+            <a:r>
+              <a:t>2. No specific risks – more information needed  </a:t>
+            </a:r>
+          </a:p>
+          <a:p>
+            <a:r>
+              <a:t>3. No specific risks – more information needed  </a:t>
+            </a:r>
+          </a:p>
+          <a:p>
+            <a:r>
+              <a:t>4. No specific risks – more information needed  </a:t>
+            </a:r>
+          </a:p>
+          <a:p>
+            <a:r>
+              <a:t>5. No specific risks – more information needed</a:t>
+            </a:r>
+          </a:p>
+        </p:txBody>
+      </p:sp>
+    </p:spTree>
+  </p:cSld>
+  <p:clrMapOvr>
+    <a:masterClrMapping/>
+  </p:clrMapOvr>
+</p:sld>
+</file>
+
+<file path=ppt/slides/slide16.xml><?xml version="1.0" encoding="utf-8"?>
+<p:sld xmlns:a="http://schemas.openxmlformats.org/drawingml/2006/main" xmlns:p="http://schemas.openxmlformats.org/presentationml/2006/main" xmlns:r="http://schemas.openxmlformats.org/officeDocument/2006/relationships">
+  <p:cSld>
+    <p:spTree>
+      <p:nvGrpSpPr>
+        <p:cNvPr id="1" name=""/>
+        <p:cNvGrpSpPr/>
+        <p:nvPr/>
+      </p:nvGrpSpPr>
+      <p:grpSpPr/>
+      <p:sp>
+        <p:nvSpPr>
+          <p:cNvPr id="2" name="Title 1"/>
+          <p:cNvSpPr>
+            <a:spLocks noGrp="1"/>
+          </p:cNvSpPr>
+          <p:nvPr>
+            <p:ph type="title"/>
+          </p:nvPr>
+        </p:nvSpPr>
+        <p:spPr/>
+        <p:txBody>
+          <a:bodyPr/>
+          <a:lstStyle/>
+          <a:p>
+            <a:pPr>
+              <a:defRPr sz="2600"/>
+            </a:pPr>
+            <a:r>
+              <a:t>9. Cryptography</a:t>
+            </a:r>
+          </a:p>
+        </p:txBody>
+      </p:sp>
+      <p:sp>
+        <p:nvSpPr>
+          <p:cNvPr id="3" name="Content Placeholder 2"/>
+          <p:cNvSpPr>
+            <a:spLocks noGrp="1"/>
+          </p:cNvSpPr>
+          <p:nvPr>
+            <p:ph idx="1"/>
+          </p:nvPr>
+        </p:nvSpPr>
+        <p:spPr/>
+        <p:txBody>
+          <a:bodyPr/>
+          <a:lstStyle/>
+          <a:p>
+            <a:r>
+              <a:t>9.1. For the purpose of Article 21(2), point (h) of Directive (EU) 2022/2555, the relevant entities shall establish, implement and apply a policy and procedures related to cryptography, with a view to ensuring adequate and effective use of cryptography to protect the confidentiality, authenticity and integrity of data in line with the relevant entities’ asset classification and the results of the risk assessment carried out pursuant to point 2.1. 9.2. The policy and procedures referred to in point 9.1 shall establish: (a) in accordance with the relevant entities’ classification of assets, the type, strength and quality of the cryptographic measures required to protect the relevant entities’ assets, including data at rest and data in transit; (b) based on point (a), the protocols or families of protocols to be adopted, as well as cryptographic algorithms, cipher strength, cryptographic solutions and usage practices to be approved and required for use in the relevant entities, following, where appropriate, a cryptographic agility approach; (c) the relevant entities’ approach to key management, including, where appropriate, methods for the following: (i) generating different keys for cryptographic systems and applications; (ii) issuing and obtaining public key certificates; (iii) distributing keys to intended entities, including how to activate keys when received; (iv) storing keys, including how authorised users obtain access to keys; (v) changing or updating keys, including rules on when and how to change keys; (vi) dealing with compromised keys; (vii) revoking keys including how to withdraw or deactivate keys; (viii) recovering lost or corrupted keys; (ix) backing up or archiving keys; (x) destroying keys; (xi) logging and auditing of key management-related activities; (xii) setting activation and deactivation dates for keys ensuring that the keys can only be used for the specified period of time according to the organization's rules on key management. (83) Non-exhaustive list of standards: • NIST special publications: SP 800-175A, SP 800-175B, SP 800-56A/B, SP 800-57; • Federal Information Processing Standards 197, 202, 186-4; • ISO/IEC: 19790, 18033; • BSI TR-02102-1 ‘Cryptographic Mechanisms: Recommendations and Key Lengths’, Version: 2025-1, January 31, 2025.  9.3. The relevant entities shall review and, where appropriate, update their policy and procedures at planned intervals, taking into account the state of the art in cryptography. </a:t>
+            </a:r>
+          </a:p>
+        </p:txBody>
+      </p:sp>
+      <p:sp>
+        <p:nvSpPr>
+          <p:cNvPr id="4" name="Content Placeholder 3"/>
+          <p:cNvSpPr>
+            <a:spLocks noGrp="1"/>
+          </p:cNvSpPr>
+          <p:nvPr>
+            <p:ph idx="13"/>
+          </p:nvPr>
+        </p:nvSpPr>
+        <p:spPr/>
+        <p:txBody>
+          <a:bodyPr/>
+          <a:lstStyle/>
+          <a:p>
+            <a:r>
+              <a:t>The audit notes do not reference any policies, procedures, or practices related to the use of cryptography, cryptographic algorithms, key management, or cryptographic standards for protecting data at rest or in transit, nor any review process for updating such measures.  </a:t>
+            </a:r>
+          </a:p>
+          <a:p>
+            <a:r>
+              <a:t>Missing information: establishment of a cryptography policy aligned to asset classification and risk assessment, definition of required cryptographic measures, approved protocols and cipher strengths, cryptographic agility approach, comprehensive key management processes (generation, issuance, distribution, storage, update, compromise handling, revocation, recovery, backup, destruction, logging and auditing, activation periods), reference to recognised standards, and planned periodic reviews.</a:t>
+            </a:r>
+          </a:p>
+        </p:txBody>
+      </p:sp>
+    </p:spTree>
+  </p:cSld>
+  <p:clrMapOvr>
+    <a:masterClrMapping/>
+  </p:clrMapOvr>
+</p:sld>
+</file>
+
+<file path=ppt/slides/slide17.xml><?xml version="1.0" encoding="utf-8"?>
+<p:sld xmlns:a="http://schemas.openxmlformats.org/drawingml/2006/main" xmlns:p="http://schemas.openxmlformats.org/presentationml/2006/main" xmlns:r="http://schemas.openxmlformats.org/officeDocument/2006/relationships">
+  <p:cSld>
+    <p:spTree>
+      <p:nvGrpSpPr>
+        <p:cNvPr id="1" name=""/>
+        <p:cNvGrpSpPr/>
+        <p:nvPr/>
+      </p:nvGrpSpPr>
+      <p:grpSpPr/>
+      <p:sp>
+        <p:nvSpPr>
+          <p:cNvPr id="2" name="Title 1"/>
+          <p:cNvSpPr>
+            <a:spLocks noGrp="1"/>
+          </p:cNvSpPr>
+          <p:nvPr>
+            <p:ph type="title"/>
+          </p:nvPr>
+        </p:nvSpPr>
+        <p:spPr/>
+        <p:txBody>
+          <a:bodyPr/>
+          <a:lstStyle/>
+          <a:p>
+            <a:pPr>
+              <a:defRPr sz="2600"/>
+            </a:pPr>
+            <a:r>
+              <a:t>9. Cryptography</a:t>
+            </a:r>
+          </a:p>
+        </p:txBody>
+      </p:sp>
+      <p:sp>
+        <p:nvSpPr>
+          <p:cNvPr id="3" name="Content Placeholder 2"/>
+          <p:cNvSpPr>
+            <a:spLocks noGrp="1"/>
+          </p:cNvSpPr>
+          <p:nvPr>
+            <p:ph idx="1"/>
+          </p:nvPr>
+        </p:nvSpPr>
+        <p:spPr/>
+        <p:txBody>
+          <a:bodyPr/>
+          <a:lstStyle/>
+          <a:p>
+            <a:r>
+              <a:t>1. More information needed to conclude  </a:t>
+            </a:r>
+          </a:p>
+          <a:p>
+            <a:r>
+              <a:t>   Notes include no reference to a formal cryptography policy or procedures aligned with asset classification and risk assessment.  </a:t>
+            </a:r>
+          </a:p>
+          <a:p>
+            <a:r>
+              <a:t>   Follow-up: Please provide the organization’s cryptography policy and evidence of its adoption.</a:t>
+            </a:r>
+          </a:p>
+          <a:p/>
+          <a:p>
+            <a:r>
+              <a:t>2. More information needed to conclude  </a:t>
+            </a:r>
+          </a:p>
+          <a:p>
+            <a:r>
+              <a:t>   No details on required cryptographic measures (algorithms, cipher strengths, protocols) for data at rest or in transit.  </a:t>
+            </a:r>
+          </a:p>
+          <a:p>
+            <a:r>
+              <a:t>   Follow-up: Supply documentation specifying approved cryptographic algorithms, protocols, and strength requirements.</a:t>
+            </a:r>
+          </a:p>
+          <a:p/>
+          <a:p>
+            <a:r>
+              <a:t>3. More information needed to conclude  </a:t>
+            </a:r>
+          </a:p>
+          <a:p>
+            <a:r>
+              <a:t>   Key management practices (generation, distribution, storage, rotation, revocation, recovery, logging) are not described.  </a:t>
+            </a:r>
+          </a:p>
+          <a:p>
+            <a:r>
+              <a:t>   Follow-up: Request key management procedures covering all lifecycle activities.</a:t>
+            </a:r>
+          </a:p>
+          <a:p/>
+          <a:p>
+            <a:r>
+              <a:t>4. More information needed to conclude  </a:t>
+            </a:r>
+          </a:p>
+          <a:p>
+            <a:r>
+              <a:t>   There is no mention of scheduled reviews or updates to cryptographic policies in line with state-of-the-art developments.  </a:t>
+            </a:r>
+          </a:p>
+          <a:p>
+            <a:r>
+              <a:t>   Follow-up: Provide records of planned intervals for policy review and update.</a:t>
+            </a:r>
+          </a:p>
+        </p:txBody>
+      </p:sp>
+      <p:sp>
+        <p:nvSpPr>
+          <p:cNvPr id="4" name="Text Placeholder 3"/>
+          <p:cNvSpPr>
+            <a:spLocks noGrp="1"/>
+          </p:cNvSpPr>
+          <p:nvPr>
+            <p:ph type="body" idx="13" sz="quarter"/>
+          </p:nvPr>
+        </p:nvSpPr>
+        <p:spPr/>
+        <p:txBody>
+          <a:bodyPr/>
+          <a:lstStyle/>
+          <a:p>
+            <a:r>
+              <a:t>1. No specific risks – more infortmation needed</a:t>
+            </a:r>
+          </a:p>
+          <a:p/>
+          <a:p>
+            <a:r>
+              <a:t>2. No specific risks – more infortmation needed</a:t>
+            </a:r>
+          </a:p>
+          <a:p/>
+          <a:p>
+            <a:r>
+              <a:t>3. No specific risks – more infortmation needed</a:t>
+            </a:r>
+          </a:p>
+          <a:p/>
+          <a:p>
+            <a:r>
+              <a:t>4. No specific risks – more infortmation needed</a:t>
+            </a:r>
+          </a:p>
+        </p:txBody>
+      </p:sp>
+    </p:spTree>
+  </p:cSld>
+  <p:clrMapOvr>
+    <a:masterClrMapping/>
+  </p:clrMapOvr>
+</p:sld>
+</file>
+
+<file path=ppt/slides/slide18.xml><?xml version="1.0" encoding="utf-8"?>
+<p:sld xmlns:a="http://schemas.openxmlformats.org/drawingml/2006/main" xmlns:p="http://schemas.openxmlformats.org/presentationml/2006/main" xmlns:r="http://schemas.openxmlformats.org/officeDocument/2006/relationships">
+  <p:cSld>
+    <p:spTree>
+      <p:nvGrpSpPr>
+        <p:cNvPr id="1" name=""/>
+        <p:cNvGrpSpPr/>
+        <p:nvPr/>
+      </p:nvGrpSpPr>
+      <p:grpSpPr/>
+      <p:sp>
+        <p:nvSpPr>
+          <p:cNvPr id="2" name="Title 1"/>
+          <p:cNvSpPr>
+            <a:spLocks noGrp="1"/>
+          </p:cNvSpPr>
+          <p:nvPr>
+            <p:ph type="title"/>
+          </p:nvPr>
+        </p:nvSpPr>
+        <p:spPr/>
+        <p:txBody>
+          <a:bodyPr/>
+          <a:lstStyle/>
+          <a:p>
+            <a:pPr>
+              <a:defRPr sz="2600"/>
+            </a:pPr>
+            <a:r>
+              <a:t>10.1 HUMAN RESOURCES SECURITY</a:t>
+            </a:r>
+          </a:p>
+        </p:txBody>
+      </p:sp>
+      <p:sp>
+        <p:nvSpPr>
+          <p:cNvPr id="3" name="Content Placeholder 2"/>
+          <p:cNvSpPr>
+            <a:spLocks noGrp="1"/>
+          </p:cNvSpPr>
+          <p:nvPr>
+            <p:ph idx="1"/>
+          </p:nvPr>
+        </p:nvSpPr>
+        <p:spPr/>
+        <p:txBody>
+          <a:bodyPr/>
+          <a:lstStyle/>
+          <a:p>
+            <a:r>
+              <a:t>10.1.1. For the purpose of Article 21(2), point (i) of Directive (EU) 2022/2555, the relevant entities shall ensure that their employees and direct suppliers and service providers, wherever applicable, understand and commit to their security responsibilities, as appropriate for the offered services and the job and in line with the relevant entities’ policy on the security of network and information systems. 10.1.2. The requirement referred to in point 10.1.1. shall include the following: (a) mechanisms to ensure that all employees, direct suppliers and service providers, wherever applicable, understand and follow the standard cyber hygiene practices that the entities apply pursuant to point 8.1.; (b) mechanisms to ensure that all users with administrative or privileged access are aware of and act in accordance with their roles, responsibilities and authorities; (c) mechanisms to ensure that members of management bodies understand and act in accordance with their role, responsibilities and authorities regarding network and information system security; (d) mechanisms for hiring personnel qualified for the respective roles, such as reference checks, vetting procedures, validation of certifications or written tests. 10.1.3. The relevant entities shall review the assignment of personnel to specific roles as referred to in point 1.2., as well as their commitment of human resources in that regard, at planned intervals and at least annually. They shall update the assignment where necessary. </a:t>
+            </a:r>
+          </a:p>
+        </p:txBody>
+      </p:sp>
+      <p:sp>
+        <p:nvSpPr>
+          <p:cNvPr id="4" name="Content Placeholder 3"/>
+          <p:cNvSpPr>
+            <a:spLocks noGrp="1"/>
+          </p:cNvSpPr>
+          <p:nvPr>
+            <p:ph idx="13"/>
+          </p:nvPr>
+        </p:nvSpPr>
+        <p:spPr/>
+        <p:txBody>
+          <a:bodyPr/>
+          <a:lstStyle/>
+          <a:p>
+            <a:r>
+              <a:t>The organization maintains group-level cybersecurity governance with site representatives and employs Active Directory for general access and a Keepass tool for storing privileged credentials accessible only to system administrators, issuing named non-privileged accounts for each user. Credential management controls are in place but no access reviews are conducted. Missing information: mechanisms to ensure employees, direct suppliers and service providers understand and follow cyber hygiene practices; processes to ensure administrative and management roles are aware of and act on their security responsibilities; vetting procedures for personnel recruitment; and planned, at least annual, reviews of personnel role assignments.</a:t>
+            </a:r>
+          </a:p>
+        </p:txBody>
+      </p:sp>
+    </p:spTree>
+  </p:cSld>
+  <p:clrMapOvr>
+    <a:masterClrMapping/>
+  </p:clrMapOvr>
+</p:sld>
+</file>
+
+<file path=ppt/slides/slide19.xml><?xml version="1.0" encoding="utf-8"?>
+<p:sld xmlns:a="http://schemas.openxmlformats.org/drawingml/2006/main" xmlns:p="http://schemas.openxmlformats.org/presentationml/2006/main" xmlns:r="http://schemas.openxmlformats.org/officeDocument/2006/relationships">
+  <p:cSld>
+    <p:spTree>
+      <p:nvGrpSpPr>
+        <p:cNvPr id="1" name=""/>
+        <p:cNvGrpSpPr/>
+        <p:nvPr/>
+      </p:nvGrpSpPr>
+      <p:grpSpPr/>
+      <p:sp>
+        <p:nvSpPr>
+          <p:cNvPr id="2" name="Title 1"/>
+          <p:cNvSpPr>
+            <a:spLocks noGrp="1"/>
+          </p:cNvSpPr>
+          <p:nvPr>
+            <p:ph type="title"/>
+          </p:nvPr>
+        </p:nvSpPr>
+        <p:spPr/>
+        <p:txBody>
+          <a:bodyPr/>
+          <a:lstStyle/>
+          <a:p>
+            <a:pPr>
+              <a:defRPr sz="2600"/>
+            </a:pPr>
+            <a:r>
+              <a:t>10.1 HUMAN RESOURCES SECURITY</a:t>
+            </a:r>
+          </a:p>
+        </p:txBody>
+      </p:sp>
+      <p:sp>
+        <p:nvSpPr>
+          <p:cNvPr id="3" name="Content Placeholder 2"/>
+          <p:cNvSpPr>
+            <a:spLocks noGrp="1"/>
+          </p:cNvSpPr>
+          <p:nvPr>
+            <p:ph idx="1"/>
+          </p:nvPr>
+        </p:nvSpPr>
+        <p:spPr/>
+        <p:txBody>
+          <a:bodyPr/>
+          <a:lstStyle/>
+          <a:p>
+            <a:r>
+              <a:t>1. More information needed to conclude whether employees, direct suppliers and service providers receive and acknowledge defined security responsibilities (10.1.1–10.1.2a–c).  </a:t>
+            </a:r>
+          </a:p>
+          <a:p>
+            <a:r>
+              <a:t>   Follow-up: Provide evidence of security-responsibility communications, awareness training records, or acknowledgement logs.</a:t>
+            </a:r>
+          </a:p>
+          <a:p/>
+          <a:p>
+            <a:r>
+              <a:t>2. More information needed to conclude whether vetting procedures (reference checks, certification validation or written tests) are in place when hiring personnel for critical security roles (10.1.2d).  </a:t>
+            </a:r>
+          </a:p>
+          <a:p>
+            <a:r>
+              <a:t>   Follow-up: Share hiring policy details and records of reference checks, certification validations or examination results.</a:t>
+            </a:r>
+          </a:p>
+          <a:p/>
+          <a:p>
+            <a:r>
+              <a:t>3. More information needed to conclude whether role assignments are reviewed at planned intervals and at least annually (10.1.3).  </a:t>
+            </a:r>
+          </a:p>
+          <a:p>
+            <a:r>
+              <a:t>   Follow-up: Provide schedule and records of personnel-role assignment reviews.</a:t>
+            </a:r>
+          </a:p>
+        </p:txBody>
+      </p:sp>
+      <p:sp>
+        <p:nvSpPr>
+          <p:cNvPr id="4" name="Text Placeholder 3"/>
+          <p:cNvSpPr>
+            <a:spLocks noGrp="1"/>
+          </p:cNvSpPr>
+          <p:nvPr>
+            <p:ph type="body" idx="13" sz="quarter"/>
+          </p:nvPr>
+        </p:nvSpPr>
+        <p:spPr/>
+        <p:txBody>
+          <a:bodyPr/>
+          <a:lstStyle/>
+          <a:p>
+            <a:r>
+              <a:t>1. No specific risks – more information needed.</a:t>
+            </a:r>
+          </a:p>
+          <a:p/>
+          <a:p>
+            <a:r>
+              <a:t>2. No specific risks – more information needed.</a:t>
+            </a:r>
+          </a:p>
+          <a:p/>
+          <a:p>
+            <a:r>
+              <a:t>3. No specific risks – more information needed.</a:t>
+            </a:r>
+          </a:p>
         </p:txBody>
       </p:sp>
     </p:spTree>
@@ -2337,7 +3357,7 @@
               <a:defRPr sz="2600"/>
             </a:pPr>
             <a:r>
-              <a:t>Article 21</a:t>
+              <a:t>1.1 POLICY ON THE SECURITY OF NETWORK AND INFORMATION SYSTEMS</a:t>
             </a:r>
           </a:p>
         </p:txBody>
@@ -2358,7 +3378,7 @@
           <a:lstStyle/>
           <a:p>
             <a:r>
-              <a:t>This is a requirement text</a:t>
+              <a:t>1.1.1. For the purpose of Article 21(2), point (a) of Directive (EU) 2022/2555, the policy on the security of network and information systems shall: (a) set out the relevant entities’ approach to managing the security of their network and information systems; (b) be appropriate to and complementary with the relevant entities’ business strategy and objectives; (c) set out network and information security objectives; (d) include a commitment to continual improvement of the security of network and information systems; (e) include a commitment to provide the appropriate resources needed for its implementation, including the necessary staff, financial resources, processes, tools and technologies; (f) be communicated to and acknowledged by relevant employees and relevant interested external parties; (g) lay down roles and responsibilities pursuant to point 1.2; (h) list the documentation to be kept and the duration of retention of the documentation; (i) list the topic-specific policies; (j) lay down indicators and measures to monitor its implementation and the current status of relevant entities’ maturity level of network and information security; (k) indicate the date of the formal approval by the management bodies of the relevant entities (the ‘management bodies’). 1.1.2. The network and information system security policy shall be reviewed and, where appropriate, updated by management bodies at least annually and when significant incidents or significant changes to operations or risks occur. The result of the reviews shall be documented. </a:t>
             </a:r>
           </a:p>
         </p:txBody>
@@ -2379,7 +3399,861 @@
           <a:lstStyle/>
           <a:p>
             <a:r>
-              <a:t>this is a summary</a:t>
+              <a:t>The organization’s cybersecurity governance is centralized at the head office with site representatives, while a group-level risk management team conducts risk assessments and local teams implement mitigation measures. Incident response duties are divided between group and local functions. IT infrastructure is managed centrally and operational technology locally, with data backups scheduled centrally but without immutable storage. Access controls use Active Directory for general accounts and KeePass for privileged credentials, though no periodic access reviews are performed. Event monitoring is handled by the SOC team. Vulnerability management is conducted by the Basel IT security team using Tenable Nessus scans every two weeks, with CVSS-based reporting in ServiceNow and remediation timelines of five days for severe, ten days for medium and thirty days for low risks. Patches are distributed via internet-connected updates, and selected products undergo penetration testing with results rated by internal methodology. A software bill of materials is maintained by product development, and public disclosures of vulnerabilities are made on the company website with severe issue notifications sent by email.  </a:t>
+            </a:r>
+          </a:p>
+          <a:p>
+            <a:r>
+              <a:t>Missing information: existence and content of a formal security policy document, alignment with business strategy, defined security objectives, commitment to continual improvement and resource allocation, communication and acknowledgment procedures, documentation retention policies, topic-specific policies, implementation indicators and maturity metrics, date of formal management approval, and annual or incident-driven policy review documentation.</a:t>
+            </a:r>
+          </a:p>
+        </p:txBody>
+      </p:sp>
+    </p:spTree>
+  </p:cSld>
+  <p:clrMapOvr>
+    <a:masterClrMapping/>
+  </p:clrMapOvr>
+</p:sld>
+</file>
+
+<file path=ppt/slides/slide20.xml><?xml version="1.0" encoding="utf-8"?>
+<p:sld xmlns:a="http://schemas.openxmlformats.org/drawingml/2006/main" xmlns:p="http://schemas.openxmlformats.org/presentationml/2006/main" xmlns:r="http://schemas.openxmlformats.org/officeDocument/2006/relationships">
+  <p:cSld>
+    <p:spTree>
+      <p:nvGrpSpPr>
+        <p:cNvPr id="1" name=""/>
+        <p:cNvGrpSpPr/>
+        <p:nvPr/>
+      </p:nvGrpSpPr>
+      <p:grpSpPr/>
+      <p:sp>
+        <p:nvSpPr>
+          <p:cNvPr id="2" name="Title 1"/>
+          <p:cNvSpPr>
+            <a:spLocks noGrp="1"/>
+          </p:cNvSpPr>
+          <p:nvPr>
+            <p:ph type="title"/>
+          </p:nvPr>
+        </p:nvSpPr>
+        <p:spPr/>
+        <p:txBody>
+          <a:bodyPr/>
+          <a:lstStyle/>
+          <a:p>
+            <a:pPr>
+              <a:defRPr sz="2600"/>
+            </a:pPr>
+            <a:r>
+              <a:t>11.1 ACCESS CONTROL POLICY</a:t>
+            </a:r>
+          </a:p>
+        </p:txBody>
+      </p:sp>
+      <p:sp>
+        <p:nvSpPr>
+          <p:cNvPr id="3" name="Content Placeholder 2"/>
+          <p:cNvSpPr>
+            <a:spLocks noGrp="1"/>
+          </p:cNvSpPr>
+          <p:nvPr>
+            <p:ph idx="1"/>
+          </p:nvPr>
+        </p:nvSpPr>
+        <p:spPr/>
+        <p:txBody>
+          <a:bodyPr/>
+          <a:lstStyle/>
+          <a:p>
+            <a:r>
+              <a:t>11.1.1. For the purpose of Article 21(2), point (i) of Directive (EU) 2022/2555, the relevant entities shall establish, document and implement logical and physical access control policies for the access to their network and information systems, based on business requirements as well as network and information system security requirements. 11.1.2. The policies referred to in point 11.1.1. shall: (a) address access by persons, including staff, visitors and external entities such as suppliers and service providers; (b) address access by network and information system processes; (c) ensure that access is only granted to users that have been adequately authenticated. 11.1.3. The relevant entities shall review and, where appropriate, update the policies at planned intervals and when significant incidents or significant changes to operations or risks occur. </a:t>
+            </a:r>
+          </a:p>
+        </p:txBody>
+      </p:sp>
+      <p:sp>
+        <p:nvSpPr>
+          <p:cNvPr id="4" name="Content Placeholder 3"/>
+          <p:cNvSpPr>
+            <a:spLocks noGrp="1"/>
+          </p:cNvSpPr>
+          <p:nvPr>
+            <p:ph idx="13"/>
+          </p:nvPr>
+        </p:nvSpPr>
+        <p:spPr/>
+        <p:txBody>
+          <a:bodyPr/>
+          <a:lstStyle/>
+          <a:p>
+            <a:r>
+              <a:t>The organization leverages Active Directory to manage logical access, issuing named non-privileged accounts to each user and storing privileged credentials in a centralized KeePass repository accessible only to system administrators, thereby ensuring that only authenticated users can access network resources; access to OT systems is locally managed, and event monitoring is performed by the SOC team. Missing information: there is no evidence of documented logical and physical access control policies based on business and security requirements, policies addressing access by visitors, suppliers or network processes, nor scheduled reviews and updates of those policies.</a:t>
+            </a:r>
+          </a:p>
+        </p:txBody>
+      </p:sp>
+    </p:spTree>
+  </p:cSld>
+  <p:clrMapOvr>
+    <a:masterClrMapping/>
+  </p:clrMapOvr>
+</p:sld>
+</file>
+
+<file path=ppt/slides/slide21.xml><?xml version="1.0" encoding="utf-8"?>
+<p:sld xmlns:a="http://schemas.openxmlformats.org/drawingml/2006/main" xmlns:p="http://schemas.openxmlformats.org/presentationml/2006/main" xmlns:r="http://schemas.openxmlformats.org/officeDocument/2006/relationships">
+  <p:cSld>
+    <p:spTree>
+      <p:nvGrpSpPr>
+        <p:cNvPr id="1" name=""/>
+        <p:cNvGrpSpPr/>
+        <p:nvPr/>
+      </p:nvGrpSpPr>
+      <p:grpSpPr/>
+      <p:sp>
+        <p:nvSpPr>
+          <p:cNvPr id="2" name="Title 1"/>
+          <p:cNvSpPr>
+            <a:spLocks noGrp="1"/>
+          </p:cNvSpPr>
+          <p:nvPr>
+            <p:ph type="title"/>
+          </p:nvPr>
+        </p:nvSpPr>
+        <p:spPr/>
+        <p:txBody>
+          <a:bodyPr/>
+          <a:lstStyle/>
+          <a:p>
+            <a:pPr>
+              <a:defRPr sz="2600"/>
+            </a:pPr>
+            <a:r>
+              <a:t>11.1 ACCESS CONTROL POLICY</a:t>
+            </a:r>
+          </a:p>
+        </p:txBody>
+      </p:sp>
+      <p:sp>
+        <p:nvSpPr>
+          <p:cNvPr id="3" name="Content Placeholder 2"/>
+          <p:cNvSpPr>
+            <a:spLocks noGrp="1"/>
+          </p:cNvSpPr>
+          <p:nvPr>
+            <p:ph idx="1"/>
+          </p:nvPr>
+        </p:nvSpPr>
+        <p:spPr/>
+        <p:txBody>
+          <a:bodyPr/>
+          <a:lstStyle/>
+          <a:p>
+            <a:r>
+              <a:t>1. Observation: Access reviews are not performed.  </a:t>
+            </a:r>
+          </a:p>
+          <a:p>
+            <a:r>
+              <a:t>2. More information needed to conclude whether documented logical and physical access control policies exist (11.1.1). Q: Please provide the access control policy documentation.  </a:t>
+            </a:r>
+          </a:p>
+          <a:p>
+            <a:r>
+              <a:t>3. More information needed to conclude if policies address access by staff, visitors and external entities (11.1.2 a). Q: Do policies cover all user categories including suppliers and service providers?  </a:t>
+            </a:r>
+          </a:p>
+          <a:p>
+            <a:r>
+              <a:t>4. More information needed to conclude if policies address access by network and system processes (11.1.2 b). Q: Are automated/process-level access controls defined?  </a:t>
+            </a:r>
+          </a:p>
+          <a:p>
+            <a:r>
+              <a:t>5. More information needed to conclude whether policies ensure access is only granted after adequate authentication (11.1.2 c). Q: What authentication methods are mandated?  </a:t>
+            </a:r>
+          </a:p>
+          <a:p>
+            <a:r>
+              <a:t>6. More information needed to conclude whether policies are reviewed and updated at planned intervals or after significant changes/incidents (11.1.3). Q: What is the policy review process?</a:t>
+            </a:r>
+          </a:p>
+        </p:txBody>
+      </p:sp>
+      <p:sp>
+        <p:nvSpPr>
+          <p:cNvPr id="4" name="Text Placeholder 3"/>
+          <p:cNvSpPr>
+            <a:spLocks noGrp="1"/>
+          </p:cNvSpPr>
+          <p:nvPr>
+            <p:ph type="body" idx="13" sz="quarter"/>
+          </p:nvPr>
+        </p:nvSpPr>
+        <p:spPr/>
+        <p:txBody>
+          <a:bodyPr/>
+          <a:lstStyle/>
+          <a:p>
+            <a:r>
+              <a:t>1. Observation 1 – Risk Statement:  </a:t>
+            </a:r>
+          </a:p>
+          <a:p>
+            <a:r>
+              <a:t>Without regular user access reviews, outdated or excessive privileges may remain active, allowing unauthorized or inappropriate access to sensitive systems and data. This increases the likelihood of insider threats, data breaches and non-compliance with the NIS2 access control policy requirements, potentially resulting in loss of confidentiality, reputational damage and regulatory penalties.</a:t>
+            </a:r>
+          </a:p>
+          <a:p/>
+          <a:p>
+            <a:r>
+              <a:t>2. Observation 2 – No specific risks – more information needed</a:t>
+            </a:r>
+          </a:p>
+          <a:p/>
+          <a:p>
+            <a:r>
+              <a:t>3. Observation 3 – No specific risks – more information needed</a:t>
+            </a:r>
+          </a:p>
+          <a:p/>
+          <a:p>
+            <a:r>
+              <a:t>4. Observation 4 – No specific risks – more information needed</a:t>
+            </a:r>
+          </a:p>
+          <a:p/>
+          <a:p>
+            <a:r>
+              <a:t>5. Observation 5 – No specific risks – more information needed</a:t>
+            </a:r>
+          </a:p>
+          <a:p/>
+          <a:p>
+            <a:r>
+              <a:t>6. Observation 6 – No specific risks – more information needed</a:t>
+            </a:r>
+          </a:p>
+        </p:txBody>
+      </p:sp>
+    </p:spTree>
+  </p:cSld>
+  <p:clrMapOvr>
+    <a:masterClrMapping/>
+  </p:clrMapOvr>
+</p:sld>
+</file>
+
+<file path=ppt/slides/slide22.xml><?xml version="1.0" encoding="utf-8"?>
+<p:sld xmlns:a="http://schemas.openxmlformats.org/drawingml/2006/main" xmlns:p="http://schemas.openxmlformats.org/presentationml/2006/main" xmlns:r="http://schemas.openxmlformats.org/officeDocument/2006/relationships">
+  <p:cSld>
+    <p:spTree>
+      <p:nvGrpSpPr>
+        <p:cNvPr id="1" name=""/>
+        <p:cNvGrpSpPr/>
+        <p:nvPr/>
+      </p:nvGrpSpPr>
+      <p:grpSpPr/>
+      <p:sp>
+        <p:nvSpPr>
+          <p:cNvPr id="2" name="Title 1"/>
+          <p:cNvSpPr>
+            <a:spLocks noGrp="1"/>
+          </p:cNvSpPr>
+          <p:nvPr>
+            <p:ph type="title"/>
+          </p:nvPr>
+        </p:nvSpPr>
+        <p:spPr/>
+        <p:txBody>
+          <a:bodyPr/>
+          <a:lstStyle/>
+          <a:p>
+            <a:pPr>
+              <a:defRPr sz="2600"/>
+            </a:pPr>
+            <a:r>
+              <a:t>12.1 ASSET CLASSIFICATION</a:t>
+            </a:r>
+          </a:p>
+        </p:txBody>
+      </p:sp>
+      <p:sp>
+        <p:nvSpPr>
+          <p:cNvPr id="3" name="Content Placeholder 2"/>
+          <p:cNvSpPr>
+            <a:spLocks noGrp="1"/>
+          </p:cNvSpPr>
+          <p:nvPr>
+            <p:ph idx="1"/>
+          </p:nvPr>
+        </p:nvSpPr>
+        <p:spPr/>
+        <p:txBody>
+          <a:bodyPr/>
+          <a:lstStyle/>
+          <a:p>
+            <a:r>
+              <a:t>12.1.1. For the purpose of Article 21(2), point (i) of Directive (EU) 2022/2555, the relevant entities shall lay down classification levels of all assets, including information, in scope of their network and information systems for the level of protection required. 12.1.2. For the purpose of point 12.1.1., the relevant entities shall: (a) lay down a system of classification levels for assets; (b) associate all assets with a classification level, based on confidentiality, integrity, authenticity and availability requirements, to indicate the protection required according to their sensitivity, criticality, risk and business value; (c) align the availability requirements of the assets with the delivery and recovery objectives set out in their business continuity and disaster recovery plans. 12.1.3. The relevant entities shall conduct periodic reviews of the classification levels of assets and update them, where appropriate. </a:t>
+            </a:r>
+          </a:p>
+        </p:txBody>
+      </p:sp>
+      <p:sp>
+        <p:nvSpPr>
+          <p:cNvPr id="4" name="Content Placeholder 3"/>
+          <p:cNvSpPr>
+            <a:spLocks noGrp="1"/>
+          </p:cNvSpPr>
+          <p:nvPr>
+            <p:ph idx="13"/>
+          </p:nvPr>
+        </p:nvSpPr>
+        <p:spPr/>
+        <p:txBody>
+          <a:bodyPr/>
+          <a:lstStyle/>
+          <a:p>
+            <a:r>
+              <a:t>The organization’s risk management framework and group-level oversight govern cybersecurity, with centralized IT infrastructure management and local OT teams, complemented by a biweekly vulnerability scanning regimen, credential management via Active Directory and Keepass, centralized backup schedules and event monitoring by the SOC. However, there are no documented classification levels for assets based on confidentiality, integrity, authenticity or availability, nor any process linking asset sensitivity to business continuity objectives or periodic review of such classifications. Missing information: asset classification system, asset-level CIA-based classification, alignment of availability requirements with business continuity and disaster recovery plans, and periodic review/update of classification levels.</a:t>
+            </a:r>
+          </a:p>
+        </p:txBody>
+      </p:sp>
+    </p:spTree>
+  </p:cSld>
+  <p:clrMapOvr>
+    <a:masterClrMapping/>
+  </p:clrMapOvr>
+</p:sld>
+</file>
+
+<file path=ppt/slides/slide23.xml><?xml version="1.0" encoding="utf-8"?>
+<p:sld xmlns:a="http://schemas.openxmlformats.org/drawingml/2006/main" xmlns:p="http://schemas.openxmlformats.org/presentationml/2006/main" xmlns:r="http://schemas.openxmlformats.org/officeDocument/2006/relationships">
+  <p:cSld>
+    <p:spTree>
+      <p:nvGrpSpPr>
+        <p:cNvPr id="1" name=""/>
+        <p:cNvGrpSpPr/>
+        <p:nvPr/>
+      </p:nvGrpSpPr>
+      <p:grpSpPr/>
+      <p:sp>
+        <p:nvSpPr>
+          <p:cNvPr id="2" name="Title 1"/>
+          <p:cNvSpPr>
+            <a:spLocks noGrp="1"/>
+          </p:cNvSpPr>
+          <p:nvPr>
+            <p:ph type="title"/>
+          </p:nvPr>
+        </p:nvSpPr>
+        <p:spPr/>
+        <p:txBody>
+          <a:bodyPr/>
+          <a:lstStyle/>
+          <a:p>
+            <a:pPr>
+              <a:defRPr sz="2600"/>
+            </a:pPr>
+            <a:r>
+              <a:t>12.1 ASSET CLASSIFICATION</a:t>
+            </a:r>
+          </a:p>
+        </p:txBody>
+      </p:sp>
+      <p:sp>
+        <p:nvSpPr>
+          <p:cNvPr id="3" name="Content Placeholder 2"/>
+          <p:cNvSpPr>
+            <a:spLocks noGrp="1"/>
+          </p:cNvSpPr>
+          <p:nvPr>
+            <p:ph idx="1"/>
+          </p:nvPr>
+        </p:nvSpPr>
+        <p:spPr/>
+        <p:txBody>
+          <a:bodyPr/>
+          <a:lstStyle/>
+          <a:p>
+            <a:r>
+              <a:t>1. More information needed to conclude  </a:t>
+            </a:r>
+          </a:p>
+          <a:p>
+            <a:r>
+              <a:t>   No evidence in the notes of a documented asset‐classification system as required by 12.1.1–12.1.2(a).  </a:t>
+            </a:r>
+          </a:p>
+          <a:p>
+            <a:r>
+              <a:t>   Follow-up: Please provide the policy or procedure defining classification levels for all network and information assets.</a:t>
+            </a:r>
+          </a:p>
+          <a:p/>
+          <a:p>
+            <a:r>
+              <a:t>2. More information needed to conclude  </a:t>
+            </a:r>
+          </a:p>
+          <a:p>
+            <a:r>
+              <a:t>   No information on how assets are associated with classification levels based on confidentiality, integrity, authenticity and availability (12.1.2(b)) or aligned with business continuity objectives (12.1.2(c)).  </a:t>
+            </a:r>
+          </a:p>
+          <a:p>
+            <a:r>
+              <a:t>   Follow-up: How are assets assessed against CIA criteria and tied to recovery and availability objectives?</a:t>
+            </a:r>
+          </a:p>
+          <a:p/>
+          <a:p>
+            <a:r>
+              <a:t>3. More information needed to conclude  </a:t>
+            </a:r>
+          </a:p>
+          <a:p>
+            <a:r>
+              <a:t>   The notes do not mention periodic reviews or updates of asset‐classification levels (12.1.3).  </a:t>
+            </a:r>
+          </a:p>
+          <a:p>
+            <a:r>
+              <a:t>   Follow-up: Is there a schedule or record of periodic reviews for asset classifications?</a:t>
+            </a:r>
+          </a:p>
+        </p:txBody>
+      </p:sp>
+      <p:sp>
+        <p:nvSpPr>
+          <p:cNvPr id="4" name="Text Placeholder 3"/>
+          <p:cNvSpPr>
+            <a:spLocks noGrp="1"/>
+          </p:cNvSpPr>
+          <p:nvPr>
+            <p:ph type="body" idx="13" sz="quarter"/>
+          </p:nvPr>
+        </p:nvSpPr>
+        <p:spPr/>
+        <p:txBody>
+          <a:bodyPr/>
+          <a:lstStyle/>
+          <a:p>
+            <a:r>
+              <a:t>1. No specific risks - more infortmation needed</a:t>
+            </a:r>
+          </a:p>
+          <a:p/>
+          <a:p>
+            <a:r>
+              <a:t>2. No specific risks - more infortmation needed</a:t>
+            </a:r>
+          </a:p>
+          <a:p/>
+          <a:p>
+            <a:r>
+              <a:t>3. No specific risks - more infortmation needed</a:t>
+            </a:r>
+          </a:p>
+        </p:txBody>
+      </p:sp>
+    </p:spTree>
+  </p:cSld>
+  <p:clrMapOvr>
+    <a:masterClrMapping/>
+  </p:clrMapOvr>
+</p:sld>
+</file>
+
+<file path=ppt/slides/slide24.xml><?xml version="1.0" encoding="utf-8"?>
+<p:sld xmlns:a="http://schemas.openxmlformats.org/drawingml/2006/main" xmlns:p="http://schemas.openxmlformats.org/presentationml/2006/main" xmlns:r="http://schemas.openxmlformats.org/officeDocument/2006/relationships">
+  <p:cSld>
+    <p:spTree>
+      <p:nvGrpSpPr>
+        <p:cNvPr id="1" name=""/>
+        <p:cNvGrpSpPr/>
+        <p:nvPr/>
+      </p:nvGrpSpPr>
+      <p:grpSpPr/>
+      <p:sp>
+        <p:nvSpPr>
+          <p:cNvPr id="2" name="Title 1"/>
+          <p:cNvSpPr>
+            <a:spLocks noGrp="1"/>
+          </p:cNvSpPr>
+          <p:nvPr>
+            <p:ph type="title"/>
+          </p:nvPr>
+        </p:nvSpPr>
+        <p:spPr/>
+        <p:txBody>
+          <a:bodyPr/>
+          <a:lstStyle/>
+          <a:p>
+            <a:pPr>
+              <a:defRPr sz="2600"/>
+            </a:pPr>
+            <a:r>
+              <a:t>13.1 SUPPORTING UTILITIES</a:t>
+            </a:r>
+          </a:p>
+        </p:txBody>
+      </p:sp>
+      <p:sp>
+        <p:nvSpPr>
+          <p:cNvPr id="3" name="Content Placeholder 2"/>
+          <p:cNvSpPr>
+            <a:spLocks noGrp="1"/>
+          </p:cNvSpPr>
+          <p:nvPr>
+            <p:ph idx="1"/>
+          </p:nvPr>
+        </p:nvSpPr>
+        <p:spPr/>
+        <p:txBody>
+          <a:bodyPr/>
+          <a:lstStyle/>
+          <a:p>
+            <a:r>
+              <a:t>13.1.1. For the purpose of Article 21(2)(c) of Directive (EU) 2022/2555, the relevant entities shall prevent loss, damage or compromise of network and information systems or interruption to their operations due to the failure and disruption of supporting utilities. 13.1.2. For that purpose, the relevant entities shall, where appropriate: (a) protect facilities from power failures and other disruptions caused by failures in supporting utilities such as electricity, telecommunications, water supply, gas, sewage, ventilation and air conditioning; (b) consider the use of redundancy in utilities services; (c) protect utility services for electricity and telecommunications, which transport data or supply network and information systems, against interception and damage; (d) monitor the utility services referred to in point (c) and report to the competent internal or external personnel events outside the minimum and maximum control thresholds referred to in point 13.2.2(b) affecting the utility services; (e) conclude contracts for the emergency supply with corresponding services, such as for the fuel for emergency power supply; (f) ensure continuous effectiveness, monitor, maintain and test the supply of the network and information systems necessary for the operation of the service offered, in particular the electricity, temperature and humidity control, telecommunications and Internet connection. (107) In cases where an entity operates with a fully remote workforce and does not maintain any on-premises servers or infrastructure, the requirement for supporting utility services at a centralized location may be rendered unnecessary. Remote work inherently introduces geographical and infrastructural diversification, thereby reducing the overall utility-related risk. By distributing operations across various locations, the organization benefits from a decentralized utility dependency, which enhances resilience against localized disruptions. 13.1.3. The relevant entities shall test, review and, where appropriate, update the protection measures on a regular basis or following significant incidents or significant changes to operations or risks. </a:t>
+            </a:r>
+          </a:p>
+        </p:txBody>
+      </p:sp>
+      <p:sp>
+        <p:nvSpPr>
+          <p:cNvPr id="4" name="Content Placeholder 3"/>
+          <p:cNvSpPr>
+            <a:spLocks noGrp="1"/>
+          </p:cNvSpPr>
+          <p:nvPr>
+            <p:ph idx="13"/>
+          </p:nvPr>
+        </p:nvSpPr>
+        <p:spPr/>
+        <p:txBody>
+          <a:bodyPr/>
+          <a:lstStyle/>
+          <a:p>
+            <a:r>
+              <a:t>The audit notes do not reference any measures addressing supporting utilities for network and information systems, including protection against power failures or other utility disruptions, use of redundancy in utility services, security and monitoring of electricity or telecommunications services, emergency supply contracts, continuous testing, maintenance and effectiveness of utilities, or regular review and updating of such measures. Missing information: details on facility protection from utility failures, redundancy strategies, utility service security controls and threshold monitoring, emergency supply arrangements, continuous effectiveness testing and maintenance of utilities, and periodic testing, review and update of protection measures.</a:t>
+            </a:r>
+          </a:p>
+        </p:txBody>
+      </p:sp>
+    </p:spTree>
+  </p:cSld>
+  <p:clrMapOvr>
+    <a:masterClrMapping/>
+  </p:clrMapOvr>
+</p:sld>
+</file>
+
+<file path=ppt/slides/slide25.xml><?xml version="1.0" encoding="utf-8"?>
+<p:sld xmlns:a="http://schemas.openxmlformats.org/drawingml/2006/main" xmlns:p="http://schemas.openxmlformats.org/presentationml/2006/main" xmlns:r="http://schemas.openxmlformats.org/officeDocument/2006/relationships">
+  <p:cSld>
+    <p:spTree>
+      <p:nvGrpSpPr>
+        <p:cNvPr id="1" name=""/>
+        <p:cNvGrpSpPr/>
+        <p:nvPr/>
+      </p:nvGrpSpPr>
+      <p:grpSpPr/>
+      <p:sp>
+        <p:nvSpPr>
+          <p:cNvPr id="2" name="Title 1"/>
+          <p:cNvSpPr>
+            <a:spLocks noGrp="1"/>
+          </p:cNvSpPr>
+          <p:nvPr>
+            <p:ph type="title"/>
+          </p:nvPr>
+        </p:nvSpPr>
+        <p:spPr/>
+        <p:txBody>
+          <a:bodyPr/>
+          <a:lstStyle/>
+          <a:p>
+            <a:pPr>
+              <a:defRPr sz="2600"/>
+            </a:pPr>
+            <a:r>
+              <a:t>13.1 SUPPORTING UTILITIES</a:t>
+            </a:r>
+          </a:p>
+        </p:txBody>
+      </p:sp>
+      <p:sp>
+        <p:nvSpPr>
+          <p:cNvPr id="3" name="Content Placeholder 2"/>
+          <p:cNvSpPr>
+            <a:spLocks noGrp="1"/>
+          </p:cNvSpPr>
+          <p:nvPr>
+            <p:ph idx="1"/>
+          </p:nvPr>
+        </p:nvSpPr>
+        <p:spPr/>
+        <p:txBody>
+          <a:bodyPr/>
+          <a:lstStyle/>
+          <a:p>
+            <a:r>
+              <a:t>Finding: More information needed to conclude whether the entity meets ENISA requirements 13.1.1–13.1.3 for supporting utilities.   </a:t>
+            </a:r>
+          </a:p>
+          <a:p/>
+          <a:p>
+            <a:r>
+              <a:t>Follow-up questions:  </a:t>
+            </a:r>
+          </a:p>
+          <a:p>
+            <a:r>
+              <a:t>· What measures (UPS, generators, redundant suppliers) protect against power, telecom and HVAC failures?  </a:t>
+            </a:r>
+          </a:p>
+          <a:p>
+            <a:r>
+              <a:t>· Are utility services (electricity, telecoms) monitored against defined thresholds, and are out-of-range events reported?  </a:t>
+            </a:r>
+          </a:p>
+          <a:p>
+            <a:r>
+              <a:t>· Are emergency-supply contracts (e.g. fuel for generators) in place?  </a:t>
+            </a:r>
+          </a:p>
+          <a:p>
+            <a:r>
+              <a:t>· How and how often are utility-related protections tested, reviewed or updated?</a:t>
+            </a:r>
+          </a:p>
+        </p:txBody>
+      </p:sp>
+      <p:sp>
+        <p:nvSpPr>
+          <p:cNvPr id="4" name="Text Placeholder 3"/>
+          <p:cNvSpPr>
+            <a:spLocks noGrp="1"/>
+          </p:cNvSpPr>
+          <p:nvPr>
+            <p:ph type="body" idx="13" sz="quarter"/>
+          </p:nvPr>
+        </p:nvSpPr>
+        <p:spPr/>
+        <p:txBody>
+          <a:bodyPr/>
+          <a:lstStyle/>
+          <a:p>
+            <a:r>
+              <a:t>No specific risks - more infortmation needed</a:t>
+            </a:r>
+          </a:p>
+        </p:txBody>
+      </p:sp>
+    </p:spTree>
+  </p:cSld>
+  <p:clrMapOvr>
+    <a:masterClrMapping/>
+  </p:clrMapOvr>
+</p:sld>
+</file>
+
+<file path=ppt/slides/slide26.xml><?xml version="1.0" encoding="utf-8"?>
+<p:sld xmlns:a="http://schemas.openxmlformats.org/drawingml/2006/main" xmlns:p="http://schemas.openxmlformats.org/presentationml/2006/main" xmlns:r="http://schemas.openxmlformats.org/officeDocument/2006/relationships">
+  <p:cSld>
+    <p:spTree>
+      <p:nvGrpSpPr>
+        <p:cNvPr id="1" name=""/>
+        <p:cNvGrpSpPr/>
+        <p:nvPr/>
+      </p:nvGrpSpPr>
+      <p:grpSpPr/>
+      <p:sp>
+        <p:nvSpPr>
+          <p:cNvPr id="2" name="Title 1"/>
+          <p:cNvSpPr>
+            <a:spLocks noGrp="1"/>
+          </p:cNvSpPr>
+          <p:nvPr>
+            <p:ph type="title"/>
+          </p:nvPr>
+        </p:nvSpPr>
+        <p:spPr/>
+        <p:txBody>
+          <a:bodyPr/>
+          <a:lstStyle/>
+          <a:p>
+            <a:pPr>
+              <a:defRPr sz="2600"/>
+            </a:pPr>
+            <a:r>
+              <a:t>Article 23. Reporting obligations</a:t>
+            </a:r>
+          </a:p>
+        </p:txBody>
+      </p:sp>
+      <p:sp>
+        <p:nvSpPr>
+          <p:cNvPr id="3" name="Content Placeholder 2"/>
+          <p:cNvSpPr>
+            <a:spLocks noGrp="1"/>
+          </p:cNvSpPr>
+          <p:nvPr>
+            <p:ph idx="1"/>
+          </p:nvPr>
+        </p:nvSpPr>
+        <p:spPr/>
+        <p:txBody>
+          <a:bodyPr/>
+          <a:lstStyle/>
+          <a:p>
+            <a:r>
+              <a:t>1. Each Member State shall ensure that essential and important entities notify, without undue delay, its CSIRT or, where applicable, its competent authority in accordance with paragraph 4 of any incident that has a significant impact on the provision of their services as referred to in paragraph 3 (significant incident). Where appropriate, entities concerned shall notify, without undue delay, the recipients of their services of significant incidents that are likely to adversely affect the provision of those services. Each Member State shall ensure that those entities report, inter alia, any information enabling the CSIRT or, where applicable, the competent authority to determine any cross-border impact of the incident. The mere act of notification shall not subject the notifying entity to increased liability. Where the entities concerned notify the competent authority of a significant incident under the first subparagraph, the Member State shall ensure that that competent authority forwards the notification to the CSIRT upon receipt. In the case of a cross-border or cross-sectoral significant incident, Member States shall ensure that their single points of contact are provided in due time with relevant information notified in accordance with paragraph 4. 2. Where applicable, Member States shall ensure that essential and important entities communicate, without undue delay, to the recipients of their services that are potentially affected by a significant cyber threat any measures or remedies that those recipients are able to take in response to that threat. Where appropriate, the entities shall also inform those recipients of the significant cyber threat itself. 3. An incident shall be considered to be significant if: (a) it has caused or is capable of causing severe operational disruption of the services or financial loss for the entity concerned; (b) it has affected or is capable of affecting other natural or legal persons by causing considerable material or non-material damage. 4. Member States shall ensure that, for the purpose of notification under paragraph 1, the entities concerned submit to the CSIRT or, where applicable, the competent authority: (a) without undue delay and in any event within 24 hours of becoming aware of the significant incident, an early warning, which, where applicable, shall indicate whether the significant incident is suspected of being caused by unlawful or malicious acts or could have a cross-border impact; (b) without undue delay and in any event within 72 hours of becoming aware of the significant incident, an incident notification, which, where applicable, shall update the information referred to in point (a) and indicate an initial assessment of the significant incident, including its severity and impact, as well as, where available, the indicators of compromise; (c) upon the request of a CSIRT or, where applicable, the competent authority, an intermediate report on relevant status updates; (d) a final report not later than one month after the submission of the incident notification under point (b), including the following: (i) a detailed description of the incident, including its severity and impact; (ii) the type of threat or root cause that is likely to have triggered the incident; (iii) applied and ongoing mitigation measures; (iv) where applicable, the cross-border impact of the incident; (e) in the event of an ongoing incident at the time of the submission of the final report referred to in point (d), Member States shall ensure that entities concerned provide a progress report at that time and a final report within one month of their handling of the incident. By way of derogation from the first subparagraph, point (b), a trust service provider shall, with regard to significant incidents that have an impact on the provision of its trust services, notify the CSIRT or, where applicable, the competent authority, without undue delay and in any event within 24 hours of becoming aware of the significant incident. NOTE: paragraphs 6-10 were ommited due to being applicable for states and govenrment authorties.</a:t>
+            </a:r>
+          </a:p>
+        </p:txBody>
+      </p:sp>
+      <p:sp>
+        <p:nvSpPr>
+          <p:cNvPr id="4" name="Content Placeholder 3"/>
+          <p:cNvSpPr>
+            <a:spLocks noGrp="1"/>
+          </p:cNvSpPr>
+          <p:nvPr>
+            <p:ph idx="13"/>
+          </p:nvPr>
+        </p:nvSpPr>
+        <p:spPr/>
+        <p:txBody>
+          <a:bodyPr/>
+          <a:lstStyle/>
+          <a:p>
+            <a:r>
+              <a:t>The organization’s cybersecurity governance is centralized under the head office with local representatives at all sites, and incident response responsibilities are divided between group and local entity functions supported by an event-monitoring process managed by the SOC team; IT infrastructure and data backups are centrally managed (though immutable backups are not implemented). Missing information: there are no details on notification procedures to the CSIRT or competent authority, early warnings and incident notifications within the required 24/72-hour windows, intermediate or final reporting timelines, cross-border impact reporting, or communications to service recipients of significant incidents.</a:t>
+            </a:r>
+          </a:p>
+        </p:txBody>
+      </p:sp>
+    </p:spTree>
+  </p:cSld>
+  <p:clrMapOvr>
+    <a:masterClrMapping/>
+  </p:clrMapOvr>
+</p:sld>
+</file>
+
+<file path=ppt/slides/slide27.xml><?xml version="1.0" encoding="utf-8"?>
+<p:sld xmlns:a="http://schemas.openxmlformats.org/drawingml/2006/main" xmlns:p="http://schemas.openxmlformats.org/presentationml/2006/main" xmlns:r="http://schemas.openxmlformats.org/officeDocument/2006/relationships">
+  <p:cSld>
+    <p:spTree>
+      <p:nvGrpSpPr>
+        <p:cNvPr id="1" name=""/>
+        <p:cNvGrpSpPr/>
+        <p:nvPr/>
+      </p:nvGrpSpPr>
+      <p:grpSpPr/>
+      <p:sp>
+        <p:nvSpPr>
+          <p:cNvPr id="2" name="Title 1"/>
+          <p:cNvSpPr>
+            <a:spLocks noGrp="1"/>
+          </p:cNvSpPr>
+          <p:nvPr>
+            <p:ph type="title"/>
+          </p:nvPr>
+        </p:nvSpPr>
+        <p:spPr/>
+        <p:txBody>
+          <a:bodyPr/>
+          <a:lstStyle/>
+          <a:p>
+            <a:pPr>
+              <a:defRPr sz="2600"/>
+            </a:pPr>
+            <a:r>
+              <a:t>Article 23. Reporting obligations</a:t>
+            </a:r>
+          </a:p>
+        </p:txBody>
+      </p:sp>
+      <p:sp>
+        <p:nvSpPr>
+          <p:cNvPr id="3" name="Content Placeholder 2"/>
+          <p:cNvSpPr>
+            <a:spLocks noGrp="1"/>
+          </p:cNvSpPr>
+          <p:nvPr>
+            <p:ph idx="1"/>
+          </p:nvPr>
+        </p:nvSpPr>
+        <p:spPr/>
+        <p:txBody>
+          <a:bodyPr/>
+          <a:lstStyle/>
+          <a:p>
+            <a:r>
+              <a:t>1. Finding: No evidence in the notes of a documented process or records for notifying the CSIRT or competent authority of significant incidents within the 24- and 72-hour timeframes mandated by Article 23(1)–(4). More information needed to conclude.  </a:t>
+            </a:r>
+          </a:p>
+          <a:p>
+            <a:r>
+              <a:t>   Follow-up: Please provide the incident notification procedure and any recent notification records showing adherence to NIS2 timelines.</a:t>
+            </a:r>
+          </a:p>
+          <a:p/>
+          <a:p>
+            <a:r>
+              <a:t>2. Finding: Notes do not mention communication to service recipients of significant incidents or cyber threats as required by Article 23(2). More information needed to conclude.  </a:t>
+            </a:r>
+          </a:p>
+          <a:p>
+            <a:r>
+              <a:t>   Follow-up: Please share the policy or logs demonstrating notifications sent to affected customers.</a:t>
+            </a:r>
+          </a:p>
+          <a:p/>
+          <a:p>
+            <a:r>
+              <a:t>3. Finding: No mention of reporting cross-border impact or forwarding to single points of contact for cross-border incidents per Article 23(1). More information needed to conclude.  </a:t>
+            </a:r>
+          </a:p>
+          <a:p>
+            <a:r>
+              <a:t>   Follow-up: Are there procedures or records for identifying and reporting cross-border incident impacts?</a:t>
+            </a:r>
+          </a:p>
+        </p:txBody>
+      </p:sp>
+      <p:sp>
+        <p:nvSpPr>
+          <p:cNvPr id="4" name="Text Placeholder 3"/>
+          <p:cNvSpPr>
+            <a:spLocks noGrp="1"/>
+          </p:cNvSpPr>
+          <p:nvPr>
+            <p:ph type="body" idx="13" sz="quarter"/>
+          </p:nvPr>
+        </p:nvSpPr>
+        <p:spPr/>
+        <p:txBody>
+          <a:bodyPr/>
+          <a:lstStyle/>
+          <a:p>
+            <a:r>
+              <a:t>1. No specific risks - more infortmation needed  </a:t>
+            </a:r>
+          </a:p>
+          <a:p>
+            <a:r>
+              <a:t>2. No specific risks - more infortmation needed  </a:t>
+            </a:r>
+          </a:p>
+          <a:p>
+            <a:r>
+              <a:t>3. No specific risks - more infortmation needed</a:t>
             </a:r>
           </a:p>
         </p:txBody>
@@ -2421,7 +4295,7 @@
               <a:defRPr sz="2600"/>
             </a:pPr>
             <a:r>
-              <a:t>Article 21</a:t>
+              <a:t>1.1 POLICY ON THE SECURITY OF NETWORK AND INFORMATION SYSTEMS</a:t>
             </a:r>
           </a:p>
         </p:txBody>
@@ -2442,7 +4316,32 @@
           <a:lstStyle/>
           <a:p>
             <a:r>
-              <a:t>This is an observation</a:t>
+              <a:t>Finding 1: No evidence in the notes of a formally documented network and information systems security policy that meets NIS2 Article 21(2)(a) elements (a–k) or of its annual/significant-change reviews per 1.1.2.  </a:t>
+            </a:r>
+          </a:p>
+          <a:p>
+            <a:r>
+              <a:t>More information needed to conclude.  </a:t>
+            </a:r>
+          </a:p>
+          <a:p>
+            <a:r>
+              <a:t>Follow-up questions:  </a:t>
+            </a:r>
+          </a:p>
+          <a:p>
+            <a:r>
+              <a:t>• Can you provide the current security policy document?  </a:t>
+            </a:r>
+          </a:p>
+          <a:p>
+            <a:r>
+              <a:t>• Does it include objectives, roles, resources, topic-specific policies, monitoring indicators, retention lists, approval date and review records?  </a:t>
+            </a:r>
+          </a:p>
+          <a:p>
+            <a:r>
+              <a:t>• How is it communicated to employees and external parties?</a:t>
             </a:r>
           </a:p>
         </p:txBody>
@@ -2463,7 +4362,7 @@
           <a:lstStyle/>
           <a:p>
             <a:r>
-              <a:t>This is a risk</a:t>
+              <a:t>No specific risks - more infortmation needed</a:t>
             </a:r>
           </a:p>
         </p:txBody>
@@ -2505,7 +4404,7 @@
               <a:defRPr sz="2600"/>
             </a:pPr>
             <a:r>
-              <a:t>Article 22</a:t>
+              <a:t>2.1 RISK MANAGEMENT FRAMEWORK</a:t>
             </a:r>
           </a:p>
         </p:txBody>
@@ -2526,7 +4425,7 @@
           <a:lstStyle/>
           <a:p>
             <a:r>
-              <a:t>test text for the next article</a:t>
+              <a:t>2.1.1. For the purpose of Article 21(2), point (a) of Directive (EU) 2022/2555, the relevant entities shall establish and maintain an appropriate risk management framework to identify and address the risks posed to the security of network and information systems. The relevant entities shall perform and document risk assessments and, based on the results, establish, implement and monitor a risk treatment plan. Risk assessment results and residual risks (12) shall be accepted by management bodies or, where applicable, by persons who are accountable and have the authority to manage risks, provided that the relevant entities ensure adequate reporting to the management bodies. 2.1.2. For the purpose of point 2.1.1, the relevant entities shall establish procedures for identification, analysis, assessment and treatment of risks (‘cybersecurity risk management process’). The cybersecurity risk management process shall be an integral part of the relevant entities’ overall risk management process, where applicable. As part of the cybersecurity risk management process, the relevant entities shall: (a) follow a risk management methodology; (b) establish the risk tolerance level in accordance with the risk appetite of the relevant entities; (c) establish and maintain relevant risk criteria; (d) in line with an all-hazards approach, identify and document the risks posed to the security of network and information systems, in particular in relation to third parties and risks that could lead to disruptions in the availability, integrity, authenticity and confidentiality of the network and information systems, including the identification of single point of failures; (e) analyse the risks posed to the security of network and information systems, including threat, likelihood, impact and risk level, taking into account cyber threat intelligence and vulnerabilities; (f) evaluate the identified risks based on the risk criteria; (g) identify and prioritise appropriate risk treatment options and measures; (h) continuously monitor the implementation of the risk treatment measures; (i) identify who is responsible for implementing the risk treatment measures and when they should be implemented; (j) document the chosen risk treatment measures in a risk treatment plan and the reasons justifying the acceptance of residual risks in a comprehensible manner. 2.1.3. When identifying and prioritising appropriate risk treatment options and measures, the relevant entities shall take into account the risk assessment results, the results of the procedure to assess the effectiveness of cybersecurity riskmanagement measures, the cost of implementation in relation to the expected benefit, the asset classification referred to in point 12.1 and the business impact analysis referred to in point 4.1.3. 2.1.4. The relevant entities shall review and, where appropriate, update the risk assessment results and the risk treatment plan at planned intervals and at least annually and when significant changes to operations or risks or significant incidents occur. </a:t>
             </a:r>
           </a:p>
         </p:txBody>
@@ -2547,7 +4446,7 @@
           <a:lstStyle/>
           <a:p>
             <a:r>
-              <a:t>this is a summary</a:t>
+              <a:t>The head office oversees cybersecurity governance with site representatives and a centralized group-level risk management team conducts risk assessments while local teams implement mitigation measures. Incident response is shared between group and local functions. IT infrastructure is managed centrally and OT locally, with centrally scheduled data backups though without immutable copies. Access control relies on Active Directory for general users and KeePass-secured credentials for system administrators, but no access reviews are performed. The SOC team handles event monitoring. Vulnerability management is performed by the Basel IT security team using biweekly Tenable Nessus scans, CVSS-based severity ratings reported in ServiceNow, and defined remediation timelines of five days for severe, ten days for medium and thirty days for low risks. Monthly vulnerability reports are produced, patches distributed via internet-connected product updates, selective penetration testing conducted with risks classified internally, a software bill of materials maintained, and public disclosure of vulnerabilities on the company website with direct notifications for severe issues. Missing information: documented risk management methodology, risk appetite and tolerance levels, defined risk criteria, comprehensive risk identification (including single points of failure) and analysis, documented risk treatment plans with management approval of residual risks, assignment and monitoring of treatment measures, and scheduled reviews or updates of risk assessments and treatment plans.</a:t>
             </a:r>
           </a:p>
         </p:txBody>
@@ -2589,7 +4488,7 @@
               <a:defRPr sz="2600"/>
             </a:pPr>
             <a:r>
-              <a:t>Article 22</a:t>
+              <a:t>2.1 RISK MANAGEMENT FRAMEWORK</a:t>
             </a:r>
           </a:p>
         </p:txBody>
@@ -2610,7 +4509,45 @@
           <a:lstStyle/>
           <a:p>
             <a:r>
-              <a:t>not requested</a:t>
+              <a:t>1. Finding: More information needed to conclude whether documented risk assessments and risk treatment plans exist and are formally approved by management bodies.  </a:t>
+            </a:r>
+          </a:p>
+          <a:p>
+            <a:r>
+              <a:t>   Follow-up: Please provide risk assessment reports, risk treatment plans, and records of management or accountable person approvals.</a:t>
+            </a:r>
+          </a:p>
+          <a:p/>
+          <a:p>
+            <a:r>
+              <a:t>2. Finding: More information needed to conclude whether a defined risk management methodology, risk tolerance levels and risk criteria have been established.  </a:t>
+            </a:r>
+          </a:p>
+          <a:p>
+            <a:r>
+              <a:t>   Follow-up: Please share the documented risk management methodology, risk appetite/tolerance statements and criteria used for risk evaluation.</a:t>
+            </a:r>
+          </a:p>
+          <a:p/>
+          <a:p>
+            <a:r>
+              <a:t>3. Finding: More information needed to conclude whether risks (including third-party dependencies and single points of failure) are identified and documented via an all-hazards approach.  </a:t>
+            </a:r>
+          </a:p>
+          <a:p>
+            <a:r>
+              <a:t>   Follow-up: Please provide the procedures or registers showing third-party risk identification and single point-of-failure analysis.</a:t>
+            </a:r>
+          </a:p>
+          <a:p/>
+          <a:p>
+            <a:r>
+              <a:t>4. Finding: More information needed to conclude whether risk assessments and treatment plans are reviewed at least annually or after significant changes/incidents.  </a:t>
+            </a:r>
+          </a:p>
+          <a:p>
+            <a:r>
+              <a:t>   Follow-up: Please provide the review schedule and evidence of updates following major operational changes or security incidents.</a:t>
             </a:r>
           </a:p>
         </p:txBody>
@@ -2631,7 +4568,438 @@
           <a:lstStyle/>
           <a:p>
             <a:r>
-              <a:t>this is input 4</a:t>
+              <a:t>1. No specific risks – more information needed</a:t>
+            </a:r>
+          </a:p>
+          <a:p/>
+          <a:p>
+            <a:r>
+              <a:t>2. No specific risks – more information needed</a:t>
+            </a:r>
+          </a:p>
+          <a:p/>
+          <a:p>
+            <a:r>
+              <a:t>3. No specific risks – more information needed</a:t>
+            </a:r>
+          </a:p>
+          <a:p/>
+          <a:p>
+            <a:r>
+              <a:t>4. No specific risks – more information needed</a:t>
+            </a:r>
+          </a:p>
+        </p:txBody>
+      </p:sp>
+    </p:spTree>
+  </p:cSld>
+  <p:clrMapOvr>
+    <a:masterClrMapping/>
+  </p:clrMapOvr>
+</p:sld>
+</file>
+
+<file path=ppt/slides/slide6.xml><?xml version="1.0" encoding="utf-8"?>
+<p:sld xmlns:a="http://schemas.openxmlformats.org/drawingml/2006/main" xmlns:p="http://schemas.openxmlformats.org/presentationml/2006/main" xmlns:r="http://schemas.openxmlformats.org/officeDocument/2006/relationships">
+  <p:cSld>
+    <p:spTree>
+      <p:nvGrpSpPr>
+        <p:cNvPr id="1" name=""/>
+        <p:cNvGrpSpPr/>
+        <p:nvPr/>
+      </p:nvGrpSpPr>
+      <p:grpSpPr/>
+      <p:sp>
+        <p:nvSpPr>
+          <p:cNvPr id="2" name="Title 1"/>
+          <p:cNvSpPr>
+            <a:spLocks noGrp="1"/>
+          </p:cNvSpPr>
+          <p:nvPr>
+            <p:ph type="title"/>
+          </p:nvPr>
+        </p:nvSpPr>
+        <p:spPr/>
+        <p:txBody>
+          <a:bodyPr/>
+          <a:lstStyle/>
+          <a:p>
+            <a:pPr>
+              <a:defRPr sz="2600"/>
+            </a:pPr>
+            <a:r>
+              <a:t>3.1 INCIDENT HANDLING POLICY</a:t>
+            </a:r>
+          </a:p>
+        </p:txBody>
+      </p:sp>
+      <p:sp>
+        <p:nvSpPr>
+          <p:cNvPr id="3" name="Content Placeholder 2"/>
+          <p:cNvSpPr>
+            <a:spLocks noGrp="1"/>
+          </p:cNvSpPr>
+          <p:nvPr>
+            <p:ph idx="1"/>
+          </p:nvPr>
+        </p:nvSpPr>
+        <p:spPr/>
+        <p:txBody>
+          <a:bodyPr/>
+          <a:lstStyle/>
+          <a:p>
+            <a:r>
+              <a:t>3.1.1. For the purpose of Article 21(2), point (b) of Directive (EU) 2022/2555, the relevant entities shall establish and implement an incident handling policy laying down the roles, responsibilities and procedures for detecting, analysing, containing or responding to, recovering from, documenting and reporting of incidents in a timely manner. 3.1.2. The policy referred to in point 3.1.1 shall be coherent with the business continuity and disaster recovery plan referred to in point 4.1. The policy shall include: (a) a categorisation system for incidents that is consistent with the event assessment and classification carried out pursuant to point 3.4.1; (b) effective communication plans including for escalation and reporting; (c) assignment of roles to detect and appropriately respond to incidents to competent employees; (d) documents to be used in the course of incident detection and response such as incident response manuals, escalation charts, contact lists and templates. 3.1.3. The roles, responsibilities and procedures laid down in the policy shall be tested and reviewed and, where appropriate, updated at planned intervals and after significant incidents or significant changes to operations or risks. </a:t>
+            </a:r>
+          </a:p>
+        </p:txBody>
+      </p:sp>
+      <p:sp>
+        <p:nvSpPr>
+          <p:cNvPr id="4" name="Content Placeholder 3"/>
+          <p:cNvSpPr>
+            <a:spLocks noGrp="1"/>
+          </p:cNvSpPr>
+          <p:nvPr>
+            <p:ph idx="13"/>
+          </p:nvPr>
+        </p:nvSpPr>
+        <p:spPr/>
+        <p:txBody>
+          <a:bodyPr/>
+          <a:lstStyle/>
+          <a:p>
+            <a:r>
+              <a:t>The head office maintains overarching cybersecurity governance with site representatives and a centralized risk management team conducts assessments while local teams implement mitigations. Incident response duties are divided between group-level and local functions, with event detection and monitoring executed by the SOC team. IT infrastructure incident detection and response is under central management, whereas OT incidents are handled on-site. Data backup procedures are defined and centrally scheduled but lack immutable backups. Missing information: formal incident handling policy defining roles and responsibilities for timely detection, analysis, containment, recovery, documentation and reporting of incidents; incident categorisation system; communication, escalation and reporting plans; incident response manuals, escalation charts, contact lists and templates; and scheduled testing and review of the policy.</a:t>
+            </a:r>
+          </a:p>
+        </p:txBody>
+      </p:sp>
+    </p:spTree>
+  </p:cSld>
+  <p:clrMapOvr>
+    <a:masterClrMapping/>
+  </p:clrMapOvr>
+</p:sld>
+</file>
+
+<file path=ppt/slides/slide7.xml><?xml version="1.0" encoding="utf-8"?>
+<p:sld xmlns:a="http://schemas.openxmlformats.org/drawingml/2006/main" xmlns:p="http://schemas.openxmlformats.org/presentationml/2006/main" xmlns:r="http://schemas.openxmlformats.org/officeDocument/2006/relationships">
+  <p:cSld>
+    <p:spTree>
+      <p:nvGrpSpPr>
+        <p:cNvPr id="1" name=""/>
+        <p:cNvGrpSpPr/>
+        <p:nvPr/>
+      </p:nvGrpSpPr>
+      <p:grpSpPr/>
+      <p:sp>
+        <p:nvSpPr>
+          <p:cNvPr id="2" name="Title 1"/>
+          <p:cNvSpPr>
+            <a:spLocks noGrp="1"/>
+          </p:cNvSpPr>
+          <p:nvPr>
+            <p:ph type="title"/>
+          </p:nvPr>
+        </p:nvSpPr>
+        <p:spPr/>
+        <p:txBody>
+          <a:bodyPr/>
+          <a:lstStyle/>
+          <a:p>
+            <a:pPr>
+              <a:defRPr sz="2600"/>
+            </a:pPr>
+            <a:r>
+              <a:t>3.1 INCIDENT HANDLING POLICY</a:t>
+            </a:r>
+          </a:p>
+        </p:txBody>
+      </p:sp>
+      <p:sp>
+        <p:nvSpPr>
+          <p:cNvPr id="3" name="Content Placeholder 2"/>
+          <p:cNvSpPr>
+            <a:spLocks noGrp="1"/>
+          </p:cNvSpPr>
+          <p:nvPr>
+            <p:ph idx="1"/>
+          </p:nvPr>
+        </p:nvSpPr>
+        <p:spPr/>
+        <p:txBody>
+          <a:bodyPr/>
+          <a:lstStyle/>
+          <a:p>
+            <a:r>
+              <a:t>More information needed to conclude whether an incident handling policy exists and fulfils the requirements under 3.1.1–3.1.3.  </a:t>
+            </a:r>
+          </a:p>
+          <a:p>
+            <a:r>
+              <a:t>Follow-up questions:  </a:t>
+            </a:r>
+          </a:p>
+          <a:p>
+            <a:r>
+              <a:t>1. Can you provide the documented incident handling policy?  </a:t>
+            </a:r>
+          </a:p>
+          <a:p>
+            <a:r>
+              <a:t>2. Does it include an incident‐categorisation system, communication/escalation plans, role assignments, and response templates (manuals, charts, contact lists)?  </a:t>
+            </a:r>
+          </a:p>
+          <a:p>
+            <a:r>
+              <a:t>3. Is it aligned with the business continuity/disaster recovery plan?  </a:t>
+            </a:r>
+          </a:p>
+          <a:p>
+            <a:r>
+              <a:t>4. Are there records of planned reviews and tests, and updates after significant incidents or operational changes?</a:t>
+            </a:r>
+          </a:p>
+        </p:txBody>
+      </p:sp>
+      <p:sp>
+        <p:nvSpPr>
+          <p:cNvPr id="4" name="Text Placeholder 3"/>
+          <p:cNvSpPr>
+            <a:spLocks noGrp="1"/>
+          </p:cNvSpPr>
+          <p:nvPr>
+            <p:ph type="body" idx="13" sz="quarter"/>
+          </p:nvPr>
+        </p:nvSpPr>
+        <p:spPr/>
+        <p:txBody>
+          <a:bodyPr/>
+          <a:lstStyle/>
+          <a:p>
+            <a:r>
+              <a:t>No specific risks - more infortmation needed</a:t>
+            </a:r>
+          </a:p>
+        </p:txBody>
+      </p:sp>
+    </p:spTree>
+  </p:cSld>
+  <p:clrMapOvr>
+    <a:masterClrMapping/>
+  </p:clrMapOvr>
+</p:sld>
+</file>
+
+<file path=ppt/slides/slide8.xml><?xml version="1.0" encoding="utf-8"?>
+<p:sld xmlns:a="http://schemas.openxmlformats.org/drawingml/2006/main" xmlns:p="http://schemas.openxmlformats.org/presentationml/2006/main" xmlns:r="http://schemas.openxmlformats.org/officeDocument/2006/relationships">
+  <p:cSld>
+    <p:spTree>
+      <p:nvGrpSpPr>
+        <p:cNvPr id="1" name=""/>
+        <p:cNvGrpSpPr/>
+        <p:nvPr/>
+      </p:nvGrpSpPr>
+      <p:grpSpPr/>
+      <p:sp>
+        <p:nvSpPr>
+          <p:cNvPr id="2" name="Title 1"/>
+          <p:cNvSpPr>
+            <a:spLocks noGrp="1"/>
+          </p:cNvSpPr>
+          <p:nvPr>
+            <p:ph type="title"/>
+          </p:nvPr>
+        </p:nvSpPr>
+        <p:spPr/>
+        <p:txBody>
+          <a:bodyPr/>
+          <a:lstStyle/>
+          <a:p>
+            <a:pPr>
+              <a:defRPr sz="2600"/>
+            </a:pPr>
+            <a:r>
+              <a:t>4.1 BUSINESS CONTINUITY AND DISASTER RECOVERY PLAN</a:t>
+            </a:r>
+          </a:p>
+        </p:txBody>
+      </p:sp>
+      <p:sp>
+        <p:nvSpPr>
+          <p:cNvPr id="3" name="Content Placeholder 2"/>
+          <p:cNvSpPr>
+            <a:spLocks noGrp="1"/>
+          </p:cNvSpPr>
+          <p:nvPr>
+            <p:ph idx="1"/>
+          </p:nvPr>
+        </p:nvSpPr>
+        <p:spPr/>
+        <p:txBody>
+          <a:bodyPr/>
+          <a:lstStyle/>
+          <a:p>
+            <a:r>
+              <a:t>4.1.1. For the purpose of Article 21(2), point (c) of Directive (EU) 2022/2555, the relevant entities shall lay down and maintain a business continuity and disaster recovery plan to apply in the case of incidents. 4.1.2. The relevant entities’ operations shall be restored according to the business continuity and disaster recovery plan. The plan shall be based on the results of the risk assessment carried out pursuant to point 2.1 and shall include, where appropriate, the following: (a) purpose, scope and audience; (b) roles and responsibilities; (c) key contacts and (internal and external) communication channels; (d) conditions for plan activation and deactivation; (e) order of recovery for operations; (f) recovery plans for specific operations, including recovery objectives; (g) required resources, including backups and redundancies; (h) restoring and resuming activities from temporary measures. 4.1.3. The relevant entities shall carry out a business impact analysis to assess the potential impact of severe disruptions to their business operations and shall, based on the results of the business impact analysis, establish continuity requirements for the network and information systems. 4.1.4. The business continuity plan and disaster recovery plan shall be tested, reviewed and, where appropriate, updated at planned intervals and following significant incidents or significant changes to operations or risks. The relevant entities shall ensure that the plans incorporate lessons learnt from such tests. </a:t>
+            </a:r>
+          </a:p>
+        </p:txBody>
+      </p:sp>
+      <p:sp>
+        <p:nvSpPr>
+          <p:cNvPr id="4" name="Content Placeholder 3"/>
+          <p:cNvSpPr>
+            <a:spLocks noGrp="1"/>
+          </p:cNvSpPr>
+          <p:nvPr>
+            <p:ph idx="13"/>
+          </p:nvPr>
+        </p:nvSpPr>
+        <p:spPr/>
+        <p:txBody>
+          <a:bodyPr/>
+          <a:lstStyle/>
+          <a:p>
+            <a:r>
+              <a:t>The group-level risk management team conducts risk assessments across all sites while local teams implement mitigation measures, and incident response responsibilities are shared between central and local functions. The head office maintains overall cybersecurity governance, and IT infrastructure is centrally managed whereas OT is handled locally. Data backups are managed centrally according to defined schedules, although immutable backups are not in place. Active Directory handles general network access with privileged credentials stored in a KeePass tool accessible only to system administrators, and user accounts are issued per individual without periodic access reviews. Vulnerability scanning is performed biweekly by the Basel IT security team using Tenable Nessus, with remediation timelines and reporting managed through ServiceNow, supplemented by periodic penetration testing and SBOM maintenance. Missing information: details regarding a formal business continuity and disaster recovery plan including its purpose, scope and audience, roles and responsibilities, key contacts and communication channels, activation and deactivation conditions, order of recovery, recovery objectives, required resources, results of a business impact analysis, and procedures for testing, review and update.</a:t>
+            </a:r>
+          </a:p>
+        </p:txBody>
+      </p:sp>
+    </p:spTree>
+  </p:cSld>
+  <p:clrMapOvr>
+    <a:masterClrMapping/>
+  </p:clrMapOvr>
+</p:sld>
+</file>
+
+<file path=ppt/slides/slide9.xml><?xml version="1.0" encoding="utf-8"?>
+<p:sld xmlns:a="http://schemas.openxmlformats.org/drawingml/2006/main" xmlns:p="http://schemas.openxmlformats.org/presentationml/2006/main" xmlns:r="http://schemas.openxmlformats.org/officeDocument/2006/relationships">
+  <p:cSld>
+    <p:spTree>
+      <p:nvGrpSpPr>
+        <p:cNvPr id="1" name=""/>
+        <p:cNvGrpSpPr/>
+        <p:nvPr/>
+      </p:nvGrpSpPr>
+      <p:grpSpPr/>
+      <p:sp>
+        <p:nvSpPr>
+          <p:cNvPr id="2" name="Title 1"/>
+          <p:cNvSpPr>
+            <a:spLocks noGrp="1"/>
+          </p:cNvSpPr>
+          <p:nvPr>
+            <p:ph type="title"/>
+          </p:nvPr>
+        </p:nvSpPr>
+        <p:spPr/>
+        <p:txBody>
+          <a:bodyPr/>
+          <a:lstStyle/>
+          <a:p>
+            <a:pPr>
+              <a:defRPr sz="2600"/>
+            </a:pPr>
+            <a:r>
+              <a:t>4.1 BUSINESS CONTINUITY AND DISASTER RECOVERY PLAN</a:t>
+            </a:r>
+          </a:p>
+        </p:txBody>
+      </p:sp>
+      <p:sp>
+        <p:nvSpPr>
+          <p:cNvPr id="3" name="Content Placeholder 2"/>
+          <p:cNvSpPr>
+            <a:spLocks noGrp="1"/>
+          </p:cNvSpPr>
+          <p:nvPr>
+            <p:ph idx="1"/>
+          </p:nvPr>
+        </p:nvSpPr>
+        <p:spPr/>
+        <p:txBody>
+          <a:bodyPr/>
+          <a:lstStyle/>
+          <a:p>
+            <a:r>
+              <a:t>1. Business continuity and disaster recovery plan  </a:t>
+            </a:r>
+          </a:p>
+          <a:p>
+            <a:r>
+              <a:t>More information needed to conclude.  </a:t>
+            </a:r>
+          </a:p>
+          <a:p>
+            <a:r>
+              <a:t>Follow-up: Please provide documentation of your BC/DR plan showing its purpose, scope, roles and responsibilities, key contacts, activation/deactivation criteria, order of recovery, recovery objectives and required resources (e.g., backups, redundancies, temporary measures).</a:t>
+            </a:r>
+          </a:p>
+          <a:p/>
+          <a:p>
+            <a:r>
+              <a:t>2. Business impact analysis (BIA)  </a:t>
+            </a:r>
+          </a:p>
+          <a:p>
+            <a:r>
+              <a:t>More information needed to conclude.  </a:t>
+            </a:r>
+          </a:p>
+          <a:p>
+            <a:r>
+              <a:t>Follow-up: Has a BIA been performed to assess potential impacts of severe disruptions and define continuity requirements for network and information systems? Please share the BIA results.</a:t>
+            </a:r>
+          </a:p>
+          <a:p/>
+          <a:p>
+            <a:r>
+              <a:t>3. Plan testing, review and update  </a:t>
+            </a:r>
+          </a:p>
+          <a:p>
+            <a:r>
+              <a:t>More information needed to conclude.  </a:t>
+            </a:r>
+          </a:p>
+          <a:p>
+            <a:r>
+              <a:t>Follow-up: Are the BC/DR plans tested, reviewed and updated at planned intervals or after significant incidents/changes? Please provide records of tests, reviews and lessons-learned.</a:t>
+            </a:r>
+          </a:p>
+        </p:txBody>
+      </p:sp>
+      <p:sp>
+        <p:nvSpPr>
+          <p:cNvPr id="4" name="Text Placeholder 3"/>
+          <p:cNvSpPr>
+            <a:spLocks noGrp="1"/>
+          </p:cNvSpPr>
+          <p:nvPr>
+            <p:ph type="body" idx="13" sz="quarter"/>
+          </p:nvPr>
+        </p:nvSpPr>
+        <p:spPr/>
+        <p:txBody>
+          <a:bodyPr/>
+          <a:lstStyle/>
+          <a:p>
+            <a:r>
+              <a:t>1. No specific risks – more infortmation needed  </a:t>
+            </a:r>
+          </a:p>
+          <a:p>
+            <a:r>
+              <a:t>2. No specific risks – more infortmation needed  </a:t>
+            </a:r>
+          </a:p>
+          <a:p>
+            <a:r>
+              <a:t>3. No specific risks – more infortmation needed</a:t>
             </a:r>
           </a:p>
         </p:txBody>

--- a/filename.pptx
+++ b/filename.pptx
@@ -13,28 +13,6 @@
     <p:sldId id="258" r:id="rId9"/>
     <p:sldId id="259" r:id="rId10"/>
     <p:sldId id="260" r:id="rId11"/>
-    <p:sldId id="261" r:id="rId12"/>
-    <p:sldId id="262" r:id="rId13"/>
-    <p:sldId id="263" r:id="rId14"/>
-    <p:sldId id="264" r:id="rId15"/>
-    <p:sldId id="265" r:id="rId16"/>
-    <p:sldId id="266" r:id="rId17"/>
-    <p:sldId id="267" r:id="rId18"/>
-    <p:sldId id="268" r:id="rId19"/>
-    <p:sldId id="269" r:id="rId20"/>
-    <p:sldId id="270" r:id="rId21"/>
-    <p:sldId id="271" r:id="rId22"/>
-    <p:sldId id="272" r:id="rId23"/>
-    <p:sldId id="273" r:id="rId24"/>
-    <p:sldId id="274" r:id="rId25"/>
-    <p:sldId id="275" r:id="rId26"/>
-    <p:sldId id="276" r:id="rId27"/>
-    <p:sldId id="277" r:id="rId28"/>
-    <p:sldId id="278" r:id="rId29"/>
-    <p:sldId id="279" r:id="rId30"/>
-    <p:sldId id="280" r:id="rId31"/>
-    <p:sldId id="281" r:id="rId32"/>
-    <p:sldId id="282" r:id="rId33"/>
   </p:sldIdLst>
   <p:sldSz cx="12192000" cy="6858000"/>
   <p:notesSz cx="6858000" cy="9144000"/>
@@ -2259,1075 +2237,6 @@
 </p:sld>
 </file>
 
-<file path=ppt/slides/slide10.xml><?xml version="1.0" encoding="utf-8"?>
-<p:sld xmlns:a="http://schemas.openxmlformats.org/drawingml/2006/main" xmlns:p="http://schemas.openxmlformats.org/presentationml/2006/main" xmlns:r="http://schemas.openxmlformats.org/officeDocument/2006/relationships">
-  <p:cSld>
-    <p:spTree>
-      <p:nvGrpSpPr>
-        <p:cNvPr id="1" name=""/>
-        <p:cNvGrpSpPr/>
-        <p:nvPr/>
-      </p:nvGrpSpPr>
-      <p:grpSpPr/>
-      <p:sp>
-        <p:nvSpPr>
-          <p:cNvPr id="2" name="Title 1"/>
-          <p:cNvSpPr>
-            <a:spLocks noGrp="1"/>
-          </p:cNvSpPr>
-          <p:nvPr>
-            <p:ph type="title"/>
-          </p:nvPr>
-        </p:nvSpPr>
-        <p:spPr/>
-        <p:txBody>
-          <a:bodyPr/>
-          <a:lstStyle/>
-          <a:p>
-            <a:pPr>
-              <a:defRPr sz="2600"/>
-            </a:pPr>
-            <a:r>
-              <a:t>5.1 SUPPLY CHAIN SECURITY POLICY</a:t>
-            </a:r>
-          </a:p>
-        </p:txBody>
-      </p:sp>
-      <p:sp>
-        <p:nvSpPr>
-          <p:cNvPr id="3" name="Content Placeholder 2"/>
-          <p:cNvSpPr>
-            <a:spLocks noGrp="1"/>
-          </p:cNvSpPr>
-          <p:nvPr>
-            <p:ph idx="1"/>
-          </p:nvPr>
-        </p:nvSpPr>
-        <p:spPr/>
-        <p:txBody>
-          <a:bodyPr/>
-          <a:lstStyle/>
-          <a:p>
-            <a:r>
-              <a:t>5.1.1. For the purpose of Article 21(2), point (d) of Directive (EU) 2022/2555, the relevant entities shall establish, implement and apply a supply chain security policy which governs the relations with their direct suppliers and service providers to mitigate the identified risks to the security of network and information systems. In the supply chain security policy, the relevant entities shall identify their role in the supply chain and communicate it to their direct suppliers and service providers. 5.1.2. As part of the supply chain security policy referred to in point 5.1.1, the relevant entities shall lay down criteria to select and contract suppliers and service providers. Those criteria shall include the following: (a) the cybersecurity practices of the suppliers and service providers, including their secure development procedures; (b) the ability of the suppliers and service providers to meet cybersecurity specifications set by the relevant entities; (c) the overall quality and resilience of ICT products and ICT services and the cybersecurity risk-management measures embedded in them, including the risks and classification level of the ICT products and ICT services; (d) the ability of the relevant entities to diversify sources of supply and limit vendor lock-in, where applicable. 5.1.3. When establishing their supply chain security policy, relevant entities shall take into account the results of the coordinated security risk assessments of critical supply chains carried out in accordance with Article 22(1) of Directive (EU) 2022/2555, where applicable. 5.1.4. Based on the supply chain security policy and taking into account the results of the risk assessment carried out in accordance with point 2.1. of this Annex, the relevant entities shall ensure that their contracts with the suppliers and service providers specify, where appropriate through service level agreements, the following, where appropriate: (a) cybersecurity requirements for the suppliers or service providers, including requirements as regards the security in acquisition of ICT services or ICT products set out in point 6.1.; (b) requirements regarding awareness, skills and training and where appropriate certifications, required from the suppliers’ or service providers’ employees; (c) requirements regarding the verification of the background of the suppliers’ and service providers’ employees; (d) an obligation on suppliers and service providers to notify, without undue delay, the relevant entities of incidents that present a risk to the security of the network and information systems of those entities; (e) the right to audit or right to receive audit reports; (f) an obligation on suppliers and service providers to handle vulnerabilities that present a risk to the security of the network and information systems of the relevant entities; (g) requirements regarding subcontracting and, where the relevant entities allow subcontracting, cybersecurity requirements for subcontractors in accordance with the cybersecurity requirements referred to in point (a); (h) obligations on the suppliers and service providers at the termination of the contract, such as retrieval and disposal of the information obtained by the suppliers and service providers in the exercise of their tasks. 5.1.5. The relevant entities shall take into account the elements referred to in point 5.1.2 and 5.1.3. as part of the selection process of new suppliers and service providers, as well as part of the procurement process referred to in point 6.1. 5.1.6. The relevant entities shall review the supply chain security policy and monitor, evaluate and, where necessary, act upon changes in the cybersecurity practices of suppliers and service providers, at planned intervals and when significant changes to operations or risks or significant incidents related to the provision of ICT services or having impact on the security of the ICT products from suppliers and service providers occur. 5.1.7. For the purpose of point 5.1.6., the relevant entities shall: (a) regularly monitor reports on the implementation of the service level agreements, where applicable; (b) review incidents related to ICT products and ICT services from suppliers and service providers; (c) assess the need for unscheduled reviews and document the findings in a comprehensible manner; (d) analyse the risks presented by changes related to ICT products and ICT services from suppliers and service providers and, where appropriate, take mitigating measures in a timely manner. </a:t>
-            </a:r>
-          </a:p>
-        </p:txBody>
-      </p:sp>
-      <p:sp>
-        <p:nvSpPr>
-          <p:cNvPr id="4" name="Content Placeholder 3"/>
-          <p:cNvSpPr>
-            <a:spLocks noGrp="1"/>
-          </p:cNvSpPr>
-          <p:nvPr>
-            <p:ph idx="13"/>
-          </p:nvPr>
-        </p:nvSpPr>
-        <p:spPr/>
-        <p:txBody>
-          <a:bodyPr/>
-          <a:lstStyle/>
-          <a:p>
-            <a:r>
-              <a:t>The entity has centralized cybersecurity governance at head office with site representation, a group-level risk management team conducting assessments and local teams implementing mitigations, split incident response responsibilities between group and local functions, group-managed IT infrastructure and centrally scheduled data backups without immutability, general access managed via Active Directory with privileged credentials stored in KeePass, no regular access reviews, event monitoring by the SOC team, vulnerability management by the Basel IT security team using Tenable Nessus scans performed every two weeks with CVSS-based rating and ServiceNow reporting, remediation timelines of five days for severe, ten for medium and thirty for low risks, monthly vulnerability status reports, internet-connected patch distribution, selected product penetration testing, SBOM maintained by the product development team and public disclosure of vulnerabilities with direct notifications for severe cases. Missing information: establishment and maintenance of a supply chain security policy, supplier selection and contracting criteria, detailed contractual cybersecurity requirements, subcontractor requirements, supplier incident notification and audit clauses, policy review and monitoring of supplier cybersecurity practices.</a:t>
-            </a:r>
-          </a:p>
-        </p:txBody>
-      </p:sp>
-    </p:spTree>
-  </p:cSld>
-  <p:clrMapOvr>
-    <a:masterClrMapping/>
-  </p:clrMapOvr>
-</p:sld>
-</file>
-
-<file path=ppt/slides/slide11.xml><?xml version="1.0" encoding="utf-8"?>
-<p:sld xmlns:a="http://schemas.openxmlformats.org/drawingml/2006/main" xmlns:p="http://schemas.openxmlformats.org/presentationml/2006/main" xmlns:r="http://schemas.openxmlformats.org/officeDocument/2006/relationships">
-  <p:cSld>
-    <p:spTree>
-      <p:nvGrpSpPr>
-        <p:cNvPr id="1" name=""/>
-        <p:cNvGrpSpPr/>
-        <p:nvPr/>
-      </p:nvGrpSpPr>
-      <p:grpSpPr/>
-      <p:sp>
-        <p:nvSpPr>
-          <p:cNvPr id="2" name="Title 1"/>
-          <p:cNvSpPr>
-            <a:spLocks noGrp="1"/>
-          </p:cNvSpPr>
-          <p:nvPr>
-            <p:ph type="title"/>
-          </p:nvPr>
-        </p:nvSpPr>
-        <p:spPr/>
-        <p:txBody>
-          <a:bodyPr/>
-          <a:lstStyle/>
-          <a:p>
-            <a:pPr>
-              <a:defRPr sz="2600"/>
-            </a:pPr>
-            <a:r>
-              <a:t>5.1 SUPPLY CHAIN SECURITY POLICY</a:t>
-            </a:r>
-          </a:p>
-        </p:txBody>
-      </p:sp>
-      <p:sp>
-        <p:nvSpPr>
-          <p:cNvPr id="3" name="Content Placeholder 2"/>
-          <p:cNvSpPr>
-            <a:spLocks noGrp="1"/>
-          </p:cNvSpPr>
-          <p:nvPr>
-            <p:ph idx="1"/>
-          </p:nvPr>
-        </p:nvSpPr>
-        <p:spPr/>
-        <p:txBody>
-          <a:bodyPr/>
-          <a:lstStyle/>
-          <a:p>
-            <a:r>
-              <a:t>Finding 1: More information needed to conclude  </a:t>
-            </a:r>
-          </a:p>
-          <a:p>
-            <a:r>
-              <a:t>Notes make no reference to a supply chain security policy, supplier selection criteria, contractual cybersecurity clauses or ongoing monitoring of supplier practices as per NIS2 Art. 21(2)(d) and Annex 5.1.  </a:t>
-            </a:r>
-          </a:p>
-          <a:p>
-            <a:r>
-              <a:t>Follow-up questions:  </a:t>
-            </a:r>
-          </a:p>
-          <a:p>
-            <a:r>
-              <a:t>• Do you have a documented supply chain security policy?  </a:t>
-            </a:r>
-          </a:p>
-          <a:p>
-            <a:r>
-              <a:t>• What criteria are used when selecting and contracting suppliers or service providers?  </a:t>
-            </a:r>
-          </a:p>
-          <a:p>
-            <a:r>
-              <a:t>• Are cybersecurity requirements, incident-notification and audit rights included in supplier contracts?  </a:t>
-            </a:r>
-          </a:p>
-          <a:p>
-            <a:r>
-              <a:t>• How do you monitor and review supplier cybersecurity performance over time?</a:t>
-            </a:r>
-          </a:p>
-        </p:txBody>
-      </p:sp>
-      <p:sp>
-        <p:nvSpPr>
-          <p:cNvPr id="4" name="Text Placeholder 3"/>
-          <p:cNvSpPr>
-            <a:spLocks noGrp="1"/>
-          </p:cNvSpPr>
-          <p:nvPr>
-            <p:ph type="body" idx="13" sz="quarter"/>
-          </p:nvPr>
-        </p:nvSpPr>
-        <p:spPr/>
-        <p:txBody>
-          <a:bodyPr/>
-          <a:lstStyle/>
-          <a:p>
-            <a:r>
-              <a:t>No specific risks - more infortmation needed</a:t>
-            </a:r>
-          </a:p>
-        </p:txBody>
-      </p:sp>
-    </p:spTree>
-  </p:cSld>
-  <p:clrMapOvr>
-    <a:masterClrMapping/>
-  </p:clrMapOvr>
-</p:sld>
-</file>
-
-<file path=ppt/slides/slide12.xml><?xml version="1.0" encoding="utf-8"?>
-<p:sld xmlns:a="http://schemas.openxmlformats.org/drawingml/2006/main" xmlns:p="http://schemas.openxmlformats.org/presentationml/2006/main" xmlns:r="http://schemas.openxmlformats.org/officeDocument/2006/relationships">
-  <p:cSld>
-    <p:spTree>
-      <p:nvGrpSpPr>
-        <p:cNvPr id="1" name=""/>
-        <p:cNvGrpSpPr/>
-        <p:nvPr/>
-      </p:nvGrpSpPr>
-      <p:grpSpPr/>
-      <p:sp>
-        <p:nvSpPr>
-          <p:cNvPr id="2" name="Title 1"/>
-          <p:cNvSpPr>
-            <a:spLocks noGrp="1"/>
-          </p:cNvSpPr>
-          <p:nvPr>
-            <p:ph type="title"/>
-          </p:nvPr>
-        </p:nvSpPr>
-        <p:spPr/>
-        <p:txBody>
-          <a:bodyPr/>
-          <a:lstStyle/>
-          <a:p>
-            <a:pPr>
-              <a:defRPr sz="2600"/>
-            </a:pPr>
-            <a:r>
-              <a:t>5.2 DIRECTORY OF SUPPLIERS AND SERVICE PROVIDERS</a:t>
-            </a:r>
-          </a:p>
-        </p:txBody>
-      </p:sp>
-      <p:sp>
-        <p:nvSpPr>
-          <p:cNvPr id="3" name="Content Placeholder 2"/>
-          <p:cNvSpPr>
-            <a:spLocks noGrp="1"/>
-          </p:cNvSpPr>
-          <p:nvPr>
-            <p:ph idx="1"/>
-          </p:nvPr>
-        </p:nvSpPr>
-        <p:spPr/>
-        <p:txBody>
-          <a:bodyPr/>
-          <a:lstStyle/>
-          <a:p>
-            <a:r>
-              <a:t>The relevant entities shall maintain and keep up to date a registry of their direct suppliers and service providers, including: (a) contact points for each direct supplier and service provider; (b) a list of ICT products, ICT services and ICT processes provided by the direct supplier or service provider to the relevant entities. </a:t>
-            </a:r>
-          </a:p>
-        </p:txBody>
-      </p:sp>
-      <p:sp>
-        <p:nvSpPr>
-          <p:cNvPr id="4" name="Content Placeholder 3"/>
-          <p:cNvSpPr>
-            <a:spLocks noGrp="1"/>
-          </p:cNvSpPr>
-          <p:nvPr>
-            <p:ph idx="13"/>
-          </p:nvPr>
-        </p:nvSpPr>
-        <p:spPr/>
-        <p:txBody>
-          <a:bodyPr/>
-          <a:lstStyle/>
-          <a:p>
-            <a:r>
-              <a:t>The provided notes do not address the maintenance or update of a registry of direct suppliers and service providers. Missing information: evidence of a registry listing each supplier and service provider, designated contact points for each supplier and service provider, and a detailed enumeration of the ICT products, services and processes supplied to the entity.</a:t>
-            </a:r>
-          </a:p>
-        </p:txBody>
-      </p:sp>
-    </p:spTree>
-  </p:cSld>
-  <p:clrMapOvr>
-    <a:masterClrMapping/>
-  </p:clrMapOvr>
-</p:sld>
-</file>
-
-<file path=ppt/slides/slide13.xml><?xml version="1.0" encoding="utf-8"?>
-<p:sld xmlns:a="http://schemas.openxmlformats.org/drawingml/2006/main" xmlns:p="http://schemas.openxmlformats.org/presentationml/2006/main" xmlns:r="http://schemas.openxmlformats.org/officeDocument/2006/relationships">
-  <p:cSld>
-    <p:spTree>
-      <p:nvGrpSpPr>
-        <p:cNvPr id="1" name=""/>
-        <p:cNvGrpSpPr/>
-        <p:nvPr/>
-      </p:nvGrpSpPr>
-      <p:grpSpPr/>
-      <p:sp>
-        <p:nvSpPr>
-          <p:cNvPr id="2" name="Title 1"/>
-          <p:cNvSpPr>
-            <a:spLocks noGrp="1"/>
-          </p:cNvSpPr>
-          <p:nvPr>
-            <p:ph type="title"/>
-          </p:nvPr>
-        </p:nvSpPr>
-        <p:spPr/>
-        <p:txBody>
-          <a:bodyPr/>
-          <a:lstStyle/>
-          <a:p>
-            <a:pPr>
-              <a:defRPr sz="2600"/>
-            </a:pPr>
-            <a:r>
-              <a:t>5.2 DIRECTORY OF SUPPLIERS AND SERVICE PROVIDERS</a:t>
-            </a:r>
-          </a:p>
-        </p:txBody>
-      </p:sp>
-      <p:sp>
-        <p:nvSpPr>
-          <p:cNvPr id="3" name="Content Placeholder 2"/>
-          <p:cNvSpPr>
-            <a:spLocks noGrp="1"/>
-          </p:cNvSpPr>
-          <p:nvPr>
-            <p:ph idx="1"/>
-          </p:nvPr>
-        </p:nvSpPr>
-        <p:spPr/>
-        <p:txBody>
-          <a:bodyPr/>
-          <a:lstStyle/>
-          <a:p>
-            <a:r>
-              <a:t>1. Observation: No information in the notes about a maintained registry of direct suppliers and service providers, including contact points or lists of ICT products/services/processes.  </a:t>
-            </a:r>
-          </a:p>
-          <a:p>
-            <a:r>
-              <a:t>   More information needed to conclude.  </a:t>
-            </a:r>
-          </a:p>
-          <a:p>
-            <a:r>
-              <a:t>   Follow-up question: Please provide evidence of your registry of direct suppliers and service providers, with contact points and their associated ICT products, services, and processes.</a:t>
-            </a:r>
-          </a:p>
-        </p:txBody>
-      </p:sp>
-      <p:sp>
-        <p:nvSpPr>
-          <p:cNvPr id="4" name="Text Placeholder 3"/>
-          <p:cNvSpPr>
-            <a:spLocks noGrp="1"/>
-          </p:cNvSpPr>
-          <p:nvPr>
-            <p:ph type="body" idx="13" sz="quarter"/>
-          </p:nvPr>
-        </p:nvSpPr>
-        <p:spPr/>
-        <p:txBody>
-          <a:bodyPr/>
-          <a:lstStyle/>
-          <a:p>
-            <a:r>
-              <a:t>No specific risks - more information needed</a:t>
-            </a:r>
-          </a:p>
-        </p:txBody>
-      </p:sp>
-    </p:spTree>
-  </p:cSld>
-  <p:clrMapOvr>
-    <a:masterClrMapping/>
-  </p:clrMapOvr>
-</p:sld>
-</file>
-
-<file path=ppt/slides/slide14.xml><?xml version="1.0" encoding="utf-8"?>
-<p:sld xmlns:a="http://schemas.openxmlformats.org/drawingml/2006/main" xmlns:p="http://schemas.openxmlformats.org/presentationml/2006/main" xmlns:r="http://schemas.openxmlformats.org/officeDocument/2006/relationships">
-  <p:cSld>
-    <p:spTree>
-      <p:nvGrpSpPr>
-        <p:cNvPr id="1" name=""/>
-        <p:cNvGrpSpPr/>
-        <p:nvPr/>
-      </p:nvGrpSpPr>
-      <p:grpSpPr/>
-      <p:sp>
-        <p:nvSpPr>
-          <p:cNvPr id="2" name="Title 1"/>
-          <p:cNvSpPr>
-            <a:spLocks noGrp="1"/>
-          </p:cNvSpPr>
-          <p:nvPr>
-            <p:ph type="title"/>
-          </p:nvPr>
-        </p:nvSpPr>
-        <p:spPr/>
-        <p:txBody>
-          <a:bodyPr/>
-          <a:lstStyle/>
-          <a:p>
-            <a:pPr>
-              <a:defRPr sz="2600"/>
-            </a:pPr>
-            <a:r>
-              <a:t>6.10 VULNERABILITY HANDLING AND DISCLOSURE</a:t>
-            </a:r>
-          </a:p>
-        </p:txBody>
-      </p:sp>
-      <p:sp>
-        <p:nvSpPr>
-          <p:cNvPr id="3" name="Content Placeholder 2"/>
-          <p:cNvSpPr>
-            <a:spLocks noGrp="1"/>
-          </p:cNvSpPr>
-          <p:nvPr>
-            <p:ph idx="1"/>
-          </p:nvPr>
-        </p:nvSpPr>
-        <p:spPr/>
-        <p:txBody>
-          <a:bodyPr/>
-          <a:lstStyle/>
-          <a:p>
-            <a:r>
-              <a:t>6.10.1. The relevant entities shall obtain information about technical vulnerabilities in their network and information systems, evaluate their exposure to such vulnerabilities and take appropriate measures to manage the vulnerabilities. 6.10.2. For the purpose of point 6.10.1., the relevant entities shall: (a) monitor information about vulnerabilities through appropriate channels, such as announcements of CSIRTs, competent authorities or information provided by suppliers or service providers; (b) perform, where appropriate, vulnerability scans and record evidence of the results of the scans, at planned intervals; (c) address, without undue delay, vulnerabilities identified by the relevant entities as critical to their operations; (d) ensure that their vulnerability handling is compatible with their change management, security patch management, risk management and incident management procedures; (e) lay down a procedure for disclosing vulnerabilities in accordance with the applicable national coordinated vulnerability disclosure policy. 6.10.3. When justified by the potential impact of the vulnerability, the relevant entities shall create and implement a plan to mitigate the vulnerability. In other cases, the relevant entities shall document and substantiate the reason why the vulnerability does not require remediation. 6.10.4. The relevant entities shall review and, where appropriate, update at planned intervals the channels they use for monitoring vulnerability information. </a:t>
-            </a:r>
-          </a:p>
-        </p:txBody>
-      </p:sp>
-      <p:sp>
-        <p:nvSpPr>
-          <p:cNvPr id="4" name="Content Placeholder 3"/>
-          <p:cNvSpPr>
-            <a:spLocks noGrp="1"/>
-          </p:cNvSpPr>
-          <p:nvPr>
-            <p:ph idx="13"/>
-          </p:nvPr>
-        </p:nvSpPr>
-        <p:spPr/>
-        <p:txBody>
-          <a:bodyPr/>
-          <a:lstStyle/>
-          <a:p>
-            <a:r>
-              <a:t>The IT security team located in Basel performs organization-wide vulnerability scanning every two weeks using Tenable Nessus and records the results in the ServiceNow platform, rating detected vulnerabilities based on CVSS scores and producing monthly status reports. Remediation SLAs require that severe vulnerabilities be addressed within five days, medium within ten days and low within thirty days, with patches distributed via periodic internet-connected product updates. Selected products undergo penetration testing rated under an internal methodology and a software bill of materials is maintained by the product development team. Public vulnerability disclosure is conducted on the company website and severe vulnerabilities are communicated directly to users via email. Missing information: monitoring channels such as CSIRTs or supplier advisories, compatibility of vulnerability handling with change management, security patch management, risk and incident management, formal mitigation plans for high-impact vulnerabilities or justification for exceptions, and periodic review of monitoring channels.</a:t>
-            </a:r>
-          </a:p>
-        </p:txBody>
-      </p:sp>
-    </p:spTree>
-  </p:cSld>
-  <p:clrMapOvr>
-    <a:masterClrMapping/>
-  </p:clrMapOvr>
-</p:sld>
-</file>
-
-<file path=ppt/slides/slide15.xml><?xml version="1.0" encoding="utf-8"?>
-<p:sld xmlns:a="http://schemas.openxmlformats.org/drawingml/2006/main" xmlns:p="http://schemas.openxmlformats.org/presentationml/2006/main" xmlns:r="http://schemas.openxmlformats.org/officeDocument/2006/relationships">
-  <p:cSld>
-    <p:spTree>
-      <p:nvGrpSpPr>
-        <p:cNvPr id="1" name=""/>
-        <p:cNvGrpSpPr/>
-        <p:nvPr/>
-      </p:nvGrpSpPr>
-      <p:grpSpPr/>
-      <p:sp>
-        <p:nvSpPr>
-          <p:cNvPr id="2" name="Title 1"/>
-          <p:cNvSpPr>
-            <a:spLocks noGrp="1"/>
-          </p:cNvSpPr>
-          <p:nvPr>
-            <p:ph type="title"/>
-          </p:nvPr>
-        </p:nvSpPr>
-        <p:spPr/>
-        <p:txBody>
-          <a:bodyPr/>
-          <a:lstStyle/>
-          <a:p>
-            <a:pPr>
-              <a:defRPr sz="2600"/>
-            </a:pPr>
-            <a:r>
-              <a:t>6.10 VULNERABILITY HANDLING AND DISCLOSURE</a:t>
-            </a:r>
-          </a:p>
-        </p:txBody>
-      </p:sp>
-      <p:sp>
-        <p:nvSpPr>
-          <p:cNvPr id="3" name="Content Placeholder 2"/>
-          <p:cNvSpPr>
-            <a:spLocks noGrp="1"/>
-          </p:cNvSpPr>
-          <p:nvPr>
-            <p:ph idx="1"/>
-          </p:nvPr>
-        </p:nvSpPr>
-        <p:spPr/>
-        <p:txBody>
-          <a:bodyPr/>
-          <a:lstStyle/>
-          <a:p>
-            <a:r>
-              <a:t>1. Vulnerability Information Sources (6.10.2 a)  </a:t>
-            </a:r>
-          </a:p>
-          <a:p>
-            <a:r>
-              <a:t>More information needed to conclude whether the entity monitors vulnerability announcements from CSIRTs, competent authorities or suppliers.</a:t>
-            </a:r>
-          </a:p>
-          <a:p/>
-          <a:p>
-            <a:r>
-              <a:t>2. Integration with Management Processes (6.10.2 d)  </a:t>
-            </a:r>
-          </a:p>
-          <a:p>
-            <a:r>
-              <a:t>More information needed to conclude whether vulnerability handling is integrated with change management, patch management, risk management and incident management.</a:t>
-            </a:r>
-          </a:p>
-          <a:p/>
-          <a:p>
-            <a:r>
-              <a:t>3. Coordinated Disclosure Procedure (6.10.2 e)  </a:t>
-            </a:r>
-          </a:p>
-          <a:p>
-            <a:r>
-              <a:t>More information needed to conclude whether there is a documented procedure aligned with the applicable national coordinated vulnerability disclosure policy.</a:t>
-            </a:r>
-          </a:p>
-          <a:p/>
-          <a:p>
-            <a:r>
-              <a:t>4. Non-Remediation Justification (6.10.3)  </a:t>
-            </a:r>
-          </a:p>
-          <a:p>
-            <a:r>
-              <a:t>More information needed to conclude whether the entity documents and substantiates reasons for not remediating non-critical vulnerabilities.</a:t>
-            </a:r>
-          </a:p>
-          <a:p/>
-          <a:p>
-            <a:r>
-              <a:t>5. Review of Monitoring Channels (6.10.4)  </a:t>
-            </a:r>
-          </a:p>
-          <a:p>
-            <a:r>
-              <a:t>More information needed to conclude whether the channels used for vulnerability information are reviewed or updated at planned intervals.</a:t>
-            </a:r>
-          </a:p>
-        </p:txBody>
-      </p:sp>
-      <p:sp>
-        <p:nvSpPr>
-          <p:cNvPr id="4" name="Text Placeholder 3"/>
-          <p:cNvSpPr>
-            <a:spLocks noGrp="1"/>
-          </p:cNvSpPr>
-          <p:nvPr>
-            <p:ph type="body" idx="13" sz="quarter"/>
-          </p:nvPr>
-        </p:nvSpPr>
-        <p:spPr/>
-        <p:txBody>
-          <a:bodyPr/>
-          <a:lstStyle/>
-          <a:p>
-            <a:r>
-              <a:t>1. No specific risks – more information needed  </a:t>
-            </a:r>
-          </a:p>
-          <a:p>
-            <a:r>
-              <a:t>2. No specific risks – more information needed  </a:t>
-            </a:r>
-          </a:p>
-          <a:p>
-            <a:r>
-              <a:t>3. No specific risks – more information needed  </a:t>
-            </a:r>
-          </a:p>
-          <a:p>
-            <a:r>
-              <a:t>4. No specific risks – more information needed  </a:t>
-            </a:r>
-          </a:p>
-          <a:p>
-            <a:r>
-              <a:t>5. No specific risks – more information needed</a:t>
-            </a:r>
-          </a:p>
-        </p:txBody>
-      </p:sp>
-    </p:spTree>
-  </p:cSld>
-  <p:clrMapOvr>
-    <a:masterClrMapping/>
-  </p:clrMapOvr>
-</p:sld>
-</file>
-
-<file path=ppt/slides/slide16.xml><?xml version="1.0" encoding="utf-8"?>
-<p:sld xmlns:a="http://schemas.openxmlformats.org/drawingml/2006/main" xmlns:p="http://schemas.openxmlformats.org/presentationml/2006/main" xmlns:r="http://schemas.openxmlformats.org/officeDocument/2006/relationships">
-  <p:cSld>
-    <p:spTree>
-      <p:nvGrpSpPr>
-        <p:cNvPr id="1" name=""/>
-        <p:cNvGrpSpPr/>
-        <p:nvPr/>
-      </p:nvGrpSpPr>
-      <p:grpSpPr/>
-      <p:sp>
-        <p:nvSpPr>
-          <p:cNvPr id="2" name="Title 1"/>
-          <p:cNvSpPr>
-            <a:spLocks noGrp="1"/>
-          </p:cNvSpPr>
-          <p:nvPr>
-            <p:ph type="title"/>
-          </p:nvPr>
-        </p:nvSpPr>
-        <p:spPr/>
-        <p:txBody>
-          <a:bodyPr/>
-          <a:lstStyle/>
-          <a:p>
-            <a:pPr>
-              <a:defRPr sz="2600"/>
-            </a:pPr>
-            <a:r>
-              <a:t>9. Cryptography</a:t>
-            </a:r>
-          </a:p>
-        </p:txBody>
-      </p:sp>
-      <p:sp>
-        <p:nvSpPr>
-          <p:cNvPr id="3" name="Content Placeholder 2"/>
-          <p:cNvSpPr>
-            <a:spLocks noGrp="1"/>
-          </p:cNvSpPr>
-          <p:nvPr>
-            <p:ph idx="1"/>
-          </p:nvPr>
-        </p:nvSpPr>
-        <p:spPr/>
-        <p:txBody>
-          <a:bodyPr/>
-          <a:lstStyle/>
-          <a:p>
-            <a:r>
-              <a:t>9.1. For the purpose of Article 21(2), point (h) of Directive (EU) 2022/2555, the relevant entities shall establish, implement and apply a policy and procedures related to cryptography, with a view to ensuring adequate and effective use of cryptography to protect the confidentiality, authenticity and integrity of data in line with the relevant entities’ asset classification and the results of the risk assessment carried out pursuant to point 2.1. 9.2. The policy and procedures referred to in point 9.1 shall establish: (a) in accordance with the relevant entities’ classification of assets, the type, strength and quality of the cryptographic measures required to protect the relevant entities’ assets, including data at rest and data in transit; (b) based on point (a), the protocols or families of protocols to be adopted, as well as cryptographic algorithms, cipher strength, cryptographic solutions and usage practices to be approved and required for use in the relevant entities, following, where appropriate, a cryptographic agility approach; (c) the relevant entities’ approach to key management, including, where appropriate, methods for the following: (i) generating different keys for cryptographic systems and applications; (ii) issuing and obtaining public key certificates; (iii) distributing keys to intended entities, including how to activate keys when received; (iv) storing keys, including how authorised users obtain access to keys; (v) changing or updating keys, including rules on when and how to change keys; (vi) dealing with compromised keys; (vii) revoking keys including how to withdraw or deactivate keys; (viii) recovering lost or corrupted keys; (ix) backing up or archiving keys; (x) destroying keys; (xi) logging and auditing of key management-related activities; (xii) setting activation and deactivation dates for keys ensuring that the keys can only be used for the specified period of time according to the organization's rules on key management. (83) Non-exhaustive list of standards: • NIST special publications: SP 800-175A, SP 800-175B, SP 800-56A/B, SP 800-57; • Federal Information Processing Standards 197, 202, 186-4; • ISO/IEC: 19790, 18033; • BSI TR-02102-1 ‘Cryptographic Mechanisms: Recommendations and Key Lengths’, Version: 2025-1, January 31, 2025.  9.3. The relevant entities shall review and, where appropriate, update their policy and procedures at planned intervals, taking into account the state of the art in cryptography. </a:t>
-            </a:r>
-          </a:p>
-        </p:txBody>
-      </p:sp>
-      <p:sp>
-        <p:nvSpPr>
-          <p:cNvPr id="4" name="Content Placeholder 3"/>
-          <p:cNvSpPr>
-            <a:spLocks noGrp="1"/>
-          </p:cNvSpPr>
-          <p:nvPr>
-            <p:ph idx="13"/>
-          </p:nvPr>
-        </p:nvSpPr>
-        <p:spPr/>
-        <p:txBody>
-          <a:bodyPr/>
-          <a:lstStyle/>
-          <a:p>
-            <a:r>
-              <a:t>The audit notes do not reference any policies, procedures, or practices related to the use of cryptography, cryptographic algorithms, key management, or cryptographic standards for protecting data at rest or in transit, nor any review process for updating such measures.  </a:t>
-            </a:r>
-          </a:p>
-          <a:p>
-            <a:r>
-              <a:t>Missing information: establishment of a cryptography policy aligned to asset classification and risk assessment, definition of required cryptographic measures, approved protocols and cipher strengths, cryptographic agility approach, comprehensive key management processes (generation, issuance, distribution, storage, update, compromise handling, revocation, recovery, backup, destruction, logging and auditing, activation periods), reference to recognised standards, and planned periodic reviews.</a:t>
-            </a:r>
-          </a:p>
-        </p:txBody>
-      </p:sp>
-    </p:spTree>
-  </p:cSld>
-  <p:clrMapOvr>
-    <a:masterClrMapping/>
-  </p:clrMapOvr>
-</p:sld>
-</file>
-
-<file path=ppt/slides/slide17.xml><?xml version="1.0" encoding="utf-8"?>
-<p:sld xmlns:a="http://schemas.openxmlformats.org/drawingml/2006/main" xmlns:p="http://schemas.openxmlformats.org/presentationml/2006/main" xmlns:r="http://schemas.openxmlformats.org/officeDocument/2006/relationships">
-  <p:cSld>
-    <p:spTree>
-      <p:nvGrpSpPr>
-        <p:cNvPr id="1" name=""/>
-        <p:cNvGrpSpPr/>
-        <p:nvPr/>
-      </p:nvGrpSpPr>
-      <p:grpSpPr/>
-      <p:sp>
-        <p:nvSpPr>
-          <p:cNvPr id="2" name="Title 1"/>
-          <p:cNvSpPr>
-            <a:spLocks noGrp="1"/>
-          </p:cNvSpPr>
-          <p:nvPr>
-            <p:ph type="title"/>
-          </p:nvPr>
-        </p:nvSpPr>
-        <p:spPr/>
-        <p:txBody>
-          <a:bodyPr/>
-          <a:lstStyle/>
-          <a:p>
-            <a:pPr>
-              <a:defRPr sz="2600"/>
-            </a:pPr>
-            <a:r>
-              <a:t>9. Cryptography</a:t>
-            </a:r>
-          </a:p>
-        </p:txBody>
-      </p:sp>
-      <p:sp>
-        <p:nvSpPr>
-          <p:cNvPr id="3" name="Content Placeholder 2"/>
-          <p:cNvSpPr>
-            <a:spLocks noGrp="1"/>
-          </p:cNvSpPr>
-          <p:nvPr>
-            <p:ph idx="1"/>
-          </p:nvPr>
-        </p:nvSpPr>
-        <p:spPr/>
-        <p:txBody>
-          <a:bodyPr/>
-          <a:lstStyle/>
-          <a:p>
-            <a:r>
-              <a:t>1. More information needed to conclude  </a:t>
-            </a:r>
-          </a:p>
-          <a:p>
-            <a:r>
-              <a:t>   Notes include no reference to a formal cryptography policy or procedures aligned with asset classification and risk assessment.  </a:t>
-            </a:r>
-          </a:p>
-          <a:p>
-            <a:r>
-              <a:t>   Follow-up: Please provide the organization’s cryptography policy and evidence of its adoption.</a:t>
-            </a:r>
-          </a:p>
-          <a:p/>
-          <a:p>
-            <a:r>
-              <a:t>2. More information needed to conclude  </a:t>
-            </a:r>
-          </a:p>
-          <a:p>
-            <a:r>
-              <a:t>   No details on required cryptographic measures (algorithms, cipher strengths, protocols) for data at rest or in transit.  </a:t>
-            </a:r>
-          </a:p>
-          <a:p>
-            <a:r>
-              <a:t>   Follow-up: Supply documentation specifying approved cryptographic algorithms, protocols, and strength requirements.</a:t>
-            </a:r>
-          </a:p>
-          <a:p/>
-          <a:p>
-            <a:r>
-              <a:t>3. More information needed to conclude  </a:t>
-            </a:r>
-          </a:p>
-          <a:p>
-            <a:r>
-              <a:t>   Key management practices (generation, distribution, storage, rotation, revocation, recovery, logging) are not described.  </a:t>
-            </a:r>
-          </a:p>
-          <a:p>
-            <a:r>
-              <a:t>   Follow-up: Request key management procedures covering all lifecycle activities.</a:t>
-            </a:r>
-          </a:p>
-          <a:p/>
-          <a:p>
-            <a:r>
-              <a:t>4. More information needed to conclude  </a:t>
-            </a:r>
-          </a:p>
-          <a:p>
-            <a:r>
-              <a:t>   There is no mention of scheduled reviews or updates to cryptographic policies in line with state-of-the-art developments.  </a:t>
-            </a:r>
-          </a:p>
-          <a:p>
-            <a:r>
-              <a:t>   Follow-up: Provide records of planned intervals for policy review and update.</a:t>
-            </a:r>
-          </a:p>
-        </p:txBody>
-      </p:sp>
-      <p:sp>
-        <p:nvSpPr>
-          <p:cNvPr id="4" name="Text Placeholder 3"/>
-          <p:cNvSpPr>
-            <a:spLocks noGrp="1"/>
-          </p:cNvSpPr>
-          <p:nvPr>
-            <p:ph type="body" idx="13" sz="quarter"/>
-          </p:nvPr>
-        </p:nvSpPr>
-        <p:spPr/>
-        <p:txBody>
-          <a:bodyPr/>
-          <a:lstStyle/>
-          <a:p>
-            <a:r>
-              <a:t>1. No specific risks – more infortmation needed</a:t>
-            </a:r>
-          </a:p>
-          <a:p/>
-          <a:p>
-            <a:r>
-              <a:t>2. No specific risks – more infortmation needed</a:t>
-            </a:r>
-          </a:p>
-          <a:p/>
-          <a:p>
-            <a:r>
-              <a:t>3. No specific risks – more infortmation needed</a:t>
-            </a:r>
-          </a:p>
-          <a:p/>
-          <a:p>
-            <a:r>
-              <a:t>4. No specific risks – more infortmation needed</a:t>
-            </a:r>
-          </a:p>
-        </p:txBody>
-      </p:sp>
-    </p:spTree>
-  </p:cSld>
-  <p:clrMapOvr>
-    <a:masterClrMapping/>
-  </p:clrMapOvr>
-</p:sld>
-</file>
-
-<file path=ppt/slides/slide18.xml><?xml version="1.0" encoding="utf-8"?>
-<p:sld xmlns:a="http://schemas.openxmlformats.org/drawingml/2006/main" xmlns:p="http://schemas.openxmlformats.org/presentationml/2006/main" xmlns:r="http://schemas.openxmlformats.org/officeDocument/2006/relationships">
-  <p:cSld>
-    <p:spTree>
-      <p:nvGrpSpPr>
-        <p:cNvPr id="1" name=""/>
-        <p:cNvGrpSpPr/>
-        <p:nvPr/>
-      </p:nvGrpSpPr>
-      <p:grpSpPr/>
-      <p:sp>
-        <p:nvSpPr>
-          <p:cNvPr id="2" name="Title 1"/>
-          <p:cNvSpPr>
-            <a:spLocks noGrp="1"/>
-          </p:cNvSpPr>
-          <p:nvPr>
-            <p:ph type="title"/>
-          </p:nvPr>
-        </p:nvSpPr>
-        <p:spPr/>
-        <p:txBody>
-          <a:bodyPr/>
-          <a:lstStyle/>
-          <a:p>
-            <a:pPr>
-              <a:defRPr sz="2600"/>
-            </a:pPr>
-            <a:r>
-              <a:t>10.1 HUMAN RESOURCES SECURITY</a:t>
-            </a:r>
-          </a:p>
-        </p:txBody>
-      </p:sp>
-      <p:sp>
-        <p:nvSpPr>
-          <p:cNvPr id="3" name="Content Placeholder 2"/>
-          <p:cNvSpPr>
-            <a:spLocks noGrp="1"/>
-          </p:cNvSpPr>
-          <p:nvPr>
-            <p:ph idx="1"/>
-          </p:nvPr>
-        </p:nvSpPr>
-        <p:spPr/>
-        <p:txBody>
-          <a:bodyPr/>
-          <a:lstStyle/>
-          <a:p>
-            <a:r>
-              <a:t>10.1.1. For the purpose of Article 21(2), point (i) of Directive (EU) 2022/2555, the relevant entities shall ensure that their employees and direct suppliers and service providers, wherever applicable, understand and commit to their security responsibilities, as appropriate for the offered services and the job and in line with the relevant entities’ policy on the security of network and information systems. 10.1.2. The requirement referred to in point 10.1.1. shall include the following: (a) mechanisms to ensure that all employees, direct suppliers and service providers, wherever applicable, understand and follow the standard cyber hygiene practices that the entities apply pursuant to point 8.1.; (b) mechanisms to ensure that all users with administrative or privileged access are aware of and act in accordance with their roles, responsibilities and authorities; (c) mechanisms to ensure that members of management bodies understand and act in accordance with their role, responsibilities and authorities regarding network and information system security; (d) mechanisms for hiring personnel qualified for the respective roles, such as reference checks, vetting procedures, validation of certifications or written tests. 10.1.3. The relevant entities shall review the assignment of personnel to specific roles as referred to in point 1.2., as well as their commitment of human resources in that regard, at planned intervals and at least annually. They shall update the assignment where necessary. </a:t>
-            </a:r>
-          </a:p>
-        </p:txBody>
-      </p:sp>
-      <p:sp>
-        <p:nvSpPr>
-          <p:cNvPr id="4" name="Content Placeholder 3"/>
-          <p:cNvSpPr>
-            <a:spLocks noGrp="1"/>
-          </p:cNvSpPr>
-          <p:nvPr>
-            <p:ph idx="13"/>
-          </p:nvPr>
-        </p:nvSpPr>
-        <p:spPr/>
-        <p:txBody>
-          <a:bodyPr/>
-          <a:lstStyle/>
-          <a:p>
-            <a:r>
-              <a:t>The organization maintains group-level cybersecurity governance with site representatives and employs Active Directory for general access and a Keepass tool for storing privileged credentials accessible only to system administrators, issuing named non-privileged accounts for each user. Credential management controls are in place but no access reviews are conducted. Missing information: mechanisms to ensure employees, direct suppliers and service providers understand and follow cyber hygiene practices; processes to ensure administrative and management roles are aware of and act on their security responsibilities; vetting procedures for personnel recruitment; and planned, at least annual, reviews of personnel role assignments.</a:t>
-            </a:r>
-          </a:p>
-        </p:txBody>
-      </p:sp>
-    </p:spTree>
-  </p:cSld>
-  <p:clrMapOvr>
-    <a:masterClrMapping/>
-  </p:clrMapOvr>
-</p:sld>
-</file>
-
-<file path=ppt/slides/slide19.xml><?xml version="1.0" encoding="utf-8"?>
-<p:sld xmlns:a="http://schemas.openxmlformats.org/drawingml/2006/main" xmlns:p="http://schemas.openxmlformats.org/presentationml/2006/main" xmlns:r="http://schemas.openxmlformats.org/officeDocument/2006/relationships">
-  <p:cSld>
-    <p:spTree>
-      <p:nvGrpSpPr>
-        <p:cNvPr id="1" name=""/>
-        <p:cNvGrpSpPr/>
-        <p:nvPr/>
-      </p:nvGrpSpPr>
-      <p:grpSpPr/>
-      <p:sp>
-        <p:nvSpPr>
-          <p:cNvPr id="2" name="Title 1"/>
-          <p:cNvSpPr>
-            <a:spLocks noGrp="1"/>
-          </p:cNvSpPr>
-          <p:nvPr>
-            <p:ph type="title"/>
-          </p:nvPr>
-        </p:nvSpPr>
-        <p:spPr/>
-        <p:txBody>
-          <a:bodyPr/>
-          <a:lstStyle/>
-          <a:p>
-            <a:pPr>
-              <a:defRPr sz="2600"/>
-            </a:pPr>
-            <a:r>
-              <a:t>10.1 HUMAN RESOURCES SECURITY</a:t>
-            </a:r>
-          </a:p>
-        </p:txBody>
-      </p:sp>
-      <p:sp>
-        <p:nvSpPr>
-          <p:cNvPr id="3" name="Content Placeholder 2"/>
-          <p:cNvSpPr>
-            <a:spLocks noGrp="1"/>
-          </p:cNvSpPr>
-          <p:nvPr>
-            <p:ph idx="1"/>
-          </p:nvPr>
-        </p:nvSpPr>
-        <p:spPr/>
-        <p:txBody>
-          <a:bodyPr/>
-          <a:lstStyle/>
-          <a:p>
-            <a:r>
-              <a:t>1. More information needed to conclude whether employees, direct suppliers and service providers receive and acknowledge defined security responsibilities (10.1.1–10.1.2a–c).  </a:t>
-            </a:r>
-          </a:p>
-          <a:p>
-            <a:r>
-              <a:t>   Follow-up: Provide evidence of security-responsibility communications, awareness training records, or acknowledgement logs.</a:t>
-            </a:r>
-          </a:p>
-          <a:p/>
-          <a:p>
-            <a:r>
-              <a:t>2. More information needed to conclude whether vetting procedures (reference checks, certification validation or written tests) are in place when hiring personnel for critical security roles (10.1.2d).  </a:t>
-            </a:r>
-          </a:p>
-          <a:p>
-            <a:r>
-              <a:t>   Follow-up: Share hiring policy details and records of reference checks, certification validations or examination results.</a:t>
-            </a:r>
-          </a:p>
-          <a:p/>
-          <a:p>
-            <a:r>
-              <a:t>3. More information needed to conclude whether role assignments are reviewed at planned intervals and at least annually (10.1.3).  </a:t>
-            </a:r>
-          </a:p>
-          <a:p>
-            <a:r>
-              <a:t>   Follow-up: Provide schedule and records of personnel-role assignment reviews.</a:t>
-            </a:r>
-          </a:p>
-        </p:txBody>
-      </p:sp>
-      <p:sp>
-        <p:nvSpPr>
-          <p:cNvPr id="4" name="Text Placeholder 3"/>
-          <p:cNvSpPr>
-            <a:spLocks noGrp="1"/>
-          </p:cNvSpPr>
-          <p:nvPr>
-            <p:ph type="body" idx="13" sz="quarter"/>
-          </p:nvPr>
-        </p:nvSpPr>
-        <p:spPr/>
-        <p:txBody>
-          <a:bodyPr/>
-          <a:lstStyle/>
-          <a:p>
-            <a:r>
-              <a:t>1. No specific risks – more information needed.</a:t>
-            </a:r>
-          </a:p>
-          <a:p/>
-          <a:p>
-            <a:r>
-              <a:t>2. No specific risks – more information needed.</a:t>
-            </a:r>
-          </a:p>
-          <a:p/>
-          <a:p>
-            <a:r>
-              <a:t>3. No specific risks – more information needed.</a:t>
-            </a:r>
-          </a:p>
-        </p:txBody>
-      </p:sp>
-    </p:spTree>
-  </p:cSld>
-  <p:clrMapOvr>
-    <a:masterClrMapping/>
-  </p:clrMapOvr>
-</p:sld>
-</file>
-
 <file path=ppt/slides/slide2.xml><?xml version="1.0" encoding="utf-8"?>
 <p:sld xmlns:a="http://schemas.openxmlformats.org/drawingml/2006/main" xmlns:p="http://schemas.openxmlformats.org/presentationml/2006/main" xmlns:r="http://schemas.openxmlformats.org/officeDocument/2006/relationships">
   <p:cSld>
@@ -3399,861 +2308,12 @@
           <a:lstStyle/>
           <a:p>
             <a:r>
-              <a:t>The organization’s cybersecurity governance is centralized at the head office with site representatives, while a group-level risk management team conducts risk assessments and local teams implement mitigation measures. Incident response duties are divided between group and local functions. IT infrastructure is managed centrally and operational technology locally, with data backups scheduled centrally but without immutable storage. Access controls use Active Directory for general accounts and KeePass for privileged credentials, though no periodic access reviews are performed. Event monitoring is handled by the SOC team. Vulnerability management is conducted by the Basel IT security team using Tenable Nessus scans every two weeks, with CVSS-based reporting in ServiceNow and remediation timelines of five days for severe, ten days for medium and thirty days for low risks. Patches are distributed via internet-connected updates, and selected products undergo penetration testing with results rated by internal methodology. A software bill of materials is maintained by product development, and public disclosures of vulnerabilities are made on the company website with severe issue notifications sent by email.  </a:t>
-            </a:r>
-          </a:p>
-          <a:p>
-            <a:r>
-              <a:t>Missing information: existence and content of a formal security policy document, alignment with business strategy, defined security objectives, commitment to continual improvement and resource allocation, communication and acknowledgment procedures, documentation retention policies, topic-specific policies, implementation indicators and maturity metrics, date of formal management approval, and annual or incident-driven policy review documentation.</a:t>
-            </a:r>
-          </a:p>
-        </p:txBody>
-      </p:sp>
-    </p:spTree>
-  </p:cSld>
-  <p:clrMapOvr>
-    <a:masterClrMapping/>
-  </p:clrMapOvr>
-</p:sld>
-</file>
-
-<file path=ppt/slides/slide20.xml><?xml version="1.0" encoding="utf-8"?>
-<p:sld xmlns:a="http://schemas.openxmlformats.org/drawingml/2006/main" xmlns:p="http://schemas.openxmlformats.org/presentationml/2006/main" xmlns:r="http://schemas.openxmlformats.org/officeDocument/2006/relationships">
-  <p:cSld>
-    <p:spTree>
-      <p:nvGrpSpPr>
-        <p:cNvPr id="1" name=""/>
-        <p:cNvGrpSpPr/>
-        <p:nvPr/>
-      </p:nvGrpSpPr>
-      <p:grpSpPr/>
-      <p:sp>
-        <p:nvSpPr>
-          <p:cNvPr id="2" name="Title 1"/>
-          <p:cNvSpPr>
-            <a:spLocks noGrp="1"/>
-          </p:cNvSpPr>
-          <p:nvPr>
-            <p:ph type="title"/>
-          </p:nvPr>
-        </p:nvSpPr>
-        <p:spPr/>
-        <p:txBody>
-          <a:bodyPr/>
-          <a:lstStyle/>
-          <a:p>
-            <a:pPr>
-              <a:defRPr sz="2600"/>
-            </a:pPr>
-            <a:r>
-              <a:t>11.1 ACCESS CONTROL POLICY</a:t>
-            </a:r>
-          </a:p>
-        </p:txBody>
-      </p:sp>
-      <p:sp>
-        <p:nvSpPr>
-          <p:cNvPr id="3" name="Content Placeholder 2"/>
-          <p:cNvSpPr>
-            <a:spLocks noGrp="1"/>
-          </p:cNvSpPr>
-          <p:nvPr>
-            <p:ph idx="1"/>
-          </p:nvPr>
-        </p:nvSpPr>
-        <p:spPr/>
-        <p:txBody>
-          <a:bodyPr/>
-          <a:lstStyle/>
-          <a:p>
-            <a:r>
-              <a:t>11.1.1. For the purpose of Article 21(2), point (i) of Directive (EU) 2022/2555, the relevant entities shall establish, document and implement logical and physical access control policies for the access to their network and information systems, based on business requirements as well as network and information system security requirements. 11.1.2. The policies referred to in point 11.1.1. shall: (a) address access by persons, including staff, visitors and external entities such as suppliers and service providers; (b) address access by network and information system processes; (c) ensure that access is only granted to users that have been adequately authenticated. 11.1.3. The relevant entities shall review and, where appropriate, update the policies at planned intervals and when significant incidents or significant changes to operations or risks occur. </a:t>
-            </a:r>
-          </a:p>
-        </p:txBody>
-      </p:sp>
-      <p:sp>
-        <p:nvSpPr>
-          <p:cNvPr id="4" name="Content Placeholder 3"/>
-          <p:cNvSpPr>
-            <a:spLocks noGrp="1"/>
-          </p:cNvSpPr>
-          <p:nvPr>
-            <p:ph idx="13"/>
-          </p:nvPr>
-        </p:nvSpPr>
-        <p:spPr/>
-        <p:txBody>
-          <a:bodyPr/>
-          <a:lstStyle/>
-          <a:p>
-            <a:r>
-              <a:t>The organization leverages Active Directory to manage logical access, issuing named non-privileged accounts to each user and storing privileged credentials in a centralized KeePass repository accessible only to system administrators, thereby ensuring that only authenticated users can access network resources; access to OT systems is locally managed, and event monitoring is performed by the SOC team. Missing information: there is no evidence of documented logical and physical access control policies based on business and security requirements, policies addressing access by visitors, suppliers or network processes, nor scheduled reviews and updates of those policies.</a:t>
-            </a:r>
-          </a:p>
-        </p:txBody>
-      </p:sp>
-    </p:spTree>
-  </p:cSld>
-  <p:clrMapOvr>
-    <a:masterClrMapping/>
-  </p:clrMapOvr>
-</p:sld>
-</file>
-
-<file path=ppt/slides/slide21.xml><?xml version="1.0" encoding="utf-8"?>
-<p:sld xmlns:a="http://schemas.openxmlformats.org/drawingml/2006/main" xmlns:p="http://schemas.openxmlformats.org/presentationml/2006/main" xmlns:r="http://schemas.openxmlformats.org/officeDocument/2006/relationships">
-  <p:cSld>
-    <p:spTree>
-      <p:nvGrpSpPr>
-        <p:cNvPr id="1" name=""/>
-        <p:cNvGrpSpPr/>
-        <p:nvPr/>
-      </p:nvGrpSpPr>
-      <p:grpSpPr/>
-      <p:sp>
-        <p:nvSpPr>
-          <p:cNvPr id="2" name="Title 1"/>
-          <p:cNvSpPr>
-            <a:spLocks noGrp="1"/>
-          </p:cNvSpPr>
-          <p:nvPr>
-            <p:ph type="title"/>
-          </p:nvPr>
-        </p:nvSpPr>
-        <p:spPr/>
-        <p:txBody>
-          <a:bodyPr/>
-          <a:lstStyle/>
-          <a:p>
-            <a:pPr>
-              <a:defRPr sz="2600"/>
-            </a:pPr>
-            <a:r>
-              <a:t>11.1 ACCESS CONTROL POLICY</a:t>
-            </a:r>
-          </a:p>
-        </p:txBody>
-      </p:sp>
-      <p:sp>
-        <p:nvSpPr>
-          <p:cNvPr id="3" name="Content Placeholder 2"/>
-          <p:cNvSpPr>
-            <a:spLocks noGrp="1"/>
-          </p:cNvSpPr>
-          <p:nvPr>
-            <p:ph idx="1"/>
-          </p:nvPr>
-        </p:nvSpPr>
-        <p:spPr/>
-        <p:txBody>
-          <a:bodyPr/>
-          <a:lstStyle/>
-          <a:p>
-            <a:r>
-              <a:t>1. Observation: Access reviews are not performed.  </a:t>
-            </a:r>
-          </a:p>
-          <a:p>
-            <a:r>
-              <a:t>2. More information needed to conclude whether documented logical and physical access control policies exist (11.1.1). Q: Please provide the access control policy documentation.  </a:t>
-            </a:r>
-          </a:p>
-          <a:p>
-            <a:r>
-              <a:t>3. More information needed to conclude if policies address access by staff, visitors and external entities (11.1.2 a). Q: Do policies cover all user categories including suppliers and service providers?  </a:t>
-            </a:r>
-          </a:p>
-          <a:p>
-            <a:r>
-              <a:t>4. More information needed to conclude if policies address access by network and system processes (11.1.2 b). Q: Are automated/process-level access controls defined?  </a:t>
-            </a:r>
-          </a:p>
-          <a:p>
-            <a:r>
-              <a:t>5. More information needed to conclude whether policies ensure access is only granted after adequate authentication (11.1.2 c). Q: What authentication methods are mandated?  </a:t>
-            </a:r>
-          </a:p>
-          <a:p>
-            <a:r>
-              <a:t>6. More information needed to conclude whether policies are reviewed and updated at planned intervals or after significant changes/incidents (11.1.3). Q: What is the policy review process?</a:t>
-            </a:r>
-          </a:p>
-        </p:txBody>
-      </p:sp>
-      <p:sp>
-        <p:nvSpPr>
-          <p:cNvPr id="4" name="Text Placeholder 3"/>
-          <p:cNvSpPr>
-            <a:spLocks noGrp="1"/>
-          </p:cNvSpPr>
-          <p:nvPr>
-            <p:ph type="body" idx="13" sz="quarter"/>
-          </p:nvPr>
-        </p:nvSpPr>
-        <p:spPr/>
-        <p:txBody>
-          <a:bodyPr/>
-          <a:lstStyle/>
-          <a:p>
-            <a:r>
-              <a:t>1. Observation 1 – Risk Statement:  </a:t>
-            </a:r>
-          </a:p>
-          <a:p>
-            <a:r>
-              <a:t>Without regular user access reviews, outdated or excessive privileges may remain active, allowing unauthorized or inappropriate access to sensitive systems and data. This increases the likelihood of insider threats, data breaches and non-compliance with the NIS2 access control policy requirements, potentially resulting in loss of confidentiality, reputational damage and regulatory penalties.</a:t>
-            </a:r>
-          </a:p>
-          <a:p/>
-          <a:p>
-            <a:r>
-              <a:t>2. Observation 2 – No specific risks – more information needed</a:t>
-            </a:r>
-          </a:p>
-          <a:p/>
-          <a:p>
-            <a:r>
-              <a:t>3. Observation 3 – No specific risks – more information needed</a:t>
-            </a:r>
-          </a:p>
-          <a:p/>
-          <a:p>
-            <a:r>
-              <a:t>4. Observation 4 – No specific risks – more information needed</a:t>
-            </a:r>
-          </a:p>
-          <a:p/>
-          <a:p>
-            <a:r>
-              <a:t>5. Observation 5 – No specific risks – more information needed</a:t>
-            </a:r>
-          </a:p>
-          <a:p/>
-          <a:p>
-            <a:r>
-              <a:t>6. Observation 6 – No specific risks – more information needed</a:t>
-            </a:r>
-          </a:p>
-        </p:txBody>
-      </p:sp>
-    </p:spTree>
-  </p:cSld>
-  <p:clrMapOvr>
-    <a:masterClrMapping/>
-  </p:clrMapOvr>
-</p:sld>
-</file>
-
-<file path=ppt/slides/slide22.xml><?xml version="1.0" encoding="utf-8"?>
-<p:sld xmlns:a="http://schemas.openxmlformats.org/drawingml/2006/main" xmlns:p="http://schemas.openxmlformats.org/presentationml/2006/main" xmlns:r="http://schemas.openxmlformats.org/officeDocument/2006/relationships">
-  <p:cSld>
-    <p:spTree>
-      <p:nvGrpSpPr>
-        <p:cNvPr id="1" name=""/>
-        <p:cNvGrpSpPr/>
-        <p:nvPr/>
-      </p:nvGrpSpPr>
-      <p:grpSpPr/>
-      <p:sp>
-        <p:nvSpPr>
-          <p:cNvPr id="2" name="Title 1"/>
-          <p:cNvSpPr>
-            <a:spLocks noGrp="1"/>
-          </p:cNvSpPr>
-          <p:nvPr>
-            <p:ph type="title"/>
-          </p:nvPr>
-        </p:nvSpPr>
-        <p:spPr/>
-        <p:txBody>
-          <a:bodyPr/>
-          <a:lstStyle/>
-          <a:p>
-            <a:pPr>
-              <a:defRPr sz="2600"/>
-            </a:pPr>
-            <a:r>
-              <a:t>12.1 ASSET CLASSIFICATION</a:t>
-            </a:r>
-          </a:p>
-        </p:txBody>
-      </p:sp>
-      <p:sp>
-        <p:nvSpPr>
-          <p:cNvPr id="3" name="Content Placeholder 2"/>
-          <p:cNvSpPr>
-            <a:spLocks noGrp="1"/>
-          </p:cNvSpPr>
-          <p:nvPr>
-            <p:ph idx="1"/>
-          </p:nvPr>
-        </p:nvSpPr>
-        <p:spPr/>
-        <p:txBody>
-          <a:bodyPr/>
-          <a:lstStyle/>
-          <a:p>
-            <a:r>
-              <a:t>12.1.1. For the purpose of Article 21(2), point (i) of Directive (EU) 2022/2555, the relevant entities shall lay down classification levels of all assets, including information, in scope of their network and information systems for the level of protection required. 12.1.2. For the purpose of point 12.1.1., the relevant entities shall: (a) lay down a system of classification levels for assets; (b) associate all assets with a classification level, based on confidentiality, integrity, authenticity and availability requirements, to indicate the protection required according to their sensitivity, criticality, risk and business value; (c) align the availability requirements of the assets with the delivery and recovery objectives set out in their business continuity and disaster recovery plans. 12.1.3. The relevant entities shall conduct periodic reviews of the classification levels of assets and update them, where appropriate. </a:t>
-            </a:r>
-          </a:p>
-        </p:txBody>
-      </p:sp>
-      <p:sp>
-        <p:nvSpPr>
-          <p:cNvPr id="4" name="Content Placeholder 3"/>
-          <p:cNvSpPr>
-            <a:spLocks noGrp="1"/>
-          </p:cNvSpPr>
-          <p:nvPr>
-            <p:ph idx="13"/>
-          </p:nvPr>
-        </p:nvSpPr>
-        <p:spPr/>
-        <p:txBody>
-          <a:bodyPr/>
-          <a:lstStyle/>
-          <a:p>
-            <a:r>
-              <a:t>The organization’s risk management framework and group-level oversight govern cybersecurity, with centralized IT infrastructure management and local OT teams, complemented by a biweekly vulnerability scanning regimen, credential management via Active Directory and Keepass, centralized backup schedules and event monitoring by the SOC. However, there are no documented classification levels for assets based on confidentiality, integrity, authenticity or availability, nor any process linking asset sensitivity to business continuity objectives or periodic review of such classifications. Missing information: asset classification system, asset-level CIA-based classification, alignment of availability requirements with business continuity and disaster recovery plans, and periodic review/update of classification levels.</a:t>
-            </a:r>
-          </a:p>
-        </p:txBody>
-      </p:sp>
-    </p:spTree>
-  </p:cSld>
-  <p:clrMapOvr>
-    <a:masterClrMapping/>
-  </p:clrMapOvr>
-</p:sld>
-</file>
-
-<file path=ppt/slides/slide23.xml><?xml version="1.0" encoding="utf-8"?>
-<p:sld xmlns:a="http://schemas.openxmlformats.org/drawingml/2006/main" xmlns:p="http://schemas.openxmlformats.org/presentationml/2006/main" xmlns:r="http://schemas.openxmlformats.org/officeDocument/2006/relationships">
-  <p:cSld>
-    <p:spTree>
-      <p:nvGrpSpPr>
-        <p:cNvPr id="1" name=""/>
-        <p:cNvGrpSpPr/>
-        <p:nvPr/>
-      </p:nvGrpSpPr>
-      <p:grpSpPr/>
-      <p:sp>
-        <p:nvSpPr>
-          <p:cNvPr id="2" name="Title 1"/>
-          <p:cNvSpPr>
-            <a:spLocks noGrp="1"/>
-          </p:cNvSpPr>
-          <p:nvPr>
-            <p:ph type="title"/>
-          </p:nvPr>
-        </p:nvSpPr>
-        <p:spPr/>
-        <p:txBody>
-          <a:bodyPr/>
-          <a:lstStyle/>
-          <a:p>
-            <a:pPr>
-              <a:defRPr sz="2600"/>
-            </a:pPr>
-            <a:r>
-              <a:t>12.1 ASSET CLASSIFICATION</a:t>
-            </a:r>
-          </a:p>
-        </p:txBody>
-      </p:sp>
-      <p:sp>
-        <p:nvSpPr>
-          <p:cNvPr id="3" name="Content Placeholder 2"/>
-          <p:cNvSpPr>
-            <a:spLocks noGrp="1"/>
-          </p:cNvSpPr>
-          <p:nvPr>
-            <p:ph idx="1"/>
-          </p:nvPr>
-        </p:nvSpPr>
-        <p:spPr/>
-        <p:txBody>
-          <a:bodyPr/>
-          <a:lstStyle/>
-          <a:p>
-            <a:r>
-              <a:t>1. More information needed to conclude  </a:t>
-            </a:r>
-          </a:p>
-          <a:p>
-            <a:r>
-              <a:t>   No evidence in the notes of a documented asset‐classification system as required by 12.1.1–12.1.2(a).  </a:t>
-            </a:r>
-          </a:p>
-          <a:p>
-            <a:r>
-              <a:t>   Follow-up: Please provide the policy or procedure defining classification levels for all network and information assets.</a:t>
-            </a:r>
-          </a:p>
-          <a:p/>
-          <a:p>
-            <a:r>
-              <a:t>2. More information needed to conclude  </a:t>
-            </a:r>
-          </a:p>
-          <a:p>
-            <a:r>
-              <a:t>   No information on how assets are associated with classification levels based on confidentiality, integrity, authenticity and availability (12.1.2(b)) or aligned with business continuity objectives (12.1.2(c)).  </a:t>
-            </a:r>
-          </a:p>
-          <a:p>
-            <a:r>
-              <a:t>   Follow-up: How are assets assessed against CIA criteria and tied to recovery and availability objectives?</a:t>
-            </a:r>
-          </a:p>
-          <a:p/>
-          <a:p>
-            <a:r>
-              <a:t>3. More information needed to conclude  </a:t>
-            </a:r>
-          </a:p>
-          <a:p>
-            <a:r>
-              <a:t>   The notes do not mention periodic reviews or updates of asset‐classification levels (12.1.3).  </a:t>
-            </a:r>
-          </a:p>
-          <a:p>
-            <a:r>
-              <a:t>   Follow-up: Is there a schedule or record of periodic reviews for asset classifications?</a:t>
-            </a:r>
-          </a:p>
-        </p:txBody>
-      </p:sp>
-      <p:sp>
-        <p:nvSpPr>
-          <p:cNvPr id="4" name="Text Placeholder 3"/>
-          <p:cNvSpPr>
-            <a:spLocks noGrp="1"/>
-          </p:cNvSpPr>
-          <p:nvPr>
-            <p:ph type="body" idx="13" sz="quarter"/>
-          </p:nvPr>
-        </p:nvSpPr>
-        <p:spPr/>
-        <p:txBody>
-          <a:bodyPr/>
-          <a:lstStyle/>
-          <a:p>
-            <a:r>
-              <a:t>1. No specific risks - more infortmation needed</a:t>
-            </a:r>
-          </a:p>
-          <a:p/>
-          <a:p>
-            <a:r>
-              <a:t>2. No specific risks - more infortmation needed</a:t>
-            </a:r>
-          </a:p>
-          <a:p/>
-          <a:p>
-            <a:r>
-              <a:t>3. No specific risks - more infortmation needed</a:t>
-            </a:r>
-          </a:p>
-        </p:txBody>
-      </p:sp>
-    </p:spTree>
-  </p:cSld>
-  <p:clrMapOvr>
-    <a:masterClrMapping/>
-  </p:clrMapOvr>
-</p:sld>
-</file>
-
-<file path=ppt/slides/slide24.xml><?xml version="1.0" encoding="utf-8"?>
-<p:sld xmlns:a="http://schemas.openxmlformats.org/drawingml/2006/main" xmlns:p="http://schemas.openxmlformats.org/presentationml/2006/main" xmlns:r="http://schemas.openxmlformats.org/officeDocument/2006/relationships">
-  <p:cSld>
-    <p:spTree>
-      <p:nvGrpSpPr>
-        <p:cNvPr id="1" name=""/>
-        <p:cNvGrpSpPr/>
-        <p:nvPr/>
-      </p:nvGrpSpPr>
-      <p:grpSpPr/>
-      <p:sp>
-        <p:nvSpPr>
-          <p:cNvPr id="2" name="Title 1"/>
-          <p:cNvSpPr>
-            <a:spLocks noGrp="1"/>
-          </p:cNvSpPr>
-          <p:nvPr>
-            <p:ph type="title"/>
-          </p:nvPr>
-        </p:nvSpPr>
-        <p:spPr/>
-        <p:txBody>
-          <a:bodyPr/>
-          <a:lstStyle/>
-          <a:p>
-            <a:pPr>
-              <a:defRPr sz="2600"/>
-            </a:pPr>
-            <a:r>
-              <a:t>13.1 SUPPORTING UTILITIES</a:t>
-            </a:r>
-          </a:p>
-        </p:txBody>
-      </p:sp>
-      <p:sp>
-        <p:nvSpPr>
-          <p:cNvPr id="3" name="Content Placeholder 2"/>
-          <p:cNvSpPr>
-            <a:spLocks noGrp="1"/>
-          </p:cNvSpPr>
-          <p:nvPr>
-            <p:ph idx="1"/>
-          </p:nvPr>
-        </p:nvSpPr>
-        <p:spPr/>
-        <p:txBody>
-          <a:bodyPr/>
-          <a:lstStyle/>
-          <a:p>
-            <a:r>
-              <a:t>13.1.1. For the purpose of Article 21(2)(c) of Directive (EU) 2022/2555, the relevant entities shall prevent loss, damage or compromise of network and information systems or interruption to their operations due to the failure and disruption of supporting utilities. 13.1.2. For that purpose, the relevant entities shall, where appropriate: (a) protect facilities from power failures and other disruptions caused by failures in supporting utilities such as electricity, telecommunications, water supply, gas, sewage, ventilation and air conditioning; (b) consider the use of redundancy in utilities services; (c) protect utility services for electricity and telecommunications, which transport data or supply network and information systems, against interception and damage; (d) monitor the utility services referred to in point (c) and report to the competent internal or external personnel events outside the minimum and maximum control thresholds referred to in point 13.2.2(b) affecting the utility services; (e) conclude contracts for the emergency supply with corresponding services, such as for the fuel for emergency power supply; (f) ensure continuous effectiveness, monitor, maintain and test the supply of the network and information systems necessary for the operation of the service offered, in particular the electricity, temperature and humidity control, telecommunications and Internet connection. (107) In cases where an entity operates with a fully remote workforce and does not maintain any on-premises servers or infrastructure, the requirement for supporting utility services at a centralized location may be rendered unnecessary. Remote work inherently introduces geographical and infrastructural diversification, thereby reducing the overall utility-related risk. By distributing operations across various locations, the organization benefits from a decentralized utility dependency, which enhances resilience against localized disruptions. 13.1.3. The relevant entities shall test, review and, where appropriate, update the protection measures on a regular basis or following significant incidents or significant changes to operations or risks. </a:t>
-            </a:r>
-          </a:p>
-        </p:txBody>
-      </p:sp>
-      <p:sp>
-        <p:nvSpPr>
-          <p:cNvPr id="4" name="Content Placeholder 3"/>
-          <p:cNvSpPr>
-            <a:spLocks noGrp="1"/>
-          </p:cNvSpPr>
-          <p:nvPr>
-            <p:ph idx="13"/>
-          </p:nvPr>
-        </p:nvSpPr>
-        <p:spPr/>
-        <p:txBody>
-          <a:bodyPr/>
-          <a:lstStyle/>
-          <a:p>
-            <a:r>
-              <a:t>The audit notes do not reference any measures addressing supporting utilities for network and information systems, including protection against power failures or other utility disruptions, use of redundancy in utility services, security and monitoring of electricity or telecommunications services, emergency supply contracts, continuous testing, maintenance and effectiveness of utilities, or regular review and updating of such measures. Missing information: details on facility protection from utility failures, redundancy strategies, utility service security controls and threshold monitoring, emergency supply arrangements, continuous effectiveness testing and maintenance of utilities, and periodic testing, review and update of protection measures.</a:t>
-            </a:r>
-          </a:p>
-        </p:txBody>
-      </p:sp>
-    </p:spTree>
-  </p:cSld>
-  <p:clrMapOvr>
-    <a:masterClrMapping/>
-  </p:clrMapOvr>
-</p:sld>
-</file>
-
-<file path=ppt/slides/slide25.xml><?xml version="1.0" encoding="utf-8"?>
-<p:sld xmlns:a="http://schemas.openxmlformats.org/drawingml/2006/main" xmlns:p="http://schemas.openxmlformats.org/presentationml/2006/main" xmlns:r="http://schemas.openxmlformats.org/officeDocument/2006/relationships">
-  <p:cSld>
-    <p:spTree>
-      <p:nvGrpSpPr>
-        <p:cNvPr id="1" name=""/>
-        <p:cNvGrpSpPr/>
-        <p:nvPr/>
-      </p:nvGrpSpPr>
-      <p:grpSpPr/>
-      <p:sp>
-        <p:nvSpPr>
-          <p:cNvPr id="2" name="Title 1"/>
-          <p:cNvSpPr>
-            <a:spLocks noGrp="1"/>
-          </p:cNvSpPr>
-          <p:nvPr>
-            <p:ph type="title"/>
-          </p:nvPr>
-        </p:nvSpPr>
-        <p:spPr/>
-        <p:txBody>
-          <a:bodyPr/>
-          <a:lstStyle/>
-          <a:p>
-            <a:pPr>
-              <a:defRPr sz="2600"/>
-            </a:pPr>
-            <a:r>
-              <a:t>13.1 SUPPORTING UTILITIES</a:t>
-            </a:r>
-          </a:p>
-        </p:txBody>
-      </p:sp>
-      <p:sp>
-        <p:nvSpPr>
-          <p:cNvPr id="3" name="Content Placeholder 2"/>
-          <p:cNvSpPr>
-            <a:spLocks noGrp="1"/>
-          </p:cNvSpPr>
-          <p:nvPr>
-            <p:ph idx="1"/>
-          </p:nvPr>
-        </p:nvSpPr>
-        <p:spPr/>
-        <p:txBody>
-          <a:bodyPr/>
-          <a:lstStyle/>
-          <a:p>
-            <a:r>
-              <a:t>Finding: More information needed to conclude whether the entity meets ENISA requirements 13.1.1–13.1.3 for supporting utilities.   </a:t>
-            </a:r>
-          </a:p>
-          <a:p/>
-          <a:p>
-            <a:r>
-              <a:t>Follow-up questions:  </a:t>
-            </a:r>
-          </a:p>
-          <a:p>
-            <a:r>
-              <a:t>· What measures (UPS, generators, redundant suppliers) protect against power, telecom and HVAC failures?  </a:t>
-            </a:r>
-          </a:p>
-          <a:p>
-            <a:r>
-              <a:t>· Are utility services (electricity, telecoms) monitored against defined thresholds, and are out-of-range events reported?  </a:t>
-            </a:r>
-          </a:p>
-          <a:p>
-            <a:r>
-              <a:t>· Are emergency-supply contracts (e.g. fuel for generators) in place?  </a:t>
-            </a:r>
-          </a:p>
-          <a:p>
-            <a:r>
-              <a:t>· How and how often are utility-related protections tested, reviewed or updated?</a:t>
-            </a:r>
-          </a:p>
-        </p:txBody>
-      </p:sp>
-      <p:sp>
-        <p:nvSpPr>
-          <p:cNvPr id="4" name="Text Placeholder 3"/>
-          <p:cNvSpPr>
-            <a:spLocks noGrp="1"/>
-          </p:cNvSpPr>
-          <p:nvPr>
-            <p:ph type="body" idx="13" sz="quarter"/>
-          </p:nvPr>
-        </p:nvSpPr>
-        <p:spPr/>
-        <p:txBody>
-          <a:bodyPr/>
-          <a:lstStyle/>
-          <a:p>
-            <a:r>
-              <a:t>No specific risks - more infortmation needed</a:t>
-            </a:r>
-          </a:p>
-        </p:txBody>
-      </p:sp>
-    </p:spTree>
-  </p:cSld>
-  <p:clrMapOvr>
-    <a:masterClrMapping/>
-  </p:clrMapOvr>
-</p:sld>
-</file>
-
-<file path=ppt/slides/slide26.xml><?xml version="1.0" encoding="utf-8"?>
-<p:sld xmlns:a="http://schemas.openxmlformats.org/drawingml/2006/main" xmlns:p="http://schemas.openxmlformats.org/presentationml/2006/main" xmlns:r="http://schemas.openxmlformats.org/officeDocument/2006/relationships">
-  <p:cSld>
-    <p:spTree>
-      <p:nvGrpSpPr>
-        <p:cNvPr id="1" name=""/>
-        <p:cNvGrpSpPr/>
-        <p:nvPr/>
-      </p:nvGrpSpPr>
-      <p:grpSpPr/>
-      <p:sp>
-        <p:nvSpPr>
-          <p:cNvPr id="2" name="Title 1"/>
-          <p:cNvSpPr>
-            <a:spLocks noGrp="1"/>
-          </p:cNvSpPr>
-          <p:nvPr>
-            <p:ph type="title"/>
-          </p:nvPr>
-        </p:nvSpPr>
-        <p:spPr/>
-        <p:txBody>
-          <a:bodyPr/>
-          <a:lstStyle/>
-          <a:p>
-            <a:pPr>
-              <a:defRPr sz="2600"/>
-            </a:pPr>
-            <a:r>
-              <a:t>Article 23. Reporting obligations</a:t>
-            </a:r>
-          </a:p>
-        </p:txBody>
-      </p:sp>
-      <p:sp>
-        <p:nvSpPr>
-          <p:cNvPr id="3" name="Content Placeholder 2"/>
-          <p:cNvSpPr>
-            <a:spLocks noGrp="1"/>
-          </p:cNvSpPr>
-          <p:nvPr>
-            <p:ph idx="1"/>
-          </p:nvPr>
-        </p:nvSpPr>
-        <p:spPr/>
-        <p:txBody>
-          <a:bodyPr/>
-          <a:lstStyle/>
-          <a:p>
-            <a:r>
-              <a:t>1. Each Member State shall ensure that essential and important entities notify, without undue delay, its CSIRT or, where applicable, its competent authority in accordance with paragraph 4 of any incident that has a significant impact on the provision of their services as referred to in paragraph 3 (significant incident). Where appropriate, entities concerned shall notify, without undue delay, the recipients of their services of significant incidents that are likely to adversely affect the provision of those services. Each Member State shall ensure that those entities report, inter alia, any information enabling the CSIRT or, where applicable, the competent authority to determine any cross-border impact of the incident. The mere act of notification shall not subject the notifying entity to increased liability. Where the entities concerned notify the competent authority of a significant incident under the first subparagraph, the Member State shall ensure that that competent authority forwards the notification to the CSIRT upon receipt. In the case of a cross-border or cross-sectoral significant incident, Member States shall ensure that their single points of contact are provided in due time with relevant information notified in accordance with paragraph 4. 2. Where applicable, Member States shall ensure that essential and important entities communicate, without undue delay, to the recipients of their services that are potentially affected by a significant cyber threat any measures or remedies that those recipients are able to take in response to that threat. Where appropriate, the entities shall also inform those recipients of the significant cyber threat itself. 3. An incident shall be considered to be significant if: (a) it has caused or is capable of causing severe operational disruption of the services or financial loss for the entity concerned; (b) it has affected or is capable of affecting other natural or legal persons by causing considerable material or non-material damage. 4. Member States shall ensure that, for the purpose of notification under paragraph 1, the entities concerned submit to the CSIRT or, where applicable, the competent authority: (a) without undue delay and in any event within 24 hours of becoming aware of the significant incident, an early warning, which, where applicable, shall indicate whether the significant incident is suspected of being caused by unlawful or malicious acts or could have a cross-border impact; (b) without undue delay and in any event within 72 hours of becoming aware of the significant incident, an incident notification, which, where applicable, shall update the information referred to in point (a) and indicate an initial assessment of the significant incident, including its severity and impact, as well as, where available, the indicators of compromise; (c) upon the request of a CSIRT or, where applicable, the competent authority, an intermediate report on relevant status updates; (d) a final report not later than one month after the submission of the incident notification under point (b), including the following: (i) a detailed description of the incident, including its severity and impact; (ii) the type of threat or root cause that is likely to have triggered the incident; (iii) applied and ongoing mitigation measures; (iv) where applicable, the cross-border impact of the incident; (e) in the event of an ongoing incident at the time of the submission of the final report referred to in point (d), Member States shall ensure that entities concerned provide a progress report at that time and a final report within one month of their handling of the incident. By way of derogation from the first subparagraph, point (b), a trust service provider shall, with regard to significant incidents that have an impact on the provision of its trust services, notify the CSIRT or, where applicable, the competent authority, without undue delay and in any event within 24 hours of becoming aware of the significant incident. NOTE: paragraphs 6-10 were ommited due to being applicable for states and govenrment authorties.</a:t>
-            </a:r>
-          </a:p>
-        </p:txBody>
-      </p:sp>
-      <p:sp>
-        <p:nvSpPr>
-          <p:cNvPr id="4" name="Content Placeholder 3"/>
-          <p:cNvSpPr>
-            <a:spLocks noGrp="1"/>
-          </p:cNvSpPr>
-          <p:nvPr>
-            <p:ph idx="13"/>
-          </p:nvPr>
-        </p:nvSpPr>
-        <p:spPr/>
-        <p:txBody>
-          <a:bodyPr/>
-          <a:lstStyle/>
-          <a:p>
-            <a:r>
-              <a:t>The organization’s cybersecurity governance is centralized under the head office with local representatives at all sites, and incident response responsibilities are divided between group and local entity functions supported by an event-monitoring process managed by the SOC team; IT infrastructure and data backups are centrally managed (though immutable backups are not implemented). Missing information: there are no details on notification procedures to the CSIRT or competent authority, early warnings and incident notifications within the required 24/72-hour windows, intermediate or final reporting timelines, cross-border impact reporting, or communications to service recipients of significant incidents.</a:t>
-            </a:r>
-          </a:p>
-        </p:txBody>
-      </p:sp>
-    </p:spTree>
-  </p:cSld>
-  <p:clrMapOvr>
-    <a:masterClrMapping/>
-  </p:clrMapOvr>
-</p:sld>
-</file>
-
-<file path=ppt/slides/slide27.xml><?xml version="1.0" encoding="utf-8"?>
-<p:sld xmlns:a="http://schemas.openxmlformats.org/drawingml/2006/main" xmlns:p="http://schemas.openxmlformats.org/presentationml/2006/main" xmlns:r="http://schemas.openxmlformats.org/officeDocument/2006/relationships">
-  <p:cSld>
-    <p:spTree>
-      <p:nvGrpSpPr>
-        <p:cNvPr id="1" name=""/>
-        <p:cNvGrpSpPr/>
-        <p:nvPr/>
-      </p:nvGrpSpPr>
-      <p:grpSpPr/>
-      <p:sp>
-        <p:nvSpPr>
-          <p:cNvPr id="2" name="Title 1"/>
-          <p:cNvSpPr>
-            <a:spLocks noGrp="1"/>
-          </p:cNvSpPr>
-          <p:nvPr>
-            <p:ph type="title"/>
-          </p:nvPr>
-        </p:nvSpPr>
-        <p:spPr/>
-        <p:txBody>
-          <a:bodyPr/>
-          <a:lstStyle/>
-          <a:p>
-            <a:pPr>
-              <a:defRPr sz="2600"/>
-            </a:pPr>
-            <a:r>
-              <a:t>Article 23. Reporting obligations</a:t>
-            </a:r>
-          </a:p>
-        </p:txBody>
-      </p:sp>
-      <p:sp>
-        <p:nvSpPr>
-          <p:cNvPr id="3" name="Content Placeholder 2"/>
-          <p:cNvSpPr>
-            <a:spLocks noGrp="1"/>
-          </p:cNvSpPr>
-          <p:nvPr>
-            <p:ph idx="1"/>
-          </p:nvPr>
-        </p:nvSpPr>
-        <p:spPr/>
-        <p:txBody>
-          <a:bodyPr/>
-          <a:lstStyle/>
-          <a:p>
-            <a:r>
-              <a:t>1. Finding: No evidence in the notes of a documented process or records for notifying the CSIRT or competent authority of significant incidents within the 24- and 72-hour timeframes mandated by Article 23(1)–(4). More information needed to conclude.  </a:t>
-            </a:r>
-          </a:p>
-          <a:p>
-            <a:r>
-              <a:t>   Follow-up: Please provide the incident notification procedure and any recent notification records showing adherence to NIS2 timelines.</a:t>
-            </a:r>
-          </a:p>
-          <a:p/>
-          <a:p>
-            <a:r>
-              <a:t>2. Finding: Notes do not mention communication to service recipients of significant incidents or cyber threats as required by Article 23(2). More information needed to conclude.  </a:t>
-            </a:r>
-          </a:p>
-          <a:p>
-            <a:r>
-              <a:t>   Follow-up: Please share the policy or logs demonstrating notifications sent to affected customers.</a:t>
-            </a:r>
-          </a:p>
-          <a:p/>
-          <a:p>
-            <a:r>
-              <a:t>3. Finding: No mention of reporting cross-border impact or forwarding to single points of contact for cross-border incidents per Article 23(1). More information needed to conclude.  </a:t>
-            </a:r>
-          </a:p>
-          <a:p>
-            <a:r>
-              <a:t>   Follow-up: Are there procedures or records for identifying and reporting cross-border incident impacts?</a:t>
-            </a:r>
-          </a:p>
-        </p:txBody>
-      </p:sp>
-      <p:sp>
-        <p:nvSpPr>
-          <p:cNvPr id="4" name="Text Placeholder 3"/>
-          <p:cNvSpPr>
-            <a:spLocks noGrp="1"/>
-          </p:cNvSpPr>
-          <p:nvPr>
-            <p:ph type="body" idx="13" sz="quarter"/>
-          </p:nvPr>
-        </p:nvSpPr>
-        <p:spPr/>
-        <p:txBody>
-          <a:bodyPr/>
-          <a:lstStyle/>
-          <a:p>
-            <a:r>
-              <a:t>1. No specific risks - more infortmation needed  </a:t>
-            </a:r>
-          </a:p>
-          <a:p>
-            <a:r>
-              <a:t>2. No specific risks - more infortmation needed  </a:t>
-            </a:r>
-          </a:p>
-          <a:p>
-            <a:r>
-              <a:t>3. No specific risks - more infortmation needed</a:t>
+              <a:t>Head office oversees cybersecurity governance with representatives at all sites. A centralized risk management team conducts risk assessments while local teams implement mitigation measures and manage OT infrastructure, complemented by group-managed IT infrastructure. Incident response roles are divided between group and local functions. Data backups are centrally managed with defined schedules but lack immutability. Access control is enforced via Active Directory for general users and KeePass for privileged accounts, though no access reviews are performed. The SOC team implements event monitoring. Vulnerability management is conducted by the IT security team in Basel using Tenable Nessus scans bi-weekly, CVSS-based classification, ServiceNow reporting, and remediation timelines of 5 days for severe, 10 days for medium, and 30 days for low risks. Monthly vulnerability reports are produced, patches distributed via internet-connected product updates, and selective penetration testing is performed. An SBOM is maintained by development, with public disclosure on the company website and direct notifications for severe vulnerabilities.  </a:t>
+            </a:r>
+          </a:p>
+          <a:p>
+            <a:r>
+              <a:t>Missing information: policy alignment with business strategy, security objectives, continual improvement commitment, resource provision commitment, communication and acknowledgement processes, documentation retention durations, topic-specific policies, implementation indicators and maturity measures, formal approval date, policy review frequency and documentation.</a:t>
             </a:r>
           </a:p>
         </p:txBody>
@@ -4316,32 +2376,23 @@
           <a:lstStyle/>
           <a:p>
             <a:r>
-              <a:t>Finding 1: No evidence in the notes of a formally documented network and information systems security policy that meets NIS2 Article 21(2)(a) elements (a–k) or of its annual/significant-change reviews per 1.1.2.  </a:t>
-            </a:r>
-          </a:p>
-          <a:p>
-            <a:r>
-              <a:t>More information needed to conclude.  </a:t>
-            </a:r>
-          </a:p>
-          <a:p>
-            <a:r>
-              <a:t>Follow-up questions:  </a:t>
-            </a:r>
-          </a:p>
-          <a:p>
-            <a:r>
-              <a:t>• Can you provide the current security policy document?  </a:t>
-            </a:r>
-          </a:p>
-          <a:p>
-            <a:r>
-              <a:t>• Does it include objectives, roles, resources, topic-specific policies, monitoring indicators, retention lists, approval date and review records?  </a:t>
-            </a:r>
-          </a:p>
-          <a:p>
-            <a:r>
-              <a:t>• How is it communicated to employees and external parties?</a:t>
+              <a:t>1. Finding: Insufficient evidence of a formal network and information systems security policy and its mandated elements (approach, objectives, continual improvement, resource commitments, communication, roles and responsibilities, documentation retention, topic-specific policies, indicators, management approval date).  </a:t>
+            </a:r>
+          </a:p>
+          <a:p>
+            <a:r>
+              <a:t>   More information needed to conclude: please provide the policy document or confirmation that it addresses each sub-point of Requirement 1.1.1.</a:t>
+            </a:r>
+          </a:p>
+          <a:p/>
+          <a:p>
+            <a:r>
+              <a:t>2. Finding: No evidence that the security policy is reviewed at least annually or after significant incidents/changes, nor that review results are documented.  </a:t>
+            </a:r>
+          </a:p>
+          <a:p>
+            <a:r>
+              <a:t>   More information needed to conclude: please supply records of policy reviews, dates of reviews/updates, and related documentation per Requirement 1.1.2.</a:t>
             </a:r>
           </a:p>
         </p:txBody>
@@ -4362,7 +2413,13 @@
           <a:lstStyle/>
           <a:p>
             <a:r>
-              <a:t>No specific risks - more infortmation needed</a:t>
+              <a:t>1. No specific risks - more infortmation needed</a:t>
+            </a:r>
+          </a:p>
+          <a:p/>
+          <a:p>
+            <a:r>
+              <a:t>2. No specific risks - more infortmation needed</a:t>
             </a:r>
           </a:p>
         </p:txBody>
@@ -4404,7 +2461,7 @@
               <a:defRPr sz="2600"/>
             </a:pPr>
             <a:r>
-              <a:t>2.1 RISK MANAGEMENT FRAMEWORK</a:t>
+              <a:t>1.2 ROLES, RESPONSIBILITIES AND AUTHORITIES</a:t>
             </a:r>
           </a:p>
         </p:txBody>
@@ -4425,7 +2482,7 @@
           <a:lstStyle/>
           <a:p>
             <a:r>
-              <a:t>2.1.1. For the purpose of Article 21(2), point (a) of Directive (EU) 2022/2555, the relevant entities shall establish and maintain an appropriate risk management framework to identify and address the risks posed to the security of network and information systems. The relevant entities shall perform and document risk assessments and, based on the results, establish, implement and monitor a risk treatment plan. Risk assessment results and residual risks (12) shall be accepted by management bodies or, where applicable, by persons who are accountable and have the authority to manage risks, provided that the relevant entities ensure adequate reporting to the management bodies. 2.1.2. For the purpose of point 2.1.1, the relevant entities shall establish procedures for identification, analysis, assessment and treatment of risks (‘cybersecurity risk management process’). The cybersecurity risk management process shall be an integral part of the relevant entities’ overall risk management process, where applicable. As part of the cybersecurity risk management process, the relevant entities shall: (a) follow a risk management methodology; (b) establish the risk tolerance level in accordance with the risk appetite of the relevant entities; (c) establish and maintain relevant risk criteria; (d) in line with an all-hazards approach, identify and document the risks posed to the security of network and information systems, in particular in relation to third parties and risks that could lead to disruptions in the availability, integrity, authenticity and confidentiality of the network and information systems, including the identification of single point of failures; (e) analyse the risks posed to the security of network and information systems, including threat, likelihood, impact and risk level, taking into account cyber threat intelligence and vulnerabilities; (f) evaluate the identified risks based on the risk criteria; (g) identify and prioritise appropriate risk treatment options and measures; (h) continuously monitor the implementation of the risk treatment measures; (i) identify who is responsible for implementing the risk treatment measures and when they should be implemented; (j) document the chosen risk treatment measures in a risk treatment plan and the reasons justifying the acceptance of residual risks in a comprehensible manner. 2.1.3. When identifying and prioritising appropriate risk treatment options and measures, the relevant entities shall take into account the risk assessment results, the results of the procedure to assess the effectiveness of cybersecurity riskmanagement measures, the cost of implementation in relation to the expected benefit, the asset classification referred to in point 12.1 and the business impact analysis referred to in point 4.1.3. 2.1.4. The relevant entities shall review and, where appropriate, update the risk assessment results and the risk treatment plan at planned intervals and at least annually and when significant changes to operations or risks or significant incidents occur. </a:t>
+              <a:t>1.2.1. As part of their policy on the security of network and information systems referred to in point 1.1, the relevant entities shall lay down responsibilities and authorities for network and information system security and assign them to roles, allocate them according to the relevant entities’ needs and communicate them to the management bodies. 1.2.2. The relevant entities shall require all personnel and third parties to apply network and information system security in accordance with the established network and information security policy, topic-specific policies and procedures of the relevant entities. 1.2.3. At least one person shall report directly to the management bodies on matters of network and information system security. 1.2.4. Depending on the size of the relevant entities, network and information system security shall be covered by dedicated roles or duties carried out in addition to existing roles. 1.2.5. Conflicting duties and conflicting areas of responsibility shall be segregated, where applicable. 1.2.6. Roles, responsibilities and authorities shall be reviewed and, where appropriate, updated by management bodies at planned intervals and when significant incidents or significant changes to operations or risks occur. </a:t>
             </a:r>
           </a:p>
         </p:txBody>
@@ -4446,7 +2503,7 @@
           <a:lstStyle/>
           <a:p>
             <a:r>
-              <a:t>The head office oversees cybersecurity governance with site representatives and a centralized group-level risk management team conducts risk assessments while local teams implement mitigation measures. Incident response is shared between group and local functions. IT infrastructure is managed centrally and OT locally, with centrally scheduled data backups though without immutable copies. Access control relies on Active Directory for general users and KeePass-secured credentials for system administrators, but no access reviews are performed. The SOC team handles event monitoring. Vulnerability management is performed by the Basel IT security team using biweekly Tenable Nessus scans, CVSS-based severity ratings reported in ServiceNow, and defined remediation timelines of five days for severe, ten days for medium and thirty days for low risks. Monthly vulnerability reports are produced, patches distributed via internet-connected product updates, selective penetration testing conducted with risks classified internally, a software bill of materials maintained, and public disclosure of vulnerabilities on the company website with direct notifications for severe issues. Missing information: documented risk management methodology, risk appetite and tolerance levels, defined risk criteria, comprehensive risk identification (including single points of failure) and analysis, documented risk treatment plans with management approval of residual risks, assignment and monitoring of treatment measures, and scheduled reviews or updates of risk assessments and treatment plans.</a:t>
+              <a:t>The organization’s cybersecurity governance is centralized under the head office, which maintains representatives at all sites and assigns risk assessment to a group-level team while delegating local teams to implement mitigation measures and manage operational technology; incident response responsibilities are split between group and local functions, IT infrastructure is managed centrally and OT locally, access control roles are defined via Active Directory with privileged credentials stored in KeePass for system administrators and individual accounts for general users, and event monitoring is conducted by a SOC team. Missing information: whether all personnel and third parties are required to apply the established security policies, whether a designated individual reports directly to the management bodies on security matters, whether segregation of conflicting duties is enforced, and whether roles, responsibilities and authorities are reviewed at planned intervals or after significant incidents or changes.</a:t>
             </a:r>
           </a:p>
         </p:txBody>
@@ -4488,7 +2545,7 @@
               <a:defRPr sz="2600"/>
             </a:pPr>
             <a:r>
-              <a:t>2.1 RISK MANAGEMENT FRAMEWORK</a:t>
+              <a:t>1.2 ROLES, RESPONSIBILITIES AND AUTHORITIES</a:t>
             </a:r>
           </a:p>
         </p:txBody>
@@ -4509,45 +2566,67 @@
           <a:lstStyle/>
           <a:p>
             <a:r>
-              <a:t>1. Finding: More information needed to conclude whether documented risk assessments and risk treatment plans exist and are formally approved by management bodies.  </a:t>
-            </a:r>
-          </a:p>
-          <a:p>
-            <a:r>
-              <a:t>   Follow-up: Please provide risk assessment reports, risk treatment plans, and records of management or accountable person approvals.</a:t>
+              <a:t>1.2.1 More information needed to conclude whether responsibilities and authorities for network and information system security are formally documented in a policy and communicated to the management bodies.  </a:t>
+            </a:r>
+          </a:p>
+          <a:p>
+            <a:r>
+              <a:t>Follow-up question: Please provide the security policy or charter defining these roles and evidence of its communication to the management bodies.</a:t>
             </a:r>
           </a:p>
           <a:p/>
           <a:p>
             <a:r>
-              <a:t>2. Finding: More information needed to conclude whether a defined risk management methodology, risk tolerance levels and risk criteria have been established.  </a:t>
-            </a:r>
-          </a:p>
-          <a:p>
-            <a:r>
-              <a:t>   Follow-up: Please share the documented risk management methodology, risk appetite/tolerance statements and criteria used for risk evaluation.</a:t>
+              <a:t>1.2.2 More information needed to conclude if all personnel and third parties are required to apply network and information system security in accordance with established policies and procedures.  </a:t>
+            </a:r>
+          </a:p>
+          <a:p>
+            <a:r>
+              <a:t>Follow-up question: Can you share the policy clauses or agreements mandating security compliance for staff and third parties and proof of enforcement?</a:t>
             </a:r>
           </a:p>
           <a:p/>
           <a:p>
             <a:r>
-              <a:t>3. Finding: More information needed to conclude whether risks (including third-party dependencies and single points of failure) are identified and documented via an all-hazards approach.  </a:t>
-            </a:r>
-          </a:p>
-          <a:p>
-            <a:r>
-              <a:t>   Follow-up: Please provide the procedures or registers showing third-party risk identification and single point-of-failure analysis.</a:t>
+              <a:t>1.2.3 More information needed to conclude whether at least one person reports directly to the management bodies on matters of network and information system security.  </a:t>
+            </a:r>
+          </a:p>
+          <a:p>
+            <a:r>
+              <a:t>Follow-up question: Identify the role(s) and reporting lines to the management bodies for cybersecurity.</a:t>
             </a:r>
           </a:p>
           <a:p/>
           <a:p>
             <a:r>
-              <a:t>4. Finding: More information needed to conclude whether risk assessments and treatment plans are reviewed at least annually or after significant changes/incidents.  </a:t>
-            </a:r>
-          </a:p>
-          <a:p>
-            <a:r>
-              <a:t>   Follow-up: Please provide the review schedule and evidence of updates following major operational changes or security incidents.</a:t>
+              <a:t>1.2.4 More information needed to conclude whether dedicated roles or duties for network and information system security exist according to the entity’s size.  </a:t>
+            </a:r>
+          </a:p>
+          <a:p>
+            <a:r>
+              <a:t>Follow-up question: Provide organization charts or role descriptions showing dedicated or additional security responsibilities.</a:t>
+            </a:r>
+          </a:p>
+          <a:p/>
+          <a:p>
+            <a:r>
+              <a:t>1.2.5 More information needed to conclude whether conflicting duties and areas of responsibility are segregated.  </a:t>
+            </a:r>
+          </a:p>
+          <a:p>
+            <a:r>
+              <a:t>Follow-up question: Supply duty-segregation matrices or other evidence of separation of conflicting responsibilities.</a:t>
+            </a:r>
+          </a:p>
+          <a:p/>
+          <a:p>
+            <a:r>
+              <a:t>1.2.6 More information needed to conclude whether roles, responsibilities and authorities are reviewed and updated at planned intervals or after significant incidents or changes.  </a:t>
+            </a:r>
+          </a:p>
+          <a:p>
+            <a:r>
+              <a:t>Follow-up question: Share the review schedule and records of updates following incidents or significant operational/risk changes.</a:t>
             </a:r>
           </a:p>
         </p:txBody>
@@ -4568,438 +2647,37 @@
           <a:lstStyle/>
           <a:p>
             <a:r>
-              <a:t>1. No specific risks – more information needed</a:t>
+              <a:t>1.2.1 No specific risks - more infortmation needed</a:t>
             </a:r>
           </a:p>
           <a:p/>
           <a:p>
             <a:r>
-              <a:t>2. No specific risks – more information needed</a:t>
+              <a:t>1.2.2 No specific risks - more infortmation needed</a:t>
             </a:r>
           </a:p>
           <a:p/>
           <a:p>
             <a:r>
-              <a:t>3. No specific risks – more information needed</a:t>
+              <a:t>1.2.3 No specific risks - more infortmation needed</a:t>
             </a:r>
           </a:p>
           <a:p/>
           <a:p>
             <a:r>
-              <a:t>4. No specific risks – more information needed</a:t>
-            </a:r>
-          </a:p>
-        </p:txBody>
-      </p:sp>
-    </p:spTree>
-  </p:cSld>
-  <p:clrMapOvr>
-    <a:masterClrMapping/>
-  </p:clrMapOvr>
-</p:sld>
-</file>
-
-<file path=ppt/slides/slide6.xml><?xml version="1.0" encoding="utf-8"?>
-<p:sld xmlns:a="http://schemas.openxmlformats.org/drawingml/2006/main" xmlns:p="http://schemas.openxmlformats.org/presentationml/2006/main" xmlns:r="http://schemas.openxmlformats.org/officeDocument/2006/relationships">
-  <p:cSld>
-    <p:spTree>
-      <p:nvGrpSpPr>
-        <p:cNvPr id="1" name=""/>
-        <p:cNvGrpSpPr/>
-        <p:nvPr/>
-      </p:nvGrpSpPr>
-      <p:grpSpPr/>
-      <p:sp>
-        <p:nvSpPr>
-          <p:cNvPr id="2" name="Title 1"/>
-          <p:cNvSpPr>
-            <a:spLocks noGrp="1"/>
-          </p:cNvSpPr>
-          <p:nvPr>
-            <p:ph type="title"/>
-          </p:nvPr>
-        </p:nvSpPr>
-        <p:spPr/>
-        <p:txBody>
-          <a:bodyPr/>
-          <a:lstStyle/>
-          <a:p>
-            <a:pPr>
-              <a:defRPr sz="2600"/>
-            </a:pPr>
-            <a:r>
-              <a:t>3.1 INCIDENT HANDLING POLICY</a:t>
-            </a:r>
-          </a:p>
-        </p:txBody>
-      </p:sp>
-      <p:sp>
-        <p:nvSpPr>
-          <p:cNvPr id="3" name="Content Placeholder 2"/>
-          <p:cNvSpPr>
-            <a:spLocks noGrp="1"/>
-          </p:cNvSpPr>
-          <p:nvPr>
-            <p:ph idx="1"/>
-          </p:nvPr>
-        </p:nvSpPr>
-        <p:spPr/>
-        <p:txBody>
-          <a:bodyPr/>
-          <a:lstStyle/>
-          <a:p>
-            <a:r>
-              <a:t>3.1.1. For the purpose of Article 21(2), point (b) of Directive (EU) 2022/2555, the relevant entities shall establish and implement an incident handling policy laying down the roles, responsibilities and procedures for detecting, analysing, containing or responding to, recovering from, documenting and reporting of incidents in a timely manner. 3.1.2. The policy referred to in point 3.1.1 shall be coherent with the business continuity and disaster recovery plan referred to in point 4.1. The policy shall include: (a) a categorisation system for incidents that is consistent with the event assessment and classification carried out pursuant to point 3.4.1; (b) effective communication plans including for escalation and reporting; (c) assignment of roles to detect and appropriately respond to incidents to competent employees; (d) documents to be used in the course of incident detection and response such as incident response manuals, escalation charts, contact lists and templates. 3.1.3. The roles, responsibilities and procedures laid down in the policy shall be tested and reviewed and, where appropriate, updated at planned intervals and after significant incidents or significant changes to operations or risks. </a:t>
-            </a:r>
-          </a:p>
-        </p:txBody>
-      </p:sp>
-      <p:sp>
-        <p:nvSpPr>
-          <p:cNvPr id="4" name="Content Placeholder 3"/>
-          <p:cNvSpPr>
-            <a:spLocks noGrp="1"/>
-          </p:cNvSpPr>
-          <p:nvPr>
-            <p:ph idx="13"/>
-          </p:nvPr>
-        </p:nvSpPr>
-        <p:spPr/>
-        <p:txBody>
-          <a:bodyPr/>
-          <a:lstStyle/>
-          <a:p>
-            <a:r>
-              <a:t>The head office maintains overarching cybersecurity governance with site representatives and a centralized risk management team conducts assessments while local teams implement mitigations. Incident response duties are divided between group-level and local functions, with event detection and monitoring executed by the SOC team. IT infrastructure incident detection and response is under central management, whereas OT incidents are handled on-site. Data backup procedures are defined and centrally scheduled but lack immutable backups. Missing information: formal incident handling policy defining roles and responsibilities for timely detection, analysis, containment, recovery, documentation and reporting of incidents; incident categorisation system; communication, escalation and reporting plans; incident response manuals, escalation charts, contact lists and templates; and scheduled testing and review of the policy.</a:t>
-            </a:r>
-          </a:p>
-        </p:txBody>
-      </p:sp>
-    </p:spTree>
-  </p:cSld>
-  <p:clrMapOvr>
-    <a:masterClrMapping/>
-  </p:clrMapOvr>
-</p:sld>
-</file>
-
-<file path=ppt/slides/slide7.xml><?xml version="1.0" encoding="utf-8"?>
-<p:sld xmlns:a="http://schemas.openxmlformats.org/drawingml/2006/main" xmlns:p="http://schemas.openxmlformats.org/presentationml/2006/main" xmlns:r="http://schemas.openxmlformats.org/officeDocument/2006/relationships">
-  <p:cSld>
-    <p:spTree>
-      <p:nvGrpSpPr>
-        <p:cNvPr id="1" name=""/>
-        <p:cNvGrpSpPr/>
-        <p:nvPr/>
-      </p:nvGrpSpPr>
-      <p:grpSpPr/>
-      <p:sp>
-        <p:nvSpPr>
-          <p:cNvPr id="2" name="Title 1"/>
-          <p:cNvSpPr>
-            <a:spLocks noGrp="1"/>
-          </p:cNvSpPr>
-          <p:nvPr>
-            <p:ph type="title"/>
-          </p:nvPr>
-        </p:nvSpPr>
-        <p:spPr/>
-        <p:txBody>
-          <a:bodyPr/>
-          <a:lstStyle/>
-          <a:p>
-            <a:pPr>
-              <a:defRPr sz="2600"/>
-            </a:pPr>
-            <a:r>
-              <a:t>3.1 INCIDENT HANDLING POLICY</a:t>
-            </a:r>
-          </a:p>
-        </p:txBody>
-      </p:sp>
-      <p:sp>
-        <p:nvSpPr>
-          <p:cNvPr id="3" name="Content Placeholder 2"/>
-          <p:cNvSpPr>
-            <a:spLocks noGrp="1"/>
-          </p:cNvSpPr>
-          <p:nvPr>
-            <p:ph idx="1"/>
-          </p:nvPr>
-        </p:nvSpPr>
-        <p:spPr/>
-        <p:txBody>
-          <a:bodyPr/>
-          <a:lstStyle/>
-          <a:p>
-            <a:r>
-              <a:t>More information needed to conclude whether an incident handling policy exists and fulfils the requirements under 3.1.1–3.1.3.  </a:t>
-            </a:r>
-          </a:p>
-          <a:p>
-            <a:r>
-              <a:t>Follow-up questions:  </a:t>
-            </a:r>
-          </a:p>
-          <a:p>
-            <a:r>
-              <a:t>1. Can you provide the documented incident handling policy?  </a:t>
-            </a:r>
-          </a:p>
-          <a:p>
-            <a:r>
-              <a:t>2. Does it include an incident‐categorisation system, communication/escalation plans, role assignments, and response templates (manuals, charts, contact lists)?  </a:t>
-            </a:r>
-          </a:p>
-          <a:p>
-            <a:r>
-              <a:t>3. Is it aligned with the business continuity/disaster recovery plan?  </a:t>
-            </a:r>
-          </a:p>
-          <a:p>
-            <a:r>
-              <a:t>4. Are there records of planned reviews and tests, and updates after significant incidents or operational changes?</a:t>
-            </a:r>
-          </a:p>
-        </p:txBody>
-      </p:sp>
-      <p:sp>
-        <p:nvSpPr>
-          <p:cNvPr id="4" name="Text Placeholder 3"/>
-          <p:cNvSpPr>
-            <a:spLocks noGrp="1"/>
-          </p:cNvSpPr>
-          <p:nvPr>
-            <p:ph type="body" idx="13" sz="quarter"/>
-          </p:nvPr>
-        </p:nvSpPr>
-        <p:spPr/>
-        <p:txBody>
-          <a:bodyPr/>
-          <a:lstStyle/>
-          <a:p>
-            <a:r>
-              <a:t>No specific risks - more infortmation needed</a:t>
-            </a:r>
-          </a:p>
-        </p:txBody>
-      </p:sp>
-    </p:spTree>
-  </p:cSld>
-  <p:clrMapOvr>
-    <a:masterClrMapping/>
-  </p:clrMapOvr>
-</p:sld>
-</file>
-
-<file path=ppt/slides/slide8.xml><?xml version="1.0" encoding="utf-8"?>
-<p:sld xmlns:a="http://schemas.openxmlformats.org/drawingml/2006/main" xmlns:p="http://schemas.openxmlformats.org/presentationml/2006/main" xmlns:r="http://schemas.openxmlformats.org/officeDocument/2006/relationships">
-  <p:cSld>
-    <p:spTree>
-      <p:nvGrpSpPr>
-        <p:cNvPr id="1" name=""/>
-        <p:cNvGrpSpPr/>
-        <p:nvPr/>
-      </p:nvGrpSpPr>
-      <p:grpSpPr/>
-      <p:sp>
-        <p:nvSpPr>
-          <p:cNvPr id="2" name="Title 1"/>
-          <p:cNvSpPr>
-            <a:spLocks noGrp="1"/>
-          </p:cNvSpPr>
-          <p:nvPr>
-            <p:ph type="title"/>
-          </p:nvPr>
-        </p:nvSpPr>
-        <p:spPr/>
-        <p:txBody>
-          <a:bodyPr/>
-          <a:lstStyle/>
-          <a:p>
-            <a:pPr>
-              <a:defRPr sz="2600"/>
-            </a:pPr>
-            <a:r>
-              <a:t>4.1 BUSINESS CONTINUITY AND DISASTER RECOVERY PLAN</a:t>
-            </a:r>
-          </a:p>
-        </p:txBody>
-      </p:sp>
-      <p:sp>
-        <p:nvSpPr>
-          <p:cNvPr id="3" name="Content Placeholder 2"/>
-          <p:cNvSpPr>
-            <a:spLocks noGrp="1"/>
-          </p:cNvSpPr>
-          <p:nvPr>
-            <p:ph idx="1"/>
-          </p:nvPr>
-        </p:nvSpPr>
-        <p:spPr/>
-        <p:txBody>
-          <a:bodyPr/>
-          <a:lstStyle/>
-          <a:p>
-            <a:r>
-              <a:t>4.1.1. For the purpose of Article 21(2), point (c) of Directive (EU) 2022/2555, the relevant entities shall lay down and maintain a business continuity and disaster recovery plan to apply in the case of incidents. 4.1.2. The relevant entities’ operations shall be restored according to the business continuity and disaster recovery plan. The plan shall be based on the results of the risk assessment carried out pursuant to point 2.1 and shall include, where appropriate, the following: (a) purpose, scope and audience; (b) roles and responsibilities; (c) key contacts and (internal and external) communication channels; (d) conditions for plan activation and deactivation; (e) order of recovery for operations; (f) recovery plans for specific operations, including recovery objectives; (g) required resources, including backups and redundancies; (h) restoring and resuming activities from temporary measures. 4.1.3. The relevant entities shall carry out a business impact analysis to assess the potential impact of severe disruptions to their business operations and shall, based on the results of the business impact analysis, establish continuity requirements for the network and information systems. 4.1.4. The business continuity plan and disaster recovery plan shall be tested, reviewed and, where appropriate, updated at planned intervals and following significant incidents or significant changes to operations or risks. The relevant entities shall ensure that the plans incorporate lessons learnt from such tests. </a:t>
-            </a:r>
-          </a:p>
-        </p:txBody>
-      </p:sp>
-      <p:sp>
-        <p:nvSpPr>
-          <p:cNvPr id="4" name="Content Placeholder 3"/>
-          <p:cNvSpPr>
-            <a:spLocks noGrp="1"/>
-          </p:cNvSpPr>
-          <p:nvPr>
-            <p:ph idx="13"/>
-          </p:nvPr>
-        </p:nvSpPr>
-        <p:spPr/>
-        <p:txBody>
-          <a:bodyPr/>
-          <a:lstStyle/>
-          <a:p>
-            <a:r>
-              <a:t>The group-level risk management team conducts risk assessments across all sites while local teams implement mitigation measures, and incident response responsibilities are shared between central and local functions. The head office maintains overall cybersecurity governance, and IT infrastructure is centrally managed whereas OT is handled locally. Data backups are managed centrally according to defined schedules, although immutable backups are not in place. Active Directory handles general network access with privileged credentials stored in a KeePass tool accessible only to system administrators, and user accounts are issued per individual without periodic access reviews. Vulnerability scanning is performed biweekly by the Basel IT security team using Tenable Nessus, with remediation timelines and reporting managed through ServiceNow, supplemented by periodic penetration testing and SBOM maintenance. Missing information: details regarding a formal business continuity and disaster recovery plan including its purpose, scope and audience, roles and responsibilities, key contacts and communication channels, activation and deactivation conditions, order of recovery, recovery objectives, required resources, results of a business impact analysis, and procedures for testing, review and update.</a:t>
-            </a:r>
-          </a:p>
-        </p:txBody>
-      </p:sp>
-    </p:spTree>
-  </p:cSld>
-  <p:clrMapOvr>
-    <a:masterClrMapping/>
-  </p:clrMapOvr>
-</p:sld>
-</file>
-
-<file path=ppt/slides/slide9.xml><?xml version="1.0" encoding="utf-8"?>
-<p:sld xmlns:a="http://schemas.openxmlformats.org/drawingml/2006/main" xmlns:p="http://schemas.openxmlformats.org/presentationml/2006/main" xmlns:r="http://schemas.openxmlformats.org/officeDocument/2006/relationships">
-  <p:cSld>
-    <p:spTree>
-      <p:nvGrpSpPr>
-        <p:cNvPr id="1" name=""/>
-        <p:cNvGrpSpPr/>
-        <p:nvPr/>
-      </p:nvGrpSpPr>
-      <p:grpSpPr/>
-      <p:sp>
-        <p:nvSpPr>
-          <p:cNvPr id="2" name="Title 1"/>
-          <p:cNvSpPr>
-            <a:spLocks noGrp="1"/>
-          </p:cNvSpPr>
-          <p:nvPr>
-            <p:ph type="title"/>
-          </p:nvPr>
-        </p:nvSpPr>
-        <p:spPr/>
-        <p:txBody>
-          <a:bodyPr/>
-          <a:lstStyle/>
-          <a:p>
-            <a:pPr>
-              <a:defRPr sz="2600"/>
-            </a:pPr>
-            <a:r>
-              <a:t>4.1 BUSINESS CONTINUITY AND DISASTER RECOVERY PLAN</a:t>
-            </a:r>
-          </a:p>
-        </p:txBody>
-      </p:sp>
-      <p:sp>
-        <p:nvSpPr>
-          <p:cNvPr id="3" name="Content Placeholder 2"/>
-          <p:cNvSpPr>
-            <a:spLocks noGrp="1"/>
-          </p:cNvSpPr>
-          <p:nvPr>
-            <p:ph idx="1"/>
-          </p:nvPr>
-        </p:nvSpPr>
-        <p:spPr/>
-        <p:txBody>
-          <a:bodyPr/>
-          <a:lstStyle/>
-          <a:p>
-            <a:r>
-              <a:t>1. Business continuity and disaster recovery plan  </a:t>
-            </a:r>
-          </a:p>
-          <a:p>
-            <a:r>
-              <a:t>More information needed to conclude.  </a:t>
-            </a:r>
-          </a:p>
-          <a:p>
-            <a:r>
-              <a:t>Follow-up: Please provide documentation of your BC/DR plan showing its purpose, scope, roles and responsibilities, key contacts, activation/deactivation criteria, order of recovery, recovery objectives and required resources (e.g., backups, redundancies, temporary measures).</a:t>
+              <a:t>1.2.4 No specific risks - more infortmation needed</a:t>
             </a:r>
           </a:p>
           <a:p/>
           <a:p>
             <a:r>
-              <a:t>2. Business impact analysis (BIA)  </a:t>
-            </a:r>
-          </a:p>
-          <a:p>
-            <a:r>
-              <a:t>More information needed to conclude.  </a:t>
-            </a:r>
-          </a:p>
-          <a:p>
-            <a:r>
-              <a:t>Follow-up: Has a BIA been performed to assess potential impacts of severe disruptions and define continuity requirements for network and information systems? Please share the BIA results.</a:t>
+              <a:t>1.2.5 No specific risks - more infortmation needed</a:t>
             </a:r>
           </a:p>
           <a:p/>
           <a:p>
             <a:r>
-              <a:t>3. Plan testing, review and update  </a:t>
-            </a:r>
-          </a:p>
-          <a:p>
-            <a:r>
-              <a:t>More information needed to conclude.  </a:t>
-            </a:r>
-          </a:p>
-          <a:p>
-            <a:r>
-              <a:t>Follow-up: Are the BC/DR plans tested, reviewed and updated at planned intervals or after significant incidents/changes? Please provide records of tests, reviews and lessons-learned.</a:t>
-            </a:r>
-          </a:p>
-        </p:txBody>
-      </p:sp>
-      <p:sp>
-        <p:nvSpPr>
-          <p:cNvPr id="4" name="Text Placeholder 3"/>
-          <p:cNvSpPr>
-            <a:spLocks noGrp="1"/>
-          </p:cNvSpPr>
-          <p:nvPr>
-            <p:ph type="body" idx="13" sz="quarter"/>
-          </p:nvPr>
-        </p:nvSpPr>
-        <p:spPr/>
-        <p:txBody>
-          <a:bodyPr/>
-          <a:lstStyle/>
-          <a:p>
-            <a:r>
-              <a:t>1. No specific risks – more infortmation needed  </a:t>
-            </a:r>
-          </a:p>
-          <a:p>
-            <a:r>
-              <a:t>2. No specific risks – more infortmation needed  </a:t>
-            </a:r>
-          </a:p>
-          <a:p>
-            <a:r>
-              <a:t>3. No specific risks – more infortmation needed</a:t>
+              <a:t>1.2.6 No specific risks - more infortmation needed</a:t>
             </a:r>
           </a:p>
         </p:txBody>

--- a/filename.pptx
+++ b/filename.pptx
@@ -13,6 +13,20 @@
     <p:sldId id="258" r:id="rId9"/>
     <p:sldId id="259" r:id="rId10"/>
     <p:sldId id="260" r:id="rId11"/>
+    <p:sldId id="261" r:id="rId12"/>
+    <p:sldId id="262" r:id="rId13"/>
+    <p:sldId id="263" r:id="rId14"/>
+    <p:sldId id="264" r:id="rId15"/>
+    <p:sldId id="265" r:id="rId16"/>
+    <p:sldId id="266" r:id="rId17"/>
+    <p:sldId id="267" r:id="rId18"/>
+    <p:sldId id="268" r:id="rId19"/>
+    <p:sldId id="269" r:id="rId20"/>
+    <p:sldId id="270" r:id="rId21"/>
+    <p:sldId id="271" r:id="rId22"/>
+    <p:sldId id="272" r:id="rId23"/>
+    <p:sldId id="273" r:id="rId24"/>
+    <p:sldId id="274" r:id="rId25"/>
   </p:sldIdLst>
   <p:sldSz cx="12192000" cy="6858000"/>
   <p:notesSz cx="6858000" cy="9144000"/>
@@ -2203,7 +2217,7 @@
           <a:lstStyle/>
           <a:p>
             <a:r>
-              <a:t>NIS2 asessment</a:t>
+              <a:t>ISO 27001:2022 asessment</a:t>
             </a:r>
           </a:p>
         </p:txBody>
@@ -2225,6 +2239,1025 @@
           <a:p>
             <a:r>
               <a:t>Draft report</a:t>
+            </a:r>
+          </a:p>
+        </p:txBody>
+      </p:sp>
+    </p:spTree>
+  </p:cSld>
+  <p:clrMapOvr>
+    <a:masterClrMapping/>
+  </p:clrMapOvr>
+</p:sld>
+</file>
+
+<file path=ppt/slides/slide10.xml><?xml version="1.0" encoding="utf-8"?>
+<p:sld xmlns:a="http://schemas.openxmlformats.org/drawingml/2006/main" xmlns:p="http://schemas.openxmlformats.org/presentationml/2006/main" xmlns:r="http://schemas.openxmlformats.org/officeDocument/2006/relationships">
+  <p:cSld>
+    <p:spTree>
+      <p:nvGrpSpPr>
+        <p:cNvPr id="1" name=""/>
+        <p:cNvGrpSpPr/>
+        <p:nvPr/>
+      </p:nvGrpSpPr>
+      <p:grpSpPr/>
+      <p:sp>
+        <p:nvSpPr>
+          <p:cNvPr id="2" name="Title 1"/>
+          <p:cNvSpPr>
+            <a:spLocks noGrp="1"/>
+          </p:cNvSpPr>
+          <p:nvPr>
+            <p:ph type="title"/>
+          </p:nvPr>
+        </p:nvSpPr>
+        <p:spPr/>
+        <p:txBody>
+          <a:bodyPr/>
+          <a:lstStyle/>
+          <a:p>
+            <a:pPr>
+              <a:defRPr sz="2600"/>
+            </a:pPr>
+            <a:r>
+              <a:t>8.1 User endpoint devices.</a:t>
+            </a:r>
+          </a:p>
+        </p:txBody>
+      </p:sp>
+      <p:sp>
+        <p:nvSpPr>
+          <p:cNvPr id="3" name="Content Placeholder 2"/>
+          <p:cNvSpPr>
+            <a:spLocks noGrp="1"/>
+          </p:cNvSpPr>
+          <p:nvPr>
+            <p:ph idx="1"/>
+          </p:nvPr>
+        </p:nvSpPr>
+        <p:spPr/>
+        <p:txBody>
+          <a:bodyPr/>
+          <a:lstStyle/>
+          <a:p>
+            <a:r>
+              <a:t>Information stored on, processed by or accessible via user end point devices should be protected.</a:t>
+            </a:r>
+          </a:p>
+        </p:txBody>
+      </p:sp>
+      <p:sp>
+        <p:nvSpPr>
+          <p:cNvPr id="4" name="Content Placeholder 3"/>
+          <p:cNvSpPr>
+            <a:spLocks noGrp="1"/>
+          </p:cNvSpPr>
+          <p:nvPr>
+            <p:ph idx="13"/>
+          </p:nvPr>
+        </p:nvSpPr>
+        <p:spPr/>
+        <p:txBody>
+          <a:bodyPr/>
+          <a:lstStyle/>
+          <a:p>
+            <a:r>
+              <a:t>The organization manages user endpoint devices through centralized IT infrastructure oversight, using Active Directory for network access and individually named accounts, with privileged credentials stored in KeePass accessible only to system administrators. A group-level risk management team conducts bi-weekly Nessus vulnerability scans, rates findings by CVSS, and tracks remediation timelines in ServiceNow, while data on endpoints is safeguarded by centrally managed backups on defined schedules. Event monitoring is performed by the SOC team, patches are distributed via internet-connected product updates, and SBOMs are maintained by the product development team. Public vulnerability disclosures appear on the company website, with severe issues communicated directly to users. Missing information: specific endpoint protection measures such as disk encryption, anti-malware/EDR solutions, immutable backups and formal access review processes.</a:t>
+            </a:r>
+          </a:p>
+        </p:txBody>
+      </p:sp>
+    </p:spTree>
+  </p:cSld>
+  <p:clrMapOvr>
+    <a:masterClrMapping/>
+  </p:clrMapOvr>
+</p:sld>
+</file>
+
+<file path=ppt/slides/slide11.xml><?xml version="1.0" encoding="utf-8"?>
+<p:sld xmlns:a="http://schemas.openxmlformats.org/drawingml/2006/main" xmlns:p="http://schemas.openxmlformats.org/presentationml/2006/main" xmlns:r="http://schemas.openxmlformats.org/officeDocument/2006/relationships">
+  <p:cSld>
+    <p:spTree>
+      <p:nvGrpSpPr>
+        <p:cNvPr id="1" name=""/>
+        <p:cNvGrpSpPr/>
+        <p:nvPr/>
+      </p:nvGrpSpPr>
+      <p:grpSpPr/>
+      <p:sp>
+        <p:nvSpPr>
+          <p:cNvPr id="2" name="Title 1"/>
+          <p:cNvSpPr>
+            <a:spLocks noGrp="1"/>
+          </p:cNvSpPr>
+          <p:nvPr>
+            <p:ph type="title"/>
+          </p:nvPr>
+        </p:nvSpPr>
+        <p:spPr/>
+        <p:txBody>
+          <a:bodyPr/>
+          <a:lstStyle/>
+          <a:p>
+            <a:pPr>
+              <a:defRPr sz="2600"/>
+            </a:pPr>
+            <a:r>
+              <a:t>8.1 User endpoint devices.</a:t>
+            </a:r>
+          </a:p>
+        </p:txBody>
+      </p:sp>
+      <p:sp>
+        <p:nvSpPr>
+          <p:cNvPr id="3" name="Content Placeholder 2"/>
+          <p:cNvSpPr>
+            <a:spLocks noGrp="1"/>
+          </p:cNvSpPr>
+          <p:nvPr>
+            <p:ph idx="1"/>
+          </p:nvPr>
+        </p:nvSpPr>
+        <p:spPr/>
+        <p:txBody>
+          <a:bodyPr/>
+          <a:lstStyle/>
+          <a:p>
+            <a:r>
+              <a:t>1. No evidence of a topic-specific policy on secure configuration and handling of user endpoint devices; more information needed.  </a:t>
+            </a:r>
+          </a:p>
+          <a:p>
+            <a:r>
+              <a:t>   Follow-up: Please provide any existing endpoint device security policy and communication records to personnel.</a:t>
+            </a:r>
+          </a:p>
+          <a:p/>
+          <a:p>
+            <a:r>
+              <a:t>2. No details on controls for endpoint device software updates (e.g., automatic enforcement, configuration management); more information needed.  </a:t>
+            </a:r>
+          </a:p>
+          <a:p>
+            <a:r>
+              <a:t>   Follow-up: Describe how updates are deployed, enforced and monitored on user endpoint devices.</a:t>
+            </a:r>
+          </a:p>
+          <a:p/>
+          <a:p>
+            <a:r>
+              <a:t>3. No mention of encryption of storage on user endpoint devices; more information needed.  </a:t>
+            </a:r>
+          </a:p>
+          <a:p>
+            <a:r>
+              <a:t>   Follow-up: Confirm whether full-disk or file-level encryption is implemented and how it’s managed.</a:t>
+            </a:r>
+          </a:p>
+          <a:p/>
+          <a:p>
+            <a:r>
+              <a:t>4. No evidence of malware protection on endpoint devices; more information needed.  </a:t>
+            </a:r>
+          </a:p>
+          <a:p>
+            <a:r>
+              <a:t>   Follow-up: Provide details on anti-malware solutions in use and their update/monitoring processes.</a:t>
+            </a:r>
+          </a:p>
+          <a:p/>
+          <a:p>
+            <a:r>
+              <a:t>5. No information on registration and inventory of endpoint devices; more information needed.  </a:t>
+            </a:r>
+          </a:p>
+          <a:p>
+            <a:r>
+              <a:t>   Follow-up: Share the device inventory/registration process, tools used and responsible roles.</a:t>
+            </a:r>
+          </a:p>
+          <a:p/>
+          <a:p>
+            <a:r>
+              <a:t>6. No details on remote disabling, deletion or lockout capabilities for endpoint devices; more information needed.  </a:t>
+            </a:r>
+          </a:p>
+          <a:p>
+            <a:r>
+              <a:t>   Follow-up: Confirm if mobile/endpoint management tools support remote wipe/lock and how they’re configured.</a:t>
+            </a:r>
+          </a:p>
+        </p:txBody>
+      </p:sp>
+      <p:sp>
+        <p:nvSpPr>
+          <p:cNvPr id="4" name="Text Placeholder 3"/>
+          <p:cNvSpPr>
+            <a:spLocks noGrp="1"/>
+          </p:cNvSpPr>
+          <p:nvPr>
+            <p:ph type="body" idx="13" sz="quarter"/>
+          </p:nvPr>
+        </p:nvSpPr>
+        <p:spPr/>
+        <p:txBody>
+          <a:bodyPr/>
+          <a:lstStyle/>
+          <a:p>
+            <a:r>
+              <a:t>1. No specific risks - more infortmation needed</a:t>
+            </a:r>
+          </a:p>
+          <a:p/>
+          <a:p>
+            <a:r>
+              <a:t>2. No specific risks - more infortmation needed</a:t>
+            </a:r>
+          </a:p>
+          <a:p/>
+          <a:p>
+            <a:r>
+              <a:t>3. No specific risks - more infortmation needed</a:t>
+            </a:r>
+          </a:p>
+          <a:p/>
+          <a:p>
+            <a:r>
+              <a:t>4. No specific risks - more infortmation needed</a:t>
+            </a:r>
+          </a:p>
+          <a:p/>
+          <a:p>
+            <a:r>
+              <a:t>5. No specific risks - more infortmation needed</a:t>
+            </a:r>
+          </a:p>
+          <a:p/>
+          <a:p>
+            <a:r>
+              <a:t>6. No specific risks - more infortmation needed</a:t>
+            </a:r>
+          </a:p>
+        </p:txBody>
+      </p:sp>
+    </p:spTree>
+  </p:cSld>
+  <p:clrMapOvr>
+    <a:masterClrMapping/>
+  </p:clrMapOvr>
+</p:sld>
+</file>
+
+<file path=ppt/slides/slide12.xml><?xml version="1.0" encoding="utf-8"?>
+<p:sld xmlns:a="http://schemas.openxmlformats.org/drawingml/2006/main" xmlns:p="http://schemas.openxmlformats.org/presentationml/2006/main" xmlns:r="http://schemas.openxmlformats.org/officeDocument/2006/relationships">
+  <p:cSld>
+    <p:spTree>
+      <p:nvGrpSpPr>
+        <p:cNvPr id="1" name=""/>
+        <p:cNvGrpSpPr/>
+        <p:nvPr/>
+      </p:nvGrpSpPr>
+      <p:grpSpPr/>
+      <p:sp>
+        <p:nvSpPr>
+          <p:cNvPr id="2" name="Title 1"/>
+          <p:cNvSpPr>
+            <a:spLocks noGrp="1"/>
+          </p:cNvSpPr>
+          <p:nvPr>
+            <p:ph type="title"/>
+          </p:nvPr>
+        </p:nvSpPr>
+        <p:spPr/>
+        <p:txBody>
+          <a:bodyPr/>
+          <a:lstStyle/>
+          <a:p>
+            <a:pPr>
+              <a:defRPr sz="2600"/>
+            </a:pPr>
+            <a:r>
+              <a:t>8.2 Privileged access rights.</a:t>
+            </a:r>
+          </a:p>
+        </p:txBody>
+      </p:sp>
+      <p:sp>
+        <p:nvSpPr>
+          <p:cNvPr id="3" name="Content Placeholder 2"/>
+          <p:cNvSpPr>
+            <a:spLocks noGrp="1"/>
+          </p:cNvSpPr>
+          <p:nvPr>
+            <p:ph idx="1"/>
+          </p:nvPr>
+        </p:nvSpPr>
+        <p:spPr/>
+        <p:txBody>
+          <a:bodyPr/>
+          <a:lstStyle/>
+          <a:p>
+            <a:r>
+              <a:t>The allocation and use of privileged access rights should be restricted and managed.</a:t>
+            </a:r>
+          </a:p>
+        </p:txBody>
+      </p:sp>
+      <p:sp>
+        <p:nvSpPr>
+          <p:cNvPr id="4" name="Content Placeholder 3"/>
+          <p:cNvSpPr>
+            <a:spLocks noGrp="1"/>
+          </p:cNvSpPr>
+          <p:nvPr>
+            <p:ph idx="13"/>
+          </p:nvPr>
+        </p:nvSpPr>
+        <p:spPr/>
+        <p:txBody>
+          <a:bodyPr/>
+          <a:lstStyle/>
+          <a:p>
+            <a:r>
+              <a:t>The organization employs Active Directory for network access management and maintains privileged credentials in a centralized KeePass tool accessible exclusively to system administrators, ensuring that only authorized personnel hold elevated rights, supported by SOC-led event monitoring, though no formal access reviews are performed. Missing information: policies or procedures for allocating, approving, changing and revoking privileged rights, periodic review schedules and segregation of duties controls.</a:t>
+            </a:r>
+          </a:p>
+        </p:txBody>
+      </p:sp>
+    </p:spTree>
+  </p:cSld>
+  <p:clrMapOvr>
+    <a:masterClrMapping/>
+  </p:clrMapOvr>
+</p:sld>
+</file>
+
+<file path=ppt/slides/slide13.xml><?xml version="1.0" encoding="utf-8"?>
+<p:sld xmlns:a="http://schemas.openxmlformats.org/drawingml/2006/main" xmlns:p="http://schemas.openxmlformats.org/presentationml/2006/main" xmlns:r="http://schemas.openxmlformats.org/officeDocument/2006/relationships">
+  <p:cSld>
+    <p:spTree>
+      <p:nvGrpSpPr>
+        <p:cNvPr id="1" name=""/>
+        <p:cNvGrpSpPr/>
+        <p:nvPr/>
+      </p:nvGrpSpPr>
+      <p:grpSpPr/>
+      <p:sp>
+        <p:nvSpPr>
+          <p:cNvPr id="2" name="Title 1"/>
+          <p:cNvSpPr>
+            <a:spLocks noGrp="1"/>
+          </p:cNvSpPr>
+          <p:nvPr>
+            <p:ph type="title"/>
+          </p:nvPr>
+        </p:nvSpPr>
+        <p:spPr/>
+        <p:txBody>
+          <a:bodyPr/>
+          <a:lstStyle/>
+          <a:p>
+            <a:pPr>
+              <a:defRPr sz="2600"/>
+            </a:pPr>
+            <a:r>
+              <a:t>8.2 Privileged access rights.</a:t>
+            </a:r>
+          </a:p>
+        </p:txBody>
+      </p:sp>
+      <p:sp>
+        <p:nvSpPr>
+          <p:cNvPr id="3" name="Content Placeholder 2"/>
+          <p:cNvSpPr>
+            <a:spLocks noGrp="1"/>
+          </p:cNvSpPr>
+          <p:nvPr>
+            <p:ph idx="1"/>
+          </p:nvPr>
+        </p:nvSpPr>
+        <p:spPr/>
+        <p:txBody>
+          <a:bodyPr/>
+          <a:lstStyle/>
+          <a:p>
+            <a:r>
+              <a:t>1. Observation: Access reviews are not performed.  </a:t>
+            </a:r>
+          </a:p>
+          <a:p>
+            <a:r>
+              <a:t>2. More information needed to conclude if all privileged actions are logged separately for audit purposes.  </a:t>
+            </a:r>
+          </a:p>
+          <a:p>
+            <a:r>
+              <a:t>3. More information needed to conclude if privileged access rights have defined expiration or automatic revocation.  </a:t>
+            </a:r>
+          </a:p>
+          <a:p>
+            <a:r>
+              <a:t>4. More information needed to conclude if temporary (break-glass) privileged access procedures are in place.</a:t>
+            </a:r>
+          </a:p>
+        </p:txBody>
+      </p:sp>
+      <p:sp>
+        <p:nvSpPr>
+          <p:cNvPr id="4" name="Text Placeholder 3"/>
+          <p:cNvSpPr>
+            <a:spLocks noGrp="1"/>
+          </p:cNvSpPr>
+          <p:nvPr>
+            <p:ph type="body" idx="13" sz="quarter"/>
+          </p:nvPr>
+        </p:nvSpPr>
+        <p:spPr/>
+        <p:txBody>
+          <a:bodyPr/>
+          <a:lstStyle/>
+          <a:p>
+            <a:r>
+              <a:t>1. The absence of periodic privileged access reviews allows outdated or excessive rights to persist, increasing the likelihood that unauthorized or former users retain high-level permissions. This can lead to inadvertent or malicious changes, data exposure, and system compromise, as excessive privileges remain undetected and unmanaged.</a:t>
+            </a:r>
+          </a:p>
+          <a:p/>
+          <a:p>
+            <a:r>
+              <a:t>2. No specific risks - more infortmation needed</a:t>
+            </a:r>
+          </a:p>
+          <a:p/>
+          <a:p>
+            <a:r>
+              <a:t>3. No specific risks - more infortmation needed</a:t>
+            </a:r>
+          </a:p>
+          <a:p/>
+          <a:p>
+            <a:r>
+              <a:t>4. No specific risks - more infortmation needed</a:t>
+            </a:r>
+          </a:p>
+        </p:txBody>
+      </p:sp>
+    </p:spTree>
+  </p:cSld>
+  <p:clrMapOvr>
+    <a:masterClrMapping/>
+  </p:clrMapOvr>
+</p:sld>
+</file>
+
+<file path=ppt/slides/slide14.xml><?xml version="1.0" encoding="utf-8"?>
+<p:sld xmlns:a="http://schemas.openxmlformats.org/drawingml/2006/main" xmlns:p="http://schemas.openxmlformats.org/presentationml/2006/main" xmlns:r="http://schemas.openxmlformats.org/officeDocument/2006/relationships">
+  <p:cSld>
+    <p:spTree>
+      <p:nvGrpSpPr>
+        <p:cNvPr id="1" name=""/>
+        <p:cNvGrpSpPr/>
+        <p:nvPr/>
+      </p:nvGrpSpPr>
+      <p:grpSpPr/>
+      <p:sp>
+        <p:nvSpPr>
+          <p:cNvPr id="2" name="Title 1"/>
+          <p:cNvSpPr>
+            <a:spLocks noGrp="1"/>
+          </p:cNvSpPr>
+          <p:nvPr>
+            <p:ph type="title"/>
+          </p:nvPr>
+        </p:nvSpPr>
+        <p:spPr/>
+        <p:txBody>
+          <a:bodyPr/>
+          <a:lstStyle/>
+          <a:p>
+            <a:pPr>
+              <a:defRPr sz="2600"/>
+            </a:pPr>
+            <a:r>
+              <a:t>8.3 Information access restriction.</a:t>
+            </a:r>
+          </a:p>
+        </p:txBody>
+      </p:sp>
+      <p:sp>
+        <p:nvSpPr>
+          <p:cNvPr id="3" name="Content Placeholder 2"/>
+          <p:cNvSpPr>
+            <a:spLocks noGrp="1"/>
+          </p:cNvSpPr>
+          <p:nvPr>
+            <p:ph idx="1"/>
+          </p:nvPr>
+        </p:nvSpPr>
+        <p:spPr/>
+        <p:txBody>
+          <a:bodyPr/>
+          <a:lstStyle/>
+          <a:p>
+            <a:r>
+              <a:t>Access to information and other associated assets should be restricted in accordance with the established topic-specific policy on access control.</a:t>
+            </a:r>
+          </a:p>
+        </p:txBody>
+      </p:sp>
+      <p:sp>
+        <p:nvSpPr>
+          <p:cNvPr id="4" name="Content Placeholder 3"/>
+          <p:cNvSpPr>
+            <a:spLocks noGrp="1"/>
+          </p:cNvSpPr>
+          <p:nvPr>
+            <p:ph idx="13"/>
+          </p:nvPr>
+        </p:nvSpPr>
+        <p:spPr/>
+        <p:txBody>
+          <a:bodyPr/>
+          <a:lstStyle/>
+          <a:p>
+            <a:r>
+              <a:t>Information access restrictions are enforced through centralized management of user accounts in Active Directory for general users and the use of a KeePass vault for privileged credentials, which ensures only system administrators can access elevated accounts, while individual named AD accounts are issued per user and event monitoring is conducted by the SOC team to oversee access activities. Missing information: there is no reference to an established topic-specific access control policy, periodic access reviews are not performed and details on restricting access to information assets beyond account provisioning are not provided.</a:t>
+            </a:r>
+          </a:p>
+        </p:txBody>
+      </p:sp>
+    </p:spTree>
+  </p:cSld>
+  <p:clrMapOvr>
+    <a:masterClrMapping/>
+  </p:clrMapOvr>
+</p:sld>
+</file>
+
+<file path=ppt/slides/slide15.xml><?xml version="1.0" encoding="utf-8"?>
+<p:sld xmlns:a="http://schemas.openxmlformats.org/drawingml/2006/main" xmlns:p="http://schemas.openxmlformats.org/presentationml/2006/main" xmlns:r="http://schemas.openxmlformats.org/officeDocument/2006/relationships">
+  <p:cSld>
+    <p:spTree>
+      <p:nvGrpSpPr>
+        <p:cNvPr id="1" name=""/>
+        <p:cNvGrpSpPr/>
+        <p:nvPr/>
+      </p:nvGrpSpPr>
+      <p:grpSpPr/>
+      <p:sp>
+        <p:nvSpPr>
+          <p:cNvPr id="2" name="Title 1"/>
+          <p:cNvSpPr>
+            <a:spLocks noGrp="1"/>
+          </p:cNvSpPr>
+          <p:nvPr>
+            <p:ph type="title"/>
+          </p:nvPr>
+        </p:nvSpPr>
+        <p:spPr/>
+        <p:txBody>
+          <a:bodyPr/>
+          <a:lstStyle/>
+          <a:p>
+            <a:pPr>
+              <a:defRPr sz="2600"/>
+            </a:pPr>
+            <a:r>
+              <a:t>8.3 Information access restriction.</a:t>
+            </a:r>
+          </a:p>
+        </p:txBody>
+      </p:sp>
+      <p:sp>
+        <p:nvSpPr>
+          <p:cNvPr id="3" name="Content Placeholder 2"/>
+          <p:cNvSpPr>
+            <a:spLocks noGrp="1"/>
+          </p:cNvSpPr>
+          <p:nvPr>
+            <p:ph idx="1"/>
+          </p:nvPr>
+        </p:nvSpPr>
+        <p:spPr/>
+        <p:txBody>
+          <a:bodyPr/>
+          <a:lstStyle/>
+          <a:p>
+            <a:r>
+              <a:t>1. Observation: Access reviews are not performed. Without periodic reviews of Active Directory accounts and group memberships, it cannot be confirmed that access remains aligned with the topic-specific access control policy.  </a:t>
+            </a:r>
+          </a:p>
+          <a:p>
+            <a:r>
+              <a:t>2. More information needed to conclude: Notes don’t describe how AD permissions, group memberships or KeePass credential access align with the established access control policy, nor evidence of configuration mechanisms enforcing read/write/delete/execute restrictions. Please provide the access control policy, evidence of AD permission settings, group-membership matrices, and any dynamic access controls in use.</a:t>
+            </a:r>
+          </a:p>
+        </p:txBody>
+      </p:sp>
+      <p:sp>
+        <p:nvSpPr>
+          <p:cNvPr id="4" name="Text Placeholder 3"/>
+          <p:cNvSpPr>
+            <a:spLocks noGrp="1"/>
+          </p:cNvSpPr>
+          <p:nvPr>
+            <p:ph type="body" idx="13" sz="quarter"/>
+          </p:nvPr>
+        </p:nvSpPr>
+        <p:spPr/>
+        <p:txBody>
+          <a:bodyPr/>
+          <a:lstStyle/>
+          <a:p>
+            <a:r>
+              <a:t>1. Because periodic reviews of Active Directory accounts and group memberships are not performed, inappropriate or outdated access rights may persist unchecked. This increases the likelihood that former employees or internal users retain privileges beyond their current roles, heightening the risk of unauthorized access to sensitive information, data breaches, regulatory non-compliance, financial loss, and reputational damage.</a:t>
+            </a:r>
+          </a:p>
+          <a:p/>
+          <a:p>
+            <a:r>
+              <a:t>2. No specific risks - more infortmation needed</a:t>
+            </a:r>
+          </a:p>
+        </p:txBody>
+      </p:sp>
+    </p:spTree>
+  </p:cSld>
+  <p:clrMapOvr>
+    <a:masterClrMapping/>
+  </p:clrMapOvr>
+</p:sld>
+</file>
+
+<file path=ppt/slides/slide16.xml><?xml version="1.0" encoding="utf-8"?>
+<p:sld xmlns:a="http://schemas.openxmlformats.org/drawingml/2006/main" xmlns:p="http://schemas.openxmlformats.org/presentationml/2006/main" xmlns:r="http://schemas.openxmlformats.org/officeDocument/2006/relationships">
+  <p:cSld>
+    <p:spTree>
+      <p:nvGrpSpPr>
+        <p:cNvPr id="1" name=""/>
+        <p:cNvGrpSpPr/>
+        <p:nvPr/>
+      </p:nvGrpSpPr>
+      <p:grpSpPr/>
+      <p:sp>
+        <p:nvSpPr>
+          <p:cNvPr id="2" name="Title 1"/>
+          <p:cNvSpPr>
+            <a:spLocks noGrp="1"/>
+          </p:cNvSpPr>
+          <p:nvPr>
+            <p:ph type="title"/>
+          </p:nvPr>
+        </p:nvSpPr>
+        <p:spPr/>
+        <p:txBody>
+          <a:bodyPr/>
+          <a:lstStyle/>
+          <a:p>
+            <a:pPr>
+              <a:defRPr sz="2600"/>
+            </a:pPr>
+            <a:r>
+              <a:t>8.4 Access to source code.</a:t>
+            </a:r>
+          </a:p>
+        </p:txBody>
+      </p:sp>
+      <p:sp>
+        <p:nvSpPr>
+          <p:cNvPr id="3" name="Content Placeholder 2"/>
+          <p:cNvSpPr>
+            <a:spLocks noGrp="1"/>
+          </p:cNvSpPr>
+          <p:nvPr>
+            <p:ph idx="1"/>
+          </p:nvPr>
+        </p:nvSpPr>
+        <p:spPr/>
+        <p:txBody>
+          <a:bodyPr/>
+          <a:lstStyle/>
+          <a:p>
+            <a:r>
+              <a:t>Read and write access to source code, development tools and software libraries should be appropriately managed.</a:t>
+            </a:r>
+          </a:p>
+        </p:txBody>
+      </p:sp>
+      <p:sp>
+        <p:nvSpPr>
+          <p:cNvPr id="4" name="Content Placeholder 3"/>
+          <p:cNvSpPr>
+            <a:spLocks noGrp="1"/>
+          </p:cNvSpPr>
+          <p:nvPr>
+            <p:ph idx="13"/>
+          </p:nvPr>
+        </p:nvSpPr>
+        <p:spPr/>
+        <p:txBody>
+          <a:bodyPr/>
+          <a:lstStyle/>
+          <a:p>
+            <a:r>
+              <a:t>The organization relies on Active Directory for issuance of user accounts, with privileged credentials stored in KeePass accessible only to system administrators, and general accounts uniquely named per user, although no regular access reviews are performed; SBOM maintenance by the product development team supports visibility into software components. Missing information: controls for managing read and write access to source code repositories; governance of development tool access; management of software library access and version control processes.</a:t>
+            </a:r>
+          </a:p>
+        </p:txBody>
+      </p:sp>
+    </p:spTree>
+  </p:cSld>
+  <p:clrMapOvr>
+    <a:masterClrMapping/>
+  </p:clrMapOvr>
+</p:sld>
+</file>
+
+<file path=ppt/slides/slide17.xml><?xml version="1.0" encoding="utf-8"?>
+<p:sld xmlns:a="http://schemas.openxmlformats.org/drawingml/2006/main" xmlns:p="http://schemas.openxmlformats.org/presentationml/2006/main" xmlns:r="http://schemas.openxmlformats.org/officeDocument/2006/relationships">
+  <p:cSld>
+    <p:spTree>
+      <p:nvGrpSpPr>
+        <p:cNvPr id="1" name=""/>
+        <p:cNvGrpSpPr/>
+        <p:nvPr/>
+      </p:nvGrpSpPr>
+      <p:grpSpPr/>
+      <p:sp>
+        <p:nvSpPr>
+          <p:cNvPr id="2" name="Title 1"/>
+          <p:cNvSpPr>
+            <a:spLocks noGrp="1"/>
+          </p:cNvSpPr>
+          <p:nvPr>
+            <p:ph type="title"/>
+          </p:nvPr>
+        </p:nvSpPr>
+        <p:spPr/>
+        <p:txBody>
+          <a:bodyPr/>
+          <a:lstStyle/>
+          <a:p>
+            <a:pPr>
+              <a:defRPr sz="2600"/>
+            </a:pPr>
+            <a:r>
+              <a:t>8.4 Access to source code.</a:t>
+            </a:r>
+          </a:p>
+        </p:txBody>
+      </p:sp>
+      <p:sp>
+        <p:nvSpPr>
+          <p:cNvPr id="3" name="Content Placeholder 2"/>
+          <p:cNvSpPr>
+            <a:spLocks noGrp="1"/>
+          </p:cNvSpPr>
+          <p:nvPr>
+            <p:ph idx="1"/>
+          </p:nvPr>
+        </p:nvSpPr>
+        <p:spPr/>
+        <p:txBody>
+          <a:bodyPr/>
+          <a:lstStyle/>
+          <a:p>
+            <a:r>
+              <a:t>1. More information needed to conclude whether read and write access to source code, development tools and software libraries are appropriately managed and logged.  </a:t>
+            </a:r>
+          </a:p>
+          <a:p>
+            <a:r>
+              <a:t>   Follow-up questions:  </a:t>
+            </a:r>
+          </a:p>
+          <a:p>
+            <a:r>
+              <a:t>   • Which system or repository is used to store and control source code?  </a:t>
+            </a:r>
+          </a:p>
+          <a:p>
+            <a:r>
+              <a:t>   • How are read and write permissions granted, reviewed and revoked?  </a:t>
+            </a:r>
+          </a:p>
+          <a:p>
+            <a:r>
+              <a:t>   • Are access activities and changes to source code logged and audited?  </a:t>
+            </a:r>
+          </a:p>
+          <a:p>
+            <a:r>
+              <a:t>   • Are change-control procedures and authorizations applied before code updates?</a:t>
+            </a:r>
+          </a:p>
+        </p:txBody>
+      </p:sp>
+      <p:sp>
+        <p:nvSpPr>
+          <p:cNvPr id="4" name="Text Placeholder 3"/>
+          <p:cNvSpPr>
+            <a:spLocks noGrp="1"/>
+          </p:cNvSpPr>
+          <p:nvPr>
+            <p:ph type="body" idx="13" sz="quarter"/>
+          </p:nvPr>
+        </p:nvSpPr>
+        <p:spPr/>
+        <p:txBody>
+          <a:bodyPr/>
+          <a:lstStyle/>
+          <a:p>
+            <a:r>
+              <a:t>No specific risks - more infortmation needed</a:t>
+            </a:r>
+          </a:p>
+        </p:txBody>
+      </p:sp>
+    </p:spTree>
+  </p:cSld>
+  <p:clrMapOvr>
+    <a:masterClrMapping/>
+  </p:clrMapOvr>
+</p:sld>
+</file>
+
+<file path=ppt/slides/slide18.xml><?xml version="1.0" encoding="utf-8"?>
+<p:sld xmlns:a="http://schemas.openxmlformats.org/drawingml/2006/main" xmlns:p="http://schemas.openxmlformats.org/presentationml/2006/main" xmlns:r="http://schemas.openxmlformats.org/officeDocument/2006/relationships">
+  <p:cSld>
+    <p:spTree>
+      <p:nvGrpSpPr>
+        <p:cNvPr id="1" name=""/>
+        <p:cNvGrpSpPr/>
+        <p:nvPr/>
+      </p:nvGrpSpPr>
+      <p:grpSpPr/>
+      <p:sp>
+        <p:nvSpPr>
+          <p:cNvPr id="2" name="Title 1"/>
+          <p:cNvSpPr>
+            <a:spLocks noGrp="1"/>
+          </p:cNvSpPr>
+          <p:nvPr>
+            <p:ph type="title"/>
+          </p:nvPr>
+        </p:nvSpPr>
+        <p:spPr/>
+        <p:txBody>
+          <a:bodyPr/>
+          <a:lstStyle/>
+          <a:p>
+            <a:pPr>
+              <a:defRPr sz="2600"/>
+            </a:pPr>
+            <a:r>
+              <a:t>8.5 Secure authentication.</a:t>
+            </a:r>
+          </a:p>
+        </p:txBody>
+      </p:sp>
+      <p:sp>
+        <p:nvSpPr>
+          <p:cNvPr id="3" name="Content Placeholder 2"/>
+          <p:cNvSpPr>
+            <a:spLocks noGrp="1"/>
+          </p:cNvSpPr>
+          <p:nvPr>
+            <p:ph idx="1"/>
+          </p:nvPr>
+        </p:nvSpPr>
+        <p:spPr/>
+        <p:txBody>
+          <a:bodyPr/>
+          <a:lstStyle/>
+          <a:p>
+            <a:r>
+              <a:t>Secure authentication technologies and procedures should be implemented based on information access restrictions and the topic-specific policy on access control.</a:t>
+            </a:r>
+          </a:p>
+        </p:txBody>
+      </p:sp>
+      <p:sp>
+        <p:nvSpPr>
+          <p:cNvPr id="4" name="Content Placeholder 3"/>
+          <p:cNvSpPr>
+            <a:spLocks noGrp="1"/>
+          </p:cNvSpPr>
+          <p:nvPr>
+            <p:ph idx="13"/>
+          </p:nvPr>
+        </p:nvSpPr>
+        <p:spPr/>
+        <p:txBody>
+          <a:bodyPr/>
+          <a:lstStyle/>
+          <a:p>
+            <a:r>
+              <a:t>Active Directory is used to provision named general user accounts for network access, while credentials for privileged accounts are stored centrally in a KeePass tool accessible only to system administrators. The IT infrastructure is managed at group level and operational technology locally, with incident response split between group and local functions. Event monitoring is handled by the SOC team, and vulnerability management including scanning, rating and remediation follows defined timelines. Missing information: details on authentication mechanisms such as multi-factor authentication, password complexity and rotation policies, secure authentication procedure documentation, alignment with access-control policy and periodic credential reviews.</a:t>
+            </a:r>
+          </a:p>
+        </p:txBody>
+      </p:sp>
+    </p:spTree>
+  </p:cSld>
+  <p:clrMapOvr>
+    <a:masterClrMapping/>
+  </p:clrMapOvr>
+</p:sld>
+</file>
+
+<file path=ppt/slides/slide19.xml><?xml version="1.0" encoding="utf-8"?>
+<p:sld xmlns:a="http://schemas.openxmlformats.org/drawingml/2006/main" xmlns:p="http://schemas.openxmlformats.org/presentationml/2006/main" xmlns:r="http://schemas.openxmlformats.org/officeDocument/2006/relationships">
+  <p:cSld>
+    <p:spTree>
+      <p:nvGrpSpPr>
+        <p:cNvPr id="1" name=""/>
+        <p:cNvGrpSpPr/>
+        <p:nvPr/>
+      </p:nvGrpSpPr>
+      <p:grpSpPr/>
+      <p:sp>
+        <p:nvSpPr>
+          <p:cNvPr id="2" name="Title 1"/>
+          <p:cNvSpPr>
+            <a:spLocks noGrp="1"/>
+          </p:cNvSpPr>
+          <p:nvPr>
+            <p:ph type="title"/>
+          </p:nvPr>
+        </p:nvSpPr>
+        <p:spPr/>
+        <p:txBody>
+          <a:bodyPr/>
+          <a:lstStyle/>
+          <a:p>
+            <a:pPr>
+              <a:defRPr sz="2600"/>
+            </a:pPr>
+            <a:r>
+              <a:t>8.5 Secure authentication.</a:t>
+            </a:r>
+          </a:p>
+        </p:txBody>
+      </p:sp>
+      <p:sp>
+        <p:nvSpPr>
+          <p:cNvPr id="3" name="Content Placeholder 2"/>
+          <p:cNvSpPr>
+            <a:spLocks noGrp="1"/>
+          </p:cNvSpPr>
+          <p:nvPr>
+            <p:ph idx="1"/>
+          </p:nvPr>
+        </p:nvSpPr>
+        <p:spPr/>
+        <p:txBody>
+          <a:bodyPr/>
+          <a:lstStyle/>
+          <a:p>
+            <a:r>
+              <a:t>1. More information needed to conclude whether secure authentication technologies and procedures (e.g. multi-factor authentication, account lockout after failed attempts, protection against brute-force, secure transmission of credentials, log-on notices) have been implemented as required by 8.5.  </a:t>
+            </a:r>
+          </a:p>
+          <a:p>
+            <a:r>
+              <a:t>   Follow-up questions:  </a:t>
+            </a:r>
+          </a:p>
+          <a:p>
+            <a:r>
+              <a:t>   • Is multi-factor authentication enforced for general and privileged accounts?  </a:t>
+            </a:r>
+          </a:p>
+          <a:p>
+            <a:r>
+              <a:t>   • What mechanisms protect against brute-force login attempts (lockouts, CAPTCHA, alerts)?  </a:t>
+            </a:r>
+          </a:p>
+          <a:p>
+            <a:r>
+              <a:t>   • How is authentication information transmitted and logged (encryption, log-on notices, previous login details)?</a:t>
+            </a:r>
+          </a:p>
+        </p:txBody>
+      </p:sp>
+      <p:sp>
+        <p:nvSpPr>
+          <p:cNvPr id="4" name="Text Placeholder 3"/>
+          <p:cNvSpPr>
+            <a:spLocks noGrp="1"/>
+          </p:cNvSpPr>
+          <p:nvPr>
+            <p:ph type="body" idx="13" sz="quarter"/>
+          </p:nvPr>
+        </p:nvSpPr>
+        <p:spPr/>
+        <p:txBody>
+          <a:bodyPr/>
+          <a:lstStyle/>
+          <a:p>
+            <a:r>
+              <a:t>No specific risks – more information needed</a:t>
             </a:r>
           </a:p>
         </p:txBody>
@@ -2266,7 +3299,7 @@
               <a:defRPr sz="2600"/>
             </a:pPr>
             <a:r>
-              <a:t>1.1 POLICY ON THE SECURITY OF NETWORK AND INFORMATION SYSTEMS</a:t>
+              <a:t>5.15 Access control.</a:t>
             </a:r>
           </a:p>
         </p:txBody>
@@ -2287,7 +3320,7 @@
           <a:lstStyle/>
           <a:p>
             <a:r>
-              <a:t>1.1.1. For the purpose of Article 21(2), point (a) of Directive (EU) 2022/2555, the policy on the security of network and information systems shall: (a) set out the relevant entities’ approach to managing the security of their network and information systems; (b) be appropriate to and complementary with the relevant entities’ business strategy and objectives; (c) set out network and information security objectives; (d) include a commitment to continual improvement of the security of network and information systems; (e) include a commitment to provide the appropriate resources needed for its implementation, including the necessary staff, financial resources, processes, tools and technologies; (f) be communicated to and acknowledged by relevant employees and relevant interested external parties; (g) lay down roles and responsibilities pursuant to point 1.2; (h) list the documentation to be kept and the duration of retention of the documentation; (i) list the topic-specific policies; (j) lay down indicators and measures to monitor its implementation and the current status of relevant entities’ maturity level of network and information security; (k) indicate the date of the formal approval by the management bodies of the relevant entities (the ‘management bodies’). 1.1.2. The network and information system security policy shall be reviewed and, where appropriate, updated by management bodies at least annually and when significant incidents or significant changes to operations or risks occur. The result of the reviews shall be documented. </a:t>
+              <a:t>Rules to control physical and logical access to information and other associated assets should be established and implemented based on business and information security requirements.</a:t>
             </a:r>
           </a:p>
         </p:txBody>
@@ -2308,12 +3341,7 @@
           <a:lstStyle/>
           <a:p>
             <a:r>
-              <a:t>Head office oversees cybersecurity governance with representatives at all sites. A centralized risk management team conducts risk assessments while local teams implement mitigation measures and manage OT infrastructure, complemented by group-managed IT infrastructure. Incident response roles are divided between group and local functions. Data backups are centrally managed with defined schedules but lack immutability. Access control is enforced via Active Directory for general users and KeePass for privileged accounts, though no access reviews are performed. The SOC team implements event monitoring. Vulnerability management is conducted by the IT security team in Basel using Tenable Nessus scans bi-weekly, CVSS-based classification, ServiceNow reporting, and remediation timelines of 5 days for severe, 10 days for medium, and 30 days for low risks. Monthly vulnerability reports are produced, patches distributed via internet-connected product updates, and selective penetration testing is performed. An SBOM is maintained by development, with public disclosure on the company website and direct notifications for severe vulnerabilities.  </a:t>
-            </a:r>
-          </a:p>
-          <a:p>
-            <a:r>
-              <a:t>Missing information: policy alignment with business strategy, security objectives, continual improvement commitment, resource provision commitment, communication and acknowledgement processes, documentation retention durations, topic-specific policies, implementation indicators and maturity measures, formal approval date, policy review frequency and documentation.</a:t>
+              <a:t>Active Directory is used to manage general logical access with uniquely named accounts issued to each user, while credentials for privileged accounts are securely stored in the Keepass tool and accessible only to system administrators. Event monitoring is implemented and managed by the SOC team to detect and respond to access-related activities. Access provisioning follows a centralized governance model under head-office cybersecurity oversight, with local teams handling operational controls. However, no formal access review process has been performed. Missing information: defined rules for physical and logical access control based on business and information security requirements, documented procedures for access reviews and physical access measures.</a:t>
             </a:r>
           </a:p>
         </p:txBody>
@@ -2355,7 +3383,7 @@
               <a:defRPr sz="2600"/>
             </a:pPr>
             <a:r>
-              <a:t>1.1 POLICY ON THE SECURITY OF NETWORK AND INFORMATION SYSTEMS</a:t>
+              <a:t>5.15 Access control.</a:t>
             </a:r>
           </a:p>
         </p:txBody>
@@ -2376,50 +3404,39 @@
           <a:lstStyle/>
           <a:p>
             <a:r>
-              <a:t>1. Finding: Insufficient evidence of a formal network and information systems security policy and its mandated elements (approach, objectives, continual improvement, resource commitments, communication, roles and responsibilities, documentation retention, topic-specific policies, indicators, management approval date).  </a:t>
-            </a:r>
-          </a:p>
-          <a:p>
-            <a:r>
-              <a:t>   More information needed to conclude: please provide the policy document or confirmation that it addresses each sub-point of Requirement 1.1.1.</a:t>
+              <a:t>1. Observation: Access rights reviews are not performed. The absence of any periodic review of Active Directory or privileged account entitlements indicates non-compliance with the requirement for managing and reviewing access rights (see 5.15, 5.18).  </a:t>
+            </a:r>
+          </a:p>
+          <a:p>
+            <a:r>
+              <a:t>2. More information needed to conclude. Please provide the documented access control policy (scope, roles, approval workflows, segregation of duties) and evidence of its communication to relevant stakeholders.</a:t>
+            </a:r>
+          </a:p>
+        </p:txBody>
+      </p:sp>
+      <p:sp>
+        <p:nvSpPr>
+          <p:cNvPr id="4" name="Text Placeholder 3"/>
+          <p:cNvSpPr>
+            <a:spLocks noGrp="1"/>
+          </p:cNvSpPr>
+          <p:nvPr>
+            <p:ph type="body" idx="13" sz="quarter"/>
+          </p:nvPr>
+        </p:nvSpPr>
+        <p:spPr/>
+        <p:txBody>
+          <a:bodyPr/>
+          <a:lstStyle/>
+          <a:p>
+            <a:r>
+              <a:t>1. Risk Statement: Without periodic reviews of Active Directory and privileged account entitlements, outdated or excessive permissions may persist, enabling unauthorized or inappropriate access. This could lead to data exfiltration, unauthorized modifications, or system disruptions, undermining the confidentiality, integrity, and availability of critical information assets. By failing to align access rights with current business needs and security requirements, the organization increases its exposure to insider threats and external attacks, potentially resulting in regulatory non-compliance, reputational damage, and financial loss.</a:t>
             </a:r>
           </a:p>
           <a:p/>
           <a:p>
             <a:r>
-              <a:t>2. Finding: No evidence that the security policy is reviewed at least annually or after significant incidents/changes, nor that review results are documented.  </a:t>
-            </a:r>
-          </a:p>
-          <a:p>
-            <a:r>
-              <a:t>   More information needed to conclude: please supply records of policy reviews, dates of reviews/updates, and related documentation per Requirement 1.1.2.</a:t>
-            </a:r>
-          </a:p>
-        </p:txBody>
-      </p:sp>
-      <p:sp>
-        <p:nvSpPr>
-          <p:cNvPr id="4" name="Text Placeholder 3"/>
-          <p:cNvSpPr>
-            <a:spLocks noGrp="1"/>
-          </p:cNvSpPr>
-          <p:nvPr>
-            <p:ph type="body" idx="13" sz="quarter"/>
-          </p:nvPr>
-        </p:nvSpPr>
-        <p:spPr/>
-        <p:txBody>
-          <a:bodyPr/>
-          <a:lstStyle/>
-          <a:p>
-            <a:r>
-              <a:t>1. No specific risks - more infortmation needed</a:t>
-            </a:r>
-          </a:p>
-          <a:p/>
-          <a:p>
-            <a:r>
-              <a:t>2. No specific risks - more infortmation needed</a:t>
+              <a:t>2. No specific risks - more information needed</a:t>
             </a:r>
           </a:p>
         </p:txBody>
@@ -2461,7 +3478,7 @@
               <a:defRPr sz="2600"/>
             </a:pPr>
             <a:r>
-              <a:t>1.2 ROLES, RESPONSIBILITIES AND AUTHORITIES</a:t>
+              <a:t>5.16 Identity management.</a:t>
             </a:r>
           </a:p>
         </p:txBody>
@@ -2482,7 +3499,7 @@
           <a:lstStyle/>
           <a:p>
             <a:r>
-              <a:t>1.2.1. As part of their policy on the security of network and information systems referred to in point 1.1, the relevant entities shall lay down responsibilities and authorities for network and information system security and assign them to roles, allocate them according to the relevant entities’ needs and communicate them to the management bodies. 1.2.2. The relevant entities shall require all personnel and third parties to apply network and information system security in accordance with the established network and information security policy, topic-specific policies and procedures of the relevant entities. 1.2.3. At least one person shall report directly to the management bodies on matters of network and information system security. 1.2.4. Depending on the size of the relevant entities, network and information system security shall be covered by dedicated roles or duties carried out in addition to existing roles. 1.2.5. Conflicting duties and conflicting areas of responsibility shall be segregated, where applicable. 1.2.6. Roles, responsibilities and authorities shall be reviewed and, where appropriate, updated by management bodies at planned intervals and when significant incidents or significant changes to operations or risks occur. </a:t>
+              <a:t>The full life cycle of identities should be managed.</a:t>
             </a:r>
           </a:p>
         </p:txBody>
@@ -2503,7 +3520,7 @@
           <a:lstStyle/>
           <a:p>
             <a:r>
-              <a:t>The organization’s cybersecurity governance is centralized under the head office, which maintains representatives at all sites and assigns risk assessment to a group-level team while delegating local teams to implement mitigation measures and manage operational technology; incident response responsibilities are split between group and local functions, IT infrastructure is managed centrally and OT locally, access control roles are defined via Active Directory with privileged credentials stored in KeePass for system administrators and individual accounts for general users, and event monitoring is conducted by a SOC team. Missing information: whether all personnel and third parties are required to apply the established security policies, whether a designated individual reports directly to the management bodies on security matters, whether segregation of conflicting duties is enforced, and whether roles, responsibilities and authorities are reviewed at planned intervals or after significant incidents or changes.</a:t>
+              <a:t>General network access is managed through an Active Directory in which unique non-privileged accounts are created for each user, while credentials for privileged accounts are securely stored in a KeePass repository accessible only to system administrators; however, periodic access reviews are not conducted. Missing information: there are no details on identity provisioning and deprovisioning processes, authentication methods, lifecycle transition controls such as role changes or revocations, onboarding and offboarding procedures, or enforcement of full identity life-cycle management policies.</a:t>
             </a:r>
           </a:p>
         </p:txBody>
@@ -2545,7 +3562,7 @@
               <a:defRPr sz="2600"/>
             </a:pPr>
             <a:r>
-              <a:t>1.2 ROLES, RESPONSIBILITIES AND AUTHORITIES</a:t>
+              <a:t>5.16 Identity management.</a:t>
             </a:r>
           </a:p>
         </p:txBody>
@@ -2566,67 +3583,455 @@
           <a:lstStyle/>
           <a:p>
             <a:r>
-              <a:t>1.2.1 More information needed to conclude whether responsibilities and authorities for network and information system security are formally documented in a policy and communicated to the management bodies.  </a:t>
-            </a:r>
-          </a:p>
-          <a:p>
-            <a:r>
-              <a:t>Follow-up question: Please provide the security policy or charter defining these roles and evidence of its communication to the management bodies.</a:t>
+              <a:t>1. Observation: Credentials for privileged accounts are stored centrally in a KeePass tool and are accessible by multiple system administrators, indicating shared privileged identities without mention of dedicated approval or documentation.  </a:t>
+            </a:r>
+          </a:p>
+          <a:p>
+            <a:r>
+              <a:t>2. Observation: Access reviews are not performed, so there is no periodic validation of user identities or assignment of access rights.  </a:t>
+            </a:r>
+          </a:p>
+          <a:p>
+            <a:r>
+              <a:t>3. More information needed to conclude on the timely disabling or removal of identities no longer required. Follow-up: What processes exist for deprovisioning accounts when users leave or change roles?  </a:t>
+            </a:r>
+          </a:p>
+          <a:p>
+            <a:r>
+              <a:t>4. More information needed to conclude on records of identity lifecycle events. Follow-up: Are creation, modification, disabling and deletion of identities logged and reviewed?</a:t>
+            </a:r>
+          </a:p>
+        </p:txBody>
+      </p:sp>
+      <p:sp>
+        <p:nvSpPr>
+          <p:cNvPr id="4" name="Text Placeholder 3"/>
+          <p:cNvSpPr>
+            <a:spLocks noGrp="1"/>
+          </p:cNvSpPr>
+          <p:nvPr>
+            <p:ph type="body" idx="13" sz="quarter"/>
+          </p:nvPr>
+        </p:nvSpPr>
+        <p:spPr/>
+        <p:txBody>
+          <a:bodyPr/>
+          <a:lstStyle/>
+          <a:p>
+            <a:r>
+              <a:t>1. If privileged account credentials are stored in a shared KeePass repository and accessible by multiple administrators without documented approval, then unauthorized or inappropriate use of these credentials may occur, leading to untraceable administrative actions, increased risk of configuration errors or malicious changes, and potential data breaches. This lack of individual accountability undermines the principle of least privilege and may result in non-compliance with identity management policies and difficulty in forensic investigations.</a:t>
             </a:r>
           </a:p>
           <a:p/>
           <a:p>
             <a:r>
-              <a:t>1.2.2 More information needed to conclude if all personnel and third parties are required to apply network and information system security in accordance with established policies and procedures.  </a:t>
-            </a:r>
-          </a:p>
-          <a:p>
-            <a:r>
-              <a:t>Follow-up question: Can you share the policy clauses or agreements mandating security compliance for staff and third parties and proof of enforcement?</a:t>
+              <a:t>2. If access reviews are not performed periodically to validate user identities and entitlements, then outdated or unnecessary privileges may accumulate, leading to excessive or inappropriate access rights. This increases the risk of unauthorized data exposure, insider misuse, or privilege creep. Without regular review, misalignments between actual user needs and assigned rights remain undetected, undermining the organization's security posture and potentially causing regulatory non-compliance and operational disruptions.</a:t>
             </a:r>
           </a:p>
           <a:p/>
           <a:p>
             <a:r>
-              <a:t>1.2.3 More information needed to conclude whether at least one person reports directly to the management bodies on matters of network and information system security.  </a:t>
-            </a:r>
-          </a:p>
-          <a:p>
-            <a:r>
-              <a:t>Follow-up question: Identify the role(s) and reporting lines to the management bodies for cybersecurity.</a:t>
+              <a:t>3. No specific risks - more infortmation needed</a:t>
             </a:r>
           </a:p>
           <a:p/>
           <a:p>
             <a:r>
-              <a:t>1.2.4 More information needed to conclude whether dedicated roles or duties for network and information system security exist according to the entity’s size.  </a:t>
-            </a:r>
-          </a:p>
-          <a:p>
-            <a:r>
-              <a:t>Follow-up question: Provide organization charts or role descriptions showing dedicated or additional security responsibilities.</a:t>
+              <a:t>4. No specific risks - more infortmation needed</a:t>
+            </a:r>
+          </a:p>
+        </p:txBody>
+      </p:sp>
+    </p:spTree>
+  </p:cSld>
+  <p:clrMapOvr>
+    <a:masterClrMapping/>
+  </p:clrMapOvr>
+</p:sld>
+</file>
+
+<file path=ppt/slides/slide6.xml><?xml version="1.0" encoding="utf-8"?>
+<p:sld xmlns:a="http://schemas.openxmlformats.org/drawingml/2006/main" xmlns:p="http://schemas.openxmlformats.org/presentationml/2006/main" xmlns:r="http://schemas.openxmlformats.org/officeDocument/2006/relationships">
+  <p:cSld>
+    <p:spTree>
+      <p:nvGrpSpPr>
+        <p:cNvPr id="1" name=""/>
+        <p:cNvGrpSpPr/>
+        <p:nvPr/>
+      </p:nvGrpSpPr>
+      <p:grpSpPr/>
+      <p:sp>
+        <p:nvSpPr>
+          <p:cNvPr id="2" name="Title 1"/>
+          <p:cNvSpPr>
+            <a:spLocks noGrp="1"/>
+          </p:cNvSpPr>
+          <p:nvPr>
+            <p:ph type="title"/>
+          </p:nvPr>
+        </p:nvSpPr>
+        <p:spPr/>
+        <p:txBody>
+          <a:bodyPr/>
+          <a:lstStyle/>
+          <a:p>
+            <a:pPr>
+              <a:defRPr sz="2600"/>
+            </a:pPr>
+            <a:r>
+              <a:t>5.17 Authentication information.</a:t>
+            </a:r>
+          </a:p>
+        </p:txBody>
+      </p:sp>
+      <p:sp>
+        <p:nvSpPr>
+          <p:cNvPr id="3" name="Content Placeholder 2"/>
+          <p:cNvSpPr>
+            <a:spLocks noGrp="1"/>
+          </p:cNvSpPr>
+          <p:nvPr>
+            <p:ph idx="1"/>
+          </p:nvPr>
+        </p:nvSpPr>
+        <p:spPr/>
+        <p:txBody>
+          <a:bodyPr/>
+          <a:lstStyle/>
+          <a:p>
+            <a:r>
+              <a:t>Allocation and management of authentication information should be controlled by a management process, including advising personnel on appropriate handling of authentication information.</a:t>
+            </a:r>
+          </a:p>
+        </p:txBody>
+      </p:sp>
+      <p:sp>
+        <p:nvSpPr>
+          <p:cNvPr id="4" name="Content Placeholder 3"/>
+          <p:cNvSpPr>
+            <a:spLocks noGrp="1"/>
+          </p:cNvSpPr>
+          <p:nvPr>
+            <p:ph idx="13"/>
+          </p:nvPr>
+        </p:nvSpPr>
+        <p:spPr/>
+        <p:txBody>
+          <a:bodyPr/>
+          <a:lstStyle/>
+          <a:p>
+            <a:r>
+              <a:t>General user accounts are managed centrally via Active Directory, with individual, named accounts issued to each user, while privileged credentials are stored in KeePass and are accessible solely by system administrators. Authentication infrastructure is governed by the group’s IT team under the oversight of the head office, and authentication events are monitored by the SOC team. Missing information: Documentation of a formal management process for the allocation and handling of authentication information, personnel guidance on appropriate handling of credentials, and evidence of periodic access reviews.</a:t>
+            </a:r>
+          </a:p>
+        </p:txBody>
+      </p:sp>
+    </p:spTree>
+  </p:cSld>
+  <p:clrMapOvr>
+    <a:masterClrMapping/>
+  </p:clrMapOvr>
+</p:sld>
+</file>
+
+<file path=ppt/slides/slide7.xml><?xml version="1.0" encoding="utf-8"?>
+<p:sld xmlns:a="http://schemas.openxmlformats.org/drawingml/2006/main" xmlns:p="http://schemas.openxmlformats.org/presentationml/2006/main" xmlns:r="http://schemas.openxmlformats.org/officeDocument/2006/relationships">
+  <p:cSld>
+    <p:spTree>
+      <p:nvGrpSpPr>
+        <p:cNvPr id="1" name=""/>
+        <p:cNvGrpSpPr/>
+        <p:nvPr/>
+      </p:nvGrpSpPr>
+      <p:grpSpPr/>
+      <p:sp>
+        <p:nvSpPr>
+          <p:cNvPr id="2" name="Title 1"/>
+          <p:cNvSpPr>
+            <a:spLocks noGrp="1"/>
+          </p:cNvSpPr>
+          <p:nvPr>
+            <p:ph type="title"/>
+          </p:nvPr>
+        </p:nvSpPr>
+        <p:spPr/>
+        <p:txBody>
+          <a:bodyPr/>
+          <a:lstStyle/>
+          <a:p>
+            <a:pPr>
+              <a:defRPr sz="2600"/>
+            </a:pPr>
+            <a:r>
+              <a:t>5.17 Authentication information.</a:t>
+            </a:r>
+          </a:p>
+        </p:txBody>
+      </p:sp>
+      <p:sp>
+        <p:nvSpPr>
+          <p:cNvPr id="3" name="Content Placeholder 2"/>
+          <p:cNvSpPr>
+            <a:spLocks noGrp="1"/>
+          </p:cNvSpPr>
+          <p:nvPr>
+            <p:ph idx="1"/>
+          </p:nvPr>
+        </p:nvSpPr>
+        <p:spPr/>
+        <p:txBody>
+          <a:bodyPr/>
+          <a:lstStyle/>
+          <a:p>
+            <a:r>
+              <a:t>1. Observation: “Access reviews are not performed.”  </a:t>
+            </a:r>
+          </a:p>
+          <a:p>
+            <a:r>
+              <a:t>   This indicates the allocation and ongoing management of authentication information lacks periodic validation of user access rights.  </a:t>
             </a:r>
           </a:p>
           <a:p/>
           <a:p>
             <a:r>
-              <a:t>1.2.5 More information needed to conclude whether conflicting duties and areas of responsibility are segregated.  </a:t>
-            </a:r>
-          </a:p>
-          <a:p>
-            <a:r>
-              <a:t>Follow-up question: Supply duty-segregation matrices or other evidence of separation of conflicting responsibilities.</a:t>
+              <a:t>2. More information needed to conclude:  </a:t>
+            </a:r>
+          </a:p>
+          <a:p>
+            <a:r>
+              <a:t>   Notes do not specify how personal or temporary authentication information is generated (non-guessable, unique), transmitted securely, changed at first use, or acknowledged by users. We also lack detail on identity verification procedures before issuing credentials and on record-keeping of authentication events.  </a:t>
+            </a:r>
+          </a:p>
+          <a:p>
+            <a:r>
+              <a:t>   Follow-up questions:  </a:t>
+            </a:r>
+          </a:p>
+          <a:p>
+            <a:r>
+              <a:t>   a) What processes ensure default or vendor-supplied credentials are changed immediately after installation?  </a:t>
+            </a:r>
+          </a:p>
+          <a:p>
+            <a:r>
+              <a:t>   b) How are users verified prior to issuing new or replacement credentials?  </a:t>
+            </a:r>
+          </a:p>
+          <a:p>
+            <a:r>
+              <a:t>   c) How and where are allocation events logged and protected?</a:t>
+            </a:r>
+          </a:p>
+        </p:txBody>
+      </p:sp>
+      <p:sp>
+        <p:nvSpPr>
+          <p:cNvPr id="4" name="Text Placeholder 3"/>
+          <p:cNvSpPr>
+            <a:spLocks noGrp="1"/>
+          </p:cNvSpPr>
+          <p:nvPr>
+            <p:ph type="body" idx="13" sz="quarter"/>
+          </p:nvPr>
+        </p:nvSpPr>
+        <p:spPr/>
+        <p:txBody>
+          <a:bodyPr/>
+          <a:lstStyle/>
+          <a:p>
+            <a:r>
+              <a:t>Risk 1:</a:t>
+            </a:r>
+          </a:p>
+          <a:p>
+            <a:r>
+              <a:t>Due to the absence of periodic access reviews, user access rights are not validated against role requirements, which may allow former employees or compromised accounts to retain privileges. This increases the likelihood of unauthorized data access, manipulation or disclosure, leading to potential regulatory non-compliance, reputational damage, and operational disruption.</a:t>
             </a:r>
           </a:p>
           <a:p/>
           <a:p>
             <a:r>
-              <a:t>1.2.6 More information needed to conclude whether roles, responsibilities and authorities are reviewed and updated at planned intervals or after significant incidents or changes.  </a:t>
-            </a:r>
-          </a:p>
-          <a:p>
-            <a:r>
-              <a:t>Follow-up question: Share the review schedule and records of updates following incidents or significant operational/risk changes.</a:t>
+              <a:t>Risk 2:</a:t>
+            </a:r>
+          </a:p>
+          <a:p>
+            <a:r>
+              <a:t>No specific risks - more infortmation needed</a:t>
+            </a:r>
+          </a:p>
+        </p:txBody>
+      </p:sp>
+    </p:spTree>
+  </p:cSld>
+  <p:clrMapOvr>
+    <a:masterClrMapping/>
+  </p:clrMapOvr>
+</p:sld>
+</file>
+
+<file path=ppt/slides/slide8.xml><?xml version="1.0" encoding="utf-8"?>
+<p:sld xmlns:a="http://schemas.openxmlformats.org/drawingml/2006/main" xmlns:p="http://schemas.openxmlformats.org/presentationml/2006/main" xmlns:r="http://schemas.openxmlformats.org/officeDocument/2006/relationships">
+  <p:cSld>
+    <p:spTree>
+      <p:nvGrpSpPr>
+        <p:cNvPr id="1" name=""/>
+        <p:cNvGrpSpPr/>
+        <p:nvPr/>
+      </p:nvGrpSpPr>
+      <p:grpSpPr/>
+      <p:sp>
+        <p:nvSpPr>
+          <p:cNvPr id="2" name="Title 1"/>
+          <p:cNvSpPr>
+            <a:spLocks noGrp="1"/>
+          </p:cNvSpPr>
+          <p:nvPr>
+            <p:ph type="title"/>
+          </p:nvPr>
+        </p:nvSpPr>
+        <p:spPr/>
+        <p:txBody>
+          <a:bodyPr/>
+          <a:lstStyle/>
+          <a:p>
+            <a:pPr>
+              <a:defRPr sz="2600"/>
+            </a:pPr>
+            <a:r>
+              <a:t>5.18 Access rights.</a:t>
+            </a:r>
+          </a:p>
+        </p:txBody>
+      </p:sp>
+      <p:sp>
+        <p:nvSpPr>
+          <p:cNvPr id="3" name="Content Placeholder 2"/>
+          <p:cNvSpPr>
+            <a:spLocks noGrp="1"/>
+          </p:cNvSpPr>
+          <p:nvPr>
+            <p:ph idx="1"/>
+          </p:nvPr>
+        </p:nvSpPr>
+        <p:spPr/>
+        <p:txBody>
+          <a:bodyPr/>
+          <a:lstStyle/>
+          <a:p>
+            <a:r>
+              <a:t>Access rights to information and other associated assets should be provisioned, reviewed, modified and removed in accordance with the organization’s topic-specific policy on and rules for access control.</a:t>
+            </a:r>
+          </a:p>
+        </p:txBody>
+      </p:sp>
+      <p:sp>
+        <p:nvSpPr>
+          <p:cNvPr id="4" name="Content Placeholder 3"/>
+          <p:cNvSpPr>
+            <a:spLocks noGrp="1"/>
+          </p:cNvSpPr>
+          <p:nvPr>
+            <p:ph idx="13"/>
+          </p:nvPr>
+        </p:nvSpPr>
+        <p:spPr/>
+        <p:txBody>
+          <a:bodyPr/>
+          <a:lstStyle/>
+          <a:p>
+            <a:r>
+              <a:t>Access rights are provisioned centrally through Active Directory for general users, with individual non-privileged accounts named and issued per person, and privileged credentials stored in the KeePass tool accessible only to system administrators. The group’s IT infrastructure team manages network access, while local teams implement risk mitigation measures in their operational technology environments. No periodic access reviews are performed, and immutable backups have not been adopted. Missing information: documented procedures for modifying and removing access rights, evidence of formal review and approval processes aligned with the organization’s access control policy, and records demonstrating that access changes follow defined rules.</a:t>
+            </a:r>
+          </a:p>
+        </p:txBody>
+      </p:sp>
+    </p:spTree>
+  </p:cSld>
+  <p:clrMapOvr>
+    <a:masterClrMapping/>
+  </p:clrMapOvr>
+</p:sld>
+</file>
+
+<file path=ppt/slides/slide9.xml><?xml version="1.0" encoding="utf-8"?>
+<p:sld xmlns:a="http://schemas.openxmlformats.org/drawingml/2006/main" xmlns:p="http://schemas.openxmlformats.org/presentationml/2006/main" xmlns:r="http://schemas.openxmlformats.org/officeDocument/2006/relationships">
+  <p:cSld>
+    <p:spTree>
+      <p:nvGrpSpPr>
+        <p:cNvPr id="1" name=""/>
+        <p:cNvGrpSpPr/>
+        <p:nvPr/>
+      </p:nvGrpSpPr>
+      <p:grpSpPr/>
+      <p:sp>
+        <p:nvSpPr>
+          <p:cNvPr id="2" name="Title 1"/>
+          <p:cNvSpPr>
+            <a:spLocks noGrp="1"/>
+          </p:cNvSpPr>
+          <p:nvPr>
+            <p:ph type="title"/>
+          </p:nvPr>
+        </p:nvSpPr>
+        <p:spPr/>
+        <p:txBody>
+          <a:bodyPr/>
+          <a:lstStyle/>
+          <a:p>
+            <a:pPr>
+              <a:defRPr sz="2600"/>
+            </a:pPr>
+            <a:r>
+              <a:t>5.18 Access rights.</a:t>
+            </a:r>
+          </a:p>
+        </p:txBody>
+      </p:sp>
+      <p:sp>
+        <p:nvSpPr>
+          <p:cNvPr id="3" name="Content Placeholder 2"/>
+          <p:cNvSpPr>
+            <a:spLocks noGrp="1"/>
+          </p:cNvSpPr>
+          <p:nvPr>
+            <p:ph idx="1"/>
+          </p:nvPr>
+        </p:nvSpPr>
+        <p:spPr/>
+        <p:txBody>
+          <a:bodyPr/>
+          <a:lstStyle/>
+          <a:p>
+            <a:r>
+              <a:t>1. Observation: Access reviews are not performed.  </a:t>
+            </a:r>
+          </a:p>
+          <a:p>
+            <a:r>
+              <a:t>   Follow-up question: Have regular reviews of physical and logical access rights been defined and executed? Please provide the latest review schedule and evidence of completion.</a:t>
+            </a:r>
+          </a:p>
+          <a:p/>
+          <a:p>
+            <a:r>
+              <a:t>2. More information needed to conclude on provisioning and revocation processes.  </a:t>
+            </a:r>
+          </a:p>
+          <a:p>
+            <a:r>
+              <a:t>   Follow-up question: What procedures and approval workflows govern the provisioning, modification and revocation of user access rights? Please share the documented process and sample approval records.</a:t>
+            </a:r>
+          </a:p>
+          <a:p/>
+          <a:p>
+            <a:r>
+              <a:t>3. More information needed to conclude on removal of access upon role change or termination.  </a:t>
+            </a:r>
+          </a:p>
+          <a:p>
+            <a:r>
+              <a:t>   Follow-up question: How does the organization ensure timely removal or adjustment of access rights when employees change roles or leave? Provide the process and recent execution evidence.</a:t>
             </a:r>
           </a:p>
         </p:txBody>
@@ -2647,37 +4052,19 @@
           <a:lstStyle/>
           <a:p>
             <a:r>
-              <a:t>1.2.1 No specific risks - more infortmation needed</a:t>
+              <a:t>Finding 1 Risk: Without regular reviews of physical and logical access rights, orphaned or excessive privileges may accumulate, increasing the likelihood that unauthorized users can access sensitive systems or data. This can lead to data breaches, financial loss, regulatory non-compliance, and damage to the organization’s reputation. Regular access reviews are foundational to upholding least-privilege principles and ensuring that only authorized personnel retain appropriate access. Failure to perform these reviews undermines the organization’s ability to detect and revoke unnecessary privileges promptly, exposing critical assets to misuse or compromise.</a:t>
             </a:r>
           </a:p>
           <a:p/>
           <a:p>
             <a:r>
-              <a:t>1.2.2 No specific risks - more infortmation needed</a:t>
+              <a:t>Finding 2 Risk: No specific risks – more information needed</a:t>
             </a:r>
           </a:p>
           <a:p/>
           <a:p>
             <a:r>
-              <a:t>1.2.3 No specific risks - more infortmation needed</a:t>
-            </a:r>
-          </a:p>
-          <a:p/>
-          <a:p>
-            <a:r>
-              <a:t>1.2.4 No specific risks - more infortmation needed</a:t>
-            </a:r>
-          </a:p>
-          <a:p/>
-          <a:p>
-            <a:r>
-              <a:t>1.2.5 No specific risks - more infortmation needed</a:t>
-            </a:r>
-          </a:p>
-          <a:p/>
-          <a:p>
-            <a:r>
-              <a:t>1.2.6 No specific risks - more infortmation needed</a:t>
+              <a:t>Finding 3 Risk: No specific risks – more information needed</a:t>
             </a:r>
           </a:p>
         </p:txBody>

--- a/filename.pptx
+++ b/filename.pptx
@@ -27,6 +27,88 @@
     <p:sldId id="272" r:id="rId23"/>
     <p:sldId id="273" r:id="rId24"/>
     <p:sldId id="274" r:id="rId25"/>
+    <p:sldId id="275" r:id="rId26"/>
+    <p:sldId id="276" r:id="rId27"/>
+    <p:sldId id="277" r:id="rId28"/>
+    <p:sldId id="278" r:id="rId29"/>
+    <p:sldId id="279" r:id="rId30"/>
+    <p:sldId id="280" r:id="rId31"/>
+    <p:sldId id="281" r:id="rId32"/>
+    <p:sldId id="282" r:id="rId33"/>
+    <p:sldId id="283" r:id="rId34"/>
+    <p:sldId id="284" r:id="rId35"/>
+    <p:sldId id="285" r:id="rId36"/>
+    <p:sldId id="286" r:id="rId37"/>
+    <p:sldId id="287" r:id="rId38"/>
+    <p:sldId id="288" r:id="rId39"/>
+    <p:sldId id="289" r:id="rId40"/>
+    <p:sldId id="290" r:id="rId41"/>
+    <p:sldId id="291" r:id="rId42"/>
+    <p:sldId id="292" r:id="rId43"/>
+    <p:sldId id="293" r:id="rId44"/>
+    <p:sldId id="294" r:id="rId45"/>
+    <p:sldId id="295" r:id="rId46"/>
+    <p:sldId id="296" r:id="rId47"/>
+    <p:sldId id="297" r:id="rId48"/>
+    <p:sldId id="298" r:id="rId49"/>
+    <p:sldId id="299" r:id="rId50"/>
+    <p:sldId id="300" r:id="rId51"/>
+    <p:sldId id="301" r:id="rId52"/>
+    <p:sldId id="302" r:id="rId53"/>
+    <p:sldId id="303" r:id="rId54"/>
+    <p:sldId id="304" r:id="rId55"/>
+    <p:sldId id="305" r:id="rId56"/>
+    <p:sldId id="306" r:id="rId57"/>
+    <p:sldId id="307" r:id="rId58"/>
+    <p:sldId id="308" r:id="rId59"/>
+    <p:sldId id="309" r:id="rId60"/>
+    <p:sldId id="310" r:id="rId61"/>
+    <p:sldId id="311" r:id="rId62"/>
+    <p:sldId id="312" r:id="rId63"/>
+    <p:sldId id="313" r:id="rId64"/>
+    <p:sldId id="314" r:id="rId65"/>
+    <p:sldId id="315" r:id="rId66"/>
+    <p:sldId id="316" r:id="rId67"/>
+    <p:sldId id="317" r:id="rId68"/>
+    <p:sldId id="318" r:id="rId69"/>
+    <p:sldId id="319" r:id="rId70"/>
+    <p:sldId id="320" r:id="rId71"/>
+    <p:sldId id="321" r:id="rId72"/>
+    <p:sldId id="322" r:id="rId73"/>
+    <p:sldId id="323" r:id="rId74"/>
+    <p:sldId id="324" r:id="rId75"/>
+    <p:sldId id="325" r:id="rId76"/>
+    <p:sldId id="326" r:id="rId77"/>
+    <p:sldId id="327" r:id="rId78"/>
+    <p:sldId id="328" r:id="rId79"/>
+    <p:sldId id="329" r:id="rId80"/>
+    <p:sldId id="330" r:id="rId81"/>
+    <p:sldId id="331" r:id="rId82"/>
+    <p:sldId id="332" r:id="rId83"/>
+    <p:sldId id="333" r:id="rId84"/>
+    <p:sldId id="334" r:id="rId85"/>
+    <p:sldId id="335" r:id="rId86"/>
+    <p:sldId id="336" r:id="rId87"/>
+    <p:sldId id="337" r:id="rId88"/>
+    <p:sldId id="338" r:id="rId89"/>
+    <p:sldId id="339" r:id="rId90"/>
+    <p:sldId id="340" r:id="rId91"/>
+    <p:sldId id="341" r:id="rId92"/>
+    <p:sldId id="342" r:id="rId93"/>
+    <p:sldId id="343" r:id="rId94"/>
+    <p:sldId id="344" r:id="rId95"/>
+    <p:sldId id="345" r:id="rId96"/>
+    <p:sldId id="346" r:id="rId97"/>
+    <p:sldId id="347" r:id="rId98"/>
+    <p:sldId id="348" r:id="rId99"/>
+    <p:sldId id="349" r:id="rId100"/>
+    <p:sldId id="350" r:id="rId101"/>
+    <p:sldId id="351" r:id="rId102"/>
+    <p:sldId id="352" r:id="rId103"/>
+    <p:sldId id="353" r:id="rId104"/>
+    <p:sldId id="354" r:id="rId105"/>
+    <p:sldId id="355" r:id="rId106"/>
+    <p:sldId id="356" r:id="rId107"/>
   </p:sldIdLst>
   <p:sldSz cx="12192000" cy="6858000"/>
   <p:notesSz cx="6858000" cy="9144000"/>
@@ -2217,7 +2299,7 @@
           <a:lstStyle/>
           <a:p>
             <a:r>
-              <a:t>ISO 27001:2022 asessment</a:t>
+              <a:t>NIS2 asessment</a:t>
             </a:r>
           </a:p>
         </p:txBody>
@@ -2280,7 +2362,7 @@
               <a:defRPr sz="2600"/>
             </a:pPr>
             <a:r>
-              <a:t>8.1 User endpoint devices.</a:t>
+              <a:t>2.3 INDEPENDENT REVIEW OF INFORMATION AND NETWORK SECURITY</a:t>
             </a:r>
           </a:p>
         </p:txBody>
@@ -2301,7 +2383,7 @@
           <a:lstStyle/>
           <a:p>
             <a:r>
-              <a:t>Information stored on, processed by or accessible via user end point devices should be protected.</a:t>
+              <a:t>2.3.1. The relevant entities shall review independently their approach to managing network and information system security and its implementation including people, processes and technologies.  2.3.2. The relevant entities shall develop and maintain processes to conduct independent reviews which shall be carried out by individuals with appropriate audit competence. Where the independent review is conducted by staff members of the relevant entity, the persons conducting the reviews shall not be in the line of authority of the personnel of the area under review. If the size of the relevant entities does not allow such separation of line of authority, the relevant entities shall put in place alternative measures to guarantee the impartiality of the reviews. 2.3.3. The results of the independent reviews, including the results from the compliance monitoring pursuant to point 2.2. and the monitoring and measurement pursuant to point 7, shall be reported to the management bodies. Corrective actions shall be taken or residual risk accepted according to the relevant entities’ risk acceptance criteria. 2.3.4. The independent reviews shall take place at planned intervals and when significant incidents or significant changes to operations or risks occur. </a:t>
             </a:r>
           </a:p>
         </p:txBody>
@@ -2322,7 +2404,175 @@
           <a:lstStyle/>
           <a:p>
             <a:r>
-              <a:t>The organization manages user endpoint devices through centralized IT infrastructure oversight, using Active Directory for network access and individually named accounts, with privileged credentials stored in KeePass accessible only to system administrators. A group-level risk management team conducts bi-weekly Nessus vulnerability scans, rates findings by CVSS, and tracks remediation timelines in ServiceNow, while data on endpoints is safeguarded by centrally managed backups on defined schedules. Event monitoring is performed by the SOC team, patches are distributed via internet-connected product updates, and SBOMs are maintained by the product development team. Public vulnerability disclosures appear on the company website, with severe issues communicated directly to users. Missing information: specific endpoint protection measures such as disk encryption, anti-malware/EDR solutions, immutable backups and formal access review processes.</a:t>
+              <a:t>summary not requested</a:t>
+            </a:r>
+          </a:p>
+        </p:txBody>
+      </p:sp>
+    </p:spTree>
+  </p:cSld>
+  <p:clrMapOvr>
+    <a:masterClrMapping/>
+  </p:clrMapOvr>
+</p:sld>
+</file>
+
+<file path=ppt/slides/slide100.xml><?xml version="1.0" encoding="utf-8"?>
+<p:sld xmlns:a="http://schemas.openxmlformats.org/drawingml/2006/main" xmlns:p="http://schemas.openxmlformats.org/presentationml/2006/main" xmlns:r="http://schemas.openxmlformats.org/officeDocument/2006/relationships">
+  <p:cSld>
+    <p:spTree>
+      <p:nvGrpSpPr>
+        <p:cNvPr id="1" name=""/>
+        <p:cNvGrpSpPr/>
+        <p:nvPr/>
+      </p:nvGrpSpPr>
+      <p:grpSpPr/>
+      <p:sp>
+        <p:nvSpPr>
+          <p:cNvPr id="2" name="Title 1"/>
+          <p:cNvSpPr>
+            <a:spLocks noGrp="1"/>
+          </p:cNvSpPr>
+          <p:nvPr>
+            <p:ph type="title"/>
+          </p:nvPr>
+        </p:nvSpPr>
+        <p:spPr/>
+        <p:txBody>
+          <a:bodyPr/>
+          <a:lstStyle/>
+          <a:p>
+            <a:pPr>
+              <a:defRPr sz="2600"/>
+            </a:pPr>
+            <a:r>
+              <a:t>Article 23. Reporting obligations</a:t>
+            </a:r>
+          </a:p>
+        </p:txBody>
+      </p:sp>
+      <p:sp>
+        <p:nvSpPr>
+          <p:cNvPr id="3" name="Content Placeholder 2"/>
+          <p:cNvSpPr>
+            <a:spLocks noGrp="1"/>
+          </p:cNvSpPr>
+          <p:nvPr>
+            <p:ph idx="1"/>
+          </p:nvPr>
+        </p:nvSpPr>
+        <p:spPr/>
+        <p:txBody>
+          <a:bodyPr/>
+          <a:lstStyle/>
+          <a:p>
+            <a:r>
+              <a:t>1. Each Member State shall ensure that essential and important entities notify, without undue delay, its CSIRT or, where applicable, its competent authority in accordance with paragraph 4 of any incident that has a significant impact on the provision of their services as referred to in paragraph 3 (significant incident). Where appropriate, entities concerned shall notify, without undue delay, the recipients of their services of significant incidents that are likely to adversely affect the provision of those services. Each Member State shall ensure that those entities report, inter alia, any information enabling the CSIRT or, where applicable, the competent authority to determine any cross-border impact of the incident. The mere act of notification shall not subject the notifying entity to increased liability. Where the entities concerned notify the competent authority of a significant incident under the first subparagraph, the Member State shall ensure that that competent authority forwards the notification to the CSIRT upon receipt. In the case of a cross-border or cross-sectoral significant incident, Member States shall ensure that their single points of contact are provided in due time with relevant information notified in accordance with paragraph 4. 2. Where applicable, Member States shall ensure that essential and important entities communicate, without undue delay, to the recipients of their services that are potentially affected by a significant cyber threat any measures or remedies that those recipients are able to take in response to that threat. Where appropriate, the entities shall also inform those recipients of the significant cyber threat itself. 3. An incident shall be considered to be significant if: (a) it has caused or is capable of causing severe operational disruption of the services or financial loss for the entity concerned; (b) it has affected or is capable of affecting other natural or legal persons by causing considerable material or non-material damage. 4. Member States shall ensure that, for the purpose of notification under paragraph 1, the entities concerned submit to the CSIRT or, where applicable, the competent authority: (a) without undue delay and in any event within 24 hours of becoming aware of the significant incident, an early warning, which, where applicable, shall indicate whether the significant incident is suspected of being caused by unlawful or malicious acts or could have a cross-border impact; (b) without undue delay and in any event within 72 hours of becoming aware of the significant incident, an incident notification, which, where applicable, shall update the information referred to in point (a) and indicate an initial assessment of the significant incident, including its severity and impact, as well as, where available, the indicators of compromise; (c) upon the request of a CSIRT or, where applicable, the competent authority, an intermediate report on relevant status updates; (d) a final report not later than one month after the submission of the incident notification under point (b), including the following: (i) a detailed description of the incident, including its severity and impact; (ii) the type of threat or root cause that is likely to have triggered the incident; (iii) applied and ongoing mitigation measures; (iv) where applicable, the cross-border impact of the incident; (e) in the event of an ongoing incident at the time of the submission of the final report referred to in point (d), Member States shall ensure that entities concerned provide a progress report at that time and a final report within one month of their handling of the incident. By way of derogation from the first subparagraph, point (b), a trust service provider shall, with regard to significant incidents that have an impact on the provision of its trust services, notify the CSIRT or, where applicable, the competent authority, without undue delay and in any event within 24 hours of becoming aware of the significant incident. NOTE: paragraphs 6-10 were ommited due to being applicable for states and govenrment authorties.</a:t>
+            </a:r>
+          </a:p>
+        </p:txBody>
+      </p:sp>
+      <p:sp>
+        <p:nvSpPr>
+          <p:cNvPr id="4" name="Content Placeholder 3"/>
+          <p:cNvSpPr>
+            <a:spLocks noGrp="1"/>
+          </p:cNvSpPr>
+          <p:nvPr>
+            <p:ph idx="13"/>
+          </p:nvPr>
+        </p:nvSpPr>
+        <p:spPr/>
+        <p:txBody>
+          <a:bodyPr/>
+          <a:lstStyle/>
+          <a:p>
+            <a:r>
+              <a:t>summary not requested</a:t>
+            </a:r>
+          </a:p>
+        </p:txBody>
+      </p:sp>
+    </p:spTree>
+  </p:cSld>
+  <p:clrMapOvr>
+    <a:masterClrMapping/>
+  </p:clrMapOvr>
+</p:sld>
+</file>
+
+<file path=ppt/slides/slide101.xml><?xml version="1.0" encoding="utf-8"?>
+<p:sld xmlns:a="http://schemas.openxmlformats.org/drawingml/2006/main" xmlns:p="http://schemas.openxmlformats.org/presentationml/2006/main" xmlns:r="http://schemas.openxmlformats.org/officeDocument/2006/relationships">
+  <p:cSld>
+    <p:spTree>
+      <p:nvGrpSpPr>
+        <p:cNvPr id="1" name=""/>
+        <p:cNvGrpSpPr/>
+        <p:nvPr/>
+      </p:nvGrpSpPr>
+      <p:grpSpPr/>
+      <p:sp>
+        <p:nvSpPr>
+          <p:cNvPr id="2" name="Title 1"/>
+          <p:cNvSpPr>
+            <a:spLocks noGrp="1"/>
+          </p:cNvSpPr>
+          <p:nvPr>
+            <p:ph type="title"/>
+          </p:nvPr>
+        </p:nvSpPr>
+        <p:spPr/>
+        <p:txBody>
+          <a:bodyPr/>
+          <a:lstStyle/>
+          <a:p>
+            <a:pPr>
+              <a:defRPr sz="2600"/>
+            </a:pPr>
+            <a:r>
+              <a:t>Article 23. Reporting obligations</a:t>
+            </a:r>
+          </a:p>
+        </p:txBody>
+      </p:sp>
+      <p:sp>
+        <p:nvSpPr>
+          <p:cNvPr id="3" name="Content Placeholder 2"/>
+          <p:cNvSpPr>
+            <a:spLocks noGrp="1"/>
+          </p:cNvSpPr>
+          <p:nvPr>
+            <p:ph idx="1"/>
+          </p:nvPr>
+        </p:nvSpPr>
+        <p:spPr/>
+        <p:txBody>
+          <a:bodyPr/>
+          <a:lstStyle/>
+          <a:p>
+            <a:r>
+              <a:t>observations not requested</a:t>
+            </a:r>
+          </a:p>
+        </p:txBody>
+      </p:sp>
+      <p:sp>
+        <p:nvSpPr>
+          <p:cNvPr id="4" name="Text Placeholder 3"/>
+          <p:cNvSpPr>
+            <a:spLocks noGrp="1"/>
+          </p:cNvSpPr>
+          <p:nvPr>
+            <p:ph type="body" idx="13" sz="quarter"/>
+          </p:nvPr>
+        </p:nvSpPr>
+        <p:spPr/>
+        <p:txBody>
+          <a:bodyPr/>
+          <a:lstStyle/>
+          <a:p>
+            <a:r>
+              <a:t>risks not requested</a:t>
             </a:r>
           </a:p>
         </p:txBody>
@@ -2364,7 +2614,7 @@
               <a:defRPr sz="2600"/>
             </a:pPr>
             <a:r>
-              <a:t>8.1 User endpoint devices.</a:t>
+              <a:t>2.3 INDEPENDENT REVIEW OF INFORMATION AND NETWORK SECURITY</a:t>
             </a:r>
           </a:p>
         </p:txBody>
@@ -2385,67 +2635,7 @@
           <a:lstStyle/>
           <a:p>
             <a:r>
-              <a:t>1. No evidence of a topic-specific policy on secure configuration and handling of user endpoint devices; more information needed.  </a:t>
-            </a:r>
-          </a:p>
-          <a:p>
-            <a:r>
-              <a:t>   Follow-up: Please provide any existing endpoint device security policy and communication records to personnel.</a:t>
-            </a:r>
-          </a:p>
-          <a:p/>
-          <a:p>
-            <a:r>
-              <a:t>2. No details on controls for endpoint device software updates (e.g., automatic enforcement, configuration management); more information needed.  </a:t>
-            </a:r>
-          </a:p>
-          <a:p>
-            <a:r>
-              <a:t>   Follow-up: Describe how updates are deployed, enforced and monitored on user endpoint devices.</a:t>
-            </a:r>
-          </a:p>
-          <a:p/>
-          <a:p>
-            <a:r>
-              <a:t>3. No mention of encryption of storage on user endpoint devices; more information needed.  </a:t>
-            </a:r>
-          </a:p>
-          <a:p>
-            <a:r>
-              <a:t>   Follow-up: Confirm whether full-disk or file-level encryption is implemented and how it’s managed.</a:t>
-            </a:r>
-          </a:p>
-          <a:p/>
-          <a:p>
-            <a:r>
-              <a:t>4. No evidence of malware protection on endpoint devices; more information needed.  </a:t>
-            </a:r>
-          </a:p>
-          <a:p>
-            <a:r>
-              <a:t>   Follow-up: Provide details on anti-malware solutions in use and their update/monitoring processes.</a:t>
-            </a:r>
-          </a:p>
-          <a:p/>
-          <a:p>
-            <a:r>
-              <a:t>5. No information on registration and inventory of endpoint devices; more information needed.  </a:t>
-            </a:r>
-          </a:p>
-          <a:p>
-            <a:r>
-              <a:t>   Follow-up: Share the device inventory/registration process, tools used and responsible roles.</a:t>
-            </a:r>
-          </a:p>
-          <a:p/>
-          <a:p>
-            <a:r>
-              <a:t>6. No details on remote disabling, deletion or lockout capabilities for endpoint devices; more information needed.  </a:t>
-            </a:r>
-          </a:p>
-          <a:p>
-            <a:r>
-              <a:t>   Follow-up: Confirm if mobile/endpoint management tools support remote wipe/lock and how they’re configured.</a:t>
+              <a:t>observations not requested</a:t>
             </a:r>
           </a:p>
         </p:txBody>
@@ -2466,37 +2656,7 @@
           <a:lstStyle/>
           <a:p>
             <a:r>
-              <a:t>1. No specific risks - more infortmation needed</a:t>
-            </a:r>
-          </a:p>
-          <a:p/>
-          <a:p>
-            <a:r>
-              <a:t>2. No specific risks - more infortmation needed</a:t>
-            </a:r>
-          </a:p>
-          <a:p/>
-          <a:p>
-            <a:r>
-              <a:t>3. No specific risks - more infortmation needed</a:t>
-            </a:r>
-          </a:p>
-          <a:p/>
-          <a:p>
-            <a:r>
-              <a:t>4. No specific risks - more infortmation needed</a:t>
-            </a:r>
-          </a:p>
-          <a:p/>
-          <a:p>
-            <a:r>
-              <a:t>5. No specific risks - more infortmation needed</a:t>
-            </a:r>
-          </a:p>
-          <a:p/>
-          <a:p>
-            <a:r>
-              <a:t>6. No specific risks - more infortmation needed</a:t>
+              <a:t>risks not requested</a:t>
             </a:r>
           </a:p>
         </p:txBody>
@@ -2538,7 +2698,7 @@
               <a:defRPr sz="2600"/>
             </a:pPr>
             <a:r>
-              <a:t>8.2 Privileged access rights.</a:t>
+              <a:t>3.1 INCIDENT HANDLING POLICY</a:t>
             </a:r>
           </a:p>
         </p:txBody>
@@ -2559,7 +2719,7 @@
           <a:lstStyle/>
           <a:p>
             <a:r>
-              <a:t>The allocation and use of privileged access rights should be restricted and managed.</a:t>
+              <a:t>3.1.1. For the purpose of Article 21(2), point (b) of Directive (EU) 2022/2555, the relevant entities shall establish and implement an incident handling policy laying down the roles, responsibilities and procedures for detecting, analysing, containing or responding to, recovering from, documenting and reporting of incidents in a timely manner. 3.1.2. The policy referred to in point 3.1.1 shall be coherent with the business continuity and disaster recovery plan referred to in point 4.1. The policy shall include: (a) a categorisation system for incidents that is consistent with the event assessment and classification carried out pursuant to point 3.4.1; (b) effective communication plans including for escalation and reporting; (c) assignment of roles to detect and appropriately respond to incidents to competent employees; (d) documents to be used in the course of incident detection and response such as incident response manuals, escalation charts, contact lists and templates. 3.1.3. The roles, responsibilities and procedures laid down in the policy shall be tested and reviewed and, where appropriate, updated at planned intervals and after significant incidents or significant changes to operations or risks. </a:t>
             </a:r>
           </a:p>
         </p:txBody>
@@ -2580,7 +2740,7 @@
           <a:lstStyle/>
           <a:p>
             <a:r>
-              <a:t>The organization employs Active Directory for network access management and maintains privileged credentials in a centralized KeePass tool accessible exclusively to system administrators, ensuring that only authorized personnel hold elevated rights, supported by SOC-led event monitoring, though no formal access reviews are performed. Missing information: policies or procedures for allocating, approving, changing and revoking privileged rights, periodic review schedules and segregation of duties controls.</a:t>
+              <a:t>summary not requested</a:t>
             </a:r>
           </a:p>
         </p:txBody>
@@ -2622,7 +2782,7 @@
               <a:defRPr sz="2600"/>
             </a:pPr>
             <a:r>
-              <a:t>8.2 Privileged access rights.</a:t>
+              <a:t>3.1 INCIDENT HANDLING POLICY</a:t>
             </a:r>
           </a:p>
         </p:txBody>
@@ -2643,22 +2803,7 @@
           <a:lstStyle/>
           <a:p>
             <a:r>
-              <a:t>1. Observation: Access reviews are not performed.  </a:t>
-            </a:r>
-          </a:p>
-          <a:p>
-            <a:r>
-              <a:t>2. More information needed to conclude if all privileged actions are logged separately for audit purposes.  </a:t>
-            </a:r>
-          </a:p>
-          <a:p>
-            <a:r>
-              <a:t>3. More information needed to conclude if privileged access rights have defined expiration or automatic revocation.  </a:t>
-            </a:r>
-          </a:p>
-          <a:p>
-            <a:r>
-              <a:t>4. More information needed to conclude if temporary (break-glass) privileged access procedures are in place.</a:t>
+              <a:t>observations not requested</a:t>
             </a:r>
           </a:p>
         </p:txBody>
@@ -2679,25 +2824,7 @@
           <a:lstStyle/>
           <a:p>
             <a:r>
-              <a:t>1. The absence of periodic privileged access reviews allows outdated or excessive rights to persist, increasing the likelihood that unauthorized or former users retain high-level permissions. This can lead to inadvertent or malicious changes, data exposure, and system compromise, as excessive privileges remain undetected and unmanaged.</a:t>
-            </a:r>
-          </a:p>
-          <a:p/>
-          <a:p>
-            <a:r>
-              <a:t>2. No specific risks - more infortmation needed</a:t>
-            </a:r>
-          </a:p>
-          <a:p/>
-          <a:p>
-            <a:r>
-              <a:t>3. No specific risks - more infortmation needed</a:t>
-            </a:r>
-          </a:p>
-          <a:p/>
-          <a:p>
-            <a:r>
-              <a:t>4. No specific risks - more infortmation needed</a:t>
+              <a:t>risks not requested</a:t>
             </a:r>
           </a:p>
         </p:txBody>
@@ -2739,7 +2866,7 @@
               <a:defRPr sz="2600"/>
             </a:pPr>
             <a:r>
-              <a:t>8.3 Information access restriction.</a:t>
+              <a:t>3.2 MONITORING AND LOGGING</a:t>
             </a:r>
           </a:p>
         </p:txBody>
@@ -2760,7 +2887,7 @@
           <a:lstStyle/>
           <a:p>
             <a:r>
-              <a:t>Access to information and other associated assets should be restricted in accordance with the established topic-specific policy on access control.</a:t>
+              <a:t>3.2.1. The relevant entities shall lay down procedures and use tools to monitor and log activities on their network and information systems to detect events that could be considered as incidents and respond accordingly to mitigate the impact.  3.2.2. To the extent feasible, monitoring shall be automated and carried out either continuously or in periodic intervals, subject to business capabilities. The relevant entities shall implement their monitoring activities in a way which minimises false positives and false negatives. 3.2.3. Based on the procedures referred to in point 3.2.1., the relevant entities shall maintain, document and review logs. The relevant entities shall establish a list of assets to be subject to logging based on the results of the risk assessment carried out pursuant to point 2.1. Where appropriate, logs shall include: (a) relevant outbound and inbound network traffic; (b) creation, modification or deletion of users of the relevant entities’ network and information systems and extension of the permissions; (c) access to systems and applications; (d) authentication-related events; (e) all privileged access to systems and applications and activities performed by administrative accounts; (f) access or changes to critical configuration and backup files; (g) event logs and logs from security tools, such as antivirus, intrusion detection systems or firewalls; (h) use of system resources, as well as their performance; (i) physical access to facilities; (j) access to and use of their network equipment and devices; (k) activation, stopping and pausing of the various logs; (l) environmental events. 3.2.4. The logs shall be regularly reviewed for any unusual or unwanted trends. Where appropriate, the relevant entities shall lay down appropriate values for alarm thresholds. If the laid down values for alarm threshold are exceeded, an alarm shall be triggered, where appropriate, automatically. The relevant entities shall ensure that, in case of an alarm, a qualified and appropriate response is initiated in a timely manner. 3.2.5. The relevant entities shall maintain and back up logs for a predefined period and shall protect them from unauthorised access or changes. 3.2.6. To the extent feasible, the relevant entities shall ensure that all systems have synchronised time sources to be able to correlate logs between systems for event assessment. The relevant entities shall establish and keep a list of all assets that are being logged and ensure that monitoring and logging systems are redundant. The availability of the monitoring and logging systems shall be monitored independent of the systems they are monitoring. 3.2.7. The procedures as well as the list of assets that are being logged shall be reviewed and, where appropriate, updated at regular intervals and after significant incidents. </a:t>
             </a:r>
           </a:p>
         </p:txBody>
@@ -2781,7 +2908,7 @@
           <a:lstStyle/>
           <a:p>
             <a:r>
-              <a:t>Information access restrictions are enforced through centralized management of user accounts in Active Directory for general users and the use of a KeePass vault for privileged credentials, which ensures only system administrators can access elevated accounts, while individual named AD accounts are issued per user and event monitoring is conducted by the SOC team to oversee access activities. Missing information: there is no reference to an established topic-specific access control policy, periodic access reviews are not performed and details on restricting access to information assets beyond account provisioning are not provided.</a:t>
+              <a:t>summary not requested</a:t>
             </a:r>
           </a:p>
         </p:txBody>
@@ -2823,7 +2950,7 @@
               <a:defRPr sz="2600"/>
             </a:pPr>
             <a:r>
-              <a:t>8.3 Information access restriction.</a:t>
+              <a:t>3.2 MONITORING AND LOGGING</a:t>
             </a:r>
           </a:p>
         </p:txBody>
@@ -2844,12 +2971,7 @@
           <a:lstStyle/>
           <a:p>
             <a:r>
-              <a:t>1. Observation: Access reviews are not performed. Without periodic reviews of Active Directory accounts and group memberships, it cannot be confirmed that access remains aligned with the topic-specific access control policy.  </a:t>
-            </a:r>
-          </a:p>
-          <a:p>
-            <a:r>
-              <a:t>2. More information needed to conclude: Notes don’t describe how AD permissions, group memberships or KeePass credential access align with the established access control policy, nor evidence of configuration mechanisms enforcing read/write/delete/execute restrictions. Please provide the access control policy, evidence of AD permission settings, group-membership matrices, and any dynamic access controls in use.</a:t>
+              <a:t>observations not requested</a:t>
             </a:r>
           </a:p>
         </p:txBody>
@@ -2870,13 +2992,7 @@
           <a:lstStyle/>
           <a:p>
             <a:r>
-              <a:t>1. Because periodic reviews of Active Directory accounts and group memberships are not performed, inappropriate or outdated access rights may persist unchecked. This increases the likelihood that former employees or internal users retain privileges beyond their current roles, heightening the risk of unauthorized access to sensitive information, data breaches, regulatory non-compliance, financial loss, and reputational damage.</a:t>
-            </a:r>
-          </a:p>
-          <a:p/>
-          <a:p>
-            <a:r>
-              <a:t>2. No specific risks - more infortmation needed</a:t>
+              <a:t>risks not requested</a:t>
             </a:r>
           </a:p>
         </p:txBody>
@@ -2918,7 +3034,7 @@
               <a:defRPr sz="2600"/>
             </a:pPr>
             <a:r>
-              <a:t>8.4 Access to source code.</a:t>
+              <a:t>3.3 EVENT REPORTING</a:t>
             </a:r>
           </a:p>
         </p:txBody>
@@ -2939,7 +3055,7 @@
           <a:lstStyle/>
           <a:p>
             <a:r>
-              <a:t>Read and write access to source code, development tools and software libraries should be appropriately managed.</a:t>
+              <a:t>3.3.1. The relevant entities shall put in place a simple mechanism allowing their employees, suppliers and customers to report suspicious events. 3.3.2. The relevant entities shall, where appropriate, communicate the event reporting mechanism to their suppliers and customers and shall regularly train their employees how to use the mechanism. </a:t>
             </a:r>
           </a:p>
         </p:txBody>
@@ -2960,7 +3076,7 @@
           <a:lstStyle/>
           <a:p>
             <a:r>
-              <a:t>The organization relies on Active Directory for issuance of user accounts, with privileged credentials stored in KeePass accessible only to system administrators, and general accounts uniquely named per user, although no regular access reviews are performed; SBOM maintenance by the product development team supports visibility into software components. Missing information: controls for managing read and write access to source code repositories; governance of development tool access; management of software library access and version control processes.</a:t>
+              <a:t>summary not requested</a:t>
             </a:r>
           </a:p>
         </p:txBody>
@@ -3002,7 +3118,7 @@
               <a:defRPr sz="2600"/>
             </a:pPr>
             <a:r>
-              <a:t>8.4 Access to source code.</a:t>
+              <a:t>3.3 EVENT REPORTING</a:t>
             </a:r>
           </a:p>
         </p:txBody>
@@ -3023,32 +3139,7 @@
           <a:lstStyle/>
           <a:p>
             <a:r>
-              <a:t>1. More information needed to conclude whether read and write access to source code, development tools and software libraries are appropriately managed and logged.  </a:t>
-            </a:r>
-          </a:p>
-          <a:p>
-            <a:r>
-              <a:t>   Follow-up questions:  </a:t>
-            </a:r>
-          </a:p>
-          <a:p>
-            <a:r>
-              <a:t>   • Which system or repository is used to store and control source code?  </a:t>
-            </a:r>
-          </a:p>
-          <a:p>
-            <a:r>
-              <a:t>   • How are read and write permissions granted, reviewed and revoked?  </a:t>
-            </a:r>
-          </a:p>
-          <a:p>
-            <a:r>
-              <a:t>   • Are access activities and changes to source code logged and audited?  </a:t>
-            </a:r>
-          </a:p>
-          <a:p>
-            <a:r>
-              <a:t>   • Are change-control procedures and authorizations applied before code updates?</a:t>
+              <a:t>observations not requested</a:t>
             </a:r>
           </a:p>
         </p:txBody>
@@ -3069,7 +3160,7 @@
           <a:lstStyle/>
           <a:p>
             <a:r>
-              <a:t>No specific risks - more infortmation needed</a:t>
+              <a:t>risks not requested</a:t>
             </a:r>
           </a:p>
         </p:txBody>
@@ -3111,7 +3202,7 @@
               <a:defRPr sz="2600"/>
             </a:pPr>
             <a:r>
-              <a:t>8.5 Secure authentication.</a:t>
+              <a:t>3.4 EVENT ASSESSMENT AND CLASSIFICATION</a:t>
             </a:r>
           </a:p>
         </p:txBody>
@@ -3132,7 +3223,7 @@
           <a:lstStyle/>
           <a:p>
             <a:r>
-              <a:t>Secure authentication technologies and procedures should be implemented based on information access restrictions and the topic-specific policy on access control.</a:t>
+              <a:t>3.4.1. The relevant entities shall assess suspicious events to determine whether they constitute incidents and, if so, determine their nature and severity. 3.4.2. For the purpose of point 3.4.1, the relevant entities shall act in the following manner: (a) carry out the assessment based on predefined criteria laid down in advance and on a triage to determine prioritisation of incident containment and eradication; (b) assess the existence of recurring incidents as referred to in Article 4 of this Regulation on a quarterly basis; (c) review the appropriate logs for the purposes of event assessment and classification; (d) put in place a process for log correlation and analysis and (e) reassess and reclassify events in case of new information becoming available or after analysis of previously available information. </a:t>
             </a:r>
           </a:p>
         </p:txBody>
@@ -3153,7 +3244,7 @@
           <a:lstStyle/>
           <a:p>
             <a:r>
-              <a:t>Active Directory is used to provision named general user accounts for network access, while credentials for privileged accounts are stored centrally in a KeePass tool accessible only to system administrators. The IT infrastructure is managed at group level and operational technology locally, with incident response split between group and local functions. Event monitoring is handled by the SOC team, and vulnerability management including scanning, rating and remediation follows defined timelines. Missing information: details on authentication mechanisms such as multi-factor authentication, password complexity and rotation policies, secure authentication procedure documentation, alignment with access-control policy and periodic credential reviews.</a:t>
+              <a:t>summary not requested</a:t>
             </a:r>
           </a:p>
         </p:txBody>
@@ -3195,7 +3286,7 @@
               <a:defRPr sz="2600"/>
             </a:pPr>
             <a:r>
-              <a:t>8.5 Secure authentication.</a:t>
+              <a:t>3.4 EVENT ASSESSMENT AND CLASSIFICATION</a:t>
             </a:r>
           </a:p>
         </p:txBody>
@@ -3216,27 +3307,7 @@
           <a:lstStyle/>
           <a:p>
             <a:r>
-              <a:t>1. More information needed to conclude whether secure authentication technologies and procedures (e.g. multi-factor authentication, account lockout after failed attempts, protection against brute-force, secure transmission of credentials, log-on notices) have been implemented as required by 8.5.  </a:t>
-            </a:r>
-          </a:p>
-          <a:p>
-            <a:r>
-              <a:t>   Follow-up questions:  </a:t>
-            </a:r>
-          </a:p>
-          <a:p>
-            <a:r>
-              <a:t>   • Is multi-factor authentication enforced for general and privileged accounts?  </a:t>
-            </a:r>
-          </a:p>
-          <a:p>
-            <a:r>
-              <a:t>   • What mechanisms protect against brute-force login attempts (lockouts, CAPTCHA, alerts)?  </a:t>
-            </a:r>
-          </a:p>
-          <a:p>
-            <a:r>
-              <a:t>   • How is authentication information transmitted and logged (encryption, log-on notices, previous login details)?</a:t>
+              <a:t>observations not requested</a:t>
             </a:r>
           </a:p>
         </p:txBody>
@@ -3257,7 +3328,7 @@
           <a:lstStyle/>
           <a:p>
             <a:r>
-              <a:t>No specific risks – more information needed</a:t>
+              <a:t>risks not requested</a:t>
             </a:r>
           </a:p>
         </p:txBody>
@@ -3299,7 +3370,7 @@
               <a:defRPr sz="2600"/>
             </a:pPr>
             <a:r>
-              <a:t>5.15 Access control.</a:t>
+              <a:t>1.1 POLICY ON THE SECURITY OF NETWORK AND INFORMATION SYSTEMS</a:t>
             </a:r>
           </a:p>
         </p:txBody>
@@ -3320,7 +3391,7 @@
           <a:lstStyle/>
           <a:p>
             <a:r>
-              <a:t>Rules to control physical and logical access to information and other associated assets should be established and implemented based on business and information security requirements.</a:t>
+              <a:t>1.1.1. For the purpose of Article 21(2), point (a) of Directive (EU) 2022/2555, the policy on the security of network and information systems shall: (a) set out the relevant entities’ approach to managing the security of their network and information systems; (b) be appropriate to and complementary with the relevant entities’ business strategy and objectives; (c) set out network and information security objectives; (d) include a commitment to continual improvement of the security of network and information systems; (e) include a commitment to provide the appropriate resources needed for its implementation, including the necessary staff, financial resources, processes, tools and technologies; (f) be communicated to and acknowledged by relevant employees and relevant interested external parties; (g) lay down roles and responsibilities pursuant to point 1.2; (h) list the documentation to be kept and the duration of retention of the documentation; (i) list the topic-specific policies; (j) lay down indicators and measures to monitor its implementation and the current status of relevant entities’ maturity level of network and information security; (k) indicate the date of the formal approval by the management bodies of the relevant entities (the ‘management bodies’). 1.1.2. The network and information system security policy shall be reviewed and, where appropriate, updated by management bodies at least annually and when significant incidents or significant changes to operations or risks occur. The result of the reviews shall be documented. </a:t>
             </a:r>
           </a:p>
         </p:txBody>
@@ -3341,7 +3412,847 @@
           <a:lstStyle/>
           <a:p>
             <a:r>
-              <a:t>Active Directory is used to manage general logical access with uniquely named accounts issued to each user, while credentials for privileged accounts are securely stored in the Keepass tool and accessible only to system administrators. Event monitoring is implemented and managed by the SOC team to detect and respond to access-related activities. Access provisioning follows a centralized governance model under head-office cybersecurity oversight, with local teams handling operational controls. However, no formal access review process has been performed. Missing information: defined rules for physical and logical access control based on business and information security requirements, documented procedures for access reviews and physical access measures.</a:t>
+              <a:t>summary not requested</a:t>
+            </a:r>
+          </a:p>
+        </p:txBody>
+      </p:sp>
+    </p:spTree>
+  </p:cSld>
+  <p:clrMapOvr>
+    <a:masterClrMapping/>
+  </p:clrMapOvr>
+</p:sld>
+</file>
+
+<file path=ppt/slides/slide20.xml><?xml version="1.0" encoding="utf-8"?>
+<p:sld xmlns:a="http://schemas.openxmlformats.org/drawingml/2006/main" xmlns:p="http://schemas.openxmlformats.org/presentationml/2006/main" xmlns:r="http://schemas.openxmlformats.org/officeDocument/2006/relationships">
+  <p:cSld>
+    <p:spTree>
+      <p:nvGrpSpPr>
+        <p:cNvPr id="1" name=""/>
+        <p:cNvGrpSpPr/>
+        <p:nvPr/>
+      </p:nvGrpSpPr>
+      <p:grpSpPr/>
+      <p:sp>
+        <p:nvSpPr>
+          <p:cNvPr id="2" name="Title 1"/>
+          <p:cNvSpPr>
+            <a:spLocks noGrp="1"/>
+          </p:cNvSpPr>
+          <p:nvPr>
+            <p:ph type="title"/>
+          </p:nvPr>
+        </p:nvSpPr>
+        <p:spPr/>
+        <p:txBody>
+          <a:bodyPr/>
+          <a:lstStyle/>
+          <a:p>
+            <a:pPr>
+              <a:defRPr sz="2600"/>
+            </a:pPr>
+            <a:r>
+              <a:t>3.5 INCIDENT RESPONSE</a:t>
+            </a:r>
+          </a:p>
+        </p:txBody>
+      </p:sp>
+      <p:sp>
+        <p:nvSpPr>
+          <p:cNvPr id="3" name="Content Placeholder 2"/>
+          <p:cNvSpPr>
+            <a:spLocks noGrp="1"/>
+          </p:cNvSpPr>
+          <p:nvPr>
+            <p:ph idx="1"/>
+          </p:nvPr>
+        </p:nvSpPr>
+        <p:spPr/>
+        <p:txBody>
+          <a:bodyPr/>
+          <a:lstStyle/>
+          <a:p>
+            <a:r>
+              <a:t>3.5.1. The relevant entities shall respond to incidents in accordance with documented procedures and in a timely manner.  3.5.2. The incident response procedures shall include the following stages: (a) incident containment, to prevent the consequences of the incident from spreading; (b) eradication, to prevent the incident from continuing or reappearing, (c) recovery from the incident, where necessary. 3.5.3. The relevant entities shall establish communication plans and procedures: (a) with the Computer Security Incident Response Teams (CSIRTs) or, where applicable, the competent authorities, related to incident notification; (b) with relevant internal and external stakeholders. 3.5.4. The relevant entities shall log incident response activities in accordance with the procedures referred to in point 3.2.1. and record evidence. 3.5.5. The relevant entities shall test at planned intervals their incident response procedures. </a:t>
+            </a:r>
+          </a:p>
+        </p:txBody>
+      </p:sp>
+      <p:sp>
+        <p:nvSpPr>
+          <p:cNvPr id="4" name="Content Placeholder 3"/>
+          <p:cNvSpPr>
+            <a:spLocks noGrp="1"/>
+          </p:cNvSpPr>
+          <p:nvPr>
+            <p:ph idx="13"/>
+          </p:nvPr>
+        </p:nvSpPr>
+        <p:spPr/>
+        <p:txBody>
+          <a:bodyPr/>
+          <a:lstStyle/>
+          <a:p>
+            <a:r>
+              <a:t>summary not requested</a:t>
+            </a:r>
+          </a:p>
+        </p:txBody>
+      </p:sp>
+    </p:spTree>
+  </p:cSld>
+  <p:clrMapOvr>
+    <a:masterClrMapping/>
+  </p:clrMapOvr>
+</p:sld>
+</file>
+
+<file path=ppt/slides/slide21.xml><?xml version="1.0" encoding="utf-8"?>
+<p:sld xmlns:a="http://schemas.openxmlformats.org/drawingml/2006/main" xmlns:p="http://schemas.openxmlformats.org/presentationml/2006/main" xmlns:r="http://schemas.openxmlformats.org/officeDocument/2006/relationships">
+  <p:cSld>
+    <p:spTree>
+      <p:nvGrpSpPr>
+        <p:cNvPr id="1" name=""/>
+        <p:cNvGrpSpPr/>
+        <p:nvPr/>
+      </p:nvGrpSpPr>
+      <p:grpSpPr/>
+      <p:sp>
+        <p:nvSpPr>
+          <p:cNvPr id="2" name="Title 1"/>
+          <p:cNvSpPr>
+            <a:spLocks noGrp="1"/>
+          </p:cNvSpPr>
+          <p:nvPr>
+            <p:ph type="title"/>
+          </p:nvPr>
+        </p:nvSpPr>
+        <p:spPr/>
+        <p:txBody>
+          <a:bodyPr/>
+          <a:lstStyle/>
+          <a:p>
+            <a:pPr>
+              <a:defRPr sz="2600"/>
+            </a:pPr>
+            <a:r>
+              <a:t>3.5 INCIDENT RESPONSE</a:t>
+            </a:r>
+          </a:p>
+        </p:txBody>
+      </p:sp>
+      <p:sp>
+        <p:nvSpPr>
+          <p:cNvPr id="3" name="Content Placeholder 2"/>
+          <p:cNvSpPr>
+            <a:spLocks noGrp="1"/>
+          </p:cNvSpPr>
+          <p:nvPr>
+            <p:ph idx="1"/>
+          </p:nvPr>
+        </p:nvSpPr>
+        <p:spPr/>
+        <p:txBody>
+          <a:bodyPr/>
+          <a:lstStyle/>
+          <a:p>
+            <a:r>
+              <a:t>observations not requested</a:t>
+            </a:r>
+          </a:p>
+        </p:txBody>
+      </p:sp>
+      <p:sp>
+        <p:nvSpPr>
+          <p:cNvPr id="4" name="Text Placeholder 3"/>
+          <p:cNvSpPr>
+            <a:spLocks noGrp="1"/>
+          </p:cNvSpPr>
+          <p:nvPr>
+            <p:ph type="body" idx="13" sz="quarter"/>
+          </p:nvPr>
+        </p:nvSpPr>
+        <p:spPr/>
+        <p:txBody>
+          <a:bodyPr/>
+          <a:lstStyle/>
+          <a:p>
+            <a:r>
+              <a:t>risks not requested</a:t>
+            </a:r>
+          </a:p>
+        </p:txBody>
+      </p:sp>
+    </p:spTree>
+  </p:cSld>
+  <p:clrMapOvr>
+    <a:masterClrMapping/>
+  </p:clrMapOvr>
+</p:sld>
+</file>
+
+<file path=ppt/slides/slide22.xml><?xml version="1.0" encoding="utf-8"?>
+<p:sld xmlns:a="http://schemas.openxmlformats.org/drawingml/2006/main" xmlns:p="http://schemas.openxmlformats.org/presentationml/2006/main" xmlns:r="http://schemas.openxmlformats.org/officeDocument/2006/relationships">
+  <p:cSld>
+    <p:spTree>
+      <p:nvGrpSpPr>
+        <p:cNvPr id="1" name=""/>
+        <p:cNvGrpSpPr/>
+        <p:nvPr/>
+      </p:nvGrpSpPr>
+      <p:grpSpPr/>
+      <p:sp>
+        <p:nvSpPr>
+          <p:cNvPr id="2" name="Title 1"/>
+          <p:cNvSpPr>
+            <a:spLocks noGrp="1"/>
+          </p:cNvSpPr>
+          <p:nvPr>
+            <p:ph type="title"/>
+          </p:nvPr>
+        </p:nvSpPr>
+        <p:spPr/>
+        <p:txBody>
+          <a:bodyPr/>
+          <a:lstStyle/>
+          <a:p>
+            <a:pPr>
+              <a:defRPr sz="2600"/>
+            </a:pPr>
+            <a:r>
+              <a:t>3.6 POST-INCIDENT REVIEWS</a:t>
+            </a:r>
+          </a:p>
+        </p:txBody>
+      </p:sp>
+      <p:sp>
+        <p:nvSpPr>
+          <p:cNvPr id="3" name="Content Placeholder 2"/>
+          <p:cNvSpPr>
+            <a:spLocks noGrp="1"/>
+          </p:cNvSpPr>
+          <p:nvPr>
+            <p:ph idx="1"/>
+          </p:nvPr>
+        </p:nvSpPr>
+        <p:spPr/>
+        <p:txBody>
+          <a:bodyPr/>
+          <a:lstStyle/>
+          <a:p>
+            <a:r>
+              <a:t>3.6.1. Where appropriate, the relevant entities shall carry out post-incident reviews after recovery from incidents. The post-incident reviews shall identify, where possible, the root cause of the incident and result in documented lessons learned to reduce the occurrence and consequences of future incidents. 3.6.2. The relevant entities shall ensure that post-incident reviews contribute to improving their approach to network and information security, to risk treatment measures and to incident handling, detection and response procedures. 3.6.3. The relevant entities shall review at planned intervals if incidents led to post-incident reviews. </a:t>
+            </a:r>
+          </a:p>
+        </p:txBody>
+      </p:sp>
+      <p:sp>
+        <p:nvSpPr>
+          <p:cNvPr id="4" name="Content Placeholder 3"/>
+          <p:cNvSpPr>
+            <a:spLocks noGrp="1"/>
+          </p:cNvSpPr>
+          <p:nvPr>
+            <p:ph idx="13"/>
+          </p:nvPr>
+        </p:nvSpPr>
+        <p:spPr/>
+        <p:txBody>
+          <a:bodyPr/>
+          <a:lstStyle/>
+          <a:p>
+            <a:r>
+              <a:t>summary not requested</a:t>
+            </a:r>
+          </a:p>
+        </p:txBody>
+      </p:sp>
+    </p:spTree>
+  </p:cSld>
+  <p:clrMapOvr>
+    <a:masterClrMapping/>
+  </p:clrMapOvr>
+</p:sld>
+</file>
+
+<file path=ppt/slides/slide23.xml><?xml version="1.0" encoding="utf-8"?>
+<p:sld xmlns:a="http://schemas.openxmlformats.org/drawingml/2006/main" xmlns:p="http://schemas.openxmlformats.org/presentationml/2006/main" xmlns:r="http://schemas.openxmlformats.org/officeDocument/2006/relationships">
+  <p:cSld>
+    <p:spTree>
+      <p:nvGrpSpPr>
+        <p:cNvPr id="1" name=""/>
+        <p:cNvGrpSpPr/>
+        <p:nvPr/>
+      </p:nvGrpSpPr>
+      <p:grpSpPr/>
+      <p:sp>
+        <p:nvSpPr>
+          <p:cNvPr id="2" name="Title 1"/>
+          <p:cNvSpPr>
+            <a:spLocks noGrp="1"/>
+          </p:cNvSpPr>
+          <p:nvPr>
+            <p:ph type="title"/>
+          </p:nvPr>
+        </p:nvSpPr>
+        <p:spPr/>
+        <p:txBody>
+          <a:bodyPr/>
+          <a:lstStyle/>
+          <a:p>
+            <a:pPr>
+              <a:defRPr sz="2600"/>
+            </a:pPr>
+            <a:r>
+              <a:t>3.6 POST-INCIDENT REVIEWS</a:t>
+            </a:r>
+          </a:p>
+        </p:txBody>
+      </p:sp>
+      <p:sp>
+        <p:nvSpPr>
+          <p:cNvPr id="3" name="Content Placeholder 2"/>
+          <p:cNvSpPr>
+            <a:spLocks noGrp="1"/>
+          </p:cNvSpPr>
+          <p:nvPr>
+            <p:ph idx="1"/>
+          </p:nvPr>
+        </p:nvSpPr>
+        <p:spPr/>
+        <p:txBody>
+          <a:bodyPr/>
+          <a:lstStyle/>
+          <a:p>
+            <a:r>
+              <a:t>observations not requested</a:t>
+            </a:r>
+          </a:p>
+        </p:txBody>
+      </p:sp>
+      <p:sp>
+        <p:nvSpPr>
+          <p:cNvPr id="4" name="Text Placeholder 3"/>
+          <p:cNvSpPr>
+            <a:spLocks noGrp="1"/>
+          </p:cNvSpPr>
+          <p:nvPr>
+            <p:ph type="body" idx="13" sz="quarter"/>
+          </p:nvPr>
+        </p:nvSpPr>
+        <p:spPr/>
+        <p:txBody>
+          <a:bodyPr/>
+          <a:lstStyle/>
+          <a:p>
+            <a:r>
+              <a:t>risks not requested</a:t>
+            </a:r>
+          </a:p>
+        </p:txBody>
+      </p:sp>
+    </p:spTree>
+  </p:cSld>
+  <p:clrMapOvr>
+    <a:masterClrMapping/>
+  </p:clrMapOvr>
+</p:sld>
+</file>
+
+<file path=ppt/slides/slide24.xml><?xml version="1.0" encoding="utf-8"?>
+<p:sld xmlns:a="http://schemas.openxmlformats.org/drawingml/2006/main" xmlns:p="http://schemas.openxmlformats.org/presentationml/2006/main" xmlns:r="http://schemas.openxmlformats.org/officeDocument/2006/relationships">
+  <p:cSld>
+    <p:spTree>
+      <p:nvGrpSpPr>
+        <p:cNvPr id="1" name=""/>
+        <p:cNvGrpSpPr/>
+        <p:nvPr/>
+      </p:nvGrpSpPr>
+      <p:grpSpPr/>
+      <p:sp>
+        <p:nvSpPr>
+          <p:cNvPr id="2" name="Title 1"/>
+          <p:cNvSpPr>
+            <a:spLocks noGrp="1"/>
+          </p:cNvSpPr>
+          <p:nvPr>
+            <p:ph type="title"/>
+          </p:nvPr>
+        </p:nvSpPr>
+        <p:spPr/>
+        <p:txBody>
+          <a:bodyPr/>
+          <a:lstStyle/>
+          <a:p>
+            <a:pPr>
+              <a:defRPr sz="2600"/>
+            </a:pPr>
+            <a:r>
+              <a:t>4.1 BUSINESS CONTINUITY AND DISASTER RECOVERY PLAN</a:t>
+            </a:r>
+          </a:p>
+        </p:txBody>
+      </p:sp>
+      <p:sp>
+        <p:nvSpPr>
+          <p:cNvPr id="3" name="Content Placeholder 2"/>
+          <p:cNvSpPr>
+            <a:spLocks noGrp="1"/>
+          </p:cNvSpPr>
+          <p:nvPr>
+            <p:ph idx="1"/>
+          </p:nvPr>
+        </p:nvSpPr>
+        <p:spPr/>
+        <p:txBody>
+          <a:bodyPr/>
+          <a:lstStyle/>
+          <a:p>
+            <a:r>
+              <a:t>4.1.1. For the purpose of Article 21(2), point (c) of Directive (EU) 2022/2555, the relevant entities shall lay down and maintain a business continuity and disaster recovery plan to apply in the case of incidents. 4.1.2. The relevant entities’ operations shall be restored according to the business continuity and disaster recovery plan. The plan shall be based on the results of the risk assessment carried out pursuant to point 2.1 and shall include, where appropriate, the following: (a) purpose, scope and audience; (b) roles and responsibilities; (c) key contacts and (internal and external) communication channels; (d) conditions for plan activation and deactivation; (e) order of recovery for operations; (f) recovery plans for specific operations, including recovery objectives; (g) required resources, including backups and redundancies; (h) restoring and resuming activities from temporary measures. 4.1.3. The relevant entities shall carry out a business impact analysis to assess the potential impact of severe disruptions to their business operations and shall, based on the results of the business impact analysis, establish continuity requirements for the network and information systems. 4.1.4. The business continuity plan and disaster recovery plan shall be tested, reviewed and, where appropriate, updated at planned intervals and following significant incidents or significant changes to operations or risks. The relevant entities shall ensure that the plans incorporate lessons learnt from such tests. </a:t>
+            </a:r>
+          </a:p>
+        </p:txBody>
+      </p:sp>
+      <p:sp>
+        <p:nvSpPr>
+          <p:cNvPr id="4" name="Content Placeholder 3"/>
+          <p:cNvSpPr>
+            <a:spLocks noGrp="1"/>
+          </p:cNvSpPr>
+          <p:nvPr>
+            <p:ph idx="13"/>
+          </p:nvPr>
+        </p:nvSpPr>
+        <p:spPr/>
+        <p:txBody>
+          <a:bodyPr/>
+          <a:lstStyle/>
+          <a:p>
+            <a:r>
+              <a:t>summary not requested</a:t>
+            </a:r>
+          </a:p>
+        </p:txBody>
+      </p:sp>
+    </p:spTree>
+  </p:cSld>
+  <p:clrMapOvr>
+    <a:masterClrMapping/>
+  </p:clrMapOvr>
+</p:sld>
+</file>
+
+<file path=ppt/slides/slide25.xml><?xml version="1.0" encoding="utf-8"?>
+<p:sld xmlns:a="http://schemas.openxmlformats.org/drawingml/2006/main" xmlns:p="http://schemas.openxmlformats.org/presentationml/2006/main" xmlns:r="http://schemas.openxmlformats.org/officeDocument/2006/relationships">
+  <p:cSld>
+    <p:spTree>
+      <p:nvGrpSpPr>
+        <p:cNvPr id="1" name=""/>
+        <p:cNvGrpSpPr/>
+        <p:nvPr/>
+      </p:nvGrpSpPr>
+      <p:grpSpPr/>
+      <p:sp>
+        <p:nvSpPr>
+          <p:cNvPr id="2" name="Title 1"/>
+          <p:cNvSpPr>
+            <a:spLocks noGrp="1"/>
+          </p:cNvSpPr>
+          <p:nvPr>
+            <p:ph type="title"/>
+          </p:nvPr>
+        </p:nvSpPr>
+        <p:spPr/>
+        <p:txBody>
+          <a:bodyPr/>
+          <a:lstStyle/>
+          <a:p>
+            <a:pPr>
+              <a:defRPr sz="2600"/>
+            </a:pPr>
+            <a:r>
+              <a:t>4.1 BUSINESS CONTINUITY AND DISASTER RECOVERY PLAN</a:t>
+            </a:r>
+          </a:p>
+        </p:txBody>
+      </p:sp>
+      <p:sp>
+        <p:nvSpPr>
+          <p:cNvPr id="3" name="Content Placeholder 2"/>
+          <p:cNvSpPr>
+            <a:spLocks noGrp="1"/>
+          </p:cNvSpPr>
+          <p:nvPr>
+            <p:ph idx="1"/>
+          </p:nvPr>
+        </p:nvSpPr>
+        <p:spPr/>
+        <p:txBody>
+          <a:bodyPr/>
+          <a:lstStyle/>
+          <a:p>
+            <a:r>
+              <a:t>observations not requested</a:t>
+            </a:r>
+          </a:p>
+        </p:txBody>
+      </p:sp>
+      <p:sp>
+        <p:nvSpPr>
+          <p:cNvPr id="4" name="Text Placeholder 3"/>
+          <p:cNvSpPr>
+            <a:spLocks noGrp="1"/>
+          </p:cNvSpPr>
+          <p:nvPr>
+            <p:ph type="body" idx="13" sz="quarter"/>
+          </p:nvPr>
+        </p:nvSpPr>
+        <p:spPr/>
+        <p:txBody>
+          <a:bodyPr/>
+          <a:lstStyle/>
+          <a:p>
+            <a:r>
+              <a:t>risks not requested</a:t>
+            </a:r>
+          </a:p>
+        </p:txBody>
+      </p:sp>
+    </p:spTree>
+  </p:cSld>
+  <p:clrMapOvr>
+    <a:masterClrMapping/>
+  </p:clrMapOvr>
+</p:sld>
+</file>
+
+<file path=ppt/slides/slide26.xml><?xml version="1.0" encoding="utf-8"?>
+<p:sld xmlns:a="http://schemas.openxmlformats.org/drawingml/2006/main" xmlns:p="http://schemas.openxmlformats.org/presentationml/2006/main" xmlns:r="http://schemas.openxmlformats.org/officeDocument/2006/relationships">
+  <p:cSld>
+    <p:spTree>
+      <p:nvGrpSpPr>
+        <p:cNvPr id="1" name=""/>
+        <p:cNvGrpSpPr/>
+        <p:nvPr/>
+      </p:nvGrpSpPr>
+      <p:grpSpPr/>
+      <p:sp>
+        <p:nvSpPr>
+          <p:cNvPr id="2" name="Title 1"/>
+          <p:cNvSpPr>
+            <a:spLocks noGrp="1"/>
+          </p:cNvSpPr>
+          <p:nvPr>
+            <p:ph type="title"/>
+          </p:nvPr>
+        </p:nvSpPr>
+        <p:spPr/>
+        <p:txBody>
+          <a:bodyPr/>
+          <a:lstStyle/>
+          <a:p>
+            <a:pPr>
+              <a:defRPr sz="2600"/>
+            </a:pPr>
+            <a:r>
+              <a:t>4.2 BACKUP AND REDUNDANCY MANAGEMENT</a:t>
+            </a:r>
+          </a:p>
+        </p:txBody>
+      </p:sp>
+      <p:sp>
+        <p:nvSpPr>
+          <p:cNvPr id="3" name="Content Placeholder 2"/>
+          <p:cNvSpPr>
+            <a:spLocks noGrp="1"/>
+          </p:cNvSpPr>
+          <p:nvPr>
+            <p:ph idx="1"/>
+          </p:nvPr>
+        </p:nvSpPr>
+        <p:spPr/>
+        <p:txBody>
+          <a:bodyPr/>
+          <a:lstStyle/>
+          <a:p>
+            <a:r>
+              <a:t>4.2.1. The relevant entities shall maintain backup copies of data and provide sufficient available resources, including facilities, network and information systems and staff, to ensure an appropriate level of redundancy. 4.2.2. Based on the results of the risk assessment carried out pursuant to point 2.1 and the business continuity plan, the relevant entities shall lay down backup plans which include the following: (a) recovery times; (b) assurance that backup copies are complete and accurate, including configuration data and data stored in cloud computing service environment; (c) storing backup copies (online or offline) in a safe location or locations, which are not in the same network as the system and are at sufficient distance to escape any damage from a disaster at the main site; (d) appropriate physical and logical access controls to backup copies, in accordance with the asset classification level; (e) restoring data from backup copies; (f) retention periods based on business and regulatory requirements. 4.2.3. The relevant entities shall perform regular integrity checks on the backup copies. 4.2.4. Based on the results of the risk assessment carried out pursuant to point 2.1 and the business continuity plan, the relevant entities shall ensure sufficient availability of resources by at least partial redundancy of the following: (a) network and information systems; (b) assets, including facilities, equipment and supplies; (c) personnel with the necessary responsibility, authority and competence; (d) appropriate communication channels. 4.2.5. Where appropriate, the relevant entities shall ensure that monitoring and adjustment of resources, including facilities, systems and personnel, is duly informed by backup and redundancy requirements. 4.2.6. The relevant entities shall carry out regular testing of the recovery of backup copies and redundancies to ensure that, in recovery conditions, they can be relied upon and cover the copies, processes and knowledge to perform an effective recovery. The relevant entities shall document the results of the tests and, where needed, take corrective action. </a:t>
+            </a:r>
+          </a:p>
+        </p:txBody>
+      </p:sp>
+      <p:sp>
+        <p:nvSpPr>
+          <p:cNvPr id="4" name="Content Placeholder 3"/>
+          <p:cNvSpPr>
+            <a:spLocks noGrp="1"/>
+          </p:cNvSpPr>
+          <p:nvPr>
+            <p:ph idx="13"/>
+          </p:nvPr>
+        </p:nvSpPr>
+        <p:spPr/>
+        <p:txBody>
+          <a:bodyPr/>
+          <a:lstStyle/>
+          <a:p>
+            <a:r>
+              <a:t>summary not requested</a:t>
+            </a:r>
+          </a:p>
+        </p:txBody>
+      </p:sp>
+    </p:spTree>
+  </p:cSld>
+  <p:clrMapOvr>
+    <a:masterClrMapping/>
+  </p:clrMapOvr>
+</p:sld>
+</file>
+
+<file path=ppt/slides/slide27.xml><?xml version="1.0" encoding="utf-8"?>
+<p:sld xmlns:a="http://schemas.openxmlformats.org/drawingml/2006/main" xmlns:p="http://schemas.openxmlformats.org/presentationml/2006/main" xmlns:r="http://schemas.openxmlformats.org/officeDocument/2006/relationships">
+  <p:cSld>
+    <p:spTree>
+      <p:nvGrpSpPr>
+        <p:cNvPr id="1" name=""/>
+        <p:cNvGrpSpPr/>
+        <p:nvPr/>
+      </p:nvGrpSpPr>
+      <p:grpSpPr/>
+      <p:sp>
+        <p:nvSpPr>
+          <p:cNvPr id="2" name="Title 1"/>
+          <p:cNvSpPr>
+            <a:spLocks noGrp="1"/>
+          </p:cNvSpPr>
+          <p:nvPr>
+            <p:ph type="title"/>
+          </p:nvPr>
+        </p:nvSpPr>
+        <p:spPr/>
+        <p:txBody>
+          <a:bodyPr/>
+          <a:lstStyle/>
+          <a:p>
+            <a:pPr>
+              <a:defRPr sz="2600"/>
+            </a:pPr>
+            <a:r>
+              <a:t>4.2 BACKUP AND REDUNDANCY MANAGEMENT</a:t>
+            </a:r>
+          </a:p>
+        </p:txBody>
+      </p:sp>
+      <p:sp>
+        <p:nvSpPr>
+          <p:cNvPr id="3" name="Content Placeholder 2"/>
+          <p:cNvSpPr>
+            <a:spLocks noGrp="1"/>
+          </p:cNvSpPr>
+          <p:nvPr>
+            <p:ph idx="1"/>
+          </p:nvPr>
+        </p:nvSpPr>
+        <p:spPr/>
+        <p:txBody>
+          <a:bodyPr/>
+          <a:lstStyle/>
+          <a:p>
+            <a:r>
+              <a:t>observations not requested</a:t>
+            </a:r>
+          </a:p>
+        </p:txBody>
+      </p:sp>
+      <p:sp>
+        <p:nvSpPr>
+          <p:cNvPr id="4" name="Text Placeholder 3"/>
+          <p:cNvSpPr>
+            <a:spLocks noGrp="1"/>
+          </p:cNvSpPr>
+          <p:nvPr>
+            <p:ph type="body" idx="13" sz="quarter"/>
+          </p:nvPr>
+        </p:nvSpPr>
+        <p:spPr/>
+        <p:txBody>
+          <a:bodyPr/>
+          <a:lstStyle/>
+          <a:p>
+            <a:r>
+              <a:t>risks not requested</a:t>
+            </a:r>
+          </a:p>
+        </p:txBody>
+      </p:sp>
+    </p:spTree>
+  </p:cSld>
+  <p:clrMapOvr>
+    <a:masterClrMapping/>
+  </p:clrMapOvr>
+</p:sld>
+</file>
+
+<file path=ppt/slides/slide28.xml><?xml version="1.0" encoding="utf-8"?>
+<p:sld xmlns:a="http://schemas.openxmlformats.org/drawingml/2006/main" xmlns:p="http://schemas.openxmlformats.org/presentationml/2006/main" xmlns:r="http://schemas.openxmlformats.org/officeDocument/2006/relationships">
+  <p:cSld>
+    <p:spTree>
+      <p:nvGrpSpPr>
+        <p:cNvPr id="1" name=""/>
+        <p:cNvGrpSpPr/>
+        <p:nvPr/>
+      </p:nvGrpSpPr>
+      <p:grpSpPr/>
+      <p:sp>
+        <p:nvSpPr>
+          <p:cNvPr id="2" name="Title 1"/>
+          <p:cNvSpPr>
+            <a:spLocks noGrp="1"/>
+          </p:cNvSpPr>
+          <p:nvPr>
+            <p:ph type="title"/>
+          </p:nvPr>
+        </p:nvSpPr>
+        <p:spPr/>
+        <p:txBody>
+          <a:bodyPr/>
+          <a:lstStyle/>
+          <a:p>
+            <a:pPr>
+              <a:defRPr sz="2600"/>
+            </a:pPr>
+            <a:r>
+              <a:t>4.3 CRISIS MANAGEMENT</a:t>
+            </a:r>
+          </a:p>
+        </p:txBody>
+      </p:sp>
+      <p:sp>
+        <p:nvSpPr>
+          <p:cNvPr id="3" name="Content Placeholder 2"/>
+          <p:cNvSpPr>
+            <a:spLocks noGrp="1"/>
+          </p:cNvSpPr>
+          <p:nvPr>
+            <p:ph idx="1"/>
+          </p:nvPr>
+        </p:nvSpPr>
+        <p:spPr/>
+        <p:txBody>
+          <a:bodyPr/>
+          <a:lstStyle/>
+          <a:p>
+            <a:r>
+              <a:t>4.3.1. The relevant entities shall put in place a process for crisis management. 4.3.2. The relevant entities shall ensure that the crisis management process addresses at least the following elements: (a) roles and responsibilities for personnel and, where appropriate, suppliers and service providers, specifying the allocation of roles in crisis situations, including specific steps to follow; (b) appropriate communication means between the relevant entities and relevant competent authorities; (c) application of appropriate measures to ensure the maintenance of network and information system security in crisis situations. For the purpose of point (b), the flow of information between the relevant entities and relevant competent authorities shall include both obligatory communications, such as incident reports and related timelines and non-obligatory communications. 4.3.3. The relevant entities shall implement a process for managing and making use of information received from the CSIRTs or, where applicable, the competent authorities, concerning incidents, vulnerabilities, threats or possible mitigation measures. 4.3.4. The relevant entities shall test, review and, where appropriate, update the crisis management plan on a regular basis or following significant incidents or significant changes to operations or risks. </a:t>
+            </a:r>
+          </a:p>
+        </p:txBody>
+      </p:sp>
+      <p:sp>
+        <p:nvSpPr>
+          <p:cNvPr id="4" name="Content Placeholder 3"/>
+          <p:cNvSpPr>
+            <a:spLocks noGrp="1"/>
+          </p:cNvSpPr>
+          <p:nvPr>
+            <p:ph idx="13"/>
+          </p:nvPr>
+        </p:nvSpPr>
+        <p:spPr/>
+        <p:txBody>
+          <a:bodyPr/>
+          <a:lstStyle/>
+          <a:p>
+            <a:r>
+              <a:t>summary not requested</a:t>
+            </a:r>
+          </a:p>
+        </p:txBody>
+      </p:sp>
+    </p:spTree>
+  </p:cSld>
+  <p:clrMapOvr>
+    <a:masterClrMapping/>
+  </p:clrMapOvr>
+</p:sld>
+</file>
+
+<file path=ppt/slides/slide29.xml><?xml version="1.0" encoding="utf-8"?>
+<p:sld xmlns:a="http://schemas.openxmlformats.org/drawingml/2006/main" xmlns:p="http://schemas.openxmlformats.org/presentationml/2006/main" xmlns:r="http://schemas.openxmlformats.org/officeDocument/2006/relationships">
+  <p:cSld>
+    <p:spTree>
+      <p:nvGrpSpPr>
+        <p:cNvPr id="1" name=""/>
+        <p:cNvGrpSpPr/>
+        <p:nvPr/>
+      </p:nvGrpSpPr>
+      <p:grpSpPr/>
+      <p:sp>
+        <p:nvSpPr>
+          <p:cNvPr id="2" name="Title 1"/>
+          <p:cNvSpPr>
+            <a:spLocks noGrp="1"/>
+          </p:cNvSpPr>
+          <p:nvPr>
+            <p:ph type="title"/>
+          </p:nvPr>
+        </p:nvSpPr>
+        <p:spPr/>
+        <p:txBody>
+          <a:bodyPr/>
+          <a:lstStyle/>
+          <a:p>
+            <a:pPr>
+              <a:defRPr sz="2600"/>
+            </a:pPr>
+            <a:r>
+              <a:t>4.3 CRISIS MANAGEMENT</a:t>
+            </a:r>
+          </a:p>
+        </p:txBody>
+      </p:sp>
+      <p:sp>
+        <p:nvSpPr>
+          <p:cNvPr id="3" name="Content Placeholder 2"/>
+          <p:cNvSpPr>
+            <a:spLocks noGrp="1"/>
+          </p:cNvSpPr>
+          <p:nvPr>
+            <p:ph idx="1"/>
+          </p:nvPr>
+        </p:nvSpPr>
+        <p:spPr/>
+        <p:txBody>
+          <a:bodyPr/>
+          <a:lstStyle/>
+          <a:p>
+            <a:r>
+              <a:t>observations not requested</a:t>
+            </a:r>
+          </a:p>
+        </p:txBody>
+      </p:sp>
+      <p:sp>
+        <p:nvSpPr>
+          <p:cNvPr id="4" name="Text Placeholder 3"/>
+          <p:cNvSpPr>
+            <a:spLocks noGrp="1"/>
+          </p:cNvSpPr>
+          <p:nvPr>
+            <p:ph type="body" idx="13" sz="quarter"/>
+          </p:nvPr>
+        </p:nvSpPr>
+        <p:spPr/>
+        <p:txBody>
+          <a:bodyPr/>
+          <a:lstStyle/>
+          <a:p>
+            <a:r>
+              <a:t>risks not requested</a:t>
             </a:r>
           </a:p>
         </p:txBody>
@@ -3383,7 +4294,7 @@
               <a:defRPr sz="2600"/>
             </a:pPr>
             <a:r>
-              <a:t>5.15 Access control.</a:t>
+              <a:t>1.1 POLICY ON THE SECURITY OF NETWORK AND INFORMATION SYSTEMS</a:t>
             </a:r>
           </a:p>
         </p:txBody>
@@ -3404,12 +4315,7 @@
           <a:lstStyle/>
           <a:p>
             <a:r>
-              <a:t>1. Observation: Access rights reviews are not performed. The absence of any periodic review of Active Directory or privileged account entitlements indicates non-compliance with the requirement for managing and reviewing access rights (see 5.15, 5.18).  </a:t>
-            </a:r>
-          </a:p>
-          <a:p>
-            <a:r>
-              <a:t>2. More information needed to conclude. Please provide the documented access control policy (scope, roles, approval workflows, segregation of duties) and evidence of its communication to relevant stakeholders.</a:t>
+              <a:t>observations not requested</a:t>
             </a:r>
           </a:p>
         </p:txBody>
@@ -3430,13 +4336,847 @@
           <a:lstStyle/>
           <a:p>
             <a:r>
-              <a:t>1. Risk Statement: Without periodic reviews of Active Directory and privileged account entitlements, outdated or excessive permissions may persist, enabling unauthorized or inappropriate access. This could lead to data exfiltration, unauthorized modifications, or system disruptions, undermining the confidentiality, integrity, and availability of critical information assets. By failing to align access rights with current business needs and security requirements, the organization increases its exposure to insider threats and external attacks, potentially resulting in regulatory non-compliance, reputational damage, and financial loss.</a:t>
-            </a:r>
-          </a:p>
-          <a:p/>
-          <a:p>
-            <a:r>
-              <a:t>2. No specific risks - more information needed</a:t>
+              <a:t>risks not requested</a:t>
+            </a:r>
+          </a:p>
+        </p:txBody>
+      </p:sp>
+    </p:spTree>
+  </p:cSld>
+  <p:clrMapOvr>
+    <a:masterClrMapping/>
+  </p:clrMapOvr>
+</p:sld>
+</file>
+
+<file path=ppt/slides/slide30.xml><?xml version="1.0" encoding="utf-8"?>
+<p:sld xmlns:a="http://schemas.openxmlformats.org/drawingml/2006/main" xmlns:p="http://schemas.openxmlformats.org/presentationml/2006/main" xmlns:r="http://schemas.openxmlformats.org/officeDocument/2006/relationships">
+  <p:cSld>
+    <p:spTree>
+      <p:nvGrpSpPr>
+        <p:cNvPr id="1" name=""/>
+        <p:cNvGrpSpPr/>
+        <p:nvPr/>
+      </p:nvGrpSpPr>
+      <p:grpSpPr/>
+      <p:sp>
+        <p:nvSpPr>
+          <p:cNvPr id="2" name="Title 1"/>
+          <p:cNvSpPr>
+            <a:spLocks noGrp="1"/>
+          </p:cNvSpPr>
+          <p:nvPr>
+            <p:ph type="title"/>
+          </p:nvPr>
+        </p:nvSpPr>
+        <p:spPr/>
+        <p:txBody>
+          <a:bodyPr/>
+          <a:lstStyle/>
+          <a:p>
+            <a:pPr>
+              <a:defRPr sz="2600"/>
+            </a:pPr>
+            <a:r>
+              <a:t>5.1 SUPPLY CHAIN SECURITY POLICY</a:t>
+            </a:r>
+          </a:p>
+        </p:txBody>
+      </p:sp>
+      <p:sp>
+        <p:nvSpPr>
+          <p:cNvPr id="3" name="Content Placeholder 2"/>
+          <p:cNvSpPr>
+            <a:spLocks noGrp="1"/>
+          </p:cNvSpPr>
+          <p:nvPr>
+            <p:ph idx="1"/>
+          </p:nvPr>
+        </p:nvSpPr>
+        <p:spPr/>
+        <p:txBody>
+          <a:bodyPr/>
+          <a:lstStyle/>
+          <a:p>
+            <a:r>
+              <a:t>5.1.1. For the purpose of Article 21(2), point (d) of Directive (EU) 2022/2555, the relevant entities shall establish, implement and apply a supply chain security policy which governs the relations with their direct suppliers and service providers to mitigate the identified risks to the security of network and information systems. In the supply chain security policy, the relevant entities shall identify their role in the supply chain and communicate it to their direct suppliers and service providers. 5.1.2. As part of the supply chain security policy referred to in point 5.1.1, the relevant entities shall lay down criteria to select and contract suppliers and service providers. Those criteria shall include the following: (a) the cybersecurity practices of the suppliers and service providers, including their secure development procedures; (b) the ability of the suppliers and service providers to meet cybersecurity specifications set by the relevant entities; (c) the overall quality and resilience of ICT products and ICT services and the cybersecurity risk-management measures embedded in them, including the risks and classification level of the ICT products and ICT services; (d) the ability of the relevant entities to diversify sources of supply and limit vendor lock-in, where applicable. 5.1.3. When establishing their supply chain security policy, relevant entities shall take into account the results of the coordinated security risk assessments of critical supply chains carried out in accordance with Article 22(1) of Directive (EU) 2022/2555, where applicable. 5.1.4. Based on the supply chain security policy and taking into account the results of the risk assessment carried out in accordance with point 2.1. of this Annex, the relevant entities shall ensure that their contracts with the suppliers and service providers specify, where appropriate through service level agreements, the following, where appropriate: (a) cybersecurity requirements for the suppliers or service providers, including requirements as regards the security in acquisition of ICT services or ICT products set out in point 6.1.; (b) requirements regarding awareness, skills and training and where appropriate certifications, required from the suppliers’ or service providers’ employees; (c) requirements regarding the verification of the background of the suppliers’ and service providers’ employees; (d) an obligation on suppliers and service providers to notify, without undue delay, the relevant entities of incidents that present a risk to the security of the network and information systems of those entities; (e) the right to audit or right to receive audit reports; (f) an obligation on suppliers and service providers to handle vulnerabilities that present a risk to the security of the network and information systems of the relevant entities; (g) requirements regarding subcontracting and, where the relevant entities allow subcontracting, cybersecurity requirements for subcontractors in accordance with the cybersecurity requirements referred to in point (a); (h) obligations on the suppliers and service providers at the termination of the contract, such as retrieval and disposal of the information obtained by the suppliers and service providers in the exercise of their tasks. 5.1.5. The relevant entities shall take into account the elements referred to in point 5.1.2 and 5.1.3. as part of the selection process of new suppliers and service providers, as well as part of the procurement process referred to in point 6.1. 5.1.6. The relevant entities shall review the supply chain security policy and monitor, evaluate and, where necessary, act upon changes in the cybersecurity practices of suppliers and service providers, at planned intervals and when significant changes to operations or risks or significant incidents related to the provision of ICT services or having impact on the security of the ICT products from suppliers and service providers occur. 5.1.7. For the purpose of point 5.1.6., the relevant entities shall: (a) regularly monitor reports on the implementation of the service level agreements, where applicable; (b) review incidents related to ICT products and ICT services from suppliers and service providers; (c) assess the need for unscheduled reviews and document the findings in a comprehensible manner; (d) analyse the risks presented by changes related to ICT products and ICT services from suppliers and service providers and, where appropriate, take mitigating measures in a timely manner. </a:t>
+            </a:r>
+          </a:p>
+        </p:txBody>
+      </p:sp>
+      <p:sp>
+        <p:nvSpPr>
+          <p:cNvPr id="4" name="Content Placeholder 3"/>
+          <p:cNvSpPr>
+            <a:spLocks noGrp="1"/>
+          </p:cNvSpPr>
+          <p:nvPr>
+            <p:ph idx="13"/>
+          </p:nvPr>
+        </p:nvSpPr>
+        <p:spPr/>
+        <p:txBody>
+          <a:bodyPr/>
+          <a:lstStyle/>
+          <a:p>
+            <a:r>
+              <a:t>summary not requested</a:t>
+            </a:r>
+          </a:p>
+        </p:txBody>
+      </p:sp>
+    </p:spTree>
+  </p:cSld>
+  <p:clrMapOvr>
+    <a:masterClrMapping/>
+  </p:clrMapOvr>
+</p:sld>
+</file>
+
+<file path=ppt/slides/slide31.xml><?xml version="1.0" encoding="utf-8"?>
+<p:sld xmlns:a="http://schemas.openxmlformats.org/drawingml/2006/main" xmlns:p="http://schemas.openxmlformats.org/presentationml/2006/main" xmlns:r="http://schemas.openxmlformats.org/officeDocument/2006/relationships">
+  <p:cSld>
+    <p:spTree>
+      <p:nvGrpSpPr>
+        <p:cNvPr id="1" name=""/>
+        <p:cNvGrpSpPr/>
+        <p:nvPr/>
+      </p:nvGrpSpPr>
+      <p:grpSpPr/>
+      <p:sp>
+        <p:nvSpPr>
+          <p:cNvPr id="2" name="Title 1"/>
+          <p:cNvSpPr>
+            <a:spLocks noGrp="1"/>
+          </p:cNvSpPr>
+          <p:nvPr>
+            <p:ph type="title"/>
+          </p:nvPr>
+        </p:nvSpPr>
+        <p:spPr/>
+        <p:txBody>
+          <a:bodyPr/>
+          <a:lstStyle/>
+          <a:p>
+            <a:pPr>
+              <a:defRPr sz="2600"/>
+            </a:pPr>
+            <a:r>
+              <a:t>5.1 SUPPLY CHAIN SECURITY POLICY</a:t>
+            </a:r>
+          </a:p>
+        </p:txBody>
+      </p:sp>
+      <p:sp>
+        <p:nvSpPr>
+          <p:cNvPr id="3" name="Content Placeholder 2"/>
+          <p:cNvSpPr>
+            <a:spLocks noGrp="1"/>
+          </p:cNvSpPr>
+          <p:nvPr>
+            <p:ph idx="1"/>
+          </p:nvPr>
+        </p:nvSpPr>
+        <p:spPr/>
+        <p:txBody>
+          <a:bodyPr/>
+          <a:lstStyle/>
+          <a:p>
+            <a:r>
+              <a:t>observations not requested</a:t>
+            </a:r>
+          </a:p>
+        </p:txBody>
+      </p:sp>
+      <p:sp>
+        <p:nvSpPr>
+          <p:cNvPr id="4" name="Text Placeholder 3"/>
+          <p:cNvSpPr>
+            <a:spLocks noGrp="1"/>
+          </p:cNvSpPr>
+          <p:nvPr>
+            <p:ph type="body" idx="13" sz="quarter"/>
+          </p:nvPr>
+        </p:nvSpPr>
+        <p:spPr/>
+        <p:txBody>
+          <a:bodyPr/>
+          <a:lstStyle/>
+          <a:p>
+            <a:r>
+              <a:t>risks not requested</a:t>
+            </a:r>
+          </a:p>
+        </p:txBody>
+      </p:sp>
+    </p:spTree>
+  </p:cSld>
+  <p:clrMapOvr>
+    <a:masterClrMapping/>
+  </p:clrMapOvr>
+</p:sld>
+</file>
+
+<file path=ppt/slides/slide32.xml><?xml version="1.0" encoding="utf-8"?>
+<p:sld xmlns:a="http://schemas.openxmlformats.org/drawingml/2006/main" xmlns:p="http://schemas.openxmlformats.org/presentationml/2006/main" xmlns:r="http://schemas.openxmlformats.org/officeDocument/2006/relationships">
+  <p:cSld>
+    <p:spTree>
+      <p:nvGrpSpPr>
+        <p:cNvPr id="1" name=""/>
+        <p:cNvGrpSpPr/>
+        <p:nvPr/>
+      </p:nvGrpSpPr>
+      <p:grpSpPr/>
+      <p:sp>
+        <p:nvSpPr>
+          <p:cNvPr id="2" name="Title 1"/>
+          <p:cNvSpPr>
+            <a:spLocks noGrp="1"/>
+          </p:cNvSpPr>
+          <p:nvPr>
+            <p:ph type="title"/>
+          </p:nvPr>
+        </p:nvSpPr>
+        <p:spPr/>
+        <p:txBody>
+          <a:bodyPr/>
+          <a:lstStyle/>
+          <a:p>
+            <a:pPr>
+              <a:defRPr sz="2600"/>
+            </a:pPr>
+            <a:r>
+              <a:t>5.2 DIRECTORY OF SUPPLIERS AND SERVICE PROVIDERS</a:t>
+            </a:r>
+          </a:p>
+        </p:txBody>
+      </p:sp>
+      <p:sp>
+        <p:nvSpPr>
+          <p:cNvPr id="3" name="Content Placeholder 2"/>
+          <p:cNvSpPr>
+            <a:spLocks noGrp="1"/>
+          </p:cNvSpPr>
+          <p:nvPr>
+            <p:ph idx="1"/>
+          </p:nvPr>
+        </p:nvSpPr>
+        <p:spPr/>
+        <p:txBody>
+          <a:bodyPr/>
+          <a:lstStyle/>
+          <a:p>
+            <a:r>
+              <a:t>The relevant entities shall maintain and keep up to date a registry of their direct suppliers and service providers, including: (a) contact points for each direct supplier and service provider; (b) a list of ICT products, ICT services and ICT processes provided by the direct supplier or service provider to the relevant entities. </a:t>
+            </a:r>
+          </a:p>
+        </p:txBody>
+      </p:sp>
+      <p:sp>
+        <p:nvSpPr>
+          <p:cNvPr id="4" name="Content Placeholder 3"/>
+          <p:cNvSpPr>
+            <a:spLocks noGrp="1"/>
+          </p:cNvSpPr>
+          <p:nvPr>
+            <p:ph idx="13"/>
+          </p:nvPr>
+        </p:nvSpPr>
+        <p:spPr/>
+        <p:txBody>
+          <a:bodyPr/>
+          <a:lstStyle/>
+          <a:p>
+            <a:r>
+              <a:t>summary not requested</a:t>
+            </a:r>
+          </a:p>
+        </p:txBody>
+      </p:sp>
+    </p:spTree>
+  </p:cSld>
+  <p:clrMapOvr>
+    <a:masterClrMapping/>
+  </p:clrMapOvr>
+</p:sld>
+</file>
+
+<file path=ppt/slides/slide33.xml><?xml version="1.0" encoding="utf-8"?>
+<p:sld xmlns:a="http://schemas.openxmlformats.org/drawingml/2006/main" xmlns:p="http://schemas.openxmlformats.org/presentationml/2006/main" xmlns:r="http://schemas.openxmlformats.org/officeDocument/2006/relationships">
+  <p:cSld>
+    <p:spTree>
+      <p:nvGrpSpPr>
+        <p:cNvPr id="1" name=""/>
+        <p:cNvGrpSpPr/>
+        <p:nvPr/>
+      </p:nvGrpSpPr>
+      <p:grpSpPr/>
+      <p:sp>
+        <p:nvSpPr>
+          <p:cNvPr id="2" name="Title 1"/>
+          <p:cNvSpPr>
+            <a:spLocks noGrp="1"/>
+          </p:cNvSpPr>
+          <p:nvPr>
+            <p:ph type="title"/>
+          </p:nvPr>
+        </p:nvSpPr>
+        <p:spPr/>
+        <p:txBody>
+          <a:bodyPr/>
+          <a:lstStyle/>
+          <a:p>
+            <a:pPr>
+              <a:defRPr sz="2600"/>
+            </a:pPr>
+            <a:r>
+              <a:t>5.2 DIRECTORY OF SUPPLIERS AND SERVICE PROVIDERS</a:t>
+            </a:r>
+          </a:p>
+        </p:txBody>
+      </p:sp>
+      <p:sp>
+        <p:nvSpPr>
+          <p:cNvPr id="3" name="Content Placeholder 2"/>
+          <p:cNvSpPr>
+            <a:spLocks noGrp="1"/>
+          </p:cNvSpPr>
+          <p:nvPr>
+            <p:ph idx="1"/>
+          </p:nvPr>
+        </p:nvSpPr>
+        <p:spPr/>
+        <p:txBody>
+          <a:bodyPr/>
+          <a:lstStyle/>
+          <a:p>
+            <a:r>
+              <a:t>observations not requested</a:t>
+            </a:r>
+          </a:p>
+        </p:txBody>
+      </p:sp>
+      <p:sp>
+        <p:nvSpPr>
+          <p:cNvPr id="4" name="Text Placeholder 3"/>
+          <p:cNvSpPr>
+            <a:spLocks noGrp="1"/>
+          </p:cNvSpPr>
+          <p:nvPr>
+            <p:ph type="body" idx="13" sz="quarter"/>
+          </p:nvPr>
+        </p:nvSpPr>
+        <p:spPr/>
+        <p:txBody>
+          <a:bodyPr/>
+          <a:lstStyle/>
+          <a:p>
+            <a:r>
+              <a:t>risks not requested</a:t>
+            </a:r>
+          </a:p>
+        </p:txBody>
+      </p:sp>
+    </p:spTree>
+  </p:cSld>
+  <p:clrMapOvr>
+    <a:masterClrMapping/>
+  </p:clrMapOvr>
+</p:sld>
+</file>
+
+<file path=ppt/slides/slide34.xml><?xml version="1.0" encoding="utf-8"?>
+<p:sld xmlns:a="http://schemas.openxmlformats.org/drawingml/2006/main" xmlns:p="http://schemas.openxmlformats.org/presentationml/2006/main" xmlns:r="http://schemas.openxmlformats.org/officeDocument/2006/relationships">
+  <p:cSld>
+    <p:spTree>
+      <p:nvGrpSpPr>
+        <p:cNvPr id="1" name=""/>
+        <p:cNvGrpSpPr/>
+        <p:nvPr/>
+      </p:nvGrpSpPr>
+      <p:grpSpPr/>
+      <p:sp>
+        <p:nvSpPr>
+          <p:cNvPr id="2" name="Title 1"/>
+          <p:cNvSpPr>
+            <a:spLocks noGrp="1"/>
+          </p:cNvSpPr>
+          <p:nvPr>
+            <p:ph type="title"/>
+          </p:nvPr>
+        </p:nvSpPr>
+        <p:spPr/>
+        <p:txBody>
+          <a:bodyPr/>
+          <a:lstStyle/>
+          <a:p>
+            <a:pPr>
+              <a:defRPr sz="2600"/>
+            </a:pPr>
+            <a:r>
+              <a:t>6.1 SECURITY IN ACQUISITION OF ICT SERVICES OR ICT PRODUCTS</a:t>
+            </a:r>
+          </a:p>
+        </p:txBody>
+      </p:sp>
+      <p:sp>
+        <p:nvSpPr>
+          <p:cNvPr id="3" name="Content Placeholder 2"/>
+          <p:cNvSpPr>
+            <a:spLocks noGrp="1"/>
+          </p:cNvSpPr>
+          <p:nvPr>
+            <p:ph idx="1"/>
+          </p:nvPr>
+        </p:nvSpPr>
+        <p:spPr/>
+        <p:txBody>
+          <a:bodyPr/>
+          <a:lstStyle/>
+          <a:p>
+            <a:r>
+              <a:t>6.1.1. For the purpose of Article 21(2), point (e) of Directive (EU) 2022/2555, the relevant entities shall set and implement processes to manage risks stemming from the acquisition of ICT services or ICT products for components that are critical for the relevant entities’ security of network and information systems, based on the risk assessment carried out pursuant to point 2.1, from suppliers or service providers throughout their life cycle. 6.1.2. For the purpose of point 6.1.1., the processes referred to in point 6.1.1. shall include: (a) security requirements to apply to the ICT services or ICT products to be acquired; (b) requirements regarding security updates throughout the entire lifetime of the ICT services or ICT products or replacement after the end of the support period; (c) information describing the hardware and software components used in the ICT services or ICT products; (d) information describing the implemented cybersecurity functions of the ICT services or ICT products and the configuration required for their secure operation; (e) assurance that the ICT services or ICT products comply with the security requirements according to point (a); (f) methods for validating that the delivered ICT services or ICT products are compliant to the stated security requirements, as well as documentation of the results of the validation. (48) See section 5.1 (Tips), for additional guidance on the use of free and open source software supply chain. (49) In addition, to those mentioned in the mapping table at the end of this section, consider the following: • https://www.enisa.europa.eu/publications/indispensable-baseline-security-requirements-for-the-procurement-of-secure-ict-products-and services; • Department of the Environment, Climate and Communications, ‘Guidelines on cyber security specifications (ICT procurement for public service bodies)’, https://www.ncsc.gov.ie/pdfs/Guidelines_on_Cyber_Security_Specifications.pdf. 6.1.3. The relevant entities shall review and, where appropriate, update the processes at planned intervals and when significant incidents occur. </a:t>
+            </a:r>
+          </a:p>
+        </p:txBody>
+      </p:sp>
+      <p:sp>
+        <p:nvSpPr>
+          <p:cNvPr id="4" name="Content Placeholder 3"/>
+          <p:cNvSpPr>
+            <a:spLocks noGrp="1"/>
+          </p:cNvSpPr>
+          <p:nvPr>
+            <p:ph idx="13"/>
+          </p:nvPr>
+        </p:nvSpPr>
+        <p:spPr/>
+        <p:txBody>
+          <a:bodyPr/>
+          <a:lstStyle/>
+          <a:p>
+            <a:r>
+              <a:t>summary not requested</a:t>
+            </a:r>
+          </a:p>
+        </p:txBody>
+      </p:sp>
+    </p:spTree>
+  </p:cSld>
+  <p:clrMapOvr>
+    <a:masterClrMapping/>
+  </p:clrMapOvr>
+</p:sld>
+</file>
+
+<file path=ppt/slides/slide35.xml><?xml version="1.0" encoding="utf-8"?>
+<p:sld xmlns:a="http://schemas.openxmlformats.org/drawingml/2006/main" xmlns:p="http://schemas.openxmlformats.org/presentationml/2006/main" xmlns:r="http://schemas.openxmlformats.org/officeDocument/2006/relationships">
+  <p:cSld>
+    <p:spTree>
+      <p:nvGrpSpPr>
+        <p:cNvPr id="1" name=""/>
+        <p:cNvGrpSpPr/>
+        <p:nvPr/>
+      </p:nvGrpSpPr>
+      <p:grpSpPr/>
+      <p:sp>
+        <p:nvSpPr>
+          <p:cNvPr id="2" name="Title 1"/>
+          <p:cNvSpPr>
+            <a:spLocks noGrp="1"/>
+          </p:cNvSpPr>
+          <p:nvPr>
+            <p:ph type="title"/>
+          </p:nvPr>
+        </p:nvSpPr>
+        <p:spPr/>
+        <p:txBody>
+          <a:bodyPr/>
+          <a:lstStyle/>
+          <a:p>
+            <a:pPr>
+              <a:defRPr sz="2600"/>
+            </a:pPr>
+            <a:r>
+              <a:t>6.1 SECURITY IN ACQUISITION OF ICT SERVICES OR ICT PRODUCTS</a:t>
+            </a:r>
+          </a:p>
+        </p:txBody>
+      </p:sp>
+      <p:sp>
+        <p:nvSpPr>
+          <p:cNvPr id="3" name="Content Placeholder 2"/>
+          <p:cNvSpPr>
+            <a:spLocks noGrp="1"/>
+          </p:cNvSpPr>
+          <p:nvPr>
+            <p:ph idx="1"/>
+          </p:nvPr>
+        </p:nvSpPr>
+        <p:spPr/>
+        <p:txBody>
+          <a:bodyPr/>
+          <a:lstStyle/>
+          <a:p>
+            <a:r>
+              <a:t>observations not requested</a:t>
+            </a:r>
+          </a:p>
+        </p:txBody>
+      </p:sp>
+      <p:sp>
+        <p:nvSpPr>
+          <p:cNvPr id="4" name="Text Placeholder 3"/>
+          <p:cNvSpPr>
+            <a:spLocks noGrp="1"/>
+          </p:cNvSpPr>
+          <p:nvPr>
+            <p:ph type="body" idx="13" sz="quarter"/>
+          </p:nvPr>
+        </p:nvSpPr>
+        <p:spPr/>
+        <p:txBody>
+          <a:bodyPr/>
+          <a:lstStyle/>
+          <a:p>
+            <a:r>
+              <a:t>risks not requested</a:t>
+            </a:r>
+          </a:p>
+        </p:txBody>
+      </p:sp>
+    </p:spTree>
+  </p:cSld>
+  <p:clrMapOvr>
+    <a:masterClrMapping/>
+  </p:clrMapOvr>
+</p:sld>
+</file>
+
+<file path=ppt/slides/slide36.xml><?xml version="1.0" encoding="utf-8"?>
+<p:sld xmlns:a="http://schemas.openxmlformats.org/drawingml/2006/main" xmlns:p="http://schemas.openxmlformats.org/presentationml/2006/main" xmlns:r="http://schemas.openxmlformats.org/officeDocument/2006/relationships">
+  <p:cSld>
+    <p:spTree>
+      <p:nvGrpSpPr>
+        <p:cNvPr id="1" name=""/>
+        <p:cNvGrpSpPr/>
+        <p:nvPr/>
+      </p:nvGrpSpPr>
+      <p:grpSpPr/>
+      <p:sp>
+        <p:nvSpPr>
+          <p:cNvPr id="2" name="Title 1"/>
+          <p:cNvSpPr>
+            <a:spLocks noGrp="1"/>
+          </p:cNvSpPr>
+          <p:nvPr>
+            <p:ph type="title"/>
+          </p:nvPr>
+        </p:nvSpPr>
+        <p:spPr/>
+        <p:txBody>
+          <a:bodyPr/>
+          <a:lstStyle/>
+          <a:p>
+            <a:pPr>
+              <a:defRPr sz="2600"/>
+            </a:pPr>
+            <a:r>
+              <a:t>6.2 SECURE DEVELOPMENT LIFE CYCLE</a:t>
+            </a:r>
+          </a:p>
+        </p:txBody>
+      </p:sp>
+      <p:sp>
+        <p:nvSpPr>
+          <p:cNvPr id="3" name="Content Placeholder 2"/>
+          <p:cNvSpPr>
+            <a:spLocks noGrp="1"/>
+          </p:cNvSpPr>
+          <p:nvPr>
+            <p:ph idx="1"/>
+          </p:nvPr>
+        </p:nvSpPr>
+        <p:spPr/>
+        <p:txBody>
+          <a:bodyPr/>
+          <a:lstStyle/>
+          <a:p>
+            <a:r>
+              <a:t>6.2.1. Before developing a network and information system, including software, the relevant entities shall lay down rules for the secure development of network and information systems and apply them when developing network and information systems in-house or when outsourcing the development of network and information systems. The rules shall cover all development phases, including specification, design, development, implementation and testing. 6.2.2. For the purpose of point 6.2.1., the relevant entities shall: (a) carry out an analysis of security requirements at the specification and design phases of any development or acquisition project undertaken by the relevant entities or on behalf of those entities; (b) apply principles for engineering secure systems and secure coding principles to any information system development activities such as promoting cybersecurity-by-design, zero-trust architectures; (c) lay down security requirements regarding development environments; (51) In addition, to those mentioned in the mapping table at the end of this section, consider the following: • ‘OWASP ASVS (Application Security Verification Standard)’, https://owasp.org/www-project-application-security-verification-standard/ , as updated from time to time. • ISO/IEC 27034 family, Information technology - Security techniques - Application security. • NIST SP 800-53, https://csrc.nist.gov/pubs/sp/800/53/r5/upd1/final, as updated from time to time. (d) establish and implement security testing processes in the development life cycle; (e) appropriately select, protect and manage security test data; (f) sanitise and anonymise testing data according to the risk assessment carried out pursuant to point 2.1. 6.2.3 For outsourced development of network and information systems, the relevant entities shall also apply the policies and procedures referred to in points 5 and 6.1. 6.2.4 The relevant entities shall review and, where necessary, update their secure development rules at planned intervals. </a:t>
+            </a:r>
+          </a:p>
+        </p:txBody>
+      </p:sp>
+      <p:sp>
+        <p:nvSpPr>
+          <p:cNvPr id="4" name="Content Placeholder 3"/>
+          <p:cNvSpPr>
+            <a:spLocks noGrp="1"/>
+          </p:cNvSpPr>
+          <p:nvPr>
+            <p:ph idx="13"/>
+          </p:nvPr>
+        </p:nvSpPr>
+        <p:spPr/>
+        <p:txBody>
+          <a:bodyPr/>
+          <a:lstStyle/>
+          <a:p>
+            <a:r>
+              <a:t>summary not requested</a:t>
+            </a:r>
+          </a:p>
+        </p:txBody>
+      </p:sp>
+    </p:spTree>
+  </p:cSld>
+  <p:clrMapOvr>
+    <a:masterClrMapping/>
+  </p:clrMapOvr>
+</p:sld>
+</file>
+
+<file path=ppt/slides/slide37.xml><?xml version="1.0" encoding="utf-8"?>
+<p:sld xmlns:a="http://schemas.openxmlformats.org/drawingml/2006/main" xmlns:p="http://schemas.openxmlformats.org/presentationml/2006/main" xmlns:r="http://schemas.openxmlformats.org/officeDocument/2006/relationships">
+  <p:cSld>
+    <p:spTree>
+      <p:nvGrpSpPr>
+        <p:cNvPr id="1" name=""/>
+        <p:cNvGrpSpPr/>
+        <p:nvPr/>
+      </p:nvGrpSpPr>
+      <p:grpSpPr/>
+      <p:sp>
+        <p:nvSpPr>
+          <p:cNvPr id="2" name="Title 1"/>
+          <p:cNvSpPr>
+            <a:spLocks noGrp="1"/>
+          </p:cNvSpPr>
+          <p:nvPr>
+            <p:ph type="title"/>
+          </p:nvPr>
+        </p:nvSpPr>
+        <p:spPr/>
+        <p:txBody>
+          <a:bodyPr/>
+          <a:lstStyle/>
+          <a:p>
+            <a:pPr>
+              <a:defRPr sz="2600"/>
+            </a:pPr>
+            <a:r>
+              <a:t>6.2 SECURE DEVELOPMENT LIFE CYCLE</a:t>
+            </a:r>
+          </a:p>
+        </p:txBody>
+      </p:sp>
+      <p:sp>
+        <p:nvSpPr>
+          <p:cNvPr id="3" name="Content Placeholder 2"/>
+          <p:cNvSpPr>
+            <a:spLocks noGrp="1"/>
+          </p:cNvSpPr>
+          <p:nvPr>
+            <p:ph idx="1"/>
+          </p:nvPr>
+        </p:nvSpPr>
+        <p:spPr/>
+        <p:txBody>
+          <a:bodyPr/>
+          <a:lstStyle/>
+          <a:p>
+            <a:r>
+              <a:t>observations not requested</a:t>
+            </a:r>
+          </a:p>
+        </p:txBody>
+      </p:sp>
+      <p:sp>
+        <p:nvSpPr>
+          <p:cNvPr id="4" name="Text Placeholder 3"/>
+          <p:cNvSpPr>
+            <a:spLocks noGrp="1"/>
+          </p:cNvSpPr>
+          <p:nvPr>
+            <p:ph type="body" idx="13" sz="quarter"/>
+          </p:nvPr>
+        </p:nvSpPr>
+        <p:spPr/>
+        <p:txBody>
+          <a:bodyPr/>
+          <a:lstStyle/>
+          <a:p>
+            <a:r>
+              <a:t>risks not requested</a:t>
+            </a:r>
+          </a:p>
+        </p:txBody>
+      </p:sp>
+    </p:spTree>
+  </p:cSld>
+  <p:clrMapOvr>
+    <a:masterClrMapping/>
+  </p:clrMapOvr>
+</p:sld>
+</file>
+
+<file path=ppt/slides/slide38.xml><?xml version="1.0" encoding="utf-8"?>
+<p:sld xmlns:a="http://schemas.openxmlformats.org/drawingml/2006/main" xmlns:p="http://schemas.openxmlformats.org/presentationml/2006/main" xmlns:r="http://schemas.openxmlformats.org/officeDocument/2006/relationships">
+  <p:cSld>
+    <p:spTree>
+      <p:nvGrpSpPr>
+        <p:cNvPr id="1" name=""/>
+        <p:cNvGrpSpPr/>
+        <p:nvPr/>
+      </p:nvGrpSpPr>
+      <p:grpSpPr/>
+      <p:sp>
+        <p:nvSpPr>
+          <p:cNvPr id="2" name="Title 1"/>
+          <p:cNvSpPr>
+            <a:spLocks noGrp="1"/>
+          </p:cNvSpPr>
+          <p:nvPr>
+            <p:ph type="title"/>
+          </p:nvPr>
+        </p:nvSpPr>
+        <p:spPr/>
+        <p:txBody>
+          <a:bodyPr/>
+          <a:lstStyle/>
+          <a:p>
+            <a:pPr>
+              <a:defRPr sz="2600"/>
+            </a:pPr>
+            <a:r>
+              <a:t>6.3 CONFIGURATION MANAGEMENT</a:t>
+            </a:r>
+          </a:p>
+        </p:txBody>
+      </p:sp>
+      <p:sp>
+        <p:nvSpPr>
+          <p:cNvPr id="3" name="Content Placeholder 2"/>
+          <p:cNvSpPr>
+            <a:spLocks noGrp="1"/>
+          </p:cNvSpPr>
+          <p:nvPr>
+            <p:ph idx="1"/>
+          </p:nvPr>
+        </p:nvSpPr>
+        <p:spPr/>
+        <p:txBody>
+          <a:bodyPr/>
+          <a:lstStyle/>
+          <a:p>
+            <a:r>
+              <a:t>6.3.1. The relevant entities shall take the appropriate measures to establish, document, implement and monitor configurations, including security configurations of hardware, software, services and networks. 6.3.2. For the purpose of point 6.3.1., the relevant entities shall: (a) lay down and ensure security in configurations for their hardware, software, services and networks; (b) lay down and implement processes and tools to enforce the laid down secure configurations for hardware, software, services and networks, for newly installed systems as well as for systems in operation over their lifetime. 6.3.3. The relevant entities shall review and, where appropriate, update configurations at planned intervals or when significant incidents or significant changes to operations or risks occur. </a:t>
+            </a:r>
+          </a:p>
+        </p:txBody>
+      </p:sp>
+      <p:sp>
+        <p:nvSpPr>
+          <p:cNvPr id="4" name="Content Placeholder 3"/>
+          <p:cNvSpPr>
+            <a:spLocks noGrp="1"/>
+          </p:cNvSpPr>
+          <p:nvPr>
+            <p:ph idx="13"/>
+          </p:nvPr>
+        </p:nvSpPr>
+        <p:spPr/>
+        <p:txBody>
+          <a:bodyPr/>
+          <a:lstStyle/>
+          <a:p>
+            <a:r>
+              <a:t>summary not requested</a:t>
+            </a:r>
+          </a:p>
+        </p:txBody>
+      </p:sp>
+    </p:spTree>
+  </p:cSld>
+  <p:clrMapOvr>
+    <a:masterClrMapping/>
+  </p:clrMapOvr>
+</p:sld>
+</file>
+
+<file path=ppt/slides/slide39.xml><?xml version="1.0" encoding="utf-8"?>
+<p:sld xmlns:a="http://schemas.openxmlformats.org/drawingml/2006/main" xmlns:p="http://schemas.openxmlformats.org/presentationml/2006/main" xmlns:r="http://schemas.openxmlformats.org/officeDocument/2006/relationships">
+  <p:cSld>
+    <p:spTree>
+      <p:nvGrpSpPr>
+        <p:cNvPr id="1" name=""/>
+        <p:cNvGrpSpPr/>
+        <p:nvPr/>
+      </p:nvGrpSpPr>
+      <p:grpSpPr/>
+      <p:sp>
+        <p:nvSpPr>
+          <p:cNvPr id="2" name="Title 1"/>
+          <p:cNvSpPr>
+            <a:spLocks noGrp="1"/>
+          </p:cNvSpPr>
+          <p:nvPr>
+            <p:ph type="title"/>
+          </p:nvPr>
+        </p:nvSpPr>
+        <p:spPr/>
+        <p:txBody>
+          <a:bodyPr/>
+          <a:lstStyle/>
+          <a:p>
+            <a:pPr>
+              <a:defRPr sz="2600"/>
+            </a:pPr>
+            <a:r>
+              <a:t>6.3 CONFIGURATION MANAGEMENT</a:t>
+            </a:r>
+          </a:p>
+        </p:txBody>
+      </p:sp>
+      <p:sp>
+        <p:nvSpPr>
+          <p:cNvPr id="3" name="Content Placeholder 2"/>
+          <p:cNvSpPr>
+            <a:spLocks noGrp="1"/>
+          </p:cNvSpPr>
+          <p:nvPr>
+            <p:ph idx="1"/>
+          </p:nvPr>
+        </p:nvSpPr>
+        <p:spPr/>
+        <p:txBody>
+          <a:bodyPr/>
+          <a:lstStyle/>
+          <a:p>
+            <a:r>
+              <a:t>observations not requested</a:t>
+            </a:r>
+          </a:p>
+        </p:txBody>
+      </p:sp>
+      <p:sp>
+        <p:nvSpPr>
+          <p:cNvPr id="4" name="Text Placeholder 3"/>
+          <p:cNvSpPr>
+            <a:spLocks noGrp="1"/>
+          </p:cNvSpPr>
+          <p:nvPr>
+            <p:ph type="body" idx="13" sz="quarter"/>
+          </p:nvPr>
+        </p:nvSpPr>
+        <p:spPr/>
+        <p:txBody>
+          <a:bodyPr/>
+          <a:lstStyle/>
+          <a:p>
+            <a:r>
+              <a:t>risks not requested</a:t>
             </a:r>
           </a:p>
         </p:txBody>
@@ -3478,7 +5218,7 @@
               <a:defRPr sz="2600"/>
             </a:pPr>
             <a:r>
-              <a:t>5.16 Identity management.</a:t>
+              <a:t>1.2 ROLES, RESPONSIBILITIES AND AUTHORITIES</a:t>
             </a:r>
           </a:p>
         </p:txBody>
@@ -3499,7 +5239,7 @@
           <a:lstStyle/>
           <a:p>
             <a:r>
-              <a:t>The full life cycle of identities should be managed.</a:t>
+              <a:t>1.2.1. As part of their policy on the security of network and information systems referred to in point 1.1, the relevant entities shall lay down responsibilities and authorities for network and information system security and assign them to roles, allocate them according to the relevant entities’ needs and communicate them to the management bodies. 1.2.2. The relevant entities shall require all personnel and third parties to apply network and information system security in accordance with the established network and information security policy, topic-specific policies and procedures of the relevant entities. 1.2.3. At least one person shall report directly to the management bodies on matters of network and information system security. 1.2.4. Depending on the size of the relevant entities, network and information system security shall be covered by dedicated roles or duties carried out in addition to existing roles. 1.2.5. Conflicting duties and conflicting areas of responsibility shall be segregated, where applicable. 1.2.6. Roles, responsibilities and authorities shall be reviewed and, where appropriate, updated by management bodies at planned intervals and when significant incidents or significant changes to operations or risks occur. </a:t>
             </a:r>
           </a:p>
         </p:txBody>
@@ -3520,7 +5260,847 @@
           <a:lstStyle/>
           <a:p>
             <a:r>
-              <a:t>General network access is managed through an Active Directory in which unique non-privileged accounts are created for each user, while credentials for privileged accounts are securely stored in a KeePass repository accessible only to system administrators; however, periodic access reviews are not conducted. Missing information: there are no details on identity provisioning and deprovisioning processes, authentication methods, lifecycle transition controls such as role changes or revocations, onboarding and offboarding procedures, or enforcement of full identity life-cycle management policies.</a:t>
+              <a:t>summary not requested</a:t>
+            </a:r>
+          </a:p>
+        </p:txBody>
+      </p:sp>
+    </p:spTree>
+  </p:cSld>
+  <p:clrMapOvr>
+    <a:masterClrMapping/>
+  </p:clrMapOvr>
+</p:sld>
+</file>
+
+<file path=ppt/slides/slide40.xml><?xml version="1.0" encoding="utf-8"?>
+<p:sld xmlns:a="http://schemas.openxmlformats.org/drawingml/2006/main" xmlns:p="http://schemas.openxmlformats.org/presentationml/2006/main" xmlns:r="http://schemas.openxmlformats.org/officeDocument/2006/relationships">
+  <p:cSld>
+    <p:spTree>
+      <p:nvGrpSpPr>
+        <p:cNvPr id="1" name=""/>
+        <p:cNvGrpSpPr/>
+        <p:nvPr/>
+      </p:nvGrpSpPr>
+      <p:grpSpPr/>
+      <p:sp>
+        <p:nvSpPr>
+          <p:cNvPr id="2" name="Title 1"/>
+          <p:cNvSpPr>
+            <a:spLocks noGrp="1"/>
+          </p:cNvSpPr>
+          <p:nvPr>
+            <p:ph type="title"/>
+          </p:nvPr>
+        </p:nvSpPr>
+        <p:spPr/>
+        <p:txBody>
+          <a:bodyPr/>
+          <a:lstStyle/>
+          <a:p>
+            <a:pPr>
+              <a:defRPr sz="2600"/>
+            </a:pPr>
+            <a:r>
+              <a:t>6.4 CHANGE MANAGEMENT, REPAIRS AND MAINTENANCE</a:t>
+            </a:r>
+          </a:p>
+        </p:txBody>
+      </p:sp>
+      <p:sp>
+        <p:nvSpPr>
+          <p:cNvPr id="3" name="Content Placeholder 2"/>
+          <p:cNvSpPr>
+            <a:spLocks noGrp="1"/>
+          </p:cNvSpPr>
+          <p:nvPr>
+            <p:ph idx="1"/>
+          </p:nvPr>
+        </p:nvSpPr>
+        <p:spPr/>
+        <p:txBody>
+          <a:bodyPr/>
+          <a:lstStyle/>
+          <a:p>
+            <a:r>
+              <a:t>6.4.1. The relevant entities shall apply change management procedures to control changes of network and information systems. Where applicable, the procedures shall be consistent with the relevant entities’ general policies concerning change management. 6.4.2. The procedures referred to in point 6.4.1. shall be applied for releases, modifications and emergency changes of any software and hardware in operation and changes to the configuration. The procedures shall ensure that those changes are documented and, based on the risk assessment carried out pursuant to point 2.1, tested and assessed in view of the potential impact before being implemented. 6.4.3. In the event that the regular change management procedures could not be followed due to an emergency, the relevant entities shall document the result of the change and the explanation for why the procedures could not be followed. 6.4.4. The relevant entities shall review and, where appropriate, update the procedures at planned intervals and when significant incidents or significant changes to operations or risks. </a:t>
+            </a:r>
+          </a:p>
+        </p:txBody>
+      </p:sp>
+      <p:sp>
+        <p:nvSpPr>
+          <p:cNvPr id="4" name="Content Placeholder 3"/>
+          <p:cNvSpPr>
+            <a:spLocks noGrp="1"/>
+          </p:cNvSpPr>
+          <p:nvPr>
+            <p:ph idx="13"/>
+          </p:nvPr>
+        </p:nvSpPr>
+        <p:spPr/>
+        <p:txBody>
+          <a:bodyPr/>
+          <a:lstStyle/>
+          <a:p>
+            <a:r>
+              <a:t>summary not requested</a:t>
+            </a:r>
+          </a:p>
+        </p:txBody>
+      </p:sp>
+    </p:spTree>
+  </p:cSld>
+  <p:clrMapOvr>
+    <a:masterClrMapping/>
+  </p:clrMapOvr>
+</p:sld>
+</file>
+
+<file path=ppt/slides/slide41.xml><?xml version="1.0" encoding="utf-8"?>
+<p:sld xmlns:a="http://schemas.openxmlformats.org/drawingml/2006/main" xmlns:p="http://schemas.openxmlformats.org/presentationml/2006/main" xmlns:r="http://schemas.openxmlformats.org/officeDocument/2006/relationships">
+  <p:cSld>
+    <p:spTree>
+      <p:nvGrpSpPr>
+        <p:cNvPr id="1" name=""/>
+        <p:cNvGrpSpPr/>
+        <p:nvPr/>
+      </p:nvGrpSpPr>
+      <p:grpSpPr/>
+      <p:sp>
+        <p:nvSpPr>
+          <p:cNvPr id="2" name="Title 1"/>
+          <p:cNvSpPr>
+            <a:spLocks noGrp="1"/>
+          </p:cNvSpPr>
+          <p:nvPr>
+            <p:ph type="title"/>
+          </p:nvPr>
+        </p:nvSpPr>
+        <p:spPr/>
+        <p:txBody>
+          <a:bodyPr/>
+          <a:lstStyle/>
+          <a:p>
+            <a:pPr>
+              <a:defRPr sz="2600"/>
+            </a:pPr>
+            <a:r>
+              <a:t>6.4 CHANGE MANAGEMENT, REPAIRS AND MAINTENANCE</a:t>
+            </a:r>
+          </a:p>
+        </p:txBody>
+      </p:sp>
+      <p:sp>
+        <p:nvSpPr>
+          <p:cNvPr id="3" name="Content Placeholder 2"/>
+          <p:cNvSpPr>
+            <a:spLocks noGrp="1"/>
+          </p:cNvSpPr>
+          <p:nvPr>
+            <p:ph idx="1"/>
+          </p:nvPr>
+        </p:nvSpPr>
+        <p:spPr/>
+        <p:txBody>
+          <a:bodyPr/>
+          <a:lstStyle/>
+          <a:p>
+            <a:r>
+              <a:t>observations not requested</a:t>
+            </a:r>
+          </a:p>
+        </p:txBody>
+      </p:sp>
+      <p:sp>
+        <p:nvSpPr>
+          <p:cNvPr id="4" name="Text Placeholder 3"/>
+          <p:cNvSpPr>
+            <a:spLocks noGrp="1"/>
+          </p:cNvSpPr>
+          <p:nvPr>
+            <p:ph type="body" idx="13" sz="quarter"/>
+          </p:nvPr>
+        </p:nvSpPr>
+        <p:spPr/>
+        <p:txBody>
+          <a:bodyPr/>
+          <a:lstStyle/>
+          <a:p>
+            <a:r>
+              <a:t>risks not requested</a:t>
+            </a:r>
+          </a:p>
+        </p:txBody>
+      </p:sp>
+    </p:spTree>
+  </p:cSld>
+  <p:clrMapOvr>
+    <a:masterClrMapping/>
+  </p:clrMapOvr>
+</p:sld>
+</file>
+
+<file path=ppt/slides/slide42.xml><?xml version="1.0" encoding="utf-8"?>
+<p:sld xmlns:a="http://schemas.openxmlformats.org/drawingml/2006/main" xmlns:p="http://schemas.openxmlformats.org/presentationml/2006/main" xmlns:r="http://schemas.openxmlformats.org/officeDocument/2006/relationships">
+  <p:cSld>
+    <p:spTree>
+      <p:nvGrpSpPr>
+        <p:cNvPr id="1" name=""/>
+        <p:cNvGrpSpPr/>
+        <p:nvPr/>
+      </p:nvGrpSpPr>
+      <p:grpSpPr/>
+      <p:sp>
+        <p:nvSpPr>
+          <p:cNvPr id="2" name="Title 1"/>
+          <p:cNvSpPr>
+            <a:spLocks noGrp="1"/>
+          </p:cNvSpPr>
+          <p:nvPr>
+            <p:ph type="title"/>
+          </p:nvPr>
+        </p:nvSpPr>
+        <p:spPr/>
+        <p:txBody>
+          <a:bodyPr/>
+          <a:lstStyle/>
+          <a:p>
+            <a:pPr>
+              <a:defRPr sz="2600"/>
+            </a:pPr>
+            <a:r>
+              <a:t>6.5 SECURITY TESTING</a:t>
+            </a:r>
+          </a:p>
+        </p:txBody>
+      </p:sp>
+      <p:sp>
+        <p:nvSpPr>
+          <p:cNvPr id="3" name="Content Placeholder 2"/>
+          <p:cNvSpPr>
+            <a:spLocks noGrp="1"/>
+          </p:cNvSpPr>
+          <p:nvPr>
+            <p:ph idx="1"/>
+          </p:nvPr>
+        </p:nvSpPr>
+        <p:spPr/>
+        <p:txBody>
+          <a:bodyPr/>
+          <a:lstStyle/>
+          <a:p>
+            <a:r>
+              <a:t>6.5.1. The relevant entities shall establish, implement and apply a policy and procedures for security testing. 6.5.2. The relevant entities shall: (a) establish, based on the risk assessment carried out pursuant to point 2.1, the need, scope, frequency and type of security tests; (b) carry out security tests according to a documented test methodology, covering the components identified as relevant for secure operation in a risk analysis; (c) document the type, scope, time and results of the tests, including assessment of criticality and mitigating actions for each finding; (d) apply mitigating actions in case of critical findings. 6.5.3. The relevant entities shall review and, where appropriate, update their security testing policies at planned intervals. </a:t>
+            </a:r>
+          </a:p>
+        </p:txBody>
+      </p:sp>
+      <p:sp>
+        <p:nvSpPr>
+          <p:cNvPr id="4" name="Content Placeholder 3"/>
+          <p:cNvSpPr>
+            <a:spLocks noGrp="1"/>
+          </p:cNvSpPr>
+          <p:nvPr>
+            <p:ph idx="13"/>
+          </p:nvPr>
+        </p:nvSpPr>
+        <p:spPr/>
+        <p:txBody>
+          <a:bodyPr/>
+          <a:lstStyle/>
+          <a:p>
+            <a:r>
+              <a:t>summary not requested</a:t>
+            </a:r>
+          </a:p>
+        </p:txBody>
+      </p:sp>
+    </p:spTree>
+  </p:cSld>
+  <p:clrMapOvr>
+    <a:masterClrMapping/>
+  </p:clrMapOvr>
+</p:sld>
+</file>
+
+<file path=ppt/slides/slide43.xml><?xml version="1.0" encoding="utf-8"?>
+<p:sld xmlns:a="http://schemas.openxmlformats.org/drawingml/2006/main" xmlns:p="http://schemas.openxmlformats.org/presentationml/2006/main" xmlns:r="http://schemas.openxmlformats.org/officeDocument/2006/relationships">
+  <p:cSld>
+    <p:spTree>
+      <p:nvGrpSpPr>
+        <p:cNvPr id="1" name=""/>
+        <p:cNvGrpSpPr/>
+        <p:nvPr/>
+      </p:nvGrpSpPr>
+      <p:grpSpPr/>
+      <p:sp>
+        <p:nvSpPr>
+          <p:cNvPr id="2" name="Title 1"/>
+          <p:cNvSpPr>
+            <a:spLocks noGrp="1"/>
+          </p:cNvSpPr>
+          <p:nvPr>
+            <p:ph type="title"/>
+          </p:nvPr>
+        </p:nvSpPr>
+        <p:spPr/>
+        <p:txBody>
+          <a:bodyPr/>
+          <a:lstStyle/>
+          <a:p>
+            <a:pPr>
+              <a:defRPr sz="2600"/>
+            </a:pPr>
+            <a:r>
+              <a:t>6.5 SECURITY TESTING</a:t>
+            </a:r>
+          </a:p>
+        </p:txBody>
+      </p:sp>
+      <p:sp>
+        <p:nvSpPr>
+          <p:cNvPr id="3" name="Content Placeholder 2"/>
+          <p:cNvSpPr>
+            <a:spLocks noGrp="1"/>
+          </p:cNvSpPr>
+          <p:nvPr>
+            <p:ph idx="1"/>
+          </p:nvPr>
+        </p:nvSpPr>
+        <p:spPr/>
+        <p:txBody>
+          <a:bodyPr/>
+          <a:lstStyle/>
+          <a:p>
+            <a:r>
+              <a:t>observations not requested</a:t>
+            </a:r>
+          </a:p>
+        </p:txBody>
+      </p:sp>
+      <p:sp>
+        <p:nvSpPr>
+          <p:cNvPr id="4" name="Text Placeholder 3"/>
+          <p:cNvSpPr>
+            <a:spLocks noGrp="1"/>
+          </p:cNvSpPr>
+          <p:nvPr>
+            <p:ph type="body" idx="13" sz="quarter"/>
+          </p:nvPr>
+        </p:nvSpPr>
+        <p:spPr/>
+        <p:txBody>
+          <a:bodyPr/>
+          <a:lstStyle/>
+          <a:p>
+            <a:r>
+              <a:t>risks not requested</a:t>
+            </a:r>
+          </a:p>
+        </p:txBody>
+      </p:sp>
+    </p:spTree>
+  </p:cSld>
+  <p:clrMapOvr>
+    <a:masterClrMapping/>
+  </p:clrMapOvr>
+</p:sld>
+</file>
+
+<file path=ppt/slides/slide44.xml><?xml version="1.0" encoding="utf-8"?>
+<p:sld xmlns:a="http://schemas.openxmlformats.org/drawingml/2006/main" xmlns:p="http://schemas.openxmlformats.org/presentationml/2006/main" xmlns:r="http://schemas.openxmlformats.org/officeDocument/2006/relationships">
+  <p:cSld>
+    <p:spTree>
+      <p:nvGrpSpPr>
+        <p:cNvPr id="1" name=""/>
+        <p:cNvGrpSpPr/>
+        <p:nvPr/>
+      </p:nvGrpSpPr>
+      <p:grpSpPr/>
+      <p:sp>
+        <p:nvSpPr>
+          <p:cNvPr id="2" name="Title 1"/>
+          <p:cNvSpPr>
+            <a:spLocks noGrp="1"/>
+          </p:cNvSpPr>
+          <p:nvPr>
+            <p:ph type="title"/>
+          </p:nvPr>
+        </p:nvSpPr>
+        <p:spPr/>
+        <p:txBody>
+          <a:bodyPr/>
+          <a:lstStyle/>
+          <a:p>
+            <a:pPr>
+              <a:defRPr sz="2600"/>
+            </a:pPr>
+            <a:r>
+              <a:t>6.6 SECURITY PATCH MANAGEMENT</a:t>
+            </a:r>
+          </a:p>
+        </p:txBody>
+      </p:sp>
+      <p:sp>
+        <p:nvSpPr>
+          <p:cNvPr id="3" name="Content Placeholder 2"/>
+          <p:cNvSpPr>
+            <a:spLocks noGrp="1"/>
+          </p:cNvSpPr>
+          <p:nvPr>
+            <p:ph idx="1"/>
+          </p:nvPr>
+        </p:nvSpPr>
+        <p:spPr/>
+        <p:txBody>
+          <a:bodyPr/>
+          <a:lstStyle/>
+          <a:p>
+            <a:r>
+              <a:t>6.6.1. The relevant entities shall specify and apply procedures, coherent with the change management procedures referred to in point 6.4.1. as well as with vulnerability management, risk management and other relevant management procedures, for ensuring that: (a) security patches are applied within a reasonable time after they become available; (b) security patches are tested before being applied in production systems; (c) security patches come from trusted sources and are checked for integrity; (d) additional measures are implemented and residual risks are accepted in cases where a patch is not available or not applied pursuant to point 6.6.2. 6.6.2. By way of derogation from point 6.6.1.(a), the relevant entities may choose not to apply security patches when the disadvantages of applying the security patches outweigh the cybersecurity benefits. The relevant entities shall duly document and substantiate the reasons for any such decision. </a:t>
+            </a:r>
+          </a:p>
+        </p:txBody>
+      </p:sp>
+      <p:sp>
+        <p:nvSpPr>
+          <p:cNvPr id="4" name="Content Placeholder 3"/>
+          <p:cNvSpPr>
+            <a:spLocks noGrp="1"/>
+          </p:cNvSpPr>
+          <p:nvPr>
+            <p:ph idx="13"/>
+          </p:nvPr>
+        </p:nvSpPr>
+        <p:spPr/>
+        <p:txBody>
+          <a:bodyPr/>
+          <a:lstStyle/>
+          <a:p>
+            <a:r>
+              <a:t>summary not requested</a:t>
+            </a:r>
+          </a:p>
+        </p:txBody>
+      </p:sp>
+    </p:spTree>
+  </p:cSld>
+  <p:clrMapOvr>
+    <a:masterClrMapping/>
+  </p:clrMapOvr>
+</p:sld>
+</file>
+
+<file path=ppt/slides/slide45.xml><?xml version="1.0" encoding="utf-8"?>
+<p:sld xmlns:a="http://schemas.openxmlformats.org/drawingml/2006/main" xmlns:p="http://schemas.openxmlformats.org/presentationml/2006/main" xmlns:r="http://schemas.openxmlformats.org/officeDocument/2006/relationships">
+  <p:cSld>
+    <p:spTree>
+      <p:nvGrpSpPr>
+        <p:cNvPr id="1" name=""/>
+        <p:cNvGrpSpPr/>
+        <p:nvPr/>
+      </p:nvGrpSpPr>
+      <p:grpSpPr/>
+      <p:sp>
+        <p:nvSpPr>
+          <p:cNvPr id="2" name="Title 1"/>
+          <p:cNvSpPr>
+            <a:spLocks noGrp="1"/>
+          </p:cNvSpPr>
+          <p:nvPr>
+            <p:ph type="title"/>
+          </p:nvPr>
+        </p:nvSpPr>
+        <p:spPr/>
+        <p:txBody>
+          <a:bodyPr/>
+          <a:lstStyle/>
+          <a:p>
+            <a:pPr>
+              <a:defRPr sz="2600"/>
+            </a:pPr>
+            <a:r>
+              <a:t>6.6 SECURITY PATCH MANAGEMENT</a:t>
+            </a:r>
+          </a:p>
+        </p:txBody>
+      </p:sp>
+      <p:sp>
+        <p:nvSpPr>
+          <p:cNvPr id="3" name="Content Placeholder 2"/>
+          <p:cNvSpPr>
+            <a:spLocks noGrp="1"/>
+          </p:cNvSpPr>
+          <p:nvPr>
+            <p:ph idx="1"/>
+          </p:nvPr>
+        </p:nvSpPr>
+        <p:spPr/>
+        <p:txBody>
+          <a:bodyPr/>
+          <a:lstStyle/>
+          <a:p>
+            <a:r>
+              <a:t>observations not requested</a:t>
+            </a:r>
+          </a:p>
+        </p:txBody>
+      </p:sp>
+      <p:sp>
+        <p:nvSpPr>
+          <p:cNvPr id="4" name="Text Placeholder 3"/>
+          <p:cNvSpPr>
+            <a:spLocks noGrp="1"/>
+          </p:cNvSpPr>
+          <p:nvPr>
+            <p:ph type="body" idx="13" sz="quarter"/>
+          </p:nvPr>
+        </p:nvSpPr>
+        <p:spPr/>
+        <p:txBody>
+          <a:bodyPr/>
+          <a:lstStyle/>
+          <a:p>
+            <a:r>
+              <a:t>risks not requested</a:t>
+            </a:r>
+          </a:p>
+        </p:txBody>
+      </p:sp>
+    </p:spTree>
+  </p:cSld>
+  <p:clrMapOvr>
+    <a:masterClrMapping/>
+  </p:clrMapOvr>
+</p:sld>
+</file>
+
+<file path=ppt/slides/slide46.xml><?xml version="1.0" encoding="utf-8"?>
+<p:sld xmlns:a="http://schemas.openxmlformats.org/drawingml/2006/main" xmlns:p="http://schemas.openxmlformats.org/presentationml/2006/main" xmlns:r="http://schemas.openxmlformats.org/officeDocument/2006/relationships">
+  <p:cSld>
+    <p:spTree>
+      <p:nvGrpSpPr>
+        <p:cNvPr id="1" name=""/>
+        <p:cNvGrpSpPr/>
+        <p:nvPr/>
+      </p:nvGrpSpPr>
+      <p:grpSpPr/>
+      <p:sp>
+        <p:nvSpPr>
+          <p:cNvPr id="2" name="Title 1"/>
+          <p:cNvSpPr>
+            <a:spLocks noGrp="1"/>
+          </p:cNvSpPr>
+          <p:nvPr>
+            <p:ph type="title"/>
+          </p:nvPr>
+        </p:nvSpPr>
+        <p:spPr/>
+        <p:txBody>
+          <a:bodyPr/>
+          <a:lstStyle/>
+          <a:p>
+            <a:pPr>
+              <a:defRPr sz="2600"/>
+            </a:pPr>
+            <a:r>
+              <a:t>6.7 NETWORK SECURITY</a:t>
+            </a:r>
+          </a:p>
+        </p:txBody>
+      </p:sp>
+      <p:sp>
+        <p:nvSpPr>
+          <p:cNvPr id="3" name="Content Placeholder 2"/>
+          <p:cNvSpPr>
+            <a:spLocks noGrp="1"/>
+          </p:cNvSpPr>
+          <p:nvPr>
+            <p:ph idx="1"/>
+          </p:nvPr>
+        </p:nvSpPr>
+        <p:spPr/>
+        <p:txBody>
+          <a:bodyPr/>
+          <a:lstStyle/>
+          <a:p>
+            <a:r>
+              <a:t>6.7.1. The relevant entities shall take the appropriate measures to protect their network and information systems from cyber threats. 6.7.2. For the purpose of point 6.7.1., the relevant entities shall: (a) document the architecture of the network in a comprehensible and up to date manner; (b) determine and apply controls to protect the relevant entities’ internal network domains from unauthorised access; (c) configure controls to prevent accesses and network communication not required for the operation of the relevant entities; (d) determine and apply controls for remote access to network and information systems, including access by service providers; (e) not use systems used for administration of the security policy implementation for other purposes; (f) explicitly forbid or deactivate unneeded connections and services; (g) where appropriate, exclusively allow access to the relevant entities’ network and information systems by devices authorised by those entities; (61) In addition to those mentioned in the mapping table at the end of this section, consider the following: a) NIST Special Publication NIST SP 800-215, Guide to a Secure Enterprise Network Landscape, https://doi.org/10.6028/NIST.SP.800-215, accessed 7 May 2025. b) ISO/IEC 27033 series of standards on network security. (h) allow connections of service providers only after an authorisation request and for a set time period, such as the duration of a maintenance operation; (i) establish communication between distinct systems only through trusted channels that are isolated using logical, cryptographic or physical separation from other communication channels and provide assured identification of their end points and protection of the channel data from modification or disclosure; (j) adopt an implementation plan for the full transition towards latest generation network layer communication protocols in a secure, appropriate and gradual way and establish measures to accelerate such transition; (k) adopt an implementation plan for the deployment of internationally agreed and interoperable modern e-mail communications standards to secure e-mail communications to mitigate vulnerabilities linked to e-mail-related threats and establish measures to accelerate such deployment; (l) apply best practices for the security of the DNS and for Internet routing security and routing hygiene of traffic originating from and destined to the network. 6.7.3. The relevant entities shall review and, where appropriate, update these measures at planned intervals and when significant incidents or significant changes to operations or risks occur. </a:t>
+            </a:r>
+          </a:p>
+        </p:txBody>
+      </p:sp>
+      <p:sp>
+        <p:nvSpPr>
+          <p:cNvPr id="4" name="Content Placeholder 3"/>
+          <p:cNvSpPr>
+            <a:spLocks noGrp="1"/>
+          </p:cNvSpPr>
+          <p:nvPr>
+            <p:ph idx="13"/>
+          </p:nvPr>
+        </p:nvSpPr>
+        <p:spPr/>
+        <p:txBody>
+          <a:bodyPr/>
+          <a:lstStyle/>
+          <a:p>
+            <a:r>
+              <a:t>summary not requested</a:t>
+            </a:r>
+          </a:p>
+        </p:txBody>
+      </p:sp>
+    </p:spTree>
+  </p:cSld>
+  <p:clrMapOvr>
+    <a:masterClrMapping/>
+  </p:clrMapOvr>
+</p:sld>
+</file>
+
+<file path=ppt/slides/slide47.xml><?xml version="1.0" encoding="utf-8"?>
+<p:sld xmlns:a="http://schemas.openxmlformats.org/drawingml/2006/main" xmlns:p="http://schemas.openxmlformats.org/presentationml/2006/main" xmlns:r="http://schemas.openxmlformats.org/officeDocument/2006/relationships">
+  <p:cSld>
+    <p:spTree>
+      <p:nvGrpSpPr>
+        <p:cNvPr id="1" name=""/>
+        <p:cNvGrpSpPr/>
+        <p:nvPr/>
+      </p:nvGrpSpPr>
+      <p:grpSpPr/>
+      <p:sp>
+        <p:nvSpPr>
+          <p:cNvPr id="2" name="Title 1"/>
+          <p:cNvSpPr>
+            <a:spLocks noGrp="1"/>
+          </p:cNvSpPr>
+          <p:nvPr>
+            <p:ph type="title"/>
+          </p:nvPr>
+        </p:nvSpPr>
+        <p:spPr/>
+        <p:txBody>
+          <a:bodyPr/>
+          <a:lstStyle/>
+          <a:p>
+            <a:pPr>
+              <a:defRPr sz="2600"/>
+            </a:pPr>
+            <a:r>
+              <a:t>6.7 NETWORK SECURITY</a:t>
+            </a:r>
+          </a:p>
+        </p:txBody>
+      </p:sp>
+      <p:sp>
+        <p:nvSpPr>
+          <p:cNvPr id="3" name="Content Placeholder 2"/>
+          <p:cNvSpPr>
+            <a:spLocks noGrp="1"/>
+          </p:cNvSpPr>
+          <p:nvPr>
+            <p:ph idx="1"/>
+          </p:nvPr>
+        </p:nvSpPr>
+        <p:spPr/>
+        <p:txBody>
+          <a:bodyPr/>
+          <a:lstStyle/>
+          <a:p>
+            <a:r>
+              <a:t>observations not requested</a:t>
+            </a:r>
+          </a:p>
+        </p:txBody>
+      </p:sp>
+      <p:sp>
+        <p:nvSpPr>
+          <p:cNvPr id="4" name="Text Placeholder 3"/>
+          <p:cNvSpPr>
+            <a:spLocks noGrp="1"/>
+          </p:cNvSpPr>
+          <p:nvPr>
+            <p:ph type="body" idx="13" sz="quarter"/>
+          </p:nvPr>
+        </p:nvSpPr>
+        <p:spPr/>
+        <p:txBody>
+          <a:bodyPr/>
+          <a:lstStyle/>
+          <a:p>
+            <a:r>
+              <a:t>risks not requested</a:t>
+            </a:r>
+          </a:p>
+        </p:txBody>
+      </p:sp>
+    </p:spTree>
+  </p:cSld>
+  <p:clrMapOvr>
+    <a:masterClrMapping/>
+  </p:clrMapOvr>
+</p:sld>
+</file>
+
+<file path=ppt/slides/slide48.xml><?xml version="1.0" encoding="utf-8"?>
+<p:sld xmlns:a="http://schemas.openxmlformats.org/drawingml/2006/main" xmlns:p="http://schemas.openxmlformats.org/presentationml/2006/main" xmlns:r="http://schemas.openxmlformats.org/officeDocument/2006/relationships">
+  <p:cSld>
+    <p:spTree>
+      <p:nvGrpSpPr>
+        <p:cNvPr id="1" name=""/>
+        <p:cNvGrpSpPr/>
+        <p:nvPr/>
+      </p:nvGrpSpPr>
+      <p:grpSpPr/>
+      <p:sp>
+        <p:nvSpPr>
+          <p:cNvPr id="2" name="Title 1"/>
+          <p:cNvSpPr>
+            <a:spLocks noGrp="1"/>
+          </p:cNvSpPr>
+          <p:nvPr>
+            <p:ph type="title"/>
+          </p:nvPr>
+        </p:nvSpPr>
+        <p:spPr/>
+        <p:txBody>
+          <a:bodyPr/>
+          <a:lstStyle/>
+          <a:p>
+            <a:pPr>
+              <a:defRPr sz="2600"/>
+            </a:pPr>
+            <a:r>
+              <a:t>6.8 NETWORK SEGMENTATION</a:t>
+            </a:r>
+          </a:p>
+        </p:txBody>
+      </p:sp>
+      <p:sp>
+        <p:nvSpPr>
+          <p:cNvPr id="3" name="Content Placeholder 2"/>
+          <p:cNvSpPr>
+            <a:spLocks noGrp="1"/>
+          </p:cNvSpPr>
+          <p:nvPr>
+            <p:ph idx="1"/>
+          </p:nvPr>
+        </p:nvSpPr>
+        <p:spPr/>
+        <p:txBody>
+          <a:bodyPr/>
+          <a:lstStyle/>
+          <a:p>
+            <a:r>
+              <a:t>6.8.1. The relevant entities shall segment systems into networks or zones in accordance with the results of the risk assessment referred to in point 2.1. They shall segment their systems and networks from third parties’ systems and networks. 6.8.2. For that purpose, the relevant entities shall: (a) consider the functional, logical and physical relationship, including location, between trustworthy systems and services; (b) grant access to a network or zone based on an assessment of its security requirements; (c) keep systems that are critical to the relevant entities operation or to safety in secured zones; (d) deploy a demilitarised zone within their communication networks to ensure secure communication originating from or destined to their networks; (e) restrict access and communications between and within zones to those necessary for the operation of the relevant entities or for safety; (f) separate the dedicated network for administration of network and information systems from the relevant entities’ operational network; (g) segregate network administration channels from other network traffic; (h) separate the production systems for the relevant entities’ services from systems used in development and testing, including backups. 6.8.3. The relevant entities shall review and, where appropriate, update network segmentation at planned intervals and when significant incidents or significant changes to operations or risks. </a:t>
+            </a:r>
+          </a:p>
+        </p:txBody>
+      </p:sp>
+      <p:sp>
+        <p:nvSpPr>
+          <p:cNvPr id="4" name="Content Placeholder 3"/>
+          <p:cNvSpPr>
+            <a:spLocks noGrp="1"/>
+          </p:cNvSpPr>
+          <p:nvPr>
+            <p:ph idx="13"/>
+          </p:nvPr>
+        </p:nvSpPr>
+        <p:spPr/>
+        <p:txBody>
+          <a:bodyPr/>
+          <a:lstStyle/>
+          <a:p>
+            <a:r>
+              <a:t>summary not requested</a:t>
+            </a:r>
+          </a:p>
+        </p:txBody>
+      </p:sp>
+    </p:spTree>
+  </p:cSld>
+  <p:clrMapOvr>
+    <a:masterClrMapping/>
+  </p:clrMapOvr>
+</p:sld>
+</file>
+
+<file path=ppt/slides/slide49.xml><?xml version="1.0" encoding="utf-8"?>
+<p:sld xmlns:a="http://schemas.openxmlformats.org/drawingml/2006/main" xmlns:p="http://schemas.openxmlformats.org/presentationml/2006/main" xmlns:r="http://schemas.openxmlformats.org/officeDocument/2006/relationships">
+  <p:cSld>
+    <p:spTree>
+      <p:nvGrpSpPr>
+        <p:cNvPr id="1" name=""/>
+        <p:cNvGrpSpPr/>
+        <p:nvPr/>
+      </p:nvGrpSpPr>
+      <p:grpSpPr/>
+      <p:sp>
+        <p:nvSpPr>
+          <p:cNvPr id="2" name="Title 1"/>
+          <p:cNvSpPr>
+            <a:spLocks noGrp="1"/>
+          </p:cNvSpPr>
+          <p:nvPr>
+            <p:ph type="title"/>
+          </p:nvPr>
+        </p:nvSpPr>
+        <p:spPr/>
+        <p:txBody>
+          <a:bodyPr/>
+          <a:lstStyle/>
+          <a:p>
+            <a:pPr>
+              <a:defRPr sz="2600"/>
+            </a:pPr>
+            <a:r>
+              <a:t>6.8 NETWORK SEGMENTATION</a:t>
+            </a:r>
+          </a:p>
+        </p:txBody>
+      </p:sp>
+      <p:sp>
+        <p:nvSpPr>
+          <p:cNvPr id="3" name="Content Placeholder 2"/>
+          <p:cNvSpPr>
+            <a:spLocks noGrp="1"/>
+          </p:cNvSpPr>
+          <p:nvPr>
+            <p:ph idx="1"/>
+          </p:nvPr>
+        </p:nvSpPr>
+        <p:spPr/>
+        <p:txBody>
+          <a:bodyPr/>
+          <a:lstStyle/>
+          <a:p>
+            <a:r>
+              <a:t>observations not requested</a:t>
+            </a:r>
+          </a:p>
+        </p:txBody>
+      </p:sp>
+      <p:sp>
+        <p:nvSpPr>
+          <p:cNvPr id="4" name="Text Placeholder 3"/>
+          <p:cNvSpPr>
+            <a:spLocks noGrp="1"/>
+          </p:cNvSpPr>
+          <p:nvPr>
+            <p:ph type="body" idx="13" sz="quarter"/>
+          </p:nvPr>
+        </p:nvSpPr>
+        <p:spPr/>
+        <p:txBody>
+          <a:bodyPr/>
+          <a:lstStyle/>
+          <a:p>
+            <a:r>
+              <a:t>risks not requested</a:t>
             </a:r>
           </a:p>
         </p:txBody>
@@ -3562,7 +6142,7 @@
               <a:defRPr sz="2600"/>
             </a:pPr>
             <a:r>
-              <a:t>5.16 Identity management.</a:t>
+              <a:t>1.2 ROLES, RESPONSIBILITIES AND AUTHORITIES</a:t>
             </a:r>
           </a:p>
         </p:txBody>
@@ -3583,22 +6163,7 @@
           <a:lstStyle/>
           <a:p>
             <a:r>
-              <a:t>1. Observation: Credentials for privileged accounts are stored centrally in a KeePass tool and are accessible by multiple system administrators, indicating shared privileged identities without mention of dedicated approval or documentation.  </a:t>
-            </a:r>
-          </a:p>
-          <a:p>
-            <a:r>
-              <a:t>2. Observation: Access reviews are not performed, so there is no periodic validation of user identities or assignment of access rights.  </a:t>
-            </a:r>
-          </a:p>
-          <a:p>
-            <a:r>
-              <a:t>3. More information needed to conclude on the timely disabling or removal of identities no longer required. Follow-up: What processes exist for deprovisioning accounts when users leave or change roles?  </a:t>
-            </a:r>
-          </a:p>
-          <a:p>
-            <a:r>
-              <a:t>4. More information needed to conclude on records of identity lifecycle events. Follow-up: Are creation, modification, disabling and deletion of identities logged and reviewed?</a:t>
+              <a:t>observations not requested</a:t>
             </a:r>
           </a:p>
         </p:txBody>
@@ -3619,25 +6184,847 @@
           <a:lstStyle/>
           <a:p>
             <a:r>
-              <a:t>1. If privileged account credentials are stored in a shared KeePass repository and accessible by multiple administrators without documented approval, then unauthorized or inappropriate use of these credentials may occur, leading to untraceable administrative actions, increased risk of configuration errors or malicious changes, and potential data breaches. This lack of individual accountability undermines the principle of least privilege and may result in non-compliance with identity management policies and difficulty in forensic investigations.</a:t>
-            </a:r>
-          </a:p>
-          <a:p/>
-          <a:p>
-            <a:r>
-              <a:t>2. If access reviews are not performed periodically to validate user identities and entitlements, then outdated or unnecessary privileges may accumulate, leading to excessive or inappropriate access rights. This increases the risk of unauthorized data exposure, insider misuse, or privilege creep. Without regular review, misalignments between actual user needs and assigned rights remain undetected, undermining the organization's security posture and potentially causing regulatory non-compliance and operational disruptions.</a:t>
-            </a:r>
-          </a:p>
-          <a:p/>
-          <a:p>
-            <a:r>
-              <a:t>3. No specific risks - more infortmation needed</a:t>
-            </a:r>
-          </a:p>
-          <a:p/>
-          <a:p>
-            <a:r>
-              <a:t>4. No specific risks - more infortmation needed</a:t>
+              <a:t>risks not requested</a:t>
+            </a:r>
+          </a:p>
+        </p:txBody>
+      </p:sp>
+    </p:spTree>
+  </p:cSld>
+  <p:clrMapOvr>
+    <a:masterClrMapping/>
+  </p:clrMapOvr>
+</p:sld>
+</file>
+
+<file path=ppt/slides/slide50.xml><?xml version="1.0" encoding="utf-8"?>
+<p:sld xmlns:a="http://schemas.openxmlformats.org/drawingml/2006/main" xmlns:p="http://schemas.openxmlformats.org/presentationml/2006/main" xmlns:r="http://schemas.openxmlformats.org/officeDocument/2006/relationships">
+  <p:cSld>
+    <p:spTree>
+      <p:nvGrpSpPr>
+        <p:cNvPr id="1" name=""/>
+        <p:cNvGrpSpPr/>
+        <p:nvPr/>
+      </p:nvGrpSpPr>
+      <p:grpSpPr/>
+      <p:sp>
+        <p:nvSpPr>
+          <p:cNvPr id="2" name="Title 1"/>
+          <p:cNvSpPr>
+            <a:spLocks noGrp="1"/>
+          </p:cNvSpPr>
+          <p:nvPr>
+            <p:ph type="title"/>
+          </p:nvPr>
+        </p:nvSpPr>
+        <p:spPr/>
+        <p:txBody>
+          <a:bodyPr/>
+          <a:lstStyle/>
+          <a:p>
+            <a:pPr>
+              <a:defRPr sz="2600"/>
+            </a:pPr>
+            <a:r>
+              <a:t>6.9 PROTECTION AGAINST MALICIOUS AND UNAUTHORISED SOFTWARE</a:t>
+            </a:r>
+          </a:p>
+        </p:txBody>
+      </p:sp>
+      <p:sp>
+        <p:nvSpPr>
+          <p:cNvPr id="3" name="Content Placeholder 2"/>
+          <p:cNvSpPr>
+            <a:spLocks noGrp="1"/>
+          </p:cNvSpPr>
+          <p:nvPr>
+            <p:ph idx="1"/>
+          </p:nvPr>
+        </p:nvSpPr>
+        <p:spPr/>
+        <p:txBody>
+          <a:bodyPr/>
+          <a:lstStyle/>
+          <a:p>
+            <a:r>
+              <a:t>6.9.1. The relevant entities shall protect their network and information systems against malicious and unauthorised software. 6.9.2. For that purpose, the relevant entities shall in particular implement measures that detect or prevent the use of malicious or unauthorised software. The relevant entities shall, where appropriate, ensure that their network and information systems are equipped with detection and response software, which is updated regularly in accordance with the risk assessment carried out pursuant to point 2.1 and the contractual agreements with the providers. </a:t>
+            </a:r>
+          </a:p>
+        </p:txBody>
+      </p:sp>
+      <p:sp>
+        <p:nvSpPr>
+          <p:cNvPr id="4" name="Content Placeholder 3"/>
+          <p:cNvSpPr>
+            <a:spLocks noGrp="1"/>
+          </p:cNvSpPr>
+          <p:nvPr>
+            <p:ph idx="13"/>
+          </p:nvPr>
+        </p:nvSpPr>
+        <p:spPr/>
+        <p:txBody>
+          <a:bodyPr/>
+          <a:lstStyle/>
+          <a:p>
+            <a:r>
+              <a:t>summary not requested</a:t>
+            </a:r>
+          </a:p>
+        </p:txBody>
+      </p:sp>
+    </p:spTree>
+  </p:cSld>
+  <p:clrMapOvr>
+    <a:masterClrMapping/>
+  </p:clrMapOvr>
+</p:sld>
+</file>
+
+<file path=ppt/slides/slide51.xml><?xml version="1.0" encoding="utf-8"?>
+<p:sld xmlns:a="http://schemas.openxmlformats.org/drawingml/2006/main" xmlns:p="http://schemas.openxmlformats.org/presentationml/2006/main" xmlns:r="http://schemas.openxmlformats.org/officeDocument/2006/relationships">
+  <p:cSld>
+    <p:spTree>
+      <p:nvGrpSpPr>
+        <p:cNvPr id="1" name=""/>
+        <p:cNvGrpSpPr/>
+        <p:nvPr/>
+      </p:nvGrpSpPr>
+      <p:grpSpPr/>
+      <p:sp>
+        <p:nvSpPr>
+          <p:cNvPr id="2" name="Title 1"/>
+          <p:cNvSpPr>
+            <a:spLocks noGrp="1"/>
+          </p:cNvSpPr>
+          <p:nvPr>
+            <p:ph type="title"/>
+          </p:nvPr>
+        </p:nvSpPr>
+        <p:spPr/>
+        <p:txBody>
+          <a:bodyPr/>
+          <a:lstStyle/>
+          <a:p>
+            <a:pPr>
+              <a:defRPr sz="2600"/>
+            </a:pPr>
+            <a:r>
+              <a:t>6.9 PROTECTION AGAINST MALICIOUS AND UNAUTHORISED SOFTWARE</a:t>
+            </a:r>
+          </a:p>
+        </p:txBody>
+      </p:sp>
+      <p:sp>
+        <p:nvSpPr>
+          <p:cNvPr id="3" name="Content Placeholder 2"/>
+          <p:cNvSpPr>
+            <a:spLocks noGrp="1"/>
+          </p:cNvSpPr>
+          <p:nvPr>
+            <p:ph idx="1"/>
+          </p:nvPr>
+        </p:nvSpPr>
+        <p:spPr/>
+        <p:txBody>
+          <a:bodyPr/>
+          <a:lstStyle/>
+          <a:p>
+            <a:r>
+              <a:t>observations not requested</a:t>
+            </a:r>
+          </a:p>
+        </p:txBody>
+      </p:sp>
+      <p:sp>
+        <p:nvSpPr>
+          <p:cNvPr id="4" name="Text Placeholder 3"/>
+          <p:cNvSpPr>
+            <a:spLocks noGrp="1"/>
+          </p:cNvSpPr>
+          <p:nvPr>
+            <p:ph type="body" idx="13" sz="quarter"/>
+          </p:nvPr>
+        </p:nvSpPr>
+        <p:spPr/>
+        <p:txBody>
+          <a:bodyPr/>
+          <a:lstStyle/>
+          <a:p>
+            <a:r>
+              <a:t>risks not requested</a:t>
+            </a:r>
+          </a:p>
+        </p:txBody>
+      </p:sp>
+    </p:spTree>
+  </p:cSld>
+  <p:clrMapOvr>
+    <a:masterClrMapping/>
+  </p:clrMapOvr>
+</p:sld>
+</file>
+
+<file path=ppt/slides/slide52.xml><?xml version="1.0" encoding="utf-8"?>
+<p:sld xmlns:a="http://schemas.openxmlformats.org/drawingml/2006/main" xmlns:p="http://schemas.openxmlformats.org/presentationml/2006/main" xmlns:r="http://schemas.openxmlformats.org/officeDocument/2006/relationships">
+  <p:cSld>
+    <p:spTree>
+      <p:nvGrpSpPr>
+        <p:cNvPr id="1" name=""/>
+        <p:cNvGrpSpPr/>
+        <p:nvPr/>
+      </p:nvGrpSpPr>
+      <p:grpSpPr/>
+      <p:sp>
+        <p:nvSpPr>
+          <p:cNvPr id="2" name="Title 1"/>
+          <p:cNvSpPr>
+            <a:spLocks noGrp="1"/>
+          </p:cNvSpPr>
+          <p:nvPr>
+            <p:ph type="title"/>
+          </p:nvPr>
+        </p:nvSpPr>
+        <p:spPr/>
+        <p:txBody>
+          <a:bodyPr/>
+          <a:lstStyle/>
+          <a:p>
+            <a:pPr>
+              <a:defRPr sz="2600"/>
+            </a:pPr>
+            <a:r>
+              <a:t>6.10 VULNERABILITY HANDLING AND DISCLOSURE</a:t>
+            </a:r>
+          </a:p>
+        </p:txBody>
+      </p:sp>
+      <p:sp>
+        <p:nvSpPr>
+          <p:cNvPr id="3" name="Content Placeholder 2"/>
+          <p:cNvSpPr>
+            <a:spLocks noGrp="1"/>
+          </p:cNvSpPr>
+          <p:nvPr>
+            <p:ph idx="1"/>
+          </p:nvPr>
+        </p:nvSpPr>
+        <p:spPr/>
+        <p:txBody>
+          <a:bodyPr/>
+          <a:lstStyle/>
+          <a:p>
+            <a:r>
+              <a:t>6.10.1. The relevant entities shall obtain information about technical vulnerabilities in their network and information systems, evaluate their exposure to such vulnerabilities and take appropriate measures to manage the vulnerabilities. 6.10.2. For the purpose of point 6.10.1., the relevant entities shall: (a) monitor information about vulnerabilities through appropriate channels, such as announcements of CSIRTs, competent authorities or information provided by suppliers or service providers; (b) perform, where appropriate, vulnerability scans and record evidence of the results of the scans, at planned intervals; (c) address, without undue delay, vulnerabilities identified by the relevant entities as critical to their operations; (d) ensure that their vulnerability handling is compatible with their change management, security patch management, risk management and incident management procedures; (e) lay down a procedure for disclosing vulnerabilities in accordance with the applicable national coordinated vulnerability disclosure policy. 6.10.3. When justified by the potential impact of the vulnerability, the relevant entities shall create and implement a plan to mitigate the vulnerability. In other cases, the relevant entities shall document and substantiate the reason why the vulnerability does not require remediation. 6.10.4. The relevant entities shall review and, where appropriate, update at planned intervals the channels they use for monitoring vulnerability information. </a:t>
+            </a:r>
+          </a:p>
+        </p:txBody>
+      </p:sp>
+      <p:sp>
+        <p:nvSpPr>
+          <p:cNvPr id="4" name="Content Placeholder 3"/>
+          <p:cNvSpPr>
+            <a:spLocks noGrp="1"/>
+          </p:cNvSpPr>
+          <p:nvPr>
+            <p:ph idx="13"/>
+          </p:nvPr>
+        </p:nvSpPr>
+        <p:spPr/>
+        <p:txBody>
+          <a:bodyPr/>
+          <a:lstStyle/>
+          <a:p>
+            <a:r>
+              <a:t>summary not requested</a:t>
+            </a:r>
+          </a:p>
+        </p:txBody>
+      </p:sp>
+    </p:spTree>
+  </p:cSld>
+  <p:clrMapOvr>
+    <a:masterClrMapping/>
+  </p:clrMapOvr>
+</p:sld>
+</file>
+
+<file path=ppt/slides/slide53.xml><?xml version="1.0" encoding="utf-8"?>
+<p:sld xmlns:a="http://schemas.openxmlformats.org/drawingml/2006/main" xmlns:p="http://schemas.openxmlformats.org/presentationml/2006/main" xmlns:r="http://schemas.openxmlformats.org/officeDocument/2006/relationships">
+  <p:cSld>
+    <p:spTree>
+      <p:nvGrpSpPr>
+        <p:cNvPr id="1" name=""/>
+        <p:cNvGrpSpPr/>
+        <p:nvPr/>
+      </p:nvGrpSpPr>
+      <p:grpSpPr/>
+      <p:sp>
+        <p:nvSpPr>
+          <p:cNvPr id="2" name="Title 1"/>
+          <p:cNvSpPr>
+            <a:spLocks noGrp="1"/>
+          </p:cNvSpPr>
+          <p:nvPr>
+            <p:ph type="title"/>
+          </p:nvPr>
+        </p:nvSpPr>
+        <p:spPr/>
+        <p:txBody>
+          <a:bodyPr/>
+          <a:lstStyle/>
+          <a:p>
+            <a:pPr>
+              <a:defRPr sz="2600"/>
+            </a:pPr>
+            <a:r>
+              <a:t>6.10 VULNERABILITY HANDLING AND DISCLOSURE</a:t>
+            </a:r>
+          </a:p>
+        </p:txBody>
+      </p:sp>
+      <p:sp>
+        <p:nvSpPr>
+          <p:cNvPr id="3" name="Content Placeholder 2"/>
+          <p:cNvSpPr>
+            <a:spLocks noGrp="1"/>
+          </p:cNvSpPr>
+          <p:nvPr>
+            <p:ph idx="1"/>
+          </p:nvPr>
+        </p:nvSpPr>
+        <p:spPr/>
+        <p:txBody>
+          <a:bodyPr/>
+          <a:lstStyle/>
+          <a:p>
+            <a:r>
+              <a:t>observations not requested</a:t>
+            </a:r>
+          </a:p>
+        </p:txBody>
+      </p:sp>
+      <p:sp>
+        <p:nvSpPr>
+          <p:cNvPr id="4" name="Text Placeholder 3"/>
+          <p:cNvSpPr>
+            <a:spLocks noGrp="1"/>
+          </p:cNvSpPr>
+          <p:nvPr>
+            <p:ph type="body" idx="13" sz="quarter"/>
+          </p:nvPr>
+        </p:nvSpPr>
+        <p:spPr/>
+        <p:txBody>
+          <a:bodyPr/>
+          <a:lstStyle/>
+          <a:p>
+            <a:r>
+              <a:t>risks not requested</a:t>
+            </a:r>
+          </a:p>
+        </p:txBody>
+      </p:sp>
+    </p:spTree>
+  </p:cSld>
+  <p:clrMapOvr>
+    <a:masterClrMapping/>
+  </p:clrMapOvr>
+</p:sld>
+</file>
+
+<file path=ppt/slides/slide54.xml><?xml version="1.0" encoding="utf-8"?>
+<p:sld xmlns:a="http://schemas.openxmlformats.org/drawingml/2006/main" xmlns:p="http://schemas.openxmlformats.org/presentationml/2006/main" xmlns:r="http://schemas.openxmlformats.org/officeDocument/2006/relationships">
+  <p:cSld>
+    <p:spTree>
+      <p:nvGrpSpPr>
+        <p:cNvPr id="1" name=""/>
+        <p:cNvGrpSpPr/>
+        <p:nvPr/>
+      </p:nvGrpSpPr>
+      <p:grpSpPr/>
+      <p:sp>
+        <p:nvSpPr>
+          <p:cNvPr id="2" name="Title 1"/>
+          <p:cNvSpPr>
+            <a:spLocks noGrp="1"/>
+          </p:cNvSpPr>
+          <p:nvPr>
+            <p:ph type="title"/>
+          </p:nvPr>
+        </p:nvSpPr>
+        <p:spPr/>
+        <p:txBody>
+          <a:bodyPr/>
+          <a:lstStyle/>
+          <a:p>
+            <a:pPr>
+              <a:defRPr sz="2600"/>
+            </a:pPr>
+            <a:r>
+              <a:t>7. POLICIES AND PROCEDURES TO ASSESS THE EFFECTIVENESS OF CYBERSECURITY RISKMANAGEMENT MEASURES</a:t>
+            </a:r>
+          </a:p>
+        </p:txBody>
+      </p:sp>
+      <p:sp>
+        <p:nvSpPr>
+          <p:cNvPr id="3" name="Content Placeholder 2"/>
+          <p:cNvSpPr>
+            <a:spLocks noGrp="1"/>
+          </p:cNvSpPr>
+          <p:nvPr>
+            <p:ph idx="1"/>
+          </p:nvPr>
+        </p:nvSpPr>
+        <p:spPr/>
+        <p:txBody>
+          <a:bodyPr/>
+          <a:lstStyle/>
+          <a:p>
+            <a:r>
+              <a:t>7.1. For the purpose of Article 21(2), point (f) of Directive (EU) 2022/2555, the relevant entities shall establish, impleme and apply a policy and procedures to assess whether the cybersecurity risk-management measures taken by the relevant entity are effectively implemented and maintained. 7.2. The policy and procedures referred to in point 7.1. shall take into account results of the risk assessment pursuant to point 2.1. and past significant incidents. The relevant entities shall determine: (a) what cybersecurity risk-management measures are to be monitored and measured, including processes and controls; (b) the methods for monitoring, measurement, analysis and evaluation, as applicable, to ensure valid results; (c) when the monitoring and measuring is to be performed; (d) who is responsible for monitoring and measuring the effectiveness of the cybersecurity risk-management measures; (e) when the results from monitoring and measurement are to be analysed and evaluated; (f) who has to analyse and evaluate these results. 7.3. The relevant entities shall review and, where appropriate, update the policy and procedures at planned intervals and when significant incidents or significant changes to operations or risks. </a:t>
+            </a:r>
+          </a:p>
+        </p:txBody>
+      </p:sp>
+      <p:sp>
+        <p:nvSpPr>
+          <p:cNvPr id="4" name="Content Placeholder 3"/>
+          <p:cNvSpPr>
+            <a:spLocks noGrp="1"/>
+          </p:cNvSpPr>
+          <p:nvPr>
+            <p:ph idx="13"/>
+          </p:nvPr>
+        </p:nvSpPr>
+        <p:spPr/>
+        <p:txBody>
+          <a:bodyPr/>
+          <a:lstStyle/>
+          <a:p>
+            <a:r>
+              <a:t>summary not requested</a:t>
+            </a:r>
+          </a:p>
+        </p:txBody>
+      </p:sp>
+    </p:spTree>
+  </p:cSld>
+  <p:clrMapOvr>
+    <a:masterClrMapping/>
+  </p:clrMapOvr>
+</p:sld>
+</file>
+
+<file path=ppt/slides/slide55.xml><?xml version="1.0" encoding="utf-8"?>
+<p:sld xmlns:a="http://schemas.openxmlformats.org/drawingml/2006/main" xmlns:p="http://schemas.openxmlformats.org/presentationml/2006/main" xmlns:r="http://schemas.openxmlformats.org/officeDocument/2006/relationships">
+  <p:cSld>
+    <p:spTree>
+      <p:nvGrpSpPr>
+        <p:cNvPr id="1" name=""/>
+        <p:cNvGrpSpPr/>
+        <p:nvPr/>
+      </p:nvGrpSpPr>
+      <p:grpSpPr/>
+      <p:sp>
+        <p:nvSpPr>
+          <p:cNvPr id="2" name="Title 1"/>
+          <p:cNvSpPr>
+            <a:spLocks noGrp="1"/>
+          </p:cNvSpPr>
+          <p:nvPr>
+            <p:ph type="title"/>
+          </p:nvPr>
+        </p:nvSpPr>
+        <p:spPr/>
+        <p:txBody>
+          <a:bodyPr/>
+          <a:lstStyle/>
+          <a:p>
+            <a:pPr>
+              <a:defRPr sz="2600"/>
+            </a:pPr>
+            <a:r>
+              <a:t>7. POLICIES AND PROCEDURES TO ASSESS THE EFFECTIVENESS OF CYBERSECURITY RISKMANAGEMENT MEASURES</a:t>
+            </a:r>
+          </a:p>
+        </p:txBody>
+      </p:sp>
+      <p:sp>
+        <p:nvSpPr>
+          <p:cNvPr id="3" name="Content Placeholder 2"/>
+          <p:cNvSpPr>
+            <a:spLocks noGrp="1"/>
+          </p:cNvSpPr>
+          <p:nvPr>
+            <p:ph idx="1"/>
+          </p:nvPr>
+        </p:nvSpPr>
+        <p:spPr/>
+        <p:txBody>
+          <a:bodyPr/>
+          <a:lstStyle/>
+          <a:p>
+            <a:r>
+              <a:t>observations not requested</a:t>
+            </a:r>
+          </a:p>
+        </p:txBody>
+      </p:sp>
+      <p:sp>
+        <p:nvSpPr>
+          <p:cNvPr id="4" name="Text Placeholder 3"/>
+          <p:cNvSpPr>
+            <a:spLocks noGrp="1"/>
+          </p:cNvSpPr>
+          <p:nvPr>
+            <p:ph type="body" idx="13" sz="quarter"/>
+          </p:nvPr>
+        </p:nvSpPr>
+        <p:spPr/>
+        <p:txBody>
+          <a:bodyPr/>
+          <a:lstStyle/>
+          <a:p>
+            <a:r>
+              <a:t>risks not requested</a:t>
+            </a:r>
+          </a:p>
+        </p:txBody>
+      </p:sp>
+    </p:spTree>
+  </p:cSld>
+  <p:clrMapOvr>
+    <a:masterClrMapping/>
+  </p:clrMapOvr>
+</p:sld>
+</file>
+
+<file path=ppt/slides/slide56.xml><?xml version="1.0" encoding="utf-8"?>
+<p:sld xmlns:a="http://schemas.openxmlformats.org/drawingml/2006/main" xmlns:p="http://schemas.openxmlformats.org/presentationml/2006/main" xmlns:r="http://schemas.openxmlformats.org/officeDocument/2006/relationships">
+  <p:cSld>
+    <p:spTree>
+      <p:nvGrpSpPr>
+        <p:cNvPr id="1" name=""/>
+        <p:cNvGrpSpPr/>
+        <p:nvPr/>
+      </p:nvGrpSpPr>
+      <p:grpSpPr/>
+      <p:sp>
+        <p:nvSpPr>
+          <p:cNvPr id="2" name="Title 1"/>
+          <p:cNvSpPr>
+            <a:spLocks noGrp="1"/>
+          </p:cNvSpPr>
+          <p:nvPr>
+            <p:ph type="title"/>
+          </p:nvPr>
+        </p:nvSpPr>
+        <p:spPr/>
+        <p:txBody>
+          <a:bodyPr/>
+          <a:lstStyle/>
+          <a:p>
+            <a:pPr>
+              <a:defRPr sz="2600"/>
+            </a:pPr>
+            <a:r>
+              <a:t>8.1 AWARENESS RAISING AND BASIC CYBER HYGIENE PRACTICES</a:t>
+            </a:r>
+          </a:p>
+        </p:txBody>
+      </p:sp>
+      <p:sp>
+        <p:nvSpPr>
+          <p:cNvPr id="3" name="Content Placeholder 2"/>
+          <p:cNvSpPr>
+            <a:spLocks noGrp="1"/>
+          </p:cNvSpPr>
+          <p:nvPr>
+            <p:ph idx="1"/>
+          </p:nvPr>
+        </p:nvSpPr>
+        <p:spPr/>
+        <p:txBody>
+          <a:bodyPr/>
+          <a:lstStyle/>
+          <a:p>
+            <a:r>
+              <a:t>8.1.1. For the purpose of Article 21(2), point (g) of Directive (EU) 2022/2555, the relevant entities shall ensure that their employees are aware of risks, are informed of the importance of cybersecurity and apply cyber hygiene practices. 8.1.2. For the purpose of point 8.1.1., the relevant entities shall offer to all employees, including members of management bodies, as well as to direct suppliers and service providers where appropriate in accordance with point 5.1.4, an awareness raising programme, which shall: (a) be scheduled over time, so that the activities are repeated and cover new employees; (b) be established in line with the network and information security policy, topic-specific policies and relevant procedures on network and information security; (c) cover cybersecurity risk-management measures in place, contact points and resources for additional information and advice on cybersecurity matters, as well as cyber hygiene practices for users. 8.1.3. The awareness raising programme shall, where appropriate, be tested in terms of effectiveness. The awareness raising programme shall be updated and offered at planned intervals taking into account changes in cyber hygiene practices, and the current threat landscape and risks posed to the relevant entities. </a:t>
+            </a:r>
+          </a:p>
+        </p:txBody>
+      </p:sp>
+      <p:sp>
+        <p:nvSpPr>
+          <p:cNvPr id="4" name="Content Placeholder 3"/>
+          <p:cNvSpPr>
+            <a:spLocks noGrp="1"/>
+          </p:cNvSpPr>
+          <p:nvPr>
+            <p:ph idx="13"/>
+          </p:nvPr>
+        </p:nvSpPr>
+        <p:spPr/>
+        <p:txBody>
+          <a:bodyPr/>
+          <a:lstStyle/>
+          <a:p>
+            <a:r>
+              <a:t>summary not requested</a:t>
+            </a:r>
+          </a:p>
+        </p:txBody>
+      </p:sp>
+    </p:spTree>
+  </p:cSld>
+  <p:clrMapOvr>
+    <a:masterClrMapping/>
+  </p:clrMapOvr>
+</p:sld>
+</file>
+
+<file path=ppt/slides/slide57.xml><?xml version="1.0" encoding="utf-8"?>
+<p:sld xmlns:a="http://schemas.openxmlformats.org/drawingml/2006/main" xmlns:p="http://schemas.openxmlformats.org/presentationml/2006/main" xmlns:r="http://schemas.openxmlformats.org/officeDocument/2006/relationships">
+  <p:cSld>
+    <p:spTree>
+      <p:nvGrpSpPr>
+        <p:cNvPr id="1" name=""/>
+        <p:cNvGrpSpPr/>
+        <p:nvPr/>
+      </p:nvGrpSpPr>
+      <p:grpSpPr/>
+      <p:sp>
+        <p:nvSpPr>
+          <p:cNvPr id="2" name="Title 1"/>
+          <p:cNvSpPr>
+            <a:spLocks noGrp="1"/>
+          </p:cNvSpPr>
+          <p:nvPr>
+            <p:ph type="title"/>
+          </p:nvPr>
+        </p:nvSpPr>
+        <p:spPr/>
+        <p:txBody>
+          <a:bodyPr/>
+          <a:lstStyle/>
+          <a:p>
+            <a:pPr>
+              <a:defRPr sz="2600"/>
+            </a:pPr>
+            <a:r>
+              <a:t>8.1 AWARENESS RAISING AND BASIC CYBER HYGIENE PRACTICES</a:t>
+            </a:r>
+          </a:p>
+        </p:txBody>
+      </p:sp>
+      <p:sp>
+        <p:nvSpPr>
+          <p:cNvPr id="3" name="Content Placeholder 2"/>
+          <p:cNvSpPr>
+            <a:spLocks noGrp="1"/>
+          </p:cNvSpPr>
+          <p:nvPr>
+            <p:ph idx="1"/>
+          </p:nvPr>
+        </p:nvSpPr>
+        <p:spPr/>
+        <p:txBody>
+          <a:bodyPr/>
+          <a:lstStyle/>
+          <a:p>
+            <a:r>
+              <a:t>observations not requested</a:t>
+            </a:r>
+          </a:p>
+        </p:txBody>
+      </p:sp>
+      <p:sp>
+        <p:nvSpPr>
+          <p:cNvPr id="4" name="Text Placeholder 3"/>
+          <p:cNvSpPr>
+            <a:spLocks noGrp="1"/>
+          </p:cNvSpPr>
+          <p:nvPr>
+            <p:ph type="body" idx="13" sz="quarter"/>
+          </p:nvPr>
+        </p:nvSpPr>
+        <p:spPr/>
+        <p:txBody>
+          <a:bodyPr/>
+          <a:lstStyle/>
+          <a:p>
+            <a:r>
+              <a:t>risks not requested</a:t>
+            </a:r>
+          </a:p>
+        </p:txBody>
+      </p:sp>
+    </p:spTree>
+  </p:cSld>
+  <p:clrMapOvr>
+    <a:masterClrMapping/>
+  </p:clrMapOvr>
+</p:sld>
+</file>
+
+<file path=ppt/slides/slide58.xml><?xml version="1.0" encoding="utf-8"?>
+<p:sld xmlns:a="http://schemas.openxmlformats.org/drawingml/2006/main" xmlns:p="http://schemas.openxmlformats.org/presentationml/2006/main" xmlns:r="http://schemas.openxmlformats.org/officeDocument/2006/relationships">
+  <p:cSld>
+    <p:spTree>
+      <p:nvGrpSpPr>
+        <p:cNvPr id="1" name=""/>
+        <p:cNvGrpSpPr/>
+        <p:nvPr/>
+      </p:nvGrpSpPr>
+      <p:grpSpPr/>
+      <p:sp>
+        <p:nvSpPr>
+          <p:cNvPr id="2" name="Title 1"/>
+          <p:cNvSpPr>
+            <a:spLocks noGrp="1"/>
+          </p:cNvSpPr>
+          <p:nvPr>
+            <p:ph type="title"/>
+          </p:nvPr>
+        </p:nvSpPr>
+        <p:spPr/>
+        <p:txBody>
+          <a:bodyPr/>
+          <a:lstStyle/>
+          <a:p>
+            <a:pPr>
+              <a:defRPr sz="2600"/>
+            </a:pPr>
+            <a:r>
+              <a:t>8.2 SECURITY TRAINING</a:t>
+            </a:r>
+          </a:p>
+        </p:txBody>
+      </p:sp>
+      <p:sp>
+        <p:nvSpPr>
+          <p:cNvPr id="3" name="Content Placeholder 2"/>
+          <p:cNvSpPr>
+            <a:spLocks noGrp="1"/>
+          </p:cNvSpPr>
+          <p:nvPr>
+            <p:ph idx="1"/>
+          </p:nvPr>
+        </p:nvSpPr>
+        <p:spPr/>
+        <p:txBody>
+          <a:bodyPr/>
+          <a:lstStyle/>
+          <a:p>
+            <a:r>
+              <a:t>8.2.1. The relevant entities shall identify employees, whose roles require security relevant skill sets and expertise and ensure that they receive regular training on network and information system security. 8.2.2. The relevant entities shall establish, implement and apply a training program in line with the network and information security policy, topic-specific policies and other relevant procedures on network and information security which lays down the training needs for certain roles and positions based on criteria. 8.2.3. The training referred to in point 8.2.1. shall be relevant to the job function of the employee and its effectiveness shall be assessed. Training shall take into consideration security measures in place and cover the following: (a) instructions regarding the secure configuration and operation of the network and information systems, including mobile devices; (b) briefing on known cyber threats; (c) training of the behaviour when security-relevant events occur. 8.2.4. The relevant entities shall apply training to staff members who transfer to new positions or roles which require security relevant skill sets and expertise. 8.2.5. The program shall be updated and run periodically taking into account applicable policies and rules, assigned roles, responsibilities, as well as known cyber threats and technological developments. </a:t>
+            </a:r>
+          </a:p>
+        </p:txBody>
+      </p:sp>
+      <p:sp>
+        <p:nvSpPr>
+          <p:cNvPr id="4" name="Content Placeholder 3"/>
+          <p:cNvSpPr>
+            <a:spLocks noGrp="1"/>
+          </p:cNvSpPr>
+          <p:nvPr>
+            <p:ph idx="13"/>
+          </p:nvPr>
+        </p:nvSpPr>
+        <p:spPr/>
+        <p:txBody>
+          <a:bodyPr/>
+          <a:lstStyle/>
+          <a:p>
+            <a:r>
+              <a:t>summary not requested</a:t>
+            </a:r>
+          </a:p>
+        </p:txBody>
+      </p:sp>
+    </p:spTree>
+  </p:cSld>
+  <p:clrMapOvr>
+    <a:masterClrMapping/>
+  </p:clrMapOvr>
+</p:sld>
+</file>
+
+<file path=ppt/slides/slide59.xml><?xml version="1.0" encoding="utf-8"?>
+<p:sld xmlns:a="http://schemas.openxmlformats.org/drawingml/2006/main" xmlns:p="http://schemas.openxmlformats.org/presentationml/2006/main" xmlns:r="http://schemas.openxmlformats.org/officeDocument/2006/relationships">
+  <p:cSld>
+    <p:spTree>
+      <p:nvGrpSpPr>
+        <p:cNvPr id="1" name=""/>
+        <p:cNvGrpSpPr/>
+        <p:nvPr/>
+      </p:nvGrpSpPr>
+      <p:grpSpPr/>
+      <p:sp>
+        <p:nvSpPr>
+          <p:cNvPr id="2" name="Title 1"/>
+          <p:cNvSpPr>
+            <a:spLocks noGrp="1"/>
+          </p:cNvSpPr>
+          <p:nvPr>
+            <p:ph type="title"/>
+          </p:nvPr>
+        </p:nvSpPr>
+        <p:spPr/>
+        <p:txBody>
+          <a:bodyPr/>
+          <a:lstStyle/>
+          <a:p>
+            <a:pPr>
+              <a:defRPr sz="2600"/>
+            </a:pPr>
+            <a:r>
+              <a:t>8.2 SECURITY TRAINING</a:t>
+            </a:r>
+          </a:p>
+        </p:txBody>
+      </p:sp>
+      <p:sp>
+        <p:nvSpPr>
+          <p:cNvPr id="3" name="Content Placeholder 2"/>
+          <p:cNvSpPr>
+            <a:spLocks noGrp="1"/>
+          </p:cNvSpPr>
+          <p:nvPr>
+            <p:ph idx="1"/>
+          </p:nvPr>
+        </p:nvSpPr>
+        <p:spPr/>
+        <p:txBody>
+          <a:bodyPr/>
+          <a:lstStyle/>
+          <a:p>
+            <a:r>
+              <a:t>observations not requested</a:t>
+            </a:r>
+          </a:p>
+        </p:txBody>
+      </p:sp>
+      <p:sp>
+        <p:nvSpPr>
+          <p:cNvPr id="4" name="Text Placeholder 3"/>
+          <p:cNvSpPr>
+            <a:spLocks noGrp="1"/>
+          </p:cNvSpPr>
+          <p:nvPr>
+            <p:ph type="body" idx="13" sz="quarter"/>
+          </p:nvPr>
+        </p:nvSpPr>
+        <p:spPr/>
+        <p:txBody>
+          <a:bodyPr/>
+          <a:lstStyle/>
+          <a:p>
+            <a:r>
+              <a:t>risks not requested</a:t>
             </a:r>
           </a:p>
         </p:txBody>
@@ -3679,7 +7066,7 @@
               <a:defRPr sz="2600"/>
             </a:pPr>
             <a:r>
-              <a:t>5.17 Authentication information.</a:t>
+              <a:t>2.1 RISK MANAGEMENT FRAMEWORK</a:t>
             </a:r>
           </a:p>
         </p:txBody>
@@ -3700,7 +7087,7 @@
           <a:lstStyle/>
           <a:p>
             <a:r>
-              <a:t>Allocation and management of authentication information should be controlled by a management process, including advising personnel on appropriate handling of authentication information.</a:t>
+              <a:t>2.1.1. For the purpose of Article 21(2), point (a) of Directive (EU) 2022/2555, the relevant entities shall establish and maintain an appropriate risk management framework to identify and address the risks posed to the security of network and information systems. The relevant entities shall perform and document risk assessments and, based on the results, establish, implement and monitor a risk treatment plan. Risk assessment results and residual risks (12) shall be accepted by management bodies or, where applicable, by persons who are accountable and have the authority to manage risks, provided that the relevant entities ensure adequate reporting to the management bodies. 2.1.2. For the purpose of point 2.1.1, the relevant entities shall establish procedures for identification, analysis, assessment and treatment of risks (‘cybersecurity risk management process’). The cybersecurity risk management process shall be an integral part of the relevant entities’ overall risk management process, where applicable. As part of the cybersecurity risk management process, the relevant entities shall: (a) follow a risk management methodology; (b) establish the risk tolerance level in accordance with the risk appetite of the relevant entities; (c) establish and maintain relevant risk criteria; (d) in line with an all-hazards approach, identify and document the risks posed to the security of network and information systems, in particular in relation to third parties and risks that could lead to disruptions in the availability, integrity, authenticity and confidentiality of the network and information systems, including the identification of single point of failures; (e) analyse the risks posed to the security of network and information systems, including threat, likelihood, impact and risk level, taking into account cyber threat intelligence and vulnerabilities; (f) evaluate the identified risks based on the risk criteria; (g) identify and prioritise appropriate risk treatment options and measures; (h) continuously monitor the implementation of the risk treatment measures; (i) identify who is responsible for implementing the risk treatment measures and when they should be implemented; (j) document the chosen risk treatment measures in a risk treatment plan and the reasons justifying the acceptance of residual risks in a comprehensible manner. 2.1.3. When identifying and prioritising appropriate risk treatment options and measures, the relevant entities shall take into account the risk assessment results, the results of the procedure to assess the effectiveness of cybersecurity riskmanagement measures, the cost of implementation in relation to the expected benefit, the asset classification referred to in point 12.1 and the business impact analysis referred to in point 4.1.3. 2.1.4. The relevant entities shall review and, where appropriate, update the risk assessment results and the risk treatment plan at planned intervals and at least annually and when significant changes to operations or risks or significant incidents occur. </a:t>
             </a:r>
           </a:p>
         </p:txBody>
@@ -3721,7 +7108,847 @@
           <a:lstStyle/>
           <a:p>
             <a:r>
-              <a:t>General user accounts are managed centrally via Active Directory, with individual, named accounts issued to each user, while privileged credentials are stored in KeePass and are accessible solely by system administrators. Authentication infrastructure is governed by the group’s IT team under the oversight of the head office, and authentication events are monitored by the SOC team. Missing information: Documentation of a formal management process for the allocation and handling of authentication information, personnel guidance on appropriate handling of credentials, and evidence of periodic access reviews.</a:t>
+              <a:t>summary not requested</a:t>
+            </a:r>
+          </a:p>
+        </p:txBody>
+      </p:sp>
+    </p:spTree>
+  </p:cSld>
+  <p:clrMapOvr>
+    <a:masterClrMapping/>
+  </p:clrMapOvr>
+</p:sld>
+</file>
+
+<file path=ppt/slides/slide60.xml><?xml version="1.0" encoding="utf-8"?>
+<p:sld xmlns:a="http://schemas.openxmlformats.org/drawingml/2006/main" xmlns:p="http://schemas.openxmlformats.org/presentationml/2006/main" xmlns:r="http://schemas.openxmlformats.org/officeDocument/2006/relationships">
+  <p:cSld>
+    <p:spTree>
+      <p:nvGrpSpPr>
+        <p:cNvPr id="1" name=""/>
+        <p:cNvGrpSpPr/>
+        <p:nvPr/>
+      </p:nvGrpSpPr>
+      <p:grpSpPr/>
+      <p:sp>
+        <p:nvSpPr>
+          <p:cNvPr id="2" name="Title 1"/>
+          <p:cNvSpPr>
+            <a:spLocks noGrp="1"/>
+          </p:cNvSpPr>
+          <p:nvPr>
+            <p:ph type="title"/>
+          </p:nvPr>
+        </p:nvSpPr>
+        <p:spPr/>
+        <p:txBody>
+          <a:bodyPr/>
+          <a:lstStyle/>
+          <a:p>
+            <a:pPr>
+              <a:defRPr sz="2600"/>
+            </a:pPr>
+            <a:r>
+              <a:t>9. Cryptography</a:t>
+            </a:r>
+          </a:p>
+        </p:txBody>
+      </p:sp>
+      <p:sp>
+        <p:nvSpPr>
+          <p:cNvPr id="3" name="Content Placeholder 2"/>
+          <p:cNvSpPr>
+            <a:spLocks noGrp="1"/>
+          </p:cNvSpPr>
+          <p:nvPr>
+            <p:ph idx="1"/>
+          </p:nvPr>
+        </p:nvSpPr>
+        <p:spPr/>
+        <p:txBody>
+          <a:bodyPr/>
+          <a:lstStyle/>
+          <a:p>
+            <a:r>
+              <a:t>9.1. For the purpose of Article 21(2), point (h) of Directive (EU) 2022/2555, the relevant entities shall establish, implement and apply a policy and procedures related to cryptography, with a view to ensuring adequate and effective use of cryptography to protect the confidentiality, authenticity and integrity of data in line with the relevant entities’ asset classification and the results of the risk assessment carried out pursuant to point 2.1. 9.2. The policy and procedures referred to in point 9.1 shall establish: (a) in accordance with the relevant entities’ classification of assets, the type, strength and quality of the cryptographic measures required to protect the relevant entities’ assets, including data at rest and data in transit; (b) based on point (a), the protocols or families of protocols to be adopted, as well as cryptographic algorithms, cipher strength, cryptographic solutions and usage practices to be approved and required for use in the relevant entities, following, where appropriate, a cryptographic agility approach; (c) the relevant entities’ approach to key management, including, where appropriate, methods for the following: (i) generating different keys for cryptographic systems and applications; (ii) issuing and obtaining public key certificates; (iii) distributing keys to intended entities, including how to activate keys when received; (iv) storing keys, including how authorised users obtain access to keys; (v) changing or updating keys, including rules on when and how to change keys; (vi) dealing with compromised keys; (vii) revoking keys including how to withdraw or deactivate keys; (viii) recovering lost or corrupted keys; (ix) backing up or archiving keys; (x) destroying keys; (xi) logging and auditing of key management-related activities; (xii) setting activation and deactivation dates for keys ensuring that the keys can only be used for the specified period of time according to the organization's rules on key management. (83) Non-exhaustive list of standards: • NIST special publications: SP 800-175A, SP 800-175B, SP 800-56A/B, SP 800-57; • Federal Information Processing Standards 197, 202, 186-4; • ISO/IEC: 19790, 18033; • BSI TR-02102-1 ‘Cryptographic Mechanisms: Recommendations and Key Lengths’, Version: 2025-1, January 31, 2025.  9.3. The relevant entities shall review and, where appropriate, update their policy and procedures at planned intervals, taking into account the state of the art in cryptography. </a:t>
+            </a:r>
+          </a:p>
+        </p:txBody>
+      </p:sp>
+      <p:sp>
+        <p:nvSpPr>
+          <p:cNvPr id="4" name="Content Placeholder 3"/>
+          <p:cNvSpPr>
+            <a:spLocks noGrp="1"/>
+          </p:cNvSpPr>
+          <p:nvPr>
+            <p:ph idx="13"/>
+          </p:nvPr>
+        </p:nvSpPr>
+        <p:spPr/>
+        <p:txBody>
+          <a:bodyPr/>
+          <a:lstStyle/>
+          <a:p>
+            <a:r>
+              <a:t>summary not requested</a:t>
+            </a:r>
+          </a:p>
+        </p:txBody>
+      </p:sp>
+    </p:spTree>
+  </p:cSld>
+  <p:clrMapOvr>
+    <a:masterClrMapping/>
+  </p:clrMapOvr>
+</p:sld>
+</file>
+
+<file path=ppt/slides/slide61.xml><?xml version="1.0" encoding="utf-8"?>
+<p:sld xmlns:a="http://schemas.openxmlformats.org/drawingml/2006/main" xmlns:p="http://schemas.openxmlformats.org/presentationml/2006/main" xmlns:r="http://schemas.openxmlformats.org/officeDocument/2006/relationships">
+  <p:cSld>
+    <p:spTree>
+      <p:nvGrpSpPr>
+        <p:cNvPr id="1" name=""/>
+        <p:cNvGrpSpPr/>
+        <p:nvPr/>
+      </p:nvGrpSpPr>
+      <p:grpSpPr/>
+      <p:sp>
+        <p:nvSpPr>
+          <p:cNvPr id="2" name="Title 1"/>
+          <p:cNvSpPr>
+            <a:spLocks noGrp="1"/>
+          </p:cNvSpPr>
+          <p:nvPr>
+            <p:ph type="title"/>
+          </p:nvPr>
+        </p:nvSpPr>
+        <p:spPr/>
+        <p:txBody>
+          <a:bodyPr/>
+          <a:lstStyle/>
+          <a:p>
+            <a:pPr>
+              <a:defRPr sz="2600"/>
+            </a:pPr>
+            <a:r>
+              <a:t>9. Cryptography</a:t>
+            </a:r>
+          </a:p>
+        </p:txBody>
+      </p:sp>
+      <p:sp>
+        <p:nvSpPr>
+          <p:cNvPr id="3" name="Content Placeholder 2"/>
+          <p:cNvSpPr>
+            <a:spLocks noGrp="1"/>
+          </p:cNvSpPr>
+          <p:nvPr>
+            <p:ph idx="1"/>
+          </p:nvPr>
+        </p:nvSpPr>
+        <p:spPr/>
+        <p:txBody>
+          <a:bodyPr/>
+          <a:lstStyle/>
+          <a:p>
+            <a:r>
+              <a:t>observations not requested</a:t>
+            </a:r>
+          </a:p>
+        </p:txBody>
+      </p:sp>
+      <p:sp>
+        <p:nvSpPr>
+          <p:cNvPr id="4" name="Text Placeholder 3"/>
+          <p:cNvSpPr>
+            <a:spLocks noGrp="1"/>
+          </p:cNvSpPr>
+          <p:nvPr>
+            <p:ph type="body" idx="13" sz="quarter"/>
+          </p:nvPr>
+        </p:nvSpPr>
+        <p:spPr/>
+        <p:txBody>
+          <a:bodyPr/>
+          <a:lstStyle/>
+          <a:p>
+            <a:r>
+              <a:t>risks not requested</a:t>
+            </a:r>
+          </a:p>
+        </p:txBody>
+      </p:sp>
+    </p:spTree>
+  </p:cSld>
+  <p:clrMapOvr>
+    <a:masterClrMapping/>
+  </p:clrMapOvr>
+</p:sld>
+</file>
+
+<file path=ppt/slides/slide62.xml><?xml version="1.0" encoding="utf-8"?>
+<p:sld xmlns:a="http://schemas.openxmlformats.org/drawingml/2006/main" xmlns:p="http://schemas.openxmlformats.org/presentationml/2006/main" xmlns:r="http://schemas.openxmlformats.org/officeDocument/2006/relationships">
+  <p:cSld>
+    <p:spTree>
+      <p:nvGrpSpPr>
+        <p:cNvPr id="1" name=""/>
+        <p:cNvGrpSpPr/>
+        <p:nvPr/>
+      </p:nvGrpSpPr>
+      <p:grpSpPr/>
+      <p:sp>
+        <p:nvSpPr>
+          <p:cNvPr id="2" name="Title 1"/>
+          <p:cNvSpPr>
+            <a:spLocks noGrp="1"/>
+          </p:cNvSpPr>
+          <p:nvPr>
+            <p:ph type="title"/>
+          </p:nvPr>
+        </p:nvSpPr>
+        <p:spPr/>
+        <p:txBody>
+          <a:bodyPr/>
+          <a:lstStyle/>
+          <a:p>
+            <a:pPr>
+              <a:defRPr sz="2600"/>
+            </a:pPr>
+            <a:r>
+              <a:t>10.1 HUMAN RESOURCES SECURITY</a:t>
+            </a:r>
+          </a:p>
+        </p:txBody>
+      </p:sp>
+      <p:sp>
+        <p:nvSpPr>
+          <p:cNvPr id="3" name="Content Placeholder 2"/>
+          <p:cNvSpPr>
+            <a:spLocks noGrp="1"/>
+          </p:cNvSpPr>
+          <p:nvPr>
+            <p:ph idx="1"/>
+          </p:nvPr>
+        </p:nvSpPr>
+        <p:spPr/>
+        <p:txBody>
+          <a:bodyPr/>
+          <a:lstStyle/>
+          <a:p>
+            <a:r>
+              <a:t>10.1.1. For the purpose of Article 21(2), point (i) of Directive (EU) 2022/2555, the relevant entities shall ensure that their employees and direct suppliers and service providers, wherever applicable, understand and commit to their security responsibilities, as appropriate for the offered services and the job and in line with the relevant entities’ policy on the security of network and information systems. 10.1.2. The requirement referred to in point 10.1.1. shall include the following: (a) mechanisms to ensure that all employees, direct suppliers and service providers, wherever applicable, understand and follow the standard cyber hygiene practices that the entities apply pursuant to point 8.1.; (b) mechanisms to ensure that all users with administrative or privileged access are aware of and act in accordance with their roles, responsibilities and authorities; (c) mechanisms to ensure that members of management bodies understand and act in accordance with their role, responsibilities and authorities regarding network and information system security; (d) mechanisms for hiring personnel qualified for the respective roles, such as reference checks, vetting procedures, validation of certifications or written tests. 10.1.3. The relevant entities shall review the assignment of personnel to specific roles as referred to in point 1.2., as well as their commitment of human resources in that regard, at planned intervals and at least annually. They shall update the assignment where necessary. </a:t>
+            </a:r>
+          </a:p>
+        </p:txBody>
+      </p:sp>
+      <p:sp>
+        <p:nvSpPr>
+          <p:cNvPr id="4" name="Content Placeholder 3"/>
+          <p:cNvSpPr>
+            <a:spLocks noGrp="1"/>
+          </p:cNvSpPr>
+          <p:nvPr>
+            <p:ph idx="13"/>
+          </p:nvPr>
+        </p:nvSpPr>
+        <p:spPr/>
+        <p:txBody>
+          <a:bodyPr/>
+          <a:lstStyle/>
+          <a:p>
+            <a:r>
+              <a:t>summary not requested</a:t>
+            </a:r>
+          </a:p>
+        </p:txBody>
+      </p:sp>
+    </p:spTree>
+  </p:cSld>
+  <p:clrMapOvr>
+    <a:masterClrMapping/>
+  </p:clrMapOvr>
+</p:sld>
+</file>
+
+<file path=ppt/slides/slide63.xml><?xml version="1.0" encoding="utf-8"?>
+<p:sld xmlns:a="http://schemas.openxmlformats.org/drawingml/2006/main" xmlns:p="http://schemas.openxmlformats.org/presentationml/2006/main" xmlns:r="http://schemas.openxmlformats.org/officeDocument/2006/relationships">
+  <p:cSld>
+    <p:spTree>
+      <p:nvGrpSpPr>
+        <p:cNvPr id="1" name=""/>
+        <p:cNvGrpSpPr/>
+        <p:nvPr/>
+      </p:nvGrpSpPr>
+      <p:grpSpPr/>
+      <p:sp>
+        <p:nvSpPr>
+          <p:cNvPr id="2" name="Title 1"/>
+          <p:cNvSpPr>
+            <a:spLocks noGrp="1"/>
+          </p:cNvSpPr>
+          <p:nvPr>
+            <p:ph type="title"/>
+          </p:nvPr>
+        </p:nvSpPr>
+        <p:spPr/>
+        <p:txBody>
+          <a:bodyPr/>
+          <a:lstStyle/>
+          <a:p>
+            <a:pPr>
+              <a:defRPr sz="2600"/>
+            </a:pPr>
+            <a:r>
+              <a:t>10.1 HUMAN RESOURCES SECURITY</a:t>
+            </a:r>
+          </a:p>
+        </p:txBody>
+      </p:sp>
+      <p:sp>
+        <p:nvSpPr>
+          <p:cNvPr id="3" name="Content Placeholder 2"/>
+          <p:cNvSpPr>
+            <a:spLocks noGrp="1"/>
+          </p:cNvSpPr>
+          <p:nvPr>
+            <p:ph idx="1"/>
+          </p:nvPr>
+        </p:nvSpPr>
+        <p:spPr/>
+        <p:txBody>
+          <a:bodyPr/>
+          <a:lstStyle/>
+          <a:p>
+            <a:r>
+              <a:t>observations not requested</a:t>
+            </a:r>
+          </a:p>
+        </p:txBody>
+      </p:sp>
+      <p:sp>
+        <p:nvSpPr>
+          <p:cNvPr id="4" name="Text Placeholder 3"/>
+          <p:cNvSpPr>
+            <a:spLocks noGrp="1"/>
+          </p:cNvSpPr>
+          <p:nvPr>
+            <p:ph type="body" idx="13" sz="quarter"/>
+          </p:nvPr>
+        </p:nvSpPr>
+        <p:spPr/>
+        <p:txBody>
+          <a:bodyPr/>
+          <a:lstStyle/>
+          <a:p>
+            <a:r>
+              <a:t>risks not requested</a:t>
+            </a:r>
+          </a:p>
+        </p:txBody>
+      </p:sp>
+    </p:spTree>
+  </p:cSld>
+  <p:clrMapOvr>
+    <a:masterClrMapping/>
+  </p:clrMapOvr>
+</p:sld>
+</file>
+
+<file path=ppt/slides/slide64.xml><?xml version="1.0" encoding="utf-8"?>
+<p:sld xmlns:a="http://schemas.openxmlformats.org/drawingml/2006/main" xmlns:p="http://schemas.openxmlformats.org/presentationml/2006/main" xmlns:r="http://schemas.openxmlformats.org/officeDocument/2006/relationships">
+  <p:cSld>
+    <p:spTree>
+      <p:nvGrpSpPr>
+        <p:cNvPr id="1" name=""/>
+        <p:cNvGrpSpPr/>
+        <p:nvPr/>
+      </p:nvGrpSpPr>
+      <p:grpSpPr/>
+      <p:sp>
+        <p:nvSpPr>
+          <p:cNvPr id="2" name="Title 1"/>
+          <p:cNvSpPr>
+            <a:spLocks noGrp="1"/>
+          </p:cNvSpPr>
+          <p:nvPr>
+            <p:ph type="title"/>
+          </p:nvPr>
+        </p:nvSpPr>
+        <p:spPr/>
+        <p:txBody>
+          <a:bodyPr/>
+          <a:lstStyle/>
+          <a:p>
+            <a:pPr>
+              <a:defRPr sz="2600"/>
+            </a:pPr>
+            <a:r>
+              <a:t>10.2 VERIFICATION OF BACKGROUND</a:t>
+            </a:r>
+          </a:p>
+        </p:txBody>
+      </p:sp>
+      <p:sp>
+        <p:nvSpPr>
+          <p:cNvPr id="3" name="Content Placeholder 2"/>
+          <p:cNvSpPr>
+            <a:spLocks noGrp="1"/>
+          </p:cNvSpPr>
+          <p:nvPr>
+            <p:ph idx="1"/>
+          </p:nvPr>
+        </p:nvSpPr>
+        <p:spPr/>
+        <p:txBody>
+          <a:bodyPr/>
+          <a:lstStyle/>
+          <a:p>
+            <a:r>
+              <a:t>10.2.1. The relevant entities shall ensure to the extent feasible verification of the background of their employees and where applicable of direct suppliers and service providers in accordance with point 5.1.4, if necessary for their role, responsibilities and authorisations. 10.2.2. For the purpose of point 10.2.1., the relevant entities shall: (a) put in place criteria, which set out which roles, responsibilities and authorities shall only be exercised by persons whose background has been verified; (b) ensure that verification referred to in point 10.2.1 is performed on these persons before they start exercising these roles, responsibilities and authorities, which shall take into consideration the applicable laws, regulations and ethics in proportion to the business requirements, the asset classification as referred to in point 12.1. and the network and information systems to be accessed and the perceived risks. 10.2.3. The relevant entities shall review and, where appropriate, update the policy at planned intervals and update it where necessary. </a:t>
+            </a:r>
+          </a:p>
+        </p:txBody>
+      </p:sp>
+      <p:sp>
+        <p:nvSpPr>
+          <p:cNvPr id="4" name="Content Placeholder 3"/>
+          <p:cNvSpPr>
+            <a:spLocks noGrp="1"/>
+          </p:cNvSpPr>
+          <p:nvPr>
+            <p:ph idx="13"/>
+          </p:nvPr>
+        </p:nvSpPr>
+        <p:spPr/>
+        <p:txBody>
+          <a:bodyPr/>
+          <a:lstStyle/>
+          <a:p>
+            <a:r>
+              <a:t>summary not requested</a:t>
+            </a:r>
+          </a:p>
+        </p:txBody>
+      </p:sp>
+    </p:spTree>
+  </p:cSld>
+  <p:clrMapOvr>
+    <a:masterClrMapping/>
+  </p:clrMapOvr>
+</p:sld>
+</file>
+
+<file path=ppt/slides/slide65.xml><?xml version="1.0" encoding="utf-8"?>
+<p:sld xmlns:a="http://schemas.openxmlformats.org/drawingml/2006/main" xmlns:p="http://schemas.openxmlformats.org/presentationml/2006/main" xmlns:r="http://schemas.openxmlformats.org/officeDocument/2006/relationships">
+  <p:cSld>
+    <p:spTree>
+      <p:nvGrpSpPr>
+        <p:cNvPr id="1" name=""/>
+        <p:cNvGrpSpPr/>
+        <p:nvPr/>
+      </p:nvGrpSpPr>
+      <p:grpSpPr/>
+      <p:sp>
+        <p:nvSpPr>
+          <p:cNvPr id="2" name="Title 1"/>
+          <p:cNvSpPr>
+            <a:spLocks noGrp="1"/>
+          </p:cNvSpPr>
+          <p:nvPr>
+            <p:ph type="title"/>
+          </p:nvPr>
+        </p:nvSpPr>
+        <p:spPr/>
+        <p:txBody>
+          <a:bodyPr/>
+          <a:lstStyle/>
+          <a:p>
+            <a:pPr>
+              <a:defRPr sz="2600"/>
+            </a:pPr>
+            <a:r>
+              <a:t>10.2 VERIFICATION OF BACKGROUND</a:t>
+            </a:r>
+          </a:p>
+        </p:txBody>
+      </p:sp>
+      <p:sp>
+        <p:nvSpPr>
+          <p:cNvPr id="3" name="Content Placeholder 2"/>
+          <p:cNvSpPr>
+            <a:spLocks noGrp="1"/>
+          </p:cNvSpPr>
+          <p:nvPr>
+            <p:ph idx="1"/>
+          </p:nvPr>
+        </p:nvSpPr>
+        <p:spPr/>
+        <p:txBody>
+          <a:bodyPr/>
+          <a:lstStyle/>
+          <a:p>
+            <a:r>
+              <a:t>observations not requested</a:t>
+            </a:r>
+          </a:p>
+        </p:txBody>
+      </p:sp>
+      <p:sp>
+        <p:nvSpPr>
+          <p:cNvPr id="4" name="Text Placeholder 3"/>
+          <p:cNvSpPr>
+            <a:spLocks noGrp="1"/>
+          </p:cNvSpPr>
+          <p:nvPr>
+            <p:ph type="body" idx="13" sz="quarter"/>
+          </p:nvPr>
+        </p:nvSpPr>
+        <p:spPr/>
+        <p:txBody>
+          <a:bodyPr/>
+          <a:lstStyle/>
+          <a:p>
+            <a:r>
+              <a:t>risks not requested</a:t>
+            </a:r>
+          </a:p>
+        </p:txBody>
+      </p:sp>
+    </p:spTree>
+  </p:cSld>
+  <p:clrMapOvr>
+    <a:masterClrMapping/>
+  </p:clrMapOvr>
+</p:sld>
+</file>
+
+<file path=ppt/slides/slide66.xml><?xml version="1.0" encoding="utf-8"?>
+<p:sld xmlns:a="http://schemas.openxmlformats.org/drawingml/2006/main" xmlns:p="http://schemas.openxmlformats.org/presentationml/2006/main" xmlns:r="http://schemas.openxmlformats.org/officeDocument/2006/relationships">
+  <p:cSld>
+    <p:spTree>
+      <p:nvGrpSpPr>
+        <p:cNvPr id="1" name=""/>
+        <p:cNvGrpSpPr/>
+        <p:nvPr/>
+      </p:nvGrpSpPr>
+      <p:grpSpPr/>
+      <p:sp>
+        <p:nvSpPr>
+          <p:cNvPr id="2" name="Title 1"/>
+          <p:cNvSpPr>
+            <a:spLocks noGrp="1"/>
+          </p:cNvSpPr>
+          <p:nvPr>
+            <p:ph type="title"/>
+          </p:nvPr>
+        </p:nvSpPr>
+        <p:spPr/>
+        <p:txBody>
+          <a:bodyPr/>
+          <a:lstStyle/>
+          <a:p>
+            <a:pPr>
+              <a:defRPr sz="2600"/>
+            </a:pPr>
+            <a:r>
+              <a:t>10.3 TERMINATION OR CHANGE OF EMPLOYMENT PROCEDURES</a:t>
+            </a:r>
+          </a:p>
+        </p:txBody>
+      </p:sp>
+      <p:sp>
+        <p:nvSpPr>
+          <p:cNvPr id="3" name="Content Placeholder 2"/>
+          <p:cNvSpPr>
+            <a:spLocks noGrp="1"/>
+          </p:cNvSpPr>
+          <p:nvPr>
+            <p:ph idx="1"/>
+          </p:nvPr>
+        </p:nvSpPr>
+        <p:spPr/>
+        <p:txBody>
+          <a:bodyPr/>
+          <a:lstStyle/>
+          <a:p>
+            <a:r>
+              <a:t>10.3.1. The relevant entities shall ensure that network and information system security responsibilities and duties that remain valid after termination or change of employment of their employees are contractually defined and enforced. 10.3.2. For the purpose of point 10.3.1., the relevant entities shall include in the individual’s terms and conditions of employment, contract or agreement the responsibilities and duties that are still valid after termination of employment or contract, such as confidentiality clauses. </a:t>
+            </a:r>
+          </a:p>
+        </p:txBody>
+      </p:sp>
+      <p:sp>
+        <p:nvSpPr>
+          <p:cNvPr id="4" name="Content Placeholder 3"/>
+          <p:cNvSpPr>
+            <a:spLocks noGrp="1"/>
+          </p:cNvSpPr>
+          <p:nvPr>
+            <p:ph idx="13"/>
+          </p:nvPr>
+        </p:nvSpPr>
+        <p:spPr/>
+        <p:txBody>
+          <a:bodyPr/>
+          <a:lstStyle/>
+          <a:p>
+            <a:r>
+              <a:t>summary not requested</a:t>
+            </a:r>
+          </a:p>
+        </p:txBody>
+      </p:sp>
+    </p:spTree>
+  </p:cSld>
+  <p:clrMapOvr>
+    <a:masterClrMapping/>
+  </p:clrMapOvr>
+</p:sld>
+</file>
+
+<file path=ppt/slides/slide67.xml><?xml version="1.0" encoding="utf-8"?>
+<p:sld xmlns:a="http://schemas.openxmlformats.org/drawingml/2006/main" xmlns:p="http://schemas.openxmlformats.org/presentationml/2006/main" xmlns:r="http://schemas.openxmlformats.org/officeDocument/2006/relationships">
+  <p:cSld>
+    <p:spTree>
+      <p:nvGrpSpPr>
+        <p:cNvPr id="1" name=""/>
+        <p:cNvGrpSpPr/>
+        <p:nvPr/>
+      </p:nvGrpSpPr>
+      <p:grpSpPr/>
+      <p:sp>
+        <p:nvSpPr>
+          <p:cNvPr id="2" name="Title 1"/>
+          <p:cNvSpPr>
+            <a:spLocks noGrp="1"/>
+          </p:cNvSpPr>
+          <p:nvPr>
+            <p:ph type="title"/>
+          </p:nvPr>
+        </p:nvSpPr>
+        <p:spPr/>
+        <p:txBody>
+          <a:bodyPr/>
+          <a:lstStyle/>
+          <a:p>
+            <a:pPr>
+              <a:defRPr sz="2600"/>
+            </a:pPr>
+            <a:r>
+              <a:t>10.3 TERMINATION OR CHANGE OF EMPLOYMENT PROCEDURES</a:t>
+            </a:r>
+          </a:p>
+        </p:txBody>
+      </p:sp>
+      <p:sp>
+        <p:nvSpPr>
+          <p:cNvPr id="3" name="Content Placeholder 2"/>
+          <p:cNvSpPr>
+            <a:spLocks noGrp="1"/>
+          </p:cNvSpPr>
+          <p:nvPr>
+            <p:ph idx="1"/>
+          </p:nvPr>
+        </p:nvSpPr>
+        <p:spPr/>
+        <p:txBody>
+          <a:bodyPr/>
+          <a:lstStyle/>
+          <a:p>
+            <a:r>
+              <a:t>observations not requested</a:t>
+            </a:r>
+          </a:p>
+        </p:txBody>
+      </p:sp>
+      <p:sp>
+        <p:nvSpPr>
+          <p:cNvPr id="4" name="Text Placeholder 3"/>
+          <p:cNvSpPr>
+            <a:spLocks noGrp="1"/>
+          </p:cNvSpPr>
+          <p:nvPr>
+            <p:ph type="body" idx="13" sz="quarter"/>
+          </p:nvPr>
+        </p:nvSpPr>
+        <p:spPr/>
+        <p:txBody>
+          <a:bodyPr/>
+          <a:lstStyle/>
+          <a:p>
+            <a:r>
+              <a:t>risks not requested</a:t>
+            </a:r>
+          </a:p>
+        </p:txBody>
+      </p:sp>
+    </p:spTree>
+  </p:cSld>
+  <p:clrMapOvr>
+    <a:masterClrMapping/>
+  </p:clrMapOvr>
+</p:sld>
+</file>
+
+<file path=ppt/slides/slide68.xml><?xml version="1.0" encoding="utf-8"?>
+<p:sld xmlns:a="http://schemas.openxmlformats.org/drawingml/2006/main" xmlns:p="http://schemas.openxmlformats.org/presentationml/2006/main" xmlns:r="http://schemas.openxmlformats.org/officeDocument/2006/relationships">
+  <p:cSld>
+    <p:spTree>
+      <p:nvGrpSpPr>
+        <p:cNvPr id="1" name=""/>
+        <p:cNvGrpSpPr/>
+        <p:nvPr/>
+      </p:nvGrpSpPr>
+      <p:grpSpPr/>
+      <p:sp>
+        <p:nvSpPr>
+          <p:cNvPr id="2" name="Title 1"/>
+          <p:cNvSpPr>
+            <a:spLocks noGrp="1"/>
+          </p:cNvSpPr>
+          <p:nvPr>
+            <p:ph type="title"/>
+          </p:nvPr>
+        </p:nvSpPr>
+        <p:spPr/>
+        <p:txBody>
+          <a:bodyPr/>
+          <a:lstStyle/>
+          <a:p>
+            <a:pPr>
+              <a:defRPr sz="2600"/>
+            </a:pPr>
+            <a:r>
+              <a:t>10.4 DISCIPLINARY PROCESS</a:t>
+            </a:r>
+          </a:p>
+        </p:txBody>
+      </p:sp>
+      <p:sp>
+        <p:nvSpPr>
+          <p:cNvPr id="3" name="Content Placeholder 2"/>
+          <p:cNvSpPr>
+            <a:spLocks noGrp="1"/>
+          </p:cNvSpPr>
+          <p:nvPr>
+            <p:ph idx="1"/>
+          </p:nvPr>
+        </p:nvSpPr>
+        <p:spPr/>
+        <p:txBody>
+          <a:bodyPr/>
+          <a:lstStyle/>
+          <a:p>
+            <a:r>
+              <a:t>10.4.1. The relevant entities shall establish, communicate and maintain a disciplinary process for handling violations of network and information system security policies. The process shall take into consideration relevant legal, statutory, contractual and business requirements. 10.4.2. The relevant entities shall review and, where appropriate, update the disciplinary process at planned intervals and when necessary due to legal changes or significant changes to operations or risks. </a:t>
+            </a:r>
+          </a:p>
+        </p:txBody>
+      </p:sp>
+      <p:sp>
+        <p:nvSpPr>
+          <p:cNvPr id="4" name="Content Placeholder 3"/>
+          <p:cNvSpPr>
+            <a:spLocks noGrp="1"/>
+          </p:cNvSpPr>
+          <p:nvPr>
+            <p:ph idx="13"/>
+          </p:nvPr>
+        </p:nvSpPr>
+        <p:spPr/>
+        <p:txBody>
+          <a:bodyPr/>
+          <a:lstStyle/>
+          <a:p>
+            <a:r>
+              <a:t>summary not requested</a:t>
+            </a:r>
+          </a:p>
+        </p:txBody>
+      </p:sp>
+    </p:spTree>
+  </p:cSld>
+  <p:clrMapOvr>
+    <a:masterClrMapping/>
+  </p:clrMapOvr>
+</p:sld>
+</file>
+
+<file path=ppt/slides/slide69.xml><?xml version="1.0" encoding="utf-8"?>
+<p:sld xmlns:a="http://schemas.openxmlformats.org/drawingml/2006/main" xmlns:p="http://schemas.openxmlformats.org/presentationml/2006/main" xmlns:r="http://schemas.openxmlformats.org/officeDocument/2006/relationships">
+  <p:cSld>
+    <p:spTree>
+      <p:nvGrpSpPr>
+        <p:cNvPr id="1" name=""/>
+        <p:cNvGrpSpPr/>
+        <p:nvPr/>
+      </p:nvGrpSpPr>
+      <p:grpSpPr/>
+      <p:sp>
+        <p:nvSpPr>
+          <p:cNvPr id="2" name="Title 1"/>
+          <p:cNvSpPr>
+            <a:spLocks noGrp="1"/>
+          </p:cNvSpPr>
+          <p:nvPr>
+            <p:ph type="title"/>
+          </p:nvPr>
+        </p:nvSpPr>
+        <p:spPr/>
+        <p:txBody>
+          <a:bodyPr/>
+          <a:lstStyle/>
+          <a:p>
+            <a:pPr>
+              <a:defRPr sz="2600"/>
+            </a:pPr>
+            <a:r>
+              <a:t>10.4 DISCIPLINARY PROCESS</a:t>
+            </a:r>
+          </a:p>
+        </p:txBody>
+      </p:sp>
+      <p:sp>
+        <p:nvSpPr>
+          <p:cNvPr id="3" name="Content Placeholder 2"/>
+          <p:cNvSpPr>
+            <a:spLocks noGrp="1"/>
+          </p:cNvSpPr>
+          <p:nvPr>
+            <p:ph idx="1"/>
+          </p:nvPr>
+        </p:nvSpPr>
+        <p:spPr/>
+        <p:txBody>
+          <a:bodyPr/>
+          <a:lstStyle/>
+          <a:p>
+            <a:r>
+              <a:t>observations not requested</a:t>
+            </a:r>
+          </a:p>
+        </p:txBody>
+      </p:sp>
+      <p:sp>
+        <p:nvSpPr>
+          <p:cNvPr id="4" name="Text Placeholder 3"/>
+          <p:cNvSpPr>
+            <a:spLocks noGrp="1"/>
+          </p:cNvSpPr>
+          <p:nvPr>
+            <p:ph type="body" idx="13" sz="quarter"/>
+          </p:nvPr>
+        </p:nvSpPr>
+        <p:spPr/>
+        <p:txBody>
+          <a:bodyPr/>
+          <a:lstStyle/>
+          <a:p>
+            <a:r>
+              <a:t>risks not requested</a:t>
             </a:r>
           </a:p>
         </p:txBody>
@@ -3763,7 +7990,7 @@
               <a:defRPr sz="2600"/>
             </a:pPr>
             <a:r>
-              <a:t>5.17 Authentication information.</a:t>
+              <a:t>2.1 RISK MANAGEMENT FRAMEWORK</a:t>
             </a:r>
           </a:p>
         </p:txBody>
@@ -3784,43 +8011,7 @@
           <a:lstStyle/>
           <a:p>
             <a:r>
-              <a:t>1. Observation: “Access reviews are not performed.”  </a:t>
-            </a:r>
-          </a:p>
-          <a:p>
-            <a:r>
-              <a:t>   This indicates the allocation and ongoing management of authentication information lacks periodic validation of user access rights.  </a:t>
-            </a:r>
-          </a:p>
-          <a:p/>
-          <a:p>
-            <a:r>
-              <a:t>2. More information needed to conclude:  </a:t>
-            </a:r>
-          </a:p>
-          <a:p>
-            <a:r>
-              <a:t>   Notes do not specify how personal or temporary authentication information is generated (non-guessable, unique), transmitted securely, changed at first use, or acknowledged by users. We also lack detail on identity verification procedures before issuing credentials and on record-keeping of authentication events.  </a:t>
-            </a:r>
-          </a:p>
-          <a:p>
-            <a:r>
-              <a:t>   Follow-up questions:  </a:t>
-            </a:r>
-          </a:p>
-          <a:p>
-            <a:r>
-              <a:t>   a) What processes ensure default or vendor-supplied credentials are changed immediately after installation?  </a:t>
-            </a:r>
-          </a:p>
-          <a:p>
-            <a:r>
-              <a:t>   b) How are users verified prior to issuing new or replacement credentials?  </a:t>
-            </a:r>
-          </a:p>
-          <a:p>
-            <a:r>
-              <a:t>   c) How and where are allocation events logged and protected?</a:t>
+              <a:t>observations not requested</a:t>
             </a:r>
           </a:p>
         </p:txBody>
@@ -3841,23 +8032,847 @@
           <a:lstStyle/>
           <a:p>
             <a:r>
-              <a:t>Risk 1:</a:t>
-            </a:r>
-          </a:p>
-          <a:p>
-            <a:r>
-              <a:t>Due to the absence of periodic access reviews, user access rights are not validated against role requirements, which may allow former employees or compromised accounts to retain privileges. This increases the likelihood of unauthorized data access, manipulation or disclosure, leading to potential regulatory non-compliance, reputational damage, and operational disruption.</a:t>
-            </a:r>
-          </a:p>
-          <a:p/>
-          <a:p>
-            <a:r>
-              <a:t>Risk 2:</a:t>
-            </a:r>
-          </a:p>
-          <a:p>
-            <a:r>
-              <a:t>No specific risks - more infortmation needed</a:t>
+              <a:t>risks not requested</a:t>
+            </a:r>
+          </a:p>
+        </p:txBody>
+      </p:sp>
+    </p:spTree>
+  </p:cSld>
+  <p:clrMapOvr>
+    <a:masterClrMapping/>
+  </p:clrMapOvr>
+</p:sld>
+</file>
+
+<file path=ppt/slides/slide70.xml><?xml version="1.0" encoding="utf-8"?>
+<p:sld xmlns:a="http://schemas.openxmlformats.org/drawingml/2006/main" xmlns:p="http://schemas.openxmlformats.org/presentationml/2006/main" xmlns:r="http://schemas.openxmlformats.org/officeDocument/2006/relationships">
+  <p:cSld>
+    <p:spTree>
+      <p:nvGrpSpPr>
+        <p:cNvPr id="1" name=""/>
+        <p:cNvGrpSpPr/>
+        <p:nvPr/>
+      </p:nvGrpSpPr>
+      <p:grpSpPr/>
+      <p:sp>
+        <p:nvSpPr>
+          <p:cNvPr id="2" name="Title 1"/>
+          <p:cNvSpPr>
+            <a:spLocks noGrp="1"/>
+          </p:cNvSpPr>
+          <p:nvPr>
+            <p:ph type="title"/>
+          </p:nvPr>
+        </p:nvSpPr>
+        <p:spPr/>
+        <p:txBody>
+          <a:bodyPr/>
+          <a:lstStyle/>
+          <a:p>
+            <a:pPr>
+              <a:defRPr sz="2600"/>
+            </a:pPr>
+            <a:r>
+              <a:t>11.1 ACCESS CONTROL POLICY</a:t>
+            </a:r>
+          </a:p>
+        </p:txBody>
+      </p:sp>
+      <p:sp>
+        <p:nvSpPr>
+          <p:cNvPr id="3" name="Content Placeholder 2"/>
+          <p:cNvSpPr>
+            <a:spLocks noGrp="1"/>
+          </p:cNvSpPr>
+          <p:nvPr>
+            <p:ph idx="1"/>
+          </p:nvPr>
+        </p:nvSpPr>
+        <p:spPr/>
+        <p:txBody>
+          <a:bodyPr/>
+          <a:lstStyle/>
+          <a:p>
+            <a:r>
+              <a:t>11.1.1. For the purpose of Article 21(2), point (i) of Directive (EU) 2022/2555, the relevant entities shall establish, document and implement logical and physical access control policies for the access to their network and information systems, based on business requirements as well as network and information system security requirements. 11.1.2. The policies referred to in point 11.1.1. shall: (a) address access by persons, including staff, visitors and external entities such as suppliers and service providers; (b) address access by network and information system processes; (c) ensure that access is only granted to users that have been adequately authenticated. 11.1.3. The relevant entities shall review and, where appropriate, update the policies at planned intervals and when significant incidents or significant changes to operations or risks occur. </a:t>
+            </a:r>
+          </a:p>
+        </p:txBody>
+      </p:sp>
+      <p:sp>
+        <p:nvSpPr>
+          <p:cNvPr id="4" name="Content Placeholder 3"/>
+          <p:cNvSpPr>
+            <a:spLocks noGrp="1"/>
+          </p:cNvSpPr>
+          <p:nvPr>
+            <p:ph idx="13"/>
+          </p:nvPr>
+        </p:nvSpPr>
+        <p:spPr/>
+        <p:txBody>
+          <a:bodyPr/>
+          <a:lstStyle/>
+          <a:p>
+            <a:r>
+              <a:t>summary not requested</a:t>
+            </a:r>
+          </a:p>
+        </p:txBody>
+      </p:sp>
+    </p:spTree>
+  </p:cSld>
+  <p:clrMapOvr>
+    <a:masterClrMapping/>
+  </p:clrMapOvr>
+</p:sld>
+</file>
+
+<file path=ppt/slides/slide71.xml><?xml version="1.0" encoding="utf-8"?>
+<p:sld xmlns:a="http://schemas.openxmlformats.org/drawingml/2006/main" xmlns:p="http://schemas.openxmlformats.org/presentationml/2006/main" xmlns:r="http://schemas.openxmlformats.org/officeDocument/2006/relationships">
+  <p:cSld>
+    <p:spTree>
+      <p:nvGrpSpPr>
+        <p:cNvPr id="1" name=""/>
+        <p:cNvGrpSpPr/>
+        <p:nvPr/>
+      </p:nvGrpSpPr>
+      <p:grpSpPr/>
+      <p:sp>
+        <p:nvSpPr>
+          <p:cNvPr id="2" name="Title 1"/>
+          <p:cNvSpPr>
+            <a:spLocks noGrp="1"/>
+          </p:cNvSpPr>
+          <p:nvPr>
+            <p:ph type="title"/>
+          </p:nvPr>
+        </p:nvSpPr>
+        <p:spPr/>
+        <p:txBody>
+          <a:bodyPr/>
+          <a:lstStyle/>
+          <a:p>
+            <a:pPr>
+              <a:defRPr sz="2600"/>
+            </a:pPr>
+            <a:r>
+              <a:t>11.1 ACCESS CONTROL POLICY</a:t>
+            </a:r>
+          </a:p>
+        </p:txBody>
+      </p:sp>
+      <p:sp>
+        <p:nvSpPr>
+          <p:cNvPr id="3" name="Content Placeholder 2"/>
+          <p:cNvSpPr>
+            <a:spLocks noGrp="1"/>
+          </p:cNvSpPr>
+          <p:nvPr>
+            <p:ph idx="1"/>
+          </p:nvPr>
+        </p:nvSpPr>
+        <p:spPr/>
+        <p:txBody>
+          <a:bodyPr/>
+          <a:lstStyle/>
+          <a:p>
+            <a:r>
+              <a:t>observations not requested</a:t>
+            </a:r>
+          </a:p>
+        </p:txBody>
+      </p:sp>
+      <p:sp>
+        <p:nvSpPr>
+          <p:cNvPr id="4" name="Text Placeholder 3"/>
+          <p:cNvSpPr>
+            <a:spLocks noGrp="1"/>
+          </p:cNvSpPr>
+          <p:nvPr>
+            <p:ph type="body" idx="13" sz="quarter"/>
+          </p:nvPr>
+        </p:nvSpPr>
+        <p:spPr/>
+        <p:txBody>
+          <a:bodyPr/>
+          <a:lstStyle/>
+          <a:p>
+            <a:r>
+              <a:t>risks not requested</a:t>
+            </a:r>
+          </a:p>
+        </p:txBody>
+      </p:sp>
+    </p:spTree>
+  </p:cSld>
+  <p:clrMapOvr>
+    <a:masterClrMapping/>
+  </p:clrMapOvr>
+</p:sld>
+</file>
+
+<file path=ppt/slides/slide72.xml><?xml version="1.0" encoding="utf-8"?>
+<p:sld xmlns:a="http://schemas.openxmlformats.org/drawingml/2006/main" xmlns:p="http://schemas.openxmlformats.org/presentationml/2006/main" xmlns:r="http://schemas.openxmlformats.org/officeDocument/2006/relationships">
+  <p:cSld>
+    <p:spTree>
+      <p:nvGrpSpPr>
+        <p:cNvPr id="1" name=""/>
+        <p:cNvGrpSpPr/>
+        <p:nvPr/>
+      </p:nvGrpSpPr>
+      <p:grpSpPr/>
+      <p:sp>
+        <p:nvSpPr>
+          <p:cNvPr id="2" name="Title 1"/>
+          <p:cNvSpPr>
+            <a:spLocks noGrp="1"/>
+          </p:cNvSpPr>
+          <p:nvPr>
+            <p:ph type="title"/>
+          </p:nvPr>
+        </p:nvSpPr>
+        <p:spPr/>
+        <p:txBody>
+          <a:bodyPr/>
+          <a:lstStyle/>
+          <a:p>
+            <a:pPr>
+              <a:defRPr sz="2600"/>
+            </a:pPr>
+            <a:r>
+              <a:t>11.2 MANAGEMENT OF ACCESS RIGHTS</a:t>
+            </a:r>
+          </a:p>
+        </p:txBody>
+      </p:sp>
+      <p:sp>
+        <p:nvSpPr>
+          <p:cNvPr id="3" name="Content Placeholder 2"/>
+          <p:cNvSpPr>
+            <a:spLocks noGrp="1"/>
+          </p:cNvSpPr>
+          <p:nvPr>
+            <p:ph idx="1"/>
+          </p:nvPr>
+        </p:nvSpPr>
+        <p:spPr/>
+        <p:txBody>
+          <a:bodyPr/>
+          <a:lstStyle/>
+          <a:p>
+            <a:r>
+              <a:t>11.2.1. The relevant entities shall provide, modify, remove and document access rights to network and information systems in accordance with the access control policy referred to in point 11.1. 11.2.2. The relevant entities shall: (a) assign and revoke access rights based on the principles of need-to-know, least privilege and separation of duties; (b) ensure that access rights are modified accordingly upon termination or change of employment; (c) ensure that access to network and information systems is authorised by the relevant persons; (d) ensure that access rights appropriately address third-party access, such as visitors, suppliers and service providers, in particular by limiting access rights in scope and in duration; (e) maintain a register of access rights granted; (f) apply logging to the management of access rights. 11.2.3. The relevant entities shall review access rights at planned intervals and shall modify them based on organisational changes. The relevant entities shall document the results of the review including the necessary changes of access rights. </a:t>
+            </a:r>
+          </a:p>
+        </p:txBody>
+      </p:sp>
+      <p:sp>
+        <p:nvSpPr>
+          <p:cNvPr id="4" name="Content Placeholder 3"/>
+          <p:cNvSpPr>
+            <a:spLocks noGrp="1"/>
+          </p:cNvSpPr>
+          <p:nvPr>
+            <p:ph idx="13"/>
+          </p:nvPr>
+        </p:nvSpPr>
+        <p:spPr/>
+        <p:txBody>
+          <a:bodyPr/>
+          <a:lstStyle/>
+          <a:p>
+            <a:r>
+              <a:t>summary not requested</a:t>
+            </a:r>
+          </a:p>
+        </p:txBody>
+      </p:sp>
+    </p:spTree>
+  </p:cSld>
+  <p:clrMapOvr>
+    <a:masterClrMapping/>
+  </p:clrMapOvr>
+</p:sld>
+</file>
+
+<file path=ppt/slides/slide73.xml><?xml version="1.0" encoding="utf-8"?>
+<p:sld xmlns:a="http://schemas.openxmlformats.org/drawingml/2006/main" xmlns:p="http://schemas.openxmlformats.org/presentationml/2006/main" xmlns:r="http://schemas.openxmlformats.org/officeDocument/2006/relationships">
+  <p:cSld>
+    <p:spTree>
+      <p:nvGrpSpPr>
+        <p:cNvPr id="1" name=""/>
+        <p:cNvGrpSpPr/>
+        <p:nvPr/>
+      </p:nvGrpSpPr>
+      <p:grpSpPr/>
+      <p:sp>
+        <p:nvSpPr>
+          <p:cNvPr id="2" name="Title 1"/>
+          <p:cNvSpPr>
+            <a:spLocks noGrp="1"/>
+          </p:cNvSpPr>
+          <p:nvPr>
+            <p:ph type="title"/>
+          </p:nvPr>
+        </p:nvSpPr>
+        <p:spPr/>
+        <p:txBody>
+          <a:bodyPr/>
+          <a:lstStyle/>
+          <a:p>
+            <a:pPr>
+              <a:defRPr sz="2600"/>
+            </a:pPr>
+            <a:r>
+              <a:t>11.2 MANAGEMENT OF ACCESS RIGHTS</a:t>
+            </a:r>
+          </a:p>
+        </p:txBody>
+      </p:sp>
+      <p:sp>
+        <p:nvSpPr>
+          <p:cNvPr id="3" name="Content Placeholder 2"/>
+          <p:cNvSpPr>
+            <a:spLocks noGrp="1"/>
+          </p:cNvSpPr>
+          <p:nvPr>
+            <p:ph idx="1"/>
+          </p:nvPr>
+        </p:nvSpPr>
+        <p:spPr/>
+        <p:txBody>
+          <a:bodyPr/>
+          <a:lstStyle/>
+          <a:p>
+            <a:r>
+              <a:t>observations not requested</a:t>
+            </a:r>
+          </a:p>
+        </p:txBody>
+      </p:sp>
+      <p:sp>
+        <p:nvSpPr>
+          <p:cNvPr id="4" name="Text Placeholder 3"/>
+          <p:cNvSpPr>
+            <a:spLocks noGrp="1"/>
+          </p:cNvSpPr>
+          <p:nvPr>
+            <p:ph type="body" idx="13" sz="quarter"/>
+          </p:nvPr>
+        </p:nvSpPr>
+        <p:spPr/>
+        <p:txBody>
+          <a:bodyPr/>
+          <a:lstStyle/>
+          <a:p>
+            <a:r>
+              <a:t>risks not requested</a:t>
+            </a:r>
+          </a:p>
+        </p:txBody>
+      </p:sp>
+    </p:spTree>
+  </p:cSld>
+  <p:clrMapOvr>
+    <a:masterClrMapping/>
+  </p:clrMapOvr>
+</p:sld>
+</file>
+
+<file path=ppt/slides/slide74.xml><?xml version="1.0" encoding="utf-8"?>
+<p:sld xmlns:a="http://schemas.openxmlformats.org/drawingml/2006/main" xmlns:p="http://schemas.openxmlformats.org/presentationml/2006/main" xmlns:r="http://schemas.openxmlformats.org/officeDocument/2006/relationships">
+  <p:cSld>
+    <p:spTree>
+      <p:nvGrpSpPr>
+        <p:cNvPr id="1" name=""/>
+        <p:cNvGrpSpPr/>
+        <p:nvPr/>
+      </p:nvGrpSpPr>
+      <p:grpSpPr/>
+      <p:sp>
+        <p:nvSpPr>
+          <p:cNvPr id="2" name="Title 1"/>
+          <p:cNvSpPr>
+            <a:spLocks noGrp="1"/>
+          </p:cNvSpPr>
+          <p:nvPr>
+            <p:ph type="title"/>
+          </p:nvPr>
+        </p:nvSpPr>
+        <p:spPr/>
+        <p:txBody>
+          <a:bodyPr/>
+          <a:lstStyle/>
+          <a:p>
+            <a:pPr>
+              <a:defRPr sz="2600"/>
+            </a:pPr>
+            <a:r>
+              <a:t>11.3 PRIVILEGED ACCOUNTS AND SYSTEM ADMINISTRATION ACCOUNTS</a:t>
+            </a:r>
+          </a:p>
+        </p:txBody>
+      </p:sp>
+      <p:sp>
+        <p:nvSpPr>
+          <p:cNvPr id="3" name="Content Placeholder 2"/>
+          <p:cNvSpPr>
+            <a:spLocks noGrp="1"/>
+          </p:cNvSpPr>
+          <p:nvPr>
+            <p:ph idx="1"/>
+          </p:nvPr>
+        </p:nvSpPr>
+        <p:spPr/>
+        <p:txBody>
+          <a:bodyPr/>
+          <a:lstStyle/>
+          <a:p>
+            <a:r>
+              <a:t>11.3.1. The relevant entities shall maintain policies for management of privileged accounts and system administration accounts as part of the access control policy referred to in point 11.1. 11.3.2. The policies referred to in point 11.3.1. shall: (a) establish strong identification, authentication such as multi-factor authentication and authorisation procedures for privileged accounts and system administration accounts; (b) set up specific accounts to be used for system administration operations exclusively, such as installation, configuration, management or maintenance; (c) individualise and restrict system administration privileges to the highest extent possible, (d) provide that system administration accounts are only used to connect to system administration systems. 11.3.3. The relevant entities shall review access rights of privileged accounts and system administration accounts at planned intervals and be modified based on organisational changes and shall document the results of the review, including the necessary changes of access rights. </a:t>
+            </a:r>
+          </a:p>
+        </p:txBody>
+      </p:sp>
+      <p:sp>
+        <p:nvSpPr>
+          <p:cNvPr id="4" name="Content Placeholder 3"/>
+          <p:cNvSpPr>
+            <a:spLocks noGrp="1"/>
+          </p:cNvSpPr>
+          <p:nvPr>
+            <p:ph idx="13"/>
+          </p:nvPr>
+        </p:nvSpPr>
+        <p:spPr/>
+        <p:txBody>
+          <a:bodyPr/>
+          <a:lstStyle/>
+          <a:p>
+            <a:r>
+              <a:t>summary not requested</a:t>
+            </a:r>
+          </a:p>
+        </p:txBody>
+      </p:sp>
+    </p:spTree>
+  </p:cSld>
+  <p:clrMapOvr>
+    <a:masterClrMapping/>
+  </p:clrMapOvr>
+</p:sld>
+</file>
+
+<file path=ppt/slides/slide75.xml><?xml version="1.0" encoding="utf-8"?>
+<p:sld xmlns:a="http://schemas.openxmlformats.org/drawingml/2006/main" xmlns:p="http://schemas.openxmlformats.org/presentationml/2006/main" xmlns:r="http://schemas.openxmlformats.org/officeDocument/2006/relationships">
+  <p:cSld>
+    <p:spTree>
+      <p:nvGrpSpPr>
+        <p:cNvPr id="1" name=""/>
+        <p:cNvGrpSpPr/>
+        <p:nvPr/>
+      </p:nvGrpSpPr>
+      <p:grpSpPr/>
+      <p:sp>
+        <p:nvSpPr>
+          <p:cNvPr id="2" name="Title 1"/>
+          <p:cNvSpPr>
+            <a:spLocks noGrp="1"/>
+          </p:cNvSpPr>
+          <p:nvPr>
+            <p:ph type="title"/>
+          </p:nvPr>
+        </p:nvSpPr>
+        <p:spPr/>
+        <p:txBody>
+          <a:bodyPr/>
+          <a:lstStyle/>
+          <a:p>
+            <a:pPr>
+              <a:defRPr sz="2600"/>
+            </a:pPr>
+            <a:r>
+              <a:t>11.3 PRIVILEGED ACCOUNTS AND SYSTEM ADMINISTRATION ACCOUNTS</a:t>
+            </a:r>
+          </a:p>
+        </p:txBody>
+      </p:sp>
+      <p:sp>
+        <p:nvSpPr>
+          <p:cNvPr id="3" name="Content Placeholder 2"/>
+          <p:cNvSpPr>
+            <a:spLocks noGrp="1"/>
+          </p:cNvSpPr>
+          <p:nvPr>
+            <p:ph idx="1"/>
+          </p:nvPr>
+        </p:nvSpPr>
+        <p:spPr/>
+        <p:txBody>
+          <a:bodyPr/>
+          <a:lstStyle/>
+          <a:p>
+            <a:r>
+              <a:t>observations not requested</a:t>
+            </a:r>
+          </a:p>
+        </p:txBody>
+      </p:sp>
+      <p:sp>
+        <p:nvSpPr>
+          <p:cNvPr id="4" name="Text Placeholder 3"/>
+          <p:cNvSpPr>
+            <a:spLocks noGrp="1"/>
+          </p:cNvSpPr>
+          <p:nvPr>
+            <p:ph type="body" idx="13" sz="quarter"/>
+          </p:nvPr>
+        </p:nvSpPr>
+        <p:spPr/>
+        <p:txBody>
+          <a:bodyPr/>
+          <a:lstStyle/>
+          <a:p>
+            <a:r>
+              <a:t>risks not requested</a:t>
+            </a:r>
+          </a:p>
+        </p:txBody>
+      </p:sp>
+    </p:spTree>
+  </p:cSld>
+  <p:clrMapOvr>
+    <a:masterClrMapping/>
+  </p:clrMapOvr>
+</p:sld>
+</file>
+
+<file path=ppt/slides/slide76.xml><?xml version="1.0" encoding="utf-8"?>
+<p:sld xmlns:a="http://schemas.openxmlformats.org/drawingml/2006/main" xmlns:p="http://schemas.openxmlformats.org/presentationml/2006/main" xmlns:r="http://schemas.openxmlformats.org/officeDocument/2006/relationships">
+  <p:cSld>
+    <p:spTree>
+      <p:nvGrpSpPr>
+        <p:cNvPr id="1" name=""/>
+        <p:cNvGrpSpPr/>
+        <p:nvPr/>
+      </p:nvGrpSpPr>
+      <p:grpSpPr/>
+      <p:sp>
+        <p:nvSpPr>
+          <p:cNvPr id="2" name="Title 1"/>
+          <p:cNvSpPr>
+            <a:spLocks noGrp="1"/>
+          </p:cNvSpPr>
+          <p:nvPr>
+            <p:ph type="title"/>
+          </p:nvPr>
+        </p:nvSpPr>
+        <p:spPr/>
+        <p:txBody>
+          <a:bodyPr/>
+          <a:lstStyle/>
+          <a:p>
+            <a:pPr>
+              <a:defRPr sz="2600"/>
+            </a:pPr>
+            <a:r>
+              <a:t>11.4 ADMINISTRATION SYSTEMS</a:t>
+            </a:r>
+          </a:p>
+        </p:txBody>
+      </p:sp>
+      <p:sp>
+        <p:nvSpPr>
+          <p:cNvPr id="3" name="Content Placeholder 2"/>
+          <p:cNvSpPr>
+            <a:spLocks noGrp="1"/>
+          </p:cNvSpPr>
+          <p:nvPr>
+            <p:ph idx="1"/>
+          </p:nvPr>
+        </p:nvSpPr>
+        <p:spPr/>
+        <p:txBody>
+          <a:bodyPr/>
+          <a:lstStyle/>
+          <a:p>
+            <a:r>
+              <a:t>11.4.1. The relevant entities shall restrict and control the use of system administration systems in accordance with the access control policy referred to in point 11.1. 11.4.2. For that purpose, the relevant entities shall: (a) only use system administration systems for system administration purposes and not for any other operations; (b) separate logically such systems from application software not used for system administrative purposes, (c) protect access to system administration systems through authentication and encryption. </a:t>
+            </a:r>
+          </a:p>
+        </p:txBody>
+      </p:sp>
+      <p:sp>
+        <p:nvSpPr>
+          <p:cNvPr id="4" name="Content Placeholder 3"/>
+          <p:cNvSpPr>
+            <a:spLocks noGrp="1"/>
+          </p:cNvSpPr>
+          <p:nvPr>
+            <p:ph idx="13"/>
+          </p:nvPr>
+        </p:nvSpPr>
+        <p:spPr/>
+        <p:txBody>
+          <a:bodyPr/>
+          <a:lstStyle/>
+          <a:p>
+            <a:r>
+              <a:t>summary not requested</a:t>
+            </a:r>
+          </a:p>
+        </p:txBody>
+      </p:sp>
+    </p:spTree>
+  </p:cSld>
+  <p:clrMapOvr>
+    <a:masterClrMapping/>
+  </p:clrMapOvr>
+</p:sld>
+</file>
+
+<file path=ppt/slides/slide77.xml><?xml version="1.0" encoding="utf-8"?>
+<p:sld xmlns:a="http://schemas.openxmlformats.org/drawingml/2006/main" xmlns:p="http://schemas.openxmlformats.org/presentationml/2006/main" xmlns:r="http://schemas.openxmlformats.org/officeDocument/2006/relationships">
+  <p:cSld>
+    <p:spTree>
+      <p:nvGrpSpPr>
+        <p:cNvPr id="1" name=""/>
+        <p:cNvGrpSpPr/>
+        <p:nvPr/>
+      </p:nvGrpSpPr>
+      <p:grpSpPr/>
+      <p:sp>
+        <p:nvSpPr>
+          <p:cNvPr id="2" name="Title 1"/>
+          <p:cNvSpPr>
+            <a:spLocks noGrp="1"/>
+          </p:cNvSpPr>
+          <p:nvPr>
+            <p:ph type="title"/>
+          </p:nvPr>
+        </p:nvSpPr>
+        <p:spPr/>
+        <p:txBody>
+          <a:bodyPr/>
+          <a:lstStyle/>
+          <a:p>
+            <a:pPr>
+              <a:defRPr sz="2600"/>
+            </a:pPr>
+            <a:r>
+              <a:t>11.4 ADMINISTRATION SYSTEMS</a:t>
+            </a:r>
+          </a:p>
+        </p:txBody>
+      </p:sp>
+      <p:sp>
+        <p:nvSpPr>
+          <p:cNvPr id="3" name="Content Placeholder 2"/>
+          <p:cNvSpPr>
+            <a:spLocks noGrp="1"/>
+          </p:cNvSpPr>
+          <p:nvPr>
+            <p:ph idx="1"/>
+          </p:nvPr>
+        </p:nvSpPr>
+        <p:spPr/>
+        <p:txBody>
+          <a:bodyPr/>
+          <a:lstStyle/>
+          <a:p>
+            <a:r>
+              <a:t>observations not requested</a:t>
+            </a:r>
+          </a:p>
+        </p:txBody>
+      </p:sp>
+      <p:sp>
+        <p:nvSpPr>
+          <p:cNvPr id="4" name="Text Placeholder 3"/>
+          <p:cNvSpPr>
+            <a:spLocks noGrp="1"/>
+          </p:cNvSpPr>
+          <p:nvPr>
+            <p:ph type="body" idx="13" sz="quarter"/>
+          </p:nvPr>
+        </p:nvSpPr>
+        <p:spPr/>
+        <p:txBody>
+          <a:bodyPr/>
+          <a:lstStyle/>
+          <a:p>
+            <a:r>
+              <a:t>risks not requested</a:t>
+            </a:r>
+          </a:p>
+        </p:txBody>
+      </p:sp>
+    </p:spTree>
+  </p:cSld>
+  <p:clrMapOvr>
+    <a:masterClrMapping/>
+  </p:clrMapOvr>
+</p:sld>
+</file>
+
+<file path=ppt/slides/slide78.xml><?xml version="1.0" encoding="utf-8"?>
+<p:sld xmlns:a="http://schemas.openxmlformats.org/drawingml/2006/main" xmlns:p="http://schemas.openxmlformats.org/presentationml/2006/main" xmlns:r="http://schemas.openxmlformats.org/officeDocument/2006/relationships">
+  <p:cSld>
+    <p:spTree>
+      <p:nvGrpSpPr>
+        <p:cNvPr id="1" name=""/>
+        <p:cNvGrpSpPr/>
+        <p:nvPr/>
+      </p:nvGrpSpPr>
+      <p:grpSpPr/>
+      <p:sp>
+        <p:nvSpPr>
+          <p:cNvPr id="2" name="Title 1"/>
+          <p:cNvSpPr>
+            <a:spLocks noGrp="1"/>
+          </p:cNvSpPr>
+          <p:nvPr>
+            <p:ph type="title"/>
+          </p:nvPr>
+        </p:nvSpPr>
+        <p:spPr/>
+        <p:txBody>
+          <a:bodyPr/>
+          <a:lstStyle/>
+          <a:p>
+            <a:pPr>
+              <a:defRPr sz="2600"/>
+            </a:pPr>
+            <a:r>
+              <a:t>11.5 IDENTIFICATION</a:t>
+            </a:r>
+          </a:p>
+        </p:txBody>
+      </p:sp>
+      <p:sp>
+        <p:nvSpPr>
+          <p:cNvPr id="3" name="Content Placeholder 2"/>
+          <p:cNvSpPr>
+            <a:spLocks noGrp="1"/>
+          </p:cNvSpPr>
+          <p:nvPr>
+            <p:ph idx="1"/>
+          </p:nvPr>
+        </p:nvSpPr>
+        <p:spPr/>
+        <p:txBody>
+          <a:bodyPr/>
+          <a:lstStyle/>
+          <a:p>
+            <a:r>
+              <a:t>11.5.1. The relevant entities shall manage the full life cycle of identities of network and information systems and their users. 11.5.2. For that purpose, the relevant entities shall: (a) set up unique identities for network and information systems and their users; (b) link the identity of users to a single person; (c) ensure oversight of identities of network and information systems; (d) apply logging to the management of identities. 11.5.3. The relevant entities shall only permit identities assigned to multiple persons, such as shared identities, where they are necessary for business or operational reasons and are subject to an explicit approval process and documentation. The relevant entities shall take identities assigned to multiple persons into account in the cybersecurity risk management framework referred to in point 2.1. 11.5.4. The relevant entities shall regularly review the identities for network and information systems and their users and, if no longer needed, deactivate them without delay. </a:t>
+            </a:r>
+          </a:p>
+        </p:txBody>
+      </p:sp>
+      <p:sp>
+        <p:nvSpPr>
+          <p:cNvPr id="4" name="Content Placeholder 3"/>
+          <p:cNvSpPr>
+            <a:spLocks noGrp="1"/>
+          </p:cNvSpPr>
+          <p:nvPr>
+            <p:ph idx="13"/>
+          </p:nvPr>
+        </p:nvSpPr>
+        <p:spPr/>
+        <p:txBody>
+          <a:bodyPr/>
+          <a:lstStyle/>
+          <a:p>
+            <a:r>
+              <a:t>summary not requested</a:t>
+            </a:r>
+          </a:p>
+        </p:txBody>
+      </p:sp>
+    </p:spTree>
+  </p:cSld>
+  <p:clrMapOvr>
+    <a:masterClrMapping/>
+  </p:clrMapOvr>
+</p:sld>
+</file>
+
+<file path=ppt/slides/slide79.xml><?xml version="1.0" encoding="utf-8"?>
+<p:sld xmlns:a="http://schemas.openxmlformats.org/drawingml/2006/main" xmlns:p="http://schemas.openxmlformats.org/presentationml/2006/main" xmlns:r="http://schemas.openxmlformats.org/officeDocument/2006/relationships">
+  <p:cSld>
+    <p:spTree>
+      <p:nvGrpSpPr>
+        <p:cNvPr id="1" name=""/>
+        <p:cNvGrpSpPr/>
+        <p:nvPr/>
+      </p:nvGrpSpPr>
+      <p:grpSpPr/>
+      <p:sp>
+        <p:nvSpPr>
+          <p:cNvPr id="2" name="Title 1"/>
+          <p:cNvSpPr>
+            <a:spLocks noGrp="1"/>
+          </p:cNvSpPr>
+          <p:nvPr>
+            <p:ph type="title"/>
+          </p:nvPr>
+        </p:nvSpPr>
+        <p:spPr/>
+        <p:txBody>
+          <a:bodyPr/>
+          <a:lstStyle/>
+          <a:p>
+            <a:pPr>
+              <a:defRPr sz="2600"/>
+            </a:pPr>
+            <a:r>
+              <a:t>11.5 IDENTIFICATION</a:t>
+            </a:r>
+          </a:p>
+        </p:txBody>
+      </p:sp>
+      <p:sp>
+        <p:nvSpPr>
+          <p:cNvPr id="3" name="Content Placeholder 2"/>
+          <p:cNvSpPr>
+            <a:spLocks noGrp="1"/>
+          </p:cNvSpPr>
+          <p:nvPr>
+            <p:ph idx="1"/>
+          </p:nvPr>
+        </p:nvSpPr>
+        <p:spPr/>
+        <p:txBody>
+          <a:bodyPr/>
+          <a:lstStyle/>
+          <a:p>
+            <a:r>
+              <a:t>observations not requested</a:t>
+            </a:r>
+          </a:p>
+        </p:txBody>
+      </p:sp>
+      <p:sp>
+        <p:nvSpPr>
+          <p:cNvPr id="4" name="Text Placeholder 3"/>
+          <p:cNvSpPr>
+            <a:spLocks noGrp="1"/>
+          </p:cNvSpPr>
+          <p:nvPr>
+            <p:ph type="body" idx="13" sz="quarter"/>
+          </p:nvPr>
+        </p:nvSpPr>
+        <p:spPr/>
+        <p:txBody>
+          <a:bodyPr/>
+          <a:lstStyle/>
+          <a:p>
+            <a:r>
+              <a:t>risks not requested</a:t>
             </a:r>
           </a:p>
         </p:txBody>
@@ -3899,7 +8914,7 @@
               <a:defRPr sz="2600"/>
             </a:pPr>
             <a:r>
-              <a:t>5.18 Access rights.</a:t>
+              <a:t>2.2 COMPLIANCE MONITORING</a:t>
             </a:r>
           </a:p>
         </p:txBody>
@@ -3920,7 +8935,7 @@
           <a:lstStyle/>
           <a:p>
             <a:r>
-              <a:t>Access rights to information and other associated assets should be provisioned, reviewed, modified and removed in accordance with the organization’s topic-specific policy on and rules for access control.</a:t>
+              <a:t>2.2.1. The relevant entities shall regularly review the compliance with their policies on network and information system security, topic-specific policies, rules and standards. The management bodies shall be informed of the status of network and information security on the basis of the compliance reviews by means of regular reporting. 2.2.2. The relevant entities shall put in place an effective compliance reporting system which shall be appropriate to their structures, operating environments and threat landscapes. The compliance reporting system shall be capable to provide to the management bodies an informed view of the current state of the relevant entities’ management of risks.  2.2.3. The relevant entities shall perform the compliance monitoring at planned intervals and when significant incidents or significant changes to operations or risks occur. </a:t>
             </a:r>
           </a:p>
         </p:txBody>
@@ -3941,7 +8956,847 @@
           <a:lstStyle/>
           <a:p>
             <a:r>
-              <a:t>Access rights are provisioned centrally through Active Directory for general users, with individual non-privileged accounts named and issued per person, and privileged credentials stored in the KeePass tool accessible only to system administrators. The group’s IT infrastructure team manages network access, while local teams implement risk mitigation measures in their operational technology environments. No periodic access reviews are performed, and immutable backups have not been adopted. Missing information: documented procedures for modifying and removing access rights, evidence of formal review and approval processes aligned with the organization’s access control policy, and records demonstrating that access changes follow defined rules.</a:t>
+              <a:t>summary not requested</a:t>
+            </a:r>
+          </a:p>
+        </p:txBody>
+      </p:sp>
+    </p:spTree>
+  </p:cSld>
+  <p:clrMapOvr>
+    <a:masterClrMapping/>
+  </p:clrMapOvr>
+</p:sld>
+</file>
+
+<file path=ppt/slides/slide80.xml><?xml version="1.0" encoding="utf-8"?>
+<p:sld xmlns:a="http://schemas.openxmlformats.org/drawingml/2006/main" xmlns:p="http://schemas.openxmlformats.org/presentationml/2006/main" xmlns:r="http://schemas.openxmlformats.org/officeDocument/2006/relationships">
+  <p:cSld>
+    <p:spTree>
+      <p:nvGrpSpPr>
+        <p:cNvPr id="1" name=""/>
+        <p:cNvGrpSpPr/>
+        <p:nvPr/>
+      </p:nvGrpSpPr>
+      <p:grpSpPr/>
+      <p:sp>
+        <p:nvSpPr>
+          <p:cNvPr id="2" name="Title 1"/>
+          <p:cNvSpPr>
+            <a:spLocks noGrp="1"/>
+          </p:cNvSpPr>
+          <p:nvPr>
+            <p:ph type="title"/>
+          </p:nvPr>
+        </p:nvSpPr>
+        <p:spPr/>
+        <p:txBody>
+          <a:bodyPr/>
+          <a:lstStyle/>
+          <a:p>
+            <a:pPr>
+              <a:defRPr sz="2600"/>
+            </a:pPr>
+            <a:r>
+              <a:t>11.6 AUTHENTICATION</a:t>
+            </a:r>
+          </a:p>
+        </p:txBody>
+      </p:sp>
+      <p:sp>
+        <p:nvSpPr>
+          <p:cNvPr id="3" name="Content Placeholder 2"/>
+          <p:cNvSpPr>
+            <a:spLocks noGrp="1"/>
+          </p:cNvSpPr>
+          <p:nvPr>
+            <p:ph idx="1"/>
+          </p:nvPr>
+        </p:nvSpPr>
+        <p:spPr/>
+        <p:txBody>
+          <a:bodyPr/>
+          <a:lstStyle/>
+          <a:p>
+            <a:r>
+              <a:t>11.6.1. The relevant entities shall implement secure authentication procedures and technologies based on access restrictions and the policy on access control. 11.6.2. For that purpose, the relevant entities shall: (a) ensure the strength of authentication is appropriate to the classification of the asset to be accessed; (b) control the allocation to users and management of secret authentication information by a process that ensures the confidentiality of the information, including advising personnel on appropriate handling of authentication information; (c) require the change of authentication credentials initially, at predefined intervals and upon suspicion that the credentials were compromised; (d) require the reset of authentication credentials and the blocking of users after a predefined number of unsuccessful log-in attempts; (e) terminate inactive sessions after a predefined period of inactivity; and (f) require separate credentials to access privileged access or administrative accounts. (95) When implementing, the entity should take into account MFA fatigue, which can occur when users are overwhelmed when they receive numerous authentication prompts. Consider techniques to mitigate this, such as adaptive MFA, passkeys, MFA combined with SSO and short session timeouts. 11.6.3. The relevant entities shall to the extent feasible use state-of-the-art authentication methods, in accordance with the associated assessed risk and the classification of the asset to be accessed and unique authentication information. 11.6.4. The relevant entities shall regularly review the authentication procedures and technologies at planned intervals. </a:t>
+            </a:r>
+          </a:p>
+        </p:txBody>
+      </p:sp>
+      <p:sp>
+        <p:nvSpPr>
+          <p:cNvPr id="4" name="Content Placeholder 3"/>
+          <p:cNvSpPr>
+            <a:spLocks noGrp="1"/>
+          </p:cNvSpPr>
+          <p:nvPr>
+            <p:ph idx="13"/>
+          </p:nvPr>
+        </p:nvSpPr>
+        <p:spPr/>
+        <p:txBody>
+          <a:bodyPr/>
+          <a:lstStyle/>
+          <a:p>
+            <a:r>
+              <a:t>summary not requested</a:t>
+            </a:r>
+          </a:p>
+        </p:txBody>
+      </p:sp>
+    </p:spTree>
+  </p:cSld>
+  <p:clrMapOvr>
+    <a:masterClrMapping/>
+  </p:clrMapOvr>
+</p:sld>
+</file>
+
+<file path=ppt/slides/slide81.xml><?xml version="1.0" encoding="utf-8"?>
+<p:sld xmlns:a="http://schemas.openxmlformats.org/drawingml/2006/main" xmlns:p="http://schemas.openxmlformats.org/presentationml/2006/main" xmlns:r="http://schemas.openxmlformats.org/officeDocument/2006/relationships">
+  <p:cSld>
+    <p:spTree>
+      <p:nvGrpSpPr>
+        <p:cNvPr id="1" name=""/>
+        <p:cNvGrpSpPr/>
+        <p:nvPr/>
+      </p:nvGrpSpPr>
+      <p:grpSpPr/>
+      <p:sp>
+        <p:nvSpPr>
+          <p:cNvPr id="2" name="Title 1"/>
+          <p:cNvSpPr>
+            <a:spLocks noGrp="1"/>
+          </p:cNvSpPr>
+          <p:nvPr>
+            <p:ph type="title"/>
+          </p:nvPr>
+        </p:nvSpPr>
+        <p:spPr/>
+        <p:txBody>
+          <a:bodyPr/>
+          <a:lstStyle/>
+          <a:p>
+            <a:pPr>
+              <a:defRPr sz="2600"/>
+            </a:pPr>
+            <a:r>
+              <a:t>11.6 AUTHENTICATION</a:t>
+            </a:r>
+          </a:p>
+        </p:txBody>
+      </p:sp>
+      <p:sp>
+        <p:nvSpPr>
+          <p:cNvPr id="3" name="Content Placeholder 2"/>
+          <p:cNvSpPr>
+            <a:spLocks noGrp="1"/>
+          </p:cNvSpPr>
+          <p:nvPr>
+            <p:ph idx="1"/>
+          </p:nvPr>
+        </p:nvSpPr>
+        <p:spPr/>
+        <p:txBody>
+          <a:bodyPr/>
+          <a:lstStyle/>
+          <a:p>
+            <a:r>
+              <a:t>observations not requested</a:t>
+            </a:r>
+          </a:p>
+        </p:txBody>
+      </p:sp>
+      <p:sp>
+        <p:nvSpPr>
+          <p:cNvPr id="4" name="Text Placeholder 3"/>
+          <p:cNvSpPr>
+            <a:spLocks noGrp="1"/>
+          </p:cNvSpPr>
+          <p:nvPr>
+            <p:ph type="body" idx="13" sz="quarter"/>
+          </p:nvPr>
+        </p:nvSpPr>
+        <p:spPr/>
+        <p:txBody>
+          <a:bodyPr/>
+          <a:lstStyle/>
+          <a:p>
+            <a:r>
+              <a:t>risks not requested</a:t>
+            </a:r>
+          </a:p>
+        </p:txBody>
+      </p:sp>
+    </p:spTree>
+  </p:cSld>
+  <p:clrMapOvr>
+    <a:masterClrMapping/>
+  </p:clrMapOvr>
+</p:sld>
+</file>
+
+<file path=ppt/slides/slide82.xml><?xml version="1.0" encoding="utf-8"?>
+<p:sld xmlns:a="http://schemas.openxmlformats.org/drawingml/2006/main" xmlns:p="http://schemas.openxmlformats.org/presentationml/2006/main" xmlns:r="http://schemas.openxmlformats.org/officeDocument/2006/relationships">
+  <p:cSld>
+    <p:spTree>
+      <p:nvGrpSpPr>
+        <p:cNvPr id="1" name=""/>
+        <p:cNvGrpSpPr/>
+        <p:nvPr/>
+      </p:nvGrpSpPr>
+      <p:grpSpPr/>
+      <p:sp>
+        <p:nvSpPr>
+          <p:cNvPr id="2" name="Title 1"/>
+          <p:cNvSpPr>
+            <a:spLocks noGrp="1"/>
+          </p:cNvSpPr>
+          <p:nvPr>
+            <p:ph type="title"/>
+          </p:nvPr>
+        </p:nvSpPr>
+        <p:spPr/>
+        <p:txBody>
+          <a:bodyPr/>
+          <a:lstStyle/>
+          <a:p>
+            <a:pPr>
+              <a:defRPr sz="2600"/>
+            </a:pPr>
+            <a:r>
+              <a:t>11.7 MULTI-FACTOR AUTHENTICATION</a:t>
+            </a:r>
+          </a:p>
+        </p:txBody>
+      </p:sp>
+      <p:sp>
+        <p:nvSpPr>
+          <p:cNvPr id="3" name="Content Placeholder 2"/>
+          <p:cNvSpPr>
+            <a:spLocks noGrp="1"/>
+          </p:cNvSpPr>
+          <p:nvPr>
+            <p:ph idx="1"/>
+          </p:nvPr>
+        </p:nvSpPr>
+        <p:spPr/>
+        <p:txBody>
+          <a:bodyPr/>
+          <a:lstStyle/>
+          <a:p>
+            <a:r>
+              <a:t>11.7.1. The relevant entities shall ensure that users are authenticated by multiple authentication factors or continuous authentication mechanisms for accessing the entities’ network and information systems, where appropriate, in accordance with the classification of the asset to be accessed. 11.7.2. The relevant entities shall ensure that the strength of authentication is appropriate for the classification of the asset to be accessed. </a:t>
+            </a:r>
+          </a:p>
+        </p:txBody>
+      </p:sp>
+      <p:sp>
+        <p:nvSpPr>
+          <p:cNvPr id="4" name="Content Placeholder 3"/>
+          <p:cNvSpPr>
+            <a:spLocks noGrp="1"/>
+          </p:cNvSpPr>
+          <p:nvPr>
+            <p:ph idx="13"/>
+          </p:nvPr>
+        </p:nvSpPr>
+        <p:spPr/>
+        <p:txBody>
+          <a:bodyPr/>
+          <a:lstStyle/>
+          <a:p>
+            <a:r>
+              <a:t>summary not requested</a:t>
+            </a:r>
+          </a:p>
+        </p:txBody>
+      </p:sp>
+    </p:spTree>
+  </p:cSld>
+  <p:clrMapOvr>
+    <a:masterClrMapping/>
+  </p:clrMapOvr>
+</p:sld>
+</file>
+
+<file path=ppt/slides/slide83.xml><?xml version="1.0" encoding="utf-8"?>
+<p:sld xmlns:a="http://schemas.openxmlformats.org/drawingml/2006/main" xmlns:p="http://schemas.openxmlformats.org/presentationml/2006/main" xmlns:r="http://schemas.openxmlformats.org/officeDocument/2006/relationships">
+  <p:cSld>
+    <p:spTree>
+      <p:nvGrpSpPr>
+        <p:cNvPr id="1" name=""/>
+        <p:cNvGrpSpPr/>
+        <p:nvPr/>
+      </p:nvGrpSpPr>
+      <p:grpSpPr/>
+      <p:sp>
+        <p:nvSpPr>
+          <p:cNvPr id="2" name="Title 1"/>
+          <p:cNvSpPr>
+            <a:spLocks noGrp="1"/>
+          </p:cNvSpPr>
+          <p:nvPr>
+            <p:ph type="title"/>
+          </p:nvPr>
+        </p:nvSpPr>
+        <p:spPr/>
+        <p:txBody>
+          <a:bodyPr/>
+          <a:lstStyle/>
+          <a:p>
+            <a:pPr>
+              <a:defRPr sz="2600"/>
+            </a:pPr>
+            <a:r>
+              <a:t>11.7 MULTI-FACTOR AUTHENTICATION</a:t>
+            </a:r>
+          </a:p>
+        </p:txBody>
+      </p:sp>
+      <p:sp>
+        <p:nvSpPr>
+          <p:cNvPr id="3" name="Content Placeholder 2"/>
+          <p:cNvSpPr>
+            <a:spLocks noGrp="1"/>
+          </p:cNvSpPr>
+          <p:nvPr>
+            <p:ph idx="1"/>
+          </p:nvPr>
+        </p:nvSpPr>
+        <p:spPr/>
+        <p:txBody>
+          <a:bodyPr/>
+          <a:lstStyle/>
+          <a:p>
+            <a:r>
+              <a:t>observations not requested</a:t>
+            </a:r>
+          </a:p>
+        </p:txBody>
+      </p:sp>
+      <p:sp>
+        <p:nvSpPr>
+          <p:cNvPr id="4" name="Text Placeholder 3"/>
+          <p:cNvSpPr>
+            <a:spLocks noGrp="1"/>
+          </p:cNvSpPr>
+          <p:nvPr>
+            <p:ph type="body" idx="13" sz="quarter"/>
+          </p:nvPr>
+        </p:nvSpPr>
+        <p:spPr/>
+        <p:txBody>
+          <a:bodyPr/>
+          <a:lstStyle/>
+          <a:p>
+            <a:r>
+              <a:t>risks not requested</a:t>
+            </a:r>
+          </a:p>
+        </p:txBody>
+      </p:sp>
+    </p:spTree>
+  </p:cSld>
+  <p:clrMapOvr>
+    <a:masterClrMapping/>
+  </p:clrMapOvr>
+</p:sld>
+</file>
+
+<file path=ppt/slides/slide84.xml><?xml version="1.0" encoding="utf-8"?>
+<p:sld xmlns:a="http://schemas.openxmlformats.org/drawingml/2006/main" xmlns:p="http://schemas.openxmlformats.org/presentationml/2006/main" xmlns:r="http://schemas.openxmlformats.org/officeDocument/2006/relationships">
+  <p:cSld>
+    <p:spTree>
+      <p:nvGrpSpPr>
+        <p:cNvPr id="1" name=""/>
+        <p:cNvGrpSpPr/>
+        <p:nvPr/>
+      </p:nvGrpSpPr>
+      <p:grpSpPr/>
+      <p:sp>
+        <p:nvSpPr>
+          <p:cNvPr id="2" name="Title 1"/>
+          <p:cNvSpPr>
+            <a:spLocks noGrp="1"/>
+          </p:cNvSpPr>
+          <p:nvPr>
+            <p:ph type="title"/>
+          </p:nvPr>
+        </p:nvSpPr>
+        <p:spPr/>
+        <p:txBody>
+          <a:bodyPr/>
+          <a:lstStyle/>
+          <a:p>
+            <a:pPr>
+              <a:defRPr sz="2600"/>
+            </a:pPr>
+            <a:r>
+              <a:t>12.1 ASSET CLASSIFICATION</a:t>
+            </a:r>
+          </a:p>
+        </p:txBody>
+      </p:sp>
+      <p:sp>
+        <p:nvSpPr>
+          <p:cNvPr id="3" name="Content Placeholder 2"/>
+          <p:cNvSpPr>
+            <a:spLocks noGrp="1"/>
+          </p:cNvSpPr>
+          <p:nvPr>
+            <p:ph idx="1"/>
+          </p:nvPr>
+        </p:nvSpPr>
+        <p:spPr/>
+        <p:txBody>
+          <a:bodyPr/>
+          <a:lstStyle/>
+          <a:p>
+            <a:r>
+              <a:t>12.1.1. For the purpose of Article 21(2), point (i) of Directive (EU) 2022/2555, the relevant entities shall lay down classification levels of all assets, including information, in scope of their network and information systems for the level of protection required. 12.1.2. For the purpose of point 12.1.1., the relevant entities shall: (a) lay down a system of classification levels for assets; (b) associate all assets with a classification level, based on confidentiality, integrity, authenticity and availability requirements, to indicate the protection required according to their sensitivity, criticality, risk and business value; (c) align the availability requirements of the assets with the delivery and recovery objectives set out in their business continuity and disaster recovery plans. 12.1.3. The relevant entities shall conduct periodic reviews of the classification levels of assets and update them, where appropriate. </a:t>
+            </a:r>
+          </a:p>
+        </p:txBody>
+      </p:sp>
+      <p:sp>
+        <p:nvSpPr>
+          <p:cNvPr id="4" name="Content Placeholder 3"/>
+          <p:cNvSpPr>
+            <a:spLocks noGrp="1"/>
+          </p:cNvSpPr>
+          <p:nvPr>
+            <p:ph idx="13"/>
+          </p:nvPr>
+        </p:nvSpPr>
+        <p:spPr/>
+        <p:txBody>
+          <a:bodyPr/>
+          <a:lstStyle/>
+          <a:p>
+            <a:r>
+              <a:t>summary not requested</a:t>
+            </a:r>
+          </a:p>
+        </p:txBody>
+      </p:sp>
+    </p:spTree>
+  </p:cSld>
+  <p:clrMapOvr>
+    <a:masterClrMapping/>
+  </p:clrMapOvr>
+</p:sld>
+</file>
+
+<file path=ppt/slides/slide85.xml><?xml version="1.0" encoding="utf-8"?>
+<p:sld xmlns:a="http://schemas.openxmlformats.org/drawingml/2006/main" xmlns:p="http://schemas.openxmlformats.org/presentationml/2006/main" xmlns:r="http://schemas.openxmlformats.org/officeDocument/2006/relationships">
+  <p:cSld>
+    <p:spTree>
+      <p:nvGrpSpPr>
+        <p:cNvPr id="1" name=""/>
+        <p:cNvGrpSpPr/>
+        <p:nvPr/>
+      </p:nvGrpSpPr>
+      <p:grpSpPr/>
+      <p:sp>
+        <p:nvSpPr>
+          <p:cNvPr id="2" name="Title 1"/>
+          <p:cNvSpPr>
+            <a:spLocks noGrp="1"/>
+          </p:cNvSpPr>
+          <p:nvPr>
+            <p:ph type="title"/>
+          </p:nvPr>
+        </p:nvSpPr>
+        <p:spPr/>
+        <p:txBody>
+          <a:bodyPr/>
+          <a:lstStyle/>
+          <a:p>
+            <a:pPr>
+              <a:defRPr sz="2600"/>
+            </a:pPr>
+            <a:r>
+              <a:t>12.1 ASSET CLASSIFICATION</a:t>
+            </a:r>
+          </a:p>
+        </p:txBody>
+      </p:sp>
+      <p:sp>
+        <p:nvSpPr>
+          <p:cNvPr id="3" name="Content Placeholder 2"/>
+          <p:cNvSpPr>
+            <a:spLocks noGrp="1"/>
+          </p:cNvSpPr>
+          <p:nvPr>
+            <p:ph idx="1"/>
+          </p:nvPr>
+        </p:nvSpPr>
+        <p:spPr/>
+        <p:txBody>
+          <a:bodyPr/>
+          <a:lstStyle/>
+          <a:p>
+            <a:r>
+              <a:t>observations not requested</a:t>
+            </a:r>
+          </a:p>
+        </p:txBody>
+      </p:sp>
+      <p:sp>
+        <p:nvSpPr>
+          <p:cNvPr id="4" name="Text Placeholder 3"/>
+          <p:cNvSpPr>
+            <a:spLocks noGrp="1"/>
+          </p:cNvSpPr>
+          <p:nvPr>
+            <p:ph type="body" idx="13" sz="quarter"/>
+          </p:nvPr>
+        </p:nvSpPr>
+        <p:spPr/>
+        <p:txBody>
+          <a:bodyPr/>
+          <a:lstStyle/>
+          <a:p>
+            <a:r>
+              <a:t>risks not requested</a:t>
+            </a:r>
+          </a:p>
+        </p:txBody>
+      </p:sp>
+    </p:spTree>
+  </p:cSld>
+  <p:clrMapOvr>
+    <a:masterClrMapping/>
+  </p:clrMapOvr>
+</p:sld>
+</file>
+
+<file path=ppt/slides/slide86.xml><?xml version="1.0" encoding="utf-8"?>
+<p:sld xmlns:a="http://schemas.openxmlformats.org/drawingml/2006/main" xmlns:p="http://schemas.openxmlformats.org/presentationml/2006/main" xmlns:r="http://schemas.openxmlformats.org/officeDocument/2006/relationships">
+  <p:cSld>
+    <p:spTree>
+      <p:nvGrpSpPr>
+        <p:cNvPr id="1" name=""/>
+        <p:cNvGrpSpPr/>
+        <p:nvPr/>
+      </p:nvGrpSpPr>
+      <p:grpSpPr/>
+      <p:sp>
+        <p:nvSpPr>
+          <p:cNvPr id="2" name="Title 1"/>
+          <p:cNvSpPr>
+            <a:spLocks noGrp="1"/>
+          </p:cNvSpPr>
+          <p:nvPr>
+            <p:ph type="title"/>
+          </p:nvPr>
+        </p:nvSpPr>
+        <p:spPr/>
+        <p:txBody>
+          <a:bodyPr/>
+          <a:lstStyle/>
+          <a:p>
+            <a:pPr>
+              <a:defRPr sz="2600"/>
+            </a:pPr>
+            <a:r>
+              <a:t>12.2 HANDLING OF ASSETS</a:t>
+            </a:r>
+          </a:p>
+        </p:txBody>
+      </p:sp>
+      <p:sp>
+        <p:nvSpPr>
+          <p:cNvPr id="3" name="Content Placeholder 2"/>
+          <p:cNvSpPr>
+            <a:spLocks noGrp="1"/>
+          </p:cNvSpPr>
+          <p:nvPr>
+            <p:ph idx="1"/>
+          </p:nvPr>
+        </p:nvSpPr>
+        <p:spPr/>
+        <p:txBody>
+          <a:bodyPr/>
+          <a:lstStyle/>
+          <a:p>
+            <a:r>
+              <a:t>12.2.1. The relevant entities shall establish, implement and apply a policy for the proper handling of assets, including information, in accordance with their network and information security policy and shall communicate the policy on proper handling of assets to anyone who uses or handles assets. 12.2.2. The policy shall: (a) cover the entire life cycle of the assets, including acquisition, use, storage, transportation and disposal; (b) provide instructions on the safe use, safe storage, safe transport and the irretrievable deletion and destruction of the assets; (c) provide that the transfer shall take place in a secure manner, in accordance with the type of asset or information to be transferred. 12.2.3. The relevant entities shall review and, where appropriate, update the policy at planned intervals and when significant incidents or significant changes to operations or risks occur. </a:t>
+            </a:r>
+          </a:p>
+        </p:txBody>
+      </p:sp>
+      <p:sp>
+        <p:nvSpPr>
+          <p:cNvPr id="4" name="Content Placeholder 3"/>
+          <p:cNvSpPr>
+            <a:spLocks noGrp="1"/>
+          </p:cNvSpPr>
+          <p:nvPr>
+            <p:ph idx="13"/>
+          </p:nvPr>
+        </p:nvSpPr>
+        <p:spPr/>
+        <p:txBody>
+          <a:bodyPr/>
+          <a:lstStyle/>
+          <a:p>
+            <a:r>
+              <a:t>summary not requested</a:t>
+            </a:r>
+          </a:p>
+        </p:txBody>
+      </p:sp>
+    </p:spTree>
+  </p:cSld>
+  <p:clrMapOvr>
+    <a:masterClrMapping/>
+  </p:clrMapOvr>
+</p:sld>
+</file>
+
+<file path=ppt/slides/slide87.xml><?xml version="1.0" encoding="utf-8"?>
+<p:sld xmlns:a="http://schemas.openxmlformats.org/drawingml/2006/main" xmlns:p="http://schemas.openxmlformats.org/presentationml/2006/main" xmlns:r="http://schemas.openxmlformats.org/officeDocument/2006/relationships">
+  <p:cSld>
+    <p:spTree>
+      <p:nvGrpSpPr>
+        <p:cNvPr id="1" name=""/>
+        <p:cNvGrpSpPr/>
+        <p:nvPr/>
+      </p:nvGrpSpPr>
+      <p:grpSpPr/>
+      <p:sp>
+        <p:nvSpPr>
+          <p:cNvPr id="2" name="Title 1"/>
+          <p:cNvSpPr>
+            <a:spLocks noGrp="1"/>
+          </p:cNvSpPr>
+          <p:nvPr>
+            <p:ph type="title"/>
+          </p:nvPr>
+        </p:nvSpPr>
+        <p:spPr/>
+        <p:txBody>
+          <a:bodyPr/>
+          <a:lstStyle/>
+          <a:p>
+            <a:pPr>
+              <a:defRPr sz="2600"/>
+            </a:pPr>
+            <a:r>
+              <a:t>12.2 HANDLING OF ASSETS</a:t>
+            </a:r>
+          </a:p>
+        </p:txBody>
+      </p:sp>
+      <p:sp>
+        <p:nvSpPr>
+          <p:cNvPr id="3" name="Content Placeholder 2"/>
+          <p:cNvSpPr>
+            <a:spLocks noGrp="1"/>
+          </p:cNvSpPr>
+          <p:nvPr>
+            <p:ph idx="1"/>
+          </p:nvPr>
+        </p:nvSpPr>
+        <p:spPr/>
+        <p:txBody>
+          <a:bodyPr/>
+          <a:lstStyle/>
+          <a:p>
+            <a:r>
+              <a:t>observations not requested</a:t>
+            </a:r>
+          </a:p>
+        </p:txBody>
+      </p:sp>
+      <p:sp>
+        <p:nvSpPr>
+          <p:cNvPr id="4" name="Text Placeholder 3"/>
+          <p:cNvSpPr>
+            <a:spLocks noGrp="1"/>
+          </p:cNvSpPr>
+          <p:nvPr>
+            <p:ph type="body" idx="13" sz="quarter"/>
+          </p:nvPr>
+        </p:nvSpPr>
+        <p:spPr/>
+        <p:txBody>
+          <a:bodyPr/>
+          <a:lstStyle/>
+          <a:p>
+            <a:r>
+              <a:t>risks not requested</a:t>
+            </a:r>
+          </a:p>
+        </p:txBody>
+      </p:sp>
+    </p:spTree>
+  </p:cSld>
+  <p:clrMapOvr>
+    <a:masterClrMapping/>
+  </p:clrMapOvr>
+</p:sld>
+</file>
+
+<file path=ppt/slides/slide88.xml><?xml version="1.0" encoding="utf-8"?>
+<p:sld xmlns:a="http://schemas.openxmlformats.org/drawingml/2006/main" xmlns:p="http://schemas.openxmlformats.org/presentationml/2006/main" xmlns:r="http://schemas.openxmlformats.org/officeDocument/2006/relationships">
+  <p:cSld>
+    <p:spTree>
+      <p:nvGrpSpPr>
+        <p:cNvPr id="1" name=""/>
+        <p:cNvGrpSpPr/>
+        <p:nvPr/>
+      </p:nvGrpSpPr>
+      <p:grpSpPr/>
+      <p:sp>
+        <p:nvSpPr>
+          <p:cNvPr id="2" name="Title 1"/>
+          <p:cNvSpPr>
+            <a:spLocks noGrp="1"/>
+          </p:cNvSpPr>
+          <p:nvPr>
+            <p:ph type="title"/>
+          </p:nvPr>
+        </p:nvSpPr>
+        <p:spPr/>
+        <p:txBody>
+          <a:bodyPr/>
+          <a:lstStyle/>
+          <a:p>
+            <a:pPr>
+              <a:defRPr sz="2600"/>
+            </a:pPr>
+            <a:r>
+              <a:t>12.3 REMOVABLE MEDIA POLICY</a:t>
+            </a:r>
+          </a:p>
+        </p:txBody>
+      </p:sp>
+      <p:sp>
+        <p:nvSpPr>
+          <p:cNvPr id="3" name="Content Placeholder 2"/>
+          <p:cNvSpPr>
+            <a:spLocks noGrp="1"/>
+          </p:cNvSpPr>
+          <p:nvPr>
+            <p:ph idx="1"/>
+          </p:nvPr>
+        </p:nvSpPr>
+        <p:spPr/>
+        <p:txBody>
+          <a:bodyPr/>
+          <a:lstStyle/>
+          <a:p>
+            <a:r>
+              <a:t>12.3.1. The relevant entities shall establish, implement and apply a policy on the management of removable storage media and communicate it to their employees and third parties who handle removable storage media at the relevant entities’ premises or other locations where the removable media is connected to the relevant entities’ network and information systems. 12.3.2. The policy shall: (a) provide for a technical prohibition of the connection of removable media unless there is an organisational reason for their use; (b) provide for disabling self-execution from such media and scanning the media for malicious code before they are used on the relevant entities’ systems; (c) provide measures for controlling and protecting portable storage devices containing data while in transit and in storage; (d) where appropriate, provide measures for the use of cryptographic techniques to protect data on removable storage media. 12.3.3. The relevant entities shall review and, where appropriate, update the policy at planned intervals and when significant incidents or significant changes to operations or risks occur. </a:t>
+            </a:r>
+          </a:p>
+        </p:txBody>
+      </p:sp>
+      <p:sp>
+        <p:nvSpPr>
+          <p:cNvPr id="4" name="Content Placeholder 3"/>
+          <p:cNvSpPr>
+            <a:spLocks noGrp="1"/>
+          </p:cNvSpPr>
+          <p:nvPr>
+            <p:ph idx="13"/>
+          </p:nvPr>
+        </p:nvSpPr>
+        <p:spPr/>
+        <p:txBody>
+          <a:bodyPr/>
+          <a:lstStyle/>
+          <a:p>
+            <a:r>
+              <a:t>summary not requested</a:t>
+            </a:r>
+          </a:p>
+        </p:txBody>
+      </p:sp>
+    </p:spTree>
+  </p:cSld>
+  <p:clrMapOvr>
+    <a:masterClrMapping/>
+  </p:clrMapOvr>
+</p:sld>
+</file>
+
+<file path=ppt/slides/slide89.xml><?xml version="1.0" encoding="utf-8"?>
+<p:sld xmlns:a="http://schemas.openxmlformats.org/drawingml/2006/main" xmlns:p="http://schemas.openxmlformats.org/presentationml/2006/main" xmlns:r="http://schemas.openxmlformats.org/officeDocument/2006/relationships">
+  <p:cSld>
+    <p:spTree>
+      <p:nvGrpSpPr>
+        <p:cNvPr id="1" name=""/>
+        <p:cNvGrpSpPr/>
+        <p:nvPr/>
+      </p:nvGrpSpPr>
+      <p:grpSpPr/>
+      <p:sp>
+        <p:nvSpPr>
+          <p:cNvPr id="2" name="Title 1"/>
+          <p:cNvSpPr>
+            <a:spLocks noGrp="1"/>
+          </p:cNvSpPr>
+          <p:nvPr>
+            <p:ph type="title"/>
+          </p:nvPr>
+        </p:nvSpPr>
+        <p:spPr/>
+        <p:txBody>
+          <a:bodyPr/>
+          <a:lstStyle/>
+          <a:p>
+            <a:pPr>
+              <a:defRPr sz="2600"/>
+            </a:pPr>
+            <a:r>
+              <a:t>12.3 REMOVABLE MEDIA POLICY</a:t>
+            </a:r>
+          </a:p>
+        </p:txBody>
+      </p:sp>
+      <p:sp>
+        <p:nvSpPr>
+          <p:cNvPr id="3" name="Content Placeholder 2"/>
+          <p:cNvSpPr>
+            <a:spLocks noGrp="1"/>
+          </p:cNvSpPr>
+          <p:nvPr>
+            <p:ph idx="1"/>
+          </p:nvPr>
+        </p:nvSpPr>
+        <p:spPr/>
+        <p:txBody>
+          <a:bodyPr/>
+          <a:lstStyle/>
+          <a:p>
+            <a:r>
+              <a:t>observations not requested</a:t>
+            </a:r>
+          </a:p>
+        </p:txBody>
+      </p:sp>
+      <p:sp>
+        <p:nvSpPr>
+          <p:cNvPr id="4" name="Text Placeholder 3"/>
+          <p:cNvSpPr>
+            <a:spLocks noGrp="1"/>
+          </p:cNvSpPr>
+          <p:nvPr>
+            <p:ph type="body" idx="13" sz="quarter"/>
+          </p:nvPr>
+        </p:nvSpPr>
+        <p:spPr/>
+        <p:txBody>
+          <a:bodyPr/>
+          <a:lstStyle/>
+          <a:p>
+            <a:r>
+              <a:t>risks not requested</a:t>
             </a:r>
           </a:p>
         </p:txBody>
@@ -3983,7 +9838,7 @@
               <a:defRPr sz="2600"/>
             </a:pPr>
             <a:r>
-              <a:t>5.18 Access rights.</a:t>
+              <a:t>2.2 COMPLIANCE MONITORING</a:t>
             </a:r>
           </a:p>
         </p:txBody>
@@ -4004,34 +9859,7 @@
           <a:lstStyle/>
           <a:p>
             <a:r>
-              <a:t>1. Observation: Access reviews are not performed.  </a:t>
-            </a:r>
-          </a:p>
-          <a:p>
-            <a:r>
-              <a:t>   Follow-up question: Have regular reviews of physical and logical access rights been defined and executed? Please provide the latest review schedule and evidence of completion.</a:t>
-            </a:r>
-          </a:p>
-          <a:p/>
-          <a:p>
-            <a:r>
-              <a:t>2. More information needed to conclude on provisioning and revocation processes.  </a:t>
-            </a:r>
-          </a:p>
-          <a:p>
-            <a:r>
-              <a:t>   Follow-up question: What procedures and approval workflows govern the provisioning, modification and revocation of user access rights? Please share the documented process and sample approval records.</a:t>
-            </a:r>
-          </a:p>
-          <a:p/>
-          <a:p>
-            <a:r>
-              <a:t>3. More information needed to conclude on removal of access upon role change or termination.  </a:t>
-            </a:r>
-          </a:p>
-          <a:p>
-            <a:r>
-              <a:t>   Follow-up question: How does the organization ensure timely removal or adjustment of access rights when employees change roles or leave? Provide the process and recent execution evidence.</a:t>
+              <a:t>observations not requested</a:t>
             </a:r>
           </a:p>
         </p:txBody>
@@ -4052,19 +9880,847 @@
           <a:lstStyle/>
           <a:p>
             <a:r>
-              <a:t>Finding 1 Risk: Without regular reviews of physical and logical access rights, orphaned or excessive privileges may accumulate, increasing the likelihood that unauthorized users can access sensitive systems or data. This can lead to data breaches, financial loss, regulatory non-compliance, and damage to the organization’s reputation. Regular access reviews are foundational to upholding least-privilege principles and ensuring that only authorized personnel retain appropriate access. Failure to perform these reviews undermines the organization’s ability to detect and revoke unnecessary privileges promptly, exposing critical assets to misuse or compromise.</a:t>
-            </a:r>
-          </a:p>
-          <a:p/>
-          <a:p>
-            <a:r>
-              <a:t>Finding 2 Risk: No specific risks – more information needed</a:t>
-            </a:r>
-          </a:p>
-          <a:p/>
-          <a:p>
-            <a:r>
-              <a:t>Finding 3 Risk: No specific risks – more information needed</a:t>
+              <a:t>risks not requested</a:t>
+            </a:r>
+          </a:p>
+        </p:txBody>
+      </p:sp>
+    </p:spTree>
+  </p:cSld>
+  <p:clrMapOvr>
+    <a:masterClrMapping/>
+  </p:clrMapOvr>
+</p:sld>
+</file>
+
+<file path=ppt/slides/slide90.xml><?xml version="1.0" encoding="utf-8"?>
+<p:sld xmlns:a="http://schemas.openxmlformats.org/drawingml/2006/main" xmlns:p="http://schemas.openxmlformats.org/presentationml/2006/main" xmlns:r="http://schemas.openxmlformats.org/officeDocument/2006/relationships">
+  <p:cSld>
+    <p:spTree>
+      <p:nvGrpSpPr>
+        <p:cNvPr id="1" name=""/>
+        <p:cNvGrpSpPr/>
+        <p:nvPr/>
+      </p:nvGrpSpPr>
+      <p:grpSpPr/>
+      <p:sp>
+        <p:nvSpPr>
+          <p:cNvPr id="2" name="Title 1"/>
+          <p:cNvSpPr>
+            <a:spLocks noGrp="1"/>
+          </p:cNvSpPr>
+          <p:nvPr>
+            <p:ph type="title"/>
+          </p:nvPr>
+        </p:nvSpPr>
+        <p:spPr/>
+        <p:txBody>
+          <a:bodyPr/>
+          <a:lstStyle/>
+          <a:p>
+            <a:pPr>
+              <a:defRPr sz="2600"/>
+            </a:pPr>
+            <a:r>
+              <a:t>12.4 ASSET INVENTORY</a:t>
+            </a:r>
+          </a:p>
+        </p:txBody>
+      </p:sp>
+      <p:sp>
+        <p:nvSpPr>
+          <p:cNvPr id="3" name="Content Placeholder 2"/>
+          <p:cNvSpPr>
+            <a:spLocks noGrp="1"/>
+          </p:cNvSpPr>
+          <p:nvPr>
+            <p:ph idx="1"/>
+          </p:nvPr>
+        </p:nvSpPr>
+        <p:spPr/>
+        <p:txBody>
+          <a:bodyPr/>
+          <a:lstStyle/>
+          <a:p>
+            <a:r>
+              <a:t>12.4.1. The relevant entities shall develop and maintain a complete, accurate, up-to-date and consistent inventory of their assets. They shall record changes to the entries in the inventory in a traceable manner. 12.4.2. The granularity of the inventory of the assets shall be at a level appropriate for the needs of the relevant entities. The inventory shall include the following: (a) the list of operations and services and their description, (b) the list of network and information systems and other associated assets supporting the relevant entities’ operations and services. 12.4.3. The relevant entities shall regularly review and update the inventory and their assets and document the history of changes. </a:t>
+            </a:r>
+          </a:p>
+        </p:txBody>
+      </p:sp>
+      <p:sp>
+        <p:nvSpPr>
+          <p:cNvPr id="4" name="Content Placeholder 3"/>
+          <p:cNvSpPr>
+            <a:spLocks noGrp="1"/>
+          </p:cNvSpPr>
+          <p:nvPr>
+            <p:ph idx="13"/>
+          </p:nvPr>
+        </p:nvSpPr>
+        <p:spPr/>
+        <p:txBody>
+          <a:bodyPr/>
+          <a:lstStyle/>
+          <a:p>
+            <a:r>
+              <a:t>summary not requested</a:t>
+            </a:r>
+          </a:p>
+        </p:txBody>
+      </p:sp>
+    </p:spTree>
+  </p:cSld>
+  <p:clrMapOvr>
+    <a:masterClrMapping/>
+  </p:clrMapOvr>
+</p:sld>
+</file>
+
+<file path=ppt/slides/slide91.xml><?xml version="1.0" encoding="utf-8"?>
+<p:sld xmlns:a="http://schemas.openxmlformats.org/drawingml/2006/main" xmlns:p="http://schemas.openxmlformats.org/presentationml/2006/main" xmlns:r="http://schemas.openxmlformats.org/officeDocument/2006/relationships">
+  <p:cSld>
+    <p:spTree>
+      <p:nvGrpSpPr>
+        <p:cNvPr id="1" name=""/>
+        <p:cNvGrpSpPr/>
+        <p:nvPr/>
+      </p:nvGrpSpPr>
+      <p:grpSpPr/>
+      <p:sp>
+        <p:nvSpPr>
+          <p:cNvPr id="2" name="Title 1"/>
+          <p:cNvSpPr>
+            <a:spLocks noGrp="1"/>
+          </p:cNvSpPr>
+          <p:nvPr>
+            <p:ph type="title"/>
+          </p:nvPr>
+        </p:nvSpPr>
+        <p:spPr/>
+        <p:txBody>
+          <a:bodyPr/>
+          <a:lstStyle/>
+          <a:p>
+            <a:pPr>
+              <a:defRPr sz="2600"/>
+            </a:pPr>
+            <a:r>
+              <a:t>12.4 ASSET INVENTORY</a:t>
+            </a:r>
+          </a:p>
+        </p:txBody>
+      </p:sp>
+      <p:sp>
+        <p:nvSpPr>
+          <p:cNvPr id="3" name="Content Placeholder 2"/>
+          <p:cNvSpPr>
+            <a:spLocks noGrp="1"/>
+          </p:cNvSpPr>
+          <p:nvPr>
+            <p:ph idx="1"/>
+          </p:nvPr>
+        </p:nvSpPr>
+        <p:spPr/>
+        <p:txBody>
+          <a:bodyPr/>
+          <a:lstStyle/>
+          <a:p>
+            <a:r>
+              <a:t>observations not requested</a:t>
+            </a:r>
+          </a:p>
+        </p:txBody>
+      </p:sp>
+      <p:sp>
+        <p:nvSpPr>
+          <p:cNvPr id="4" name="Text Placeholder 3"/>
+          <p:cNvSpPr>
+            <a:spLocks noGrp="1"/>
+          </p:cNvSpPr>
+          <p:nvPr>
+            <p:ph type="body" idx="13" sz="quarter"/>
+          </p:nvPr>
+        </p:nvSpPr>
+        <p:spPr/>
+        <p:txBody>
+          <a:bodyPr/>
+          <a:lstStyle/>
+          <a:p>
+            <a:r>
+              <a:t>risks not requested</a:t>
+            </a:r>
+          </a:p>
+        </p:txBody>
+      </p:sp>
+    </p:spTree>
+  </p:cSld>
+  <p:clrMapOvr>
+    <a:masterClrMapping/>
+  </p:clrMapOvr>
+</p:sld>
+</file>
+
+<file path=ppt/slides/slide92.xml><?xml version="1.0" encoding="utf-8"?>
+<p:sld xmlns:a="http://schemas.openxmlformats.org/drawingml/2006/main" xmlns:p="http://schemas.openxmlformats.org/presentationml/2006/main" xmlns:r="http://schemas.openxmlformats.org/officeDocument/2006/relationships">
+  <p:cSld>
+    <p:spTree>
+      <p:nvGrpSpPr>
+        <p:cNvPr id="1" name=""/>
+        <p:cNvGrpSpPr/>
+        <p:nvPr/>
+      </p:nvGrpSpPr>
+      <p:grpSpPr/>
+      <p:sp>
+        <p:nvSpPr>
+          <p:cNvPr id="2" name="Title 1"/>
+          <p:cNvSpPr>
+            <a:spLocks noGrp="1"/>
+          </p:cNvSpPr>
+          <p:nvPr>
+            <p:ph type="title"/>
+          </p:nvPr>
+        </p:nvSpPr>
+        <p:spPr/>
+        <p:txBody>
+          <a:bodyPr/>
+          <a:lstStyle/>
+          <a:p>
+            <a:pPr>
+              <a:defRPr sz="2600"/>
+            </a:pPr>
+            <a:r>
+              <a:t>12.5 DEPOSIT, RETURN OR DELETION OF ASSETS UPON TERMINATION OF</a:t>
+            </a:r>
+          </a:p>
+        </p:txBody>
+      </p:sp>
+      <p:sp>
+        <p:nvSpPr>
+          <p:cNvPr id="3" name="Content Placeholder 2"/>
+          <p:cNvSpPr>
+            <a:spLocks noGrp="1"/>
+          </p:cNvSpPr>
+          <p:nvPr>
+            <p:ph idx="1"/>
+          </p:nvPr>
+        </p:nvSpPr>
+        <p:spPr/>
+        <p:txBody>
+          <a:bodyPr/>
+          <a:lstStyle/>
+          <a:p>
+            <a:r>
+              <a:t>The relevant entities shall establish, implement and apply procedures which ensure that their assets which are under custody of personnel are deposited, returned or deleted upon termination of employment and shall document the deposit, return and deletion of those assets. Where the deposit, return or deletion of assets is not possible, the relevant entities shall ensure that the assets can no longer access the relevant entities’ network and information systems in accordance with point 12.2.2. </a:t>
+            </a:r>
+          </a:p>
+        </p:txBody>
+      </p:sp>
+      <p:sp>
+        <p:nvSpPr>
+          <p:cNvPr id="4" name="Content Placeholder 3"/>
+          <p:cNvSpPr>
+            <a:spLocks noGrp="1"/>
+          </p:cNvSpPr>
+          <p:nvPr>
+            <p:ph idx="13"/>
+          </p:nvPr>
+        </p:nvSpPr>
+        <p:spPr/>
+        <p:txBody>
+          <a:bodyPr/>
+          <a:lstStyle/>
+          <a:p>
+            <a:r>
+              <a:t>summary not requested</a:t>
+            </a:r>
+          </a:p>
+        </p:txBody>
+      </p:sp>
+    </p:spTree>
+  </p:cSld>
+  <p:clrMapOvr>
+    <a:masterClrMapping/>
+  </p:clrMapOvr>
+</p:sld>
+</file>
+
+<file path=ppt/slides/slide93.xml><?xml version="1.0" encoding="utf-8"?>
+<p:sld xmlns:a="http://schemas.openxmlformats.org/drawingml/2006/main" xmlns:p="http://schemas.openxmlformats.org/presentationml/2006/main" xmlns:r="http://schemas.openxmlformats.org/officeDocument/2006/relationships">
+  <p:cSld>
+    <p:spTree>
+      <p:nvGrpSpPr>
+        <p:cNvPr id="1" name=""/>
+        <p:cNvGrpSpPr/>
+        <p:nvPr/>
+      </p:nvGrpSpPr>
+      <p:grpSpPr/>
+      <p:sp>
+        <p:nvSpPr>
+          <p:cNvPr id="2" name="Title 1"/>
+          <p:cNvSpPr>
+            <a:spLocks noGrp="1"/>
+          </p:cNvSpPr>
+          <p:nvPr>
+            <p:ph type="title"/>
+          </p:nvPr>
+        </p:nvSpPr>
+        <p:spPr/>
+        <p:txBody>
+          <a:bodyPr/>
+          <a:lstStyle/>
+          <a:p>
+            <a:pPr>
+              <a:defRPr sz="2600"/>
+            </a:pPr>
+            <a:r>
+              <a:t>12.5 DEPOSIT, RETURN OR DELETION OF ASSETS UPON TERMINATION OF</a:t>
+            </a:r>
+          </a:p>
+        </p:txBody>
+      </p:sp>
+      <p:sp>
+        <p:nvSpPr>
+          <p:cNvPr id="3" name="Content Placeholder 2"/>
+          <p:cNvSpPr>
+            <a:spLocks noGrp="1"/>
+          </p:cNvSpPr>
+          <p:nvPr>
+            <p:ph idx="1"/>
+          </p:nvPr>
+        </p:nvSpPr>
+        <p:spPr/>
+        <p:txBody>
+          <a:bodyPr/>
+          <a:lstStyle/>
+          <a:p>
+            <a:r>
+              <a:t>observations not requested</a:t>
+            </a:r>
+          </a:p>
+        </p:txBody>
+      </p:sp>
+      <p:sp>
+        <p:nvSpPr>
+          <p:cNvPr id="4" name="Text Placeholder 3"/>
+          <p:cNvSpPr>
+            <a:spLocks noGrp="1"/>
+          </p:cNvSpPr>
+          <p:nvPr>
+            <p:ph type="body" idx="13" sz="quarter"/>
+          </p:nvPr>
+        </p:nvSpPr>
+        <p:spPr/>
+        <p:txBody>
+          <a:bodyPr/>
+          <a:lstStyle/>
+          <a:p>
+            <a:r>
+              <a:t>risks not requested</a:t>
+            </a:r>
+          </a:p>
+        </p:txBody>
+      </p:sp>
+    </p:spTree>
+  </p:cSld>
+  <p:clrMapOvr>
+    <a:masterClrMapping/>
+  </p:clrMapOvr>
+</p:sld>
+</file>
+
+<file path=ppt/slides/slide94.xml><?xml version="1.0" encoding="utf-8"?>
+<p:sld xmlns:a="http://schemas.openxmlformats.org/drawingml/2006/main" xmlns:p="http://schemas.openxmlformats.org/presentationml/2006/main" xmlns:r="http://schemas.openxmlformats.org/officeDocument/2006/relationships">
+  <p:cSld>
+    <p:spTree>
+      <p:nvGrpSpPr>
+        <p:cNvPr id="1" name=""/>
+        <p:cNvGrpSpPr/>
+        <p:nvPr/>
+      </p:nvGrpSpPr>
+      <p:grpSpPr/>
+      <p:sp>
+        <p:nvSpPr>
+          <p:cNvPr id="2" name="Title 1"/>
+          <p:cNvSpPr>
+            <a:spLocks noGrp="1"/>
+          </p:cNvSpPr>
+          <p:nvPr>
+            <p:ph type="title"/>
+          </p:nvPr>
+        </p:nvSpPr>
+        <p:spPr/>
+        <p:txBody>
+          <a:bodyPr/>
+          <a:lstStyle/>
+          <a:p>
+            <a:pPr>
+              <a:defRPr sz="2600"/>
+            </a:pPr>
+            <a:r>
+              <a:t>13.1 SUPPORTING UTILITIES</a:t>
+            </a:r>
+          </a:p>
+        </p:txBody>
+      </p:sp>
+      <p:sp>
+        <p:nvSpPr>
+          <p:cNvPr id="3" name="Content Placeholder 2"/>
+          <p:cNvSpPr>
+            <a:spLocks noGrp="1"/>
+          </p:cNvSpPr>
+          <p:nvPr>
+            <p:ph idx="1"/>
+          </p:nvPr>
+        </p:nvSpPr>
+        <p:spPr/>
+        <p:txBody>
+          <a:bodyPr/>
+          <a:lstStyle/>
+          <a:p>
+            <a:r>
+              <a:t>13.1.1. For the purpose of Article 21(2)(c) of Directive (EU) 2022/2555, the relevant entities shall prevent loss, damage or compromise of network and information systems or interruption to their operations due to the failure and disruption of supporting utilities. 13.1.2. For that purpose, the relevant entities shall, where appropriate: (a) protect facilities from power failures and other disruptions caused by failures in supporting utilities such as electricity, telecommunications, water supply, gas, sewage, ventilation and air conditioning; (b) consider the use of redundancy in utilities services; (c) protect utility services for electricity and telecommunications, which transport data or supply network and information systems, against interception and damage; (d) monitor the utility services referred to in point (c) and report to the competent internal or external personnel events outside the minimum and maximum control thresholds referred to in point 13.2.2(b) affecting the utility services; (e) conclude contracts for the emergency supply with corresponding services, such as for the fuel for emergency power supply; (f) ensure continuous effectiveness, monitor, maintain and test the supply of the network and information systems necessary for the operation of the service offered, in particular the electricity, temperature and humidity control, telecommunications and Internet connection. (107) In cases where an entity operates with a fully remote workforce and does not maintain any on-premises servers or infrastructure, the requirement for supporting utility services at a centralized location may be rendered unnecessary. Remote work inherently introduces geographical and infrastructural diversification, thereby reducing the overall utility-related risk. By distributing operations across various locations, the organization benefits from a decentralized utility dependency, which enhances resilience against localized disruptions. 13.1.3. The relevant entities shall test, review and, where appropriate, update the protection measures on a regular basis or following significant incidents or significant changes to operations or risks. </a:t>
+            </a:r>
+          </a:p>
+        </p:txBody>
+      </p:sp>
+      <p:sp>
+        <p:nvSpPr>
+          <p:cNvPr id="4" name="Content Placeholder 3"/>
+          <p:cNvSpPr>
+            <a:spLocks noGrp="1"/>
+          </p:cNvSpPr>
+          <p:nvPr>
+            <p:ph idx="13"/>
+          </p:nvPr>
+        </p:nvSpPr>
+        <p:spPr/>
+        <p:txBody>
+          <a:bodyPr/>
+          <a:lstStyle/>
+          <a:p>
+            <a:r>
+              <a:t>summary not requested</a:t>
+            </a:r>
+          </a:p>
+        </p:txBody>
+      </p:sp>
+    </p:spTree>
+  </p:cSld>
+  <p:clrMapOvr>
+    <a:masterClrMapping/>
+  </p:clrMapOvr>
+</p:sld>
+</file>
+
+<file path=ppt/slides/slide95.xml><?xml version="1.0" encoding="utf-8"?>
+<p:sld xmlns:a="http://schemas.openxmlformats.org/drawingml/2006/main" xmlns:p="http://schemas.openxmlformats.org/presentationml/2006/main" xmlns:r="http://schemas.openxmlformats.org/officeDocument/2006/relationships">
+  <p:cSld>
+    <p:spTree>
+      <p:nvGrpSpPr>
+        <p:cNvPr id="1" name=""/>
+        <p:cNvGrpSpPr/>
+        <p:nvPr/>
+      </p:nvGrpSpPr>
+      <p:grpSpPr/>
+      <p:sp>
+        <p:nvSpPr>
+          <p:cNvPr id="2" name="Title 1"/>
+          <p:cNvSpPr>
+            <a:spLocks noGrp="1"/>
+          </p:cNvSpPr>
+          <p:nvPr>
+            <p:ph type="title"/>
+          </p:nvPr>
+        </p:nvSpPr>
+        <p:spPr/>
+        <p:txBody>
+          <a:bodyPr/>
+          <a:lstStyle/>
+          <a:p>
+            <a:pPr>
+              <a:defRPr sz="2600"/>
+            </a:pPr>
+            <a:r>
+              <a:t>13.1 SUPPORTING UTILITIES</a:t>
+            </a:r>
+          </a:p>
+        </p:txBody>
+      </p:sp>
+      <p:sp>
+        <p:nvSpPr>
+          <p:cNvPr id="3" name="Content Placeholder 2"/>
+          <p:cNvSpPr>
+            <a:spLocks noGrp="1"/>
+          </p:cNvSpPr>
+          <p:nvPr>
+            <p:ph idx="1"/>
+          </p:nvPr>
+        </p:nvSpPr>
+        <p:spPr/>
+        <p:txBody>
+          <a:bodyPr/>
+          <a:lstStyle/>
+          <a:p>
+            <a:r>
+              <a:t>observations not requested</a:t>
+            </a:r>
+          </a:p>
+        </p:txBody>
+      </p:sp>
+      <p:sp>
+        <p:nvSpPr>
+          <p:cNvPr id="4" name="Text Placeholder 3"/>
+          <p:cNvSpPr>
+            <a:spLocks noGrp="1"/>
+          </p:cNvSpPr>
+          <p:nvPr>
+            <p:ph type="body" idx="13" sz="quarter"/>
+          </p:nvPr>
+        </p:nvSpPr>
+        <p:spPr/>
+        <p:txBody>
+          <a:bodyPr/>
+          <a:lstStyle/>
+          <a:p>
+            <a:r>
+              <a:t>risks not requested</a:t>
+            </a:r>
+          </a:p>
+        </p:txBody>
+      </p:sp>
+    </p:spTree>
+  </p:cSld>
+  <p:clrMapOvr>
+    <a:masterClrMapping/>
+  </p:clrMapOvr>
+</p:sld>
+</file>
+
+<file path=ppt/slides/slide96.xml><?xml version="1.0" encoding="utf-8"?>
+<p:sld xmlns:a="http://schemas.openxmlformats.org/drawingml/2006/main" xmlns:p="http://schemas.openxmlformats.org/presentationml/2006/main" xmlns:r="http://schemas.openxmlformats.org/officeDocument/2006/relationships">
+  <p:cSld>
+    <p:spTree>
+      <p:nvGrpSpPr>
+        <p:cNvPr id="1" name=""/>
+        <p:cNvGrpSpPr/>
+        <p:nvPr/>
+      </p:nvGrpSpPr>
+      <p:grpSpPr/>
+      <p:sp>
+        <p:nvSpPr>
+          <p:cNvPr id="2" name="Title 1"/>
+          <p:cNvSpPr>
+            <a:spLocks noGrp="1"/>
+          </p:cNvSpPr>
+          <p:nvPr>
+            <p:ph type="title"/>
+          </p:nvPr>
+        </p:nvSpPr>
+        <p:spPr/>
+        <p:txBody>
+          <a:bodyPr/>
+          <a:lstStyle/>
+          <a:p>
+            <a:pPr>
+              <a:defRPr sz="2600"/>
+            </a:pPr>
+            <a:r>
+              <a:t>13.2 PROTECTION AGAINST PHYSICAL AND ENVIRONMENTAL THREATS</a:t>
+            </a:r>
+          </a:p>
+        </p:txBody>
+      </p:sp>
+      <p:sp>
+        <p:nvSpPr>
+          <p:cNvPr id="3" name="Content Placeholder 2"/>
+          <p:cNvSpPr>
+            <a:spLocks noGrp="1"/>
+          </p:cNvSpPr>
+          <p:nvPr>
+            <p:ph idx="1"/>
+          </p:nvPr>
+        </p:nvSpPr>
+        <p:spPr/>
+        <p:txBody>
+          <a:bodyPr/>
+          <a:lstStyle/>
+          <a:p>
+            <a:r>
+              <a:t>13.2.1. For the purpose of Article 21(2)(e) of Directive (EU) 2022/2555, the relevant entities shall prevent or reduce the consequences of events originating from physical and environmental threats, such as natural disasters and other intentional or unintentional threats, based on the results of the risk assessment carried out pursuant to point 2.1. 13.2.2. For that purpose, the relevant entities shall, where appropriate: (a) design and implement protection measures against physical and environmental threats; (b) determine minimum and maximum control thresholds for physical and environmental threats; (c) monitor environmental parameters and report to the competent internal or external personnel events outside the minimum and maximum control thresholds referred to in point (b). 13.2.3. The relevant entities shall test, review and, where appropriate, update the protection measures against physical and environmental threats on a regular basis or following significant incidents or significant changes to operations or risks. </a:t>
+            </a:r>
+          </a:p>
+        </p:txBody>
+      </p:sp>
+      <p:sp>
+        <p:nvSpPr>
+          <p:cNvPr id="4" name="Content Placeholder 3"/>
+          <p:cNvSpPr>
+            <a:spLocks noGrp="1"/>
+          </p:cNvSpPr>
+          <p:nvPr>
+            <p:ph idx="13"/>
+          </p:nvPr>
+        </p:nvSpPr>
+        <p:spPr/>
+        <p:txBody>
+          <a:bodyPr/>
+          <a:lstStyle/>
+          <a:p>
+            <a:r>
+              <a:t>summary not requested</a:t>
+            </a:r>
+          </a:p>
+        </p:txBody>
+      </p:sp>
+    </p:spTree>
+  </p:cSld>
+  <p:clrMapOvr>
+    <a:masterClrMapping/>
+  </p:clrMapOvr>
+</p:sld>
+</file>
+
+<file path=ppt/slides/slide97.xml><?xml version="1.0" encoding="utf-8"?>
+<p:sld xmlns:a="http://schemas.openxmlformats.org/drawingml/2006/main" xmlns:p="http://schemas.openxmlformats.org/presentationml/2006/main" xmlns:r="http://schemas.openxmlformats.org/officeDocument/2006/relationships">
+  <p:cSld>
+    <p:spTree>
+      <p:nvGrpSpPr>
+        <p:cNvPr id="1" name=""/>
+        <p:cNvGrpSpPr/>
+        <p:nvPr/>
+      </p:nvGrpSpPr>
+      <p:grpSpPr/>
+      <p:sp>
+        <p:nvSpPr>
+          <p:cNvPr id="2" name="Title 1"/>
+          <p:cNvSpPr>
+            <a:spLocks noGrp="1"/>
+          </p:cNvSpPr>
+          <p:nvPr>
+            <p:ph type="title"/>
+          </p:nvPr>
+        </p:nvSpPr>
+        <p:spPr/>
+        <p:txBody>
+          <a:bodyPr/>
+          <a:lstStyle/>
+          <a:p>
+            <a:pPr>
+              <a:defRPr sz="2600"/>
+            </a:pPr>
+            <a:r>
+              <a:t>13.2 PROTECTION AGAINST PHYSICAL AND ENVIRONMENTAL THREATS</a:t>
+            </a:r>
+          </a:p>
+        </p:txBody>
+      </p:sp>
+      <p:sp>
+        <p:nvSpPr>
+          <p:cNvPr id="3" name="Content Placeholder 2"/>
+          <p:cNvSpPr>
+            <a:spLocks noGrp="1"/>
+          </p:cNvSpPr>
+          <p:nvPr>
+            <p:ph idx="1"/>
+          </p:nvPr>
+        </p:nvSpPr>
+        <p:spPr/>
+        <p:txBody>
+          <a:bodyPr/>
+          <a:lstStyle/>
+          <a:p>
+            <a:r>
+              <a:t>observations not requested</a:t>
+            </a:r>
+          </a:p>
+        </p:txBody>
+      </p:sp>
+      <p:sp>
+        <p:nvSpPr>
+          <p:cNvPr id="4" name="Text Placeholder 3"/>
+          <p:cNvSpPr>
+            <a:spLocks noGrp="1"/>
+          </p:cNvSpPr>
+          <p:nvPr>
+            <p:ph type="body" idx="13" sz="quarter"/>
+          </p:nvPr>
+        </p:nvSpPr>
+        <p:spPr/>
+        <p:txBody>
+          <a:bodyPr/>
+          <a:lstStyle/>
+          <a:p>
+            <a:r>
+              <a:t>risks not requested</a:t>
+            </a:r>
+          </a:p>
+        </p:txBody>
+      </p:sp>
+    </p:spTree>
+  </p:cSld>
+  <p:clrMapOvr>
+    <a:masterClrMapping/>
+  </p:clrMapOvr>
+</p:sld>
+</file>
+
+<file path=ppt/slides/slide98.xml><?xml version="1.0" encoding="utf-8"?>
+<p:sld xmlns:a="http://schemas.openxmlformats.org/drawingml/2006/main" xmlns:p="http://schemas.openxmlformats.org/presentationml/2006/main" xmlns:r="http://schemas.openxmlformats.org/officeDocument/2006/relationships">
+  <p:cSld>
+    <p:spTree>
+      <p:nvGrpSpPr>
+        <p:cNvPr id="1" name=""/>
+        <p:cNvGrpSpPr/>
+        <p:nvPr/>
+      </p:nvGrpSpPr>
+      <p:grpSpPr/>
+      <p:sp>
+        <p:nvSpPr>
+          <p:cNvPr id="2" name="Title 1"/>
+          <p:cNvSpPr>
+            <a:spLocks noGrp="1"/>
+          </p:cNvSpPr>
+          <p:nvPr>
+            <p:ph type="title"/>
+          </p:nvPr>
+        </p:nvSpPr>
+        <p:spPr/>
+        <p:txBody>
+          <a:bodyPr/>
+          <a:lstStyle/>
+          <a:p>
+            <a:pPr>
+              <a:defRPr sz="2600"/>
+            </a:pPr>
+            <a:r>
+              <a:t>13.3 PERIMETER AND PHYSICAL ACCESS CONTROL</a:t>
+            </a:r>
+          </a:p>
+        </p:txBody>
+      </p:sp>
+      <p:sp>
+        <p:nvSpPr>
+          <p:cNvPr id="3" name="Content Placeholder 2"/>
+          <p:cNvSpPr>
+            <a:spLocks noGrp="1"/>
+          </p:cNvSpPr>
+          <p:nvPr>
+            <p:ph idx="1"/>
+          </p:nvPr>
+        </p:nvSpPr>
+        <p:spPr/>
+        <p:txBody>
+          <a:bodyPr/>
+          <a:lstStyle/>
+          <a:p>
+            <a:r>
+              <a:t>13.3.1. For the purpose of Article 21(2)(i) of Directive (EU) 2022/2555, the relevant entities shall prevent and monitor unauthorised physical access, damage and interference to their network and information systems. 13.3.2. For that purpose, the relevant entities shall: (a) on the basis of the risk assessment carried out pursuant to point 2.1, lay down and use security perimeters to protect areas where network and information systems and other associated assets are located; (b) protect the areas referred to in point (a) by appropriate entry controls and access points; (c) design and implement physical security for offices, rooms and facilities, (d) continuously monitor their premises for unauthorised physical access. 13.3.3. The relevant entities shall test, review and, where appropriate, update the physical access control measures on a regular basis or following significant incidents or significant changes to operations or risks. </a:t>
+            </a:r>
+          </a:p>
+        </p:txBody>
+      </p:sp>
+      <p:sp>
+        <p:nvSpPr>
+          <p:cNvPr id="4" name="Content Placeholder 3"/>
+          <p:cNvSpPr>
+            <a:spLocks noGrp="1"/>
+          </p:cNvSpPr>
+          <p:nvPr>
+            <p:ph idx="13"/>
+          </p:nvPr>
+        </p:nvSpPr>
+        <p:spPr/>
+        <p:txBody>
+          <a:bodyPr/>
+          <a:lstStyle/>
+          <a:p>
+            <a:r>
+              <a:t>summary not requested</a:t>
+            </a:r>
+          </a:p>
+        </p:txBody>
+      </p:sp>
+    </p:spTree>
+  </p:cSld>
+  <p:clrMapOvr>
+    <a:masterClrMapping/>
+  </p:clrMapOvr>
+</p:sld>
+</file>
+
+<file path=ppt/slides/slide99.xml><?xml version="1.0" encoding="utf-8"?>
+<p:sld xmlns:a="http://schemas.openxmlformats.org/drawingml/2006/main" xmlns:p="http://schemas.openxmlformats.org/presentationml/2006/main" xmlns:r="http://schemas.openxmlformats.org/officeDocument/2006/relationships">
+  <p:cSld>
+    <p:spTree>
+      <p:nvGrpSpPr>
+        <p:cNvPr id="1" name=""/>
+        <p:cNvGrpSpPr/>
+        <p:nvPr/>
+      </p:nvGrpSpPr>
+      <p:grpSpPr/>
+      <p:sp>
+        <p:nvSpPr>
+          <p:cNvPr id="2" name="Title 1"/>
+          <p:cNvSpPr>
+            <a:spLocks noGrp="1"/>
+          </p:cNvSpPr>
+          <p:nvPr>
+            <p:ph type="title"/>
+          </p:nvPr>
+        </p:nvSpPr>
+        <p:spPr/>
+        <p:txBody>
+          <a:bodyPr/>
+          <a:lstStyle/>
+          <a:p>
+            <a:pPr>
+              <a:defRPr sz="2600"/>
+            </a:pPr>
+            <a:r>
+              <a:t>13.3 PERIMETER AND PHYSICAL ACCESS CONTROL</a:t>
+            </a:r>
+          </a:p>
+        </p:txBody>
+      </p:sp>
+      <p:sp>
+        <p:nvSpPr>
+          <p:cNvPr id="3" name="Content Placeholder 2"/>
+          <p:cNvSpPr>
+            <a:spLocks noGrp="1"/>
+          </p:cNvSpPr>
+          <p:nvPr>
+            <p:ph idx="1"/>
+          </p:nvPr>
+        </p:nvSpPr>
+        <p:spPr/>
+        <p:txBody>
+          <a:bodyPr/>
+          <a:lstStyle/>
+          <a:p>
+            <a:r>
+              <a:t>observations not requested</a:t>
+            </a:r>
+          </a:p>
+        </p:txBody>
+      </p:sp>
+      <p:sp>
+        <p:nvSpPr>
+          <p:cNvPr id="4" name="Text Placeholder 3"/>
+          <p:cNvSpPr>
+            <a:spLocks noGrp="1"/>
+          </p:cNvSpPr>
+          <p:nvPr>
+            <p:ph type="body" idx="13" sz="quarter"/>
+          </p:nvPr>
+        </p:nvSpPr>
+        <p:spPr/>
+        <p:txBody>
+          <a:bodyPr/>
+          <a:lstStyle/>
+          <a:p>
+            <a:r>
+              <a:t>risks not requested</a:t>
             </a:r>
           </a:p>
         </p:txBody>

--- a/filename.pptx
+++ b/filename.pptx
@@ -2318,7 +2318,7 @@
           <a:lstStyle/>
           <a:p>
             <a:r>
-              <a:t>The organization employs a centralized Active Directory to establish unique user identities, each linked to a single named individual, while privileged account credentials are securely stored in a KeePass tool accessible only to system administrators. Event monitoring of identity management activities is performed by the SOC team to ensure oversight and logging of identity-related operations. Missing information: there is no evidence of an explicit approval process or documentation for shared identities, nor are regular access reviews and prompt deactivation of unused identities performed.</a:t>
+              <a:t>Active Directory is employed to issue unique user accounts for general access and credentials for privileged accounts are centrally stored in the Keepass tool with access limited to system administrators, while the SOC team manages event monitoring to log identity-related activities. Missing information: oversight mechanisms for identities, an explicit approval process and documentation for shared identities, and regular review and deactivation of unneeded accounts.</a:t>
             </a:r>
           </a:p>
         </p:txBody>
@@ -2381,24 +2381,7 @@
           <a:lstStyle/>
           <a:p>
             <a:r>
-              <a:t>1. Observation: “Access reviews are not performed.”  </a:t>
-            </a:r>
-          </a:p>
-          <a:p>
-            <a:r>
-              <a:t>   Relevant to 11.5.2(c) (oversight of identities) and 11.5.4 (regular review and deactivation).  </a:t>
-            </a:r>
-          </a:p>
-          <a:p/>
-          <a:p>
-            <a:r>
-              <a:t>2. More information needed to conclude whether logging is applied to identity management activities (11.5.2(d)). The notes mention event monitoring by the SOC but do not specify identity‐management logging.  </a:t>
-            </a:r>
-          </a:p>
-          <a:p/>
-          <a:p>
-            <a:r>
-              <a:t>3. More information needed to conclude on the use and approval of shared identities (11.5.3). The notes do not mention any shared identities or an explicit approval process.</a:t>
+              <a:t>observations not requested</a:t>
             </a:r>
           </a:p>
         </p:txBody>
@@ -2419,19 +2402,7 @@
           <a:lstStyle/>
           <a:p>
             <a:r>
-              <a:t>1. Without regular access reviews and prompt deactivation of unused identities, the organization risks unauthorized or excessive privileges persisting beyond need. This undermines oversight of network and information systems, elevates the likelihood of insider misuse or compromised accounts being leveraged by attackers, increases attack surface, and can lead to data breaches, service disruptions, and regulatory non-compliance under NIS2.  </a:t>
-            </a:r>
-          </a:p>
-          <a:p/>
-          <a:p>
-            <a:r>
-              <a:t>2. No specific risks - more infortmation needed  </a:t>
-            </a:r>
-          </a:p>
-          <a:p/>
-          <a:p>
-            <a:r>
-              <a:t>3. No specific risks - more infortmation needed</a:t>
+              <a:t>risks not requested</a:t>
             </a:r>
           </a:p>
         </p:txBody>
@@ -2515,7 +2486,7 @@
           <a:lstStyle/>
           <a:p>
             <a:r>
-              <a:t>The organization manages general user authentication via Active Directory with individual non-privileged accounts and stores privileged credentials in a centralized KeePass repository accessible only to system administrators. Missing information: evidence of authentication strength aligned to asset classification, processes for initial credential issuance and periodic or compromise-driven credential changes, account lockout after failed attempts, session termination after inactivity, multi-factor or advanced authentication methods, regular review of authentication procedures, and user guidance on handling secret authentication information.</a:t>
+              <a:t>Active Directory is used to manage individual user accounts and privileged credentials are stored in KeePass accessible only by system administrators; no access reviews are performed. Missing information: authentication strength alignment with asset classification; confidentiality controls and user guidance for secret credential management; policies for initial, periodic or event-driven credential changes; account lockout/reset on failed attempts; session termination after inactivity; use of state-of-the-art authentication methods; and periodic reviews of authentication procedures.</a:t>
             </a:r>
           </a:p>
         </p:txBody>
@@ -2578,67 +2549,7 @@
           <a:lstStyle/>
           <a:p>
             <a:r>
-              <a:t>1. More information needed to conclude whether multi-factor authentication (MFA) is implemented.  </a:t>
-            </a:r>
-          </a:p>
-          <a:p>
-            <a:r>
-              <a:t>  Follow-up: Is MFA enforced for general and privileged Active Directory accounts? What methods (adaptive MFA, passkeys, SSO) are in use?</a:t>
-            </a:r>
-          </a:p>
-          <a:p/>
-          <a:p>
-            <a:r>
-              <a:t>2. More information needed to conclude whether credential change policies exist for initial issuance, predefined intervals, and upon compromise suspicion.  </a:t>
-            </a:r>
-          </a:p>
-          <a:p>
-            <a:r>
-              <a:t>  Follow-up: Are there documented password-expiry and rotation procedures?</a:t>
-            </a:r>
-          </a:p>
-          <a:p/>
-          <a:p>
-            <a:r>
-              <a:t>3. More information needed to conclude whether account lockout is enforced after a predefined number of failed log-in attempts.  </a:t>
-            </a:r>
-          </a:p>
-          <a:p>
-            <a:r>
-              <a:t>  Follow-up: What lockout thresholds and reset processes are configured in Active Directory?</a:t>
-            </a:r>
-          </a:p>
-          <a:p/>
-          <a:p>
-            <a:r>
-              <a:t>4. More information needed to conclude whether inactive sessions are terminated after a predefined period.  </a:t>
-            </a:r>
-          </a:p>
-          <a:p>
-            <a:r>
-              <a:t>  Follow-up: Are session timeout settings applied across applications and systems?</a:t>
-            </a:r>
-          </a:p>
-          <a:p/>
-          <a:p>
-            <a:r>
-              <a:t>5. More information needed to conclude whether authentication procedures and technologies are regularly reviewed at planned intervals.  </a:t>
-            </a:r>
-          </a:p>
-          <a:p>
-            <a:r>
-              <a:t>  Follow-up: Is there a schedule or record of periodic reviews/audits of authentication controls?</a:t>
-            </a:r>
-          </a:p>
-          <a:p/>
-          <a:p>
-            <a:r>
-              <a:t>6. More information needed to conclude whether separate credentials are required to access privileged/administrative accounts.  </a:t>
-            </a:r>
-          </a:p>
-          <a:p>
-            <a:r>
-              <a:t>  Follow-up: Besides storing admin credentials in KeePass, are distinct credentials used to log into privileged interfaces?</a:t>
+              <a:t>observations not requested</a:t>
             </a:r>
           </a:p>
         </p:txBody>
@@ -2659,37 +2570,7 @@
           <a:lstStyle/>
           <a:p>
             <a:r>
-              <a:t>1. No specific risks - more infortmation needed</a:t>
-            </a:r>
-          </a:p>
-          <a:p/>
-          <a:p>
-            <a:r>
-              <a:t>2. No specific risks - more infortmation needed</a:t>
-            </a:r>
-          </a:p>
-          <a:p/>
-          <a:p>
-            <a:r>
-              <a:t>3. No specific risks - more infortmation needed</a:t>
-            </a:r>
-          </a:p>
-          <a:p/>
-          <a:p>
-            <a:r>
-              <a:t>4. No specific risks - more infortmation needed</a:t>
-            </a:r>
-          </a:p>
-          <a:p/>
-          <a:p>
-            <a:r>
-              <a:t>5. No specific risks - more infortmation needed</a:t>
-            </a:r>
-          </a:p>
-          <a:p/>
-          <a:p>
-            <a:r>
-              <a:t>6. No specific risks - more infortmation needed</a:t>
+              <a:t>risks not requested</a:t>
             </a:r>
           </a:p>
         </p:txBody>
@@ -2773,7 +2654,7 @@
           <a:lstStyle/>
           <a:p>
             <a:r>
-              <a:t>The organization manages general user access through Active Directory and secures privileged credentials in a KeePass tool accessible only to system administrators, but there is no indication of additional authentication factors or continuous authentication mechanisms being applied, nor any differentiation of authentication strength based on asset classification. Missing information: details on multi-factor or continuous authentication implementation and on ensuring authentication strength is appropriate to asset classification.</a:t>
+              <a:t>The organization employs Active Directory to manage general network access and issues named non-privileged accounts to each user, while privileged credentials are stored centrally in a KeePass tool accessible only to system administrators; however, no multi-factor or continuous authentication mechanisms are described, nor are there any access reviews to validate authentication strength against asset classifications. Missing information: implementation of multi-factor authentication, continuous authentication mechanisms, and measures ensuring authentication strength aligns with asset classification.</a:t>
             </a:r>
           </a:p>
         </p:txBody>
@@ -2836,23 +2717,7 @@
           <a:lstStyle/>
           <a:p>
             <a:r>
-              <a:t>1. More information needed to conclude whether multi-factor or continuous authentication is enforced for access to the network and information systems.  </a:t>
-            </a:r>
-          </a:p>
-          <a:p>
-            <a:r>
-              <a:t>   Follow-up: Are MFA or continuous authentication mechanisms implemented for general AD and privileged accounts, and which factors are used?</a:t>
-            </a:r>
-          </a:p>
-          <a:p/>
-          <a:p>
-            <a:r>
-              <a:t>2. More information needed to conclude whether the strength of authentication aligns with asset classification.  </a:t>
-            </a:r>
-          </a:p>
-          <a:p>
-            <a:r>
-              <a:t>   Follow-up: How is authentication strength determined per asset classification, and what controls ensure appropriate enforcement?</a:t>
+              <a:t>observations not requested</a:t>
             </a:r>
           </a:p>
         </p:txBody>
@@ -2873,12 +2738,7 @@
           <a:lstStyle/>
           <a:p>
             <a:r>
-              <a:t>1. No specific risks - more infortmation needed  </a:t>
-            </a:r>
-          </a:p>
-          <a:p>
-            <a:r>
-              <a:t>2. No specific risks - more infortmation needed</a:t>
+              <a:t>risks not requested</a:t>
             </a:r>
           </a:p>
         </p:txBody>
@@ -2962,7 +2822,7 @@
           <a:lstStyle/>
           <a:p>
             <a:r>
-              <a:t>The organization manages logical access centrally through Active Directory, issuing named non-privileged accounts to each user and storing privileged credentials in a KeePass tool accessible only by system administrators, with event monitoring handled by the SOC team. Data backups follow defined schedules but are not immutable, and no regular access reviews are performed. Missing information: formal documentation of logical and physical access control policies, policy review intervals and update procedures, controls for visitors and external entities, process-level access rules and authentication mechanisms beyond credential storage, and any physical access control measures.</a:t>
+              <a:t>Access to the network is managed centrally through Active Directory, with named general accounts issued to each user and privileged credentials stored in a KeePass tool accessible only to system administrators; event monitoring is performed by the SOC team. However, there is no evidence of periodic access reviews, and physical access controls or policies for visitors, suppliers or service providers are not described. Missing information: documented logical and physical access control policies based on business and security requirements; specific provisions for network and information system processes; assurance that all users are adequately authenticated; and procedures for reviewing and updating these policies at planned intervals or following significant incidents or operational changes.</a:t>
             </a:r>
           </a:p>
         </p:txBody>
@@ -3025,34 +2885,7 @@
           <a:lstStyle/>
           <a:p>
             <a:r>
-              <a:t>1. More information needed to conclude whether a documented logical and physical access control policy exists.  </a:t>
-            </a:r>
-          </a:p>
-          <a:p>
-            <a:r>
-              <a:t>   Follow-up: Please provide the formal access control policy documents and evidence of their implementation.</a:t>
-            </a:r>
-          </a:p>
-          <a:p/>
-          <a:p>
-            <a:r>
-              <a:t>2. More information needed to conclude if the access control policy addresses all required actors (staff, visitors, suppliers, service providers) and system processes.  </a:t>
-            </a:r>
-          </a:p>
-          <a:p>
-            <a:r>
-              <a:t>   Follow-up: Share policy sections or scope statements outlining coverage of persons and network/information-system processes.</a:t>
-            </a:r>
-          </a:p>
-          <a:p/>
-          <a:p>
-            <a:r>
-              <a:t>3. More information needed to conclude whether the access control policies are reviewed and updated at planned intervals or after significant incidents/changes.  </a:t>
-            </a:r>
-          </a:p>
-          <a:p>
-            <a:r>
-              <a:t>   Follow-up: Provide the policy review schedule and records of updates following incidents or operational changes.</a:t>
+              <a:t>observations not requested</a:t>
             </a:r>
           </a:p>
         </p:txBody>
@@ -3073,17 +2906,7 @@
           <a:lstStyle/>
           <a:p>
             <a:r>
-              <a:t>1. No specific risks - more infortmation needed  </a:t>
-            </a:r>
-          </a:p>
-          <a:p>
-            <a:r>
-              <a:t>2. No specific risks - more infortmation needed  </a:t>
-            </a:r>
-          </a:p>
-          <a:p>
-            <a:r>
-              <a:t>3. No specific risks - more infortmation needed</a:t>
+              <a:t>risks not requested</a:t>
             </a:r>
           </a:p>
         </p:txBody>
@@ -3167,7 +2990,7 @@
           <a:lstStyle/>
           <a:p>
             <a:r>
-              <a:t>Access rights are managed centrally via Active Directory for general network access with named non-privileged accounts issued per user and privileged account credentials stored in a KeePass tool accessible only to system administrators, with event monitoring by the SOC team. Missing information: the access control policy, assignment and revocation procedures including need-to-know, least privilege and separation of duties, modifications upon employment changes or termination, authorization processes, controls over third-party access, maintenance of an access rights register, logging of access rights management activities and scheduled access rights reviews with documented outcomes.</a:t>
+              <a:t>The organization manages general network access through Active Directory by issuing named accounts for each user and stores credentials for privileged accounts in a KeePass tool accessible only to system administrators, with event monitoring of access management activities performed by the SOC team. Missing information: documentation of access rights provisioning, modification and removal; application of need-to-know, least privilege and separation-of-duties principles; modification of access rights upon termination or role changes; formal authorization processes; management and limitation of third-party access; maintenance of an access rights register; and periodic review of access rights.</a:t>
             </a:r>
           </a:p>
         </p:txBody>
@@ -3230,42 +3053,7 @@
           <a:lstStyle/>
           <a:p>
             <a:r>
-              <a:t>- Finding: Access reviews are not performed (11.2.3). Notes state “Access reviews are not performed,” indicating the entity does not review and document access rights at planned intervals as required.  </a:t>
-            </a:r>
-          </a:p>
-          <a:p>
-            <a:r>
-              <a:t>- More information needed to conclude compliance with 11.2.1 (provision, modification, removal, documentation of access rights). Follow-up: please provide the access control policy and records demonstrating how access rights are created, updated and removed.  </a:t>
-            </a:r>
-          </a:p>
-          <a:p>
-            <a:r>
-              <a:t>- More information needed to conclude compliance with 11.2.2(a) (assignment and revocation based on need-to-know, least privilege, separation of duties). Follow-up: describe processes and evidence for how these principles are enforced.  </a:t>
-            </a:r>
-          </a:p>
-          <a:p>
-            <a:r>
-              <a:t>- More information needed for 11.2.2(b) (modification of access upon termination/change). Follow-up: provide procedures and logs showing timely updates for employment changes.  </a:t>
-            </a:r>
-          </a:p>
-          <a:p>
-            <a:r>
-              <a:t>- More information needed for 11.2.2(c) (authorization by relevant persons). Follow-up: supply documentation of authorization workflows for granting access.  </a:t>
-            </a:r>
-          </a:p>
-          <a:p>
-            <a:r>
-              <a:t>- More information needed for 11.2.2(d) (third-party access controls). Follow-up: detail how visitor, supplier and service-provider access is limited in scope and duration.  </a:t>
-            </a:r>
-          </a:p>
-          <a:p>
-            <a:r>
-              <a:t>- More information needed for 11.2.2(e) (register of access rights). Follow-up: request the current register or inventory of granted access rights.  </a:t>
-            </a:r>
-          </a:p>
-          <a:p>
-            <a:r>
-              <a:t>- More information needed for 11.2.2(f) (logging of access rights management). Follow-up: provide logs or evidence showing changes to access rights are recorded.</a:t>
+              <a:t>observations not requested</a:t>
             </a:r>
           </a:p>
         </p:txBody>
@@ -3286,49 +3074,7 @@
           <a:lstStyle/>
           <a:p>
             <a:r>
-              <a:t>1. Without planned and documented access-rights reviews (11.2.3), obsolete or excessive privileges may remain active, increasing the likelihood of unauthorized access, data exfiltration, insider threats, regulatory non-compliance, and reputational harm due to failure to enforce least privilege and separation of duties.  </a:t>
-            </a:r>
-          </a:p>
-          <a:p/>
-          <a:p>
-            <a:r>
-              <a:t>2. No specific risks - more information needed  </a:t>
-            </a:r>
-          </a:p>
-          <a:p/>
-          <a:p>
-            <a:r>
-              <a:t>3. No specific risks - more information needed  </a:t>
-            </a:r>
-          </a:p>
-          <a:p/>
-          <a:p>
-            <a:r>
-              <a:t>4. No specific risks - more information needed  </a:t>
-            </a:r>
-          </a:p>
-          <a:p/>
-          <a:p>
-            <a:r>
-              <a:t>5. No specific risks - more information needed  </a:t>
-            </a:r>
-          </a:p>
-          <a:p/>
-          <a:p>
-            <a:r>
-              <a:t>6. No specific risks - more information needed  </a:t>
-            </a:r>
-          </a:p>
-          <a:p/>
-          <a:p>
-            <a:r>
-              <a:t>7. No specific risks - more information needed  </a:t>
-            </a:r>
-          </a:p>
-          <a:p/>
-          <a:p>
-            <a:r>
-              <a:t>8. No specific risks - more information needed</a:t>
+              <a:t>risks not requested</a:t>
             </a:r>
           </a:p>
         </p:txBody>
@@ -3412,7 +3158,7 @@
           <a:lstStyle/>
           <a:p>
             <a:r>
-              <a:t>The organization manages general user access through individual Active Directory accounts while privileged account credentials are centrally stored in the KeePass tool and accessible solely by system administrators; however, no dedicated system administration accounts, multi-factor authentication or documented privileged account policies as part of an overarching access control policy have been evidenced, and there are no periodic reviews of privileged access rights documented. Missing information: policies for management of privileged and system administration accounts; strong identification, authentication and authorization procedures; exclusive system administration accounts; individualization and restriction of system administration privileges; limitation of administration accounts to administration systems; planned-interval access reviews with documented results.</a:t>
+              <a:t>Privileged account access is managed via centralized Active Directory, with credentials for privileged and system administration accounts stored in a KeePass tool accessible only to system administrators, while general Active Directory accounts are individually named and issued to each user; however, no access reviews are performed. Missing information: formal policies for privileged and system administration account management, implementation of multi-factor authentication, use of dedicated system administration accounts exclusively for installation, configuration, management or maintenance, strict least-privilege enforcement, restriction of administration accounts to administration systems, and documentation of periodic access rights reviews.</a:t>
             </a:r>
           </a:p>
         </p:txBody>
@@ -3475,60 +3221,7 @@
           <a:lstStyle/>
           <a:p>
             <a:r>
-              <a:t>1. 11.3.1 – Policy existence  </a:t>
-            </a:r>
-          </a:p>
-          <a:p>
-            <a:r>
-              <a:t>Observation: No policies for privileged or system administration accounts are mentioned in the notes.  </a:t>
-            </a:r>
-          </a:p>
-          <a:p>
-            <a:r>
-              <a:t>More information needed to conclude.</a:t>
-            </a:r>
-          </a:p>
-          <a:p/>
-          <a:p>
-            <a:r>
-              <a:t>2. 11.3.2(a) – Strong authentication  </a:t>
-            </a:r>
-          </a:p>
-          <a:p>
-            <a:r>
-              <a:t>Observation: Notes do not mention multi-factor authentication for privileged accounts.  </a:t>
-            </a:r>
-          </a:p>
-          <a:p>
-            <a:r>
-              <a:t>More information needed to conclude.</a:t>
-            </a:r>
-          </a:p>
-          <a:p/>
-          <a:p>
-            <a:r>
-              <a:t>3. 11.3.2(b)–(d) – Dedicated admin accounts and privilege restrictions  </a:t>
-            </a:r>
-          </a:p>
-          <a:p>
-            <a:r>
-              <a:t>Observation: Notes lack reference to specific admin-only accounts, individualized privilege restrictions, or usage constraints.  </a:t>
-            </a:r>
-          </a:p>
-          <a:p>
-            <a:r>
-              <a:t>More information needed to conclude.</a:t>
-            </a:r>
-          </a:p>
-          <a:p/>
-          <a:p>
-            <a:r>
-              <a:t>4. 11.3.3 – Access reviews  </a:t>
-            </a:r>
-          </a:p>
-          <a:p>
-            <a:r>
-              <a:t>Observation: “Access reviews are not performed,” indicating no periodic review or documentation of privileged account rights.</a:t>
+              <a:t>observations not requested</a:t>
             </a:r>
           </a:p>
         </p:txBody>
@@ -3549,25 +3242,7 @@
           <a:lstStyle/>
           <a:p>
             <a:r>
-              <a:t>1. No specific risks – more infortmation needed</a:t>
-            </a:r>
-          </a:p>
-          <a:p/>
-          <a:p>
-            <a:r>
-              <a:t>2. No specific risks – more infortmation needed</a:t>
-            </a:r>
-          </a:p>
-          <a:p/>
-          <a:p>
-            <a:r>
-              <a:t>3. No specific risks – more infortmation needed</a:t>
-            </a:r>
-          </a:p>
-          <a:p/>
-          <a:p>
-            <a:r>
-              <a:t>4. Without periodic review and documentation of privileged‐account access rights, orphaned or excessive privileges may persist after staff role changes, increasing the risk of unauthorized access, insider threat exploitation, and data breaches. This also undermines accountability and violates NIS2 requirements, potentially leading to regulatory penalties and reputational damage if privileged accounts are misused.</a:t>
+              <a:t>risks not requested</a:t>
             </a:r>
           </a:p>
         </p:txBody>
@@ -3651,7 +3326,7 @@
           <a:lstStyle/>
           <a:p>
             <a:r>
-              <a:t>System administration systems are accessed exclusively by designated system administrators who retrieve privileged account credentials from a centrally managed KeePass repository, while general user access to the network is governed by Active Directory accounts. Authentication controls rely on Active Directory credential management and restricted access to the KeePass tool. However, the audit did not document any formal access control policy enforcement, logical segregation of system administration systems from non-administrative applications, encryption measures specifically applied to administration systems, or regular access reviews to validate these controls. Missing information: enforcement of the access control policy, logical separation of administrative systems, encryption protections, and periodic access reviews.</a:t>
+              <a:t>System administration systems access is controlled via Active Directory and credential management in the KeePass tool, with privileged account credentials stored centrally and accessible only to system administrators. Active Directory accounts are provisioned per user for non-privileged access, while group-level governance defines cybersecurity responsibilities across sites and the SOC team manages event monitoring. No periodic access reviews are performed. Missing information: explicit logical separation of system administration systems from non-administrative application software, use of encryption for access protection, confirmation that these systems are used solely for administrative purposes, and alignment with the formal access control policy.</a:t>
             </a:r>
           </a:p>
         </p:txBody>
@@ -3714,19 +3389,7 @@
           <a:lstStyle/>
           <a:p>
             <a:r>
-              <a:t>1. Finding (11.4.2 a): No evidence in the notes that system administration systems are used exclusively for administrative purposes. More information needed to conclude.  </a:t>
-            </a:r>
-          </a:p>
-          <a:p/>
-          <a:p>
-            <a:r>
-              <a:t>2. Finding (11.4.2 b): The notes do not describe logical separation between system administration systems and non‐administrative application software. More information needed to conclude.  </a:t>
-            </a:r>
-          </a:p>
-          <a:p/>
-          <a:p>
-            <a:r>
-              <a:t>3. Finding (11.4.2 c): While privileged‐account credentials are stored in KeePass, there is no mention of encryption for access to system administration systems. More information needed to conclude.</a:t>
+              <a:t>observations not requested</a:t>
             </a:r>
           </a:p>
         </p:txBody>
@@ -3747,17 +3410,7 @@
           <a:lstStyle/>
           <a:p>
             <a:r>
-              <a:t>1. Finding 11.4.2 a: No specific risks – more infortmation needed  </a:t>
-            </a:r>
-          </a:p>
-          <a:p>
-            <a:r>
-              <a:t>2. Finding 11.4.2 b: No specific risks – more infortmation needed  </a:t>
-            </a:r>
-          </a:p>
-          <a:p>
-            <a:r>
-              <a:t>3. Finding 11.4.2 c: No specific risks – more infortmation needed</a:t>
+              <a:t>risks not requested</a:t>
             </a:r>
           </a:p>
         </p:txBody>
